--- a/Thesis/Comprehensive Exam/References/yazar.pptx
+++ b/Thesis/Comprehensive Exam/References/yazar.pptx
@@ -132,6 +132,10 @@
 </p:presentation>
 </file>
 
+<file path=ppt/revisionInfo.xml><?xml version="1.0" encoding="utf-8"?>
+<p1510:revInfo xmlns:a="http://schemas.openxmlformats.org/drawingml/2006/main" xmlns:r="http://schemas.openxmlformats.org/officeDocument/2006/relationships" xmlns:p1510="http://schemas.microsoft.com/office/powerpoint/2015/10/main"/>
+</file>
+
 <file path=ppt/notesMasters/notesMaster1.xml><?xml version="1.0" encoding="utf-8"?>
 <p:notesMaster xmlns:a="http://schemas.openxmlformats.org/drawingml/2006/main" xmlns:r="http://schemas.openxmlformats.org/officeDocument/2006/relationships" xmlns:p="http://schemas.openxmlformats.org/presentationml/2006/main">
   <p:cSld>
@@ -214,7 +218,7 @@
           <a:p>
             <a:fld id="{D434D8D4-04FE-4AE5-B182-271D54AEBA39}" type="datetimeFigureOut">
               <a:rPr lang="en-US" smtClean="0"/>
-              <a:t>1/15/2018</a:t>
+              <a:t>15-Jan-18</a:t>
             </a:fld>
             <a:endParaRPr lang="en-US"/>
           </a:p>
@@ -278,38 +282,37 @@
           <a:p>
             <a:pPr lvl="0"/>
             <a:r>
-              <a:rPr lang="en-US" smtClean="0"/>
+              <a:rPr lang="en-US"/>
               <a:t>Click to edit Master text styles</a:t>
             </a:r>
           </a:p>
           <a:p>
             <a:pPr lvl="1"/>
             <a:r>
-              <a:rPr lang="en-US" smtClean="0"/>
+              <a:rPr lang="en-US"/>
               <a:t>Second level</a:t>
             </a:r>
           </a:p>
           <a:p>
             <a:pPr lvl="2"/>
             <a:r>
-              <a:rPr lang="en-US" smtClean="0"/>
+              <a:rPr lang="en-US"/>
               <a:t>Third level</a:t>
             </a:r>
           </a:p>
           <a:p>
             <a:pPr lvl="3"/>
             <a:r>
-              <a:rPr lang="en-US" smtClean="0"/>
+              <a:rPr lang="en-US"/>
               <a:t>Fourth level</a:t>
             </a:r>
           </a:p>
           <a:p>
             <a:pPr lvl="4"/>
             <a:r>
-              <a:rPr lang="en-US" smtClean="0"/>
+              <a:rPr lang="en-US"/>
               <a:t>Fifth level</a:t>
             </a:r>
-            <a:endParaRPr lang="en-US"/>
           </a:p>
         </p:txBody>
       </p:sp>
@@ -791,7 +794,7 @@
           </a:lstStyle>
           <a:p>
             <a:r>
-              <a:rPr lang="en-US" smtClean="0"/>
+              <a:rPr lang="en-US"/>
               <a:t>Click to edit Master title style</a:t>
             </a:r>
             <a:endParaRPr lang="en-US" dirty="0"/>
@@ -856,7 +859,7 @@
           </a:lstStyle>
           <a:p>
             <a:r>
-              <a:rPr lang="en-US" smtClean="0"/>
+              <a:rPr lang="en-US"/>
               <a:t>Click to edit Master subtitle style</a:t>
             </a:r>
             <a:endParaRPr lang="en-US" dirty="0"/>
@@ -880,7 +883,7 @@
           <a:p>
             <a:fld id="{6AB620DE-E9D6-47DE-9479-CA3BAEF24B0D}" type="datetimeFigureOut">
               <a:rPr lang="en-US" smtClean="0"/>
-              <a:t>1/15/2018</a:t>
+              <a:t>15-Jan-18</a:t>
             </a:fld>
             <a:endParaRPr lang="en-US"/>
           </a:p>
@@ -974,7 +977,7 @@
           <a:lstStyle/>
           <a:p>
             <a:r>
-              <a:rPr lang="en-US" smtClean="0"/>
+              <a:rPr lang="en-US"/>
               <a:t>Click to edit Master title style</a:t>
             </a:r>
             <a:endParaRPr lang="en-US" dirty="0"/>
@@ -998,35 +1001,35 @@
           <a:p>
             <a:pPr lvl="0"/>
             <a:r>
-              <a:rPr lang="en-US" smtClean="0"/>
+              <a:rPr lang="en-US"/>
               <a:t>Click to edit Master text styles</a:t>
             </a:r>
           </a:p>
           <a:p>
             <a:pPr lvl="1"/>
             <a:r>
-              <a:rPr lang="en-US" smtClean="0"/>
+              <a:rPr lang="en-US"/>
               <a:t>Second level</a:t>
             </a:r>
           </a:p>
           <a:p>
             <a:pPr lvl="2"/>
             <a:r>
-              <a:rPr lang="en-US" smtClean="0"/>
+              <a:rPr lang="en-US"/>
               <a:t>Third level</a:t>
             </a:r>
           </a:p>
           <a:p>
             <a:pPr lvl="3"/>
             <a:r>
-              <a:rPr lang="en-US" smtClean="0"/>
+              <a:rPr lang="en-US"/>
               <a:t>Fourth level</a:t>
             </a:r>
           </a:p>
           <a:p>
             <a:pPr lvl="4"/>
             <a:r>
-              <a:rPr lang="en-US" smtClean="0"/>
+              <a:rPr lang="en-US"/>
               <a:t>Fifth level</a:t>
             </a:r>
             <a:endParaRPr lang="en-US" dirty="0"/>
@@ -1050,7 +1053,7 @@
           <a:p>
             <a:fld id="{6AB620DE-E9D6-47DE-9479-CA3BAEF24B0D}" type="datetimeFigureOut">
               <a:rPr lang="en-US" smtClean="0"/>
-              <a:t>1/15/2018</a:t>
+              <a:t>15-Jan-18</a:t>
             </a:fld>
             <a:endParaRPr lang="en-US"/>
           </a:p>
@@ -1149,7 +1152,7 @@
           <a:lstStyle/>
           <a:p>
             <a:r>
-              <a:rPr lang="en-US" smtClean="0"/>
+              <a:rPr lang="en-US"/>
               <a:t>Click to edit Master title style</a:t>
             </a:r>
             <a:endParaRPr lang="en-US" dirty="0"/>
@@ -1178,35 +1181,35 @@
           <a:p>
             <a:pPr lvl="0"/>
             <a:r>
-              <a:rPr lang="en-US" smtClean="0"/>
+              <a:rPr lang="en-US"/>
               <a:t>Click to edit Master text styles</a:t>
             </a:r>
           </a:p>
           <a:p>
             <a:pPr lvl="1"/>
             <a:r>
-              <a:rPr lang="en-US" smtClean="0"/>
+              <a:rPr lang="en-US"/>
               <a:t>Second level</a:t>
             </a:r>
           </a:p>
           <a:p>
             <a:pPr lvl="2"/>
             <a:r>
-              <a:rPr lang="en-US" smtClean="0"/>
+              <a:rPr lang="en-US"/>
               <a:t>Third level</a:t>
             </a:r>
           </a:p>
           <a:p>
             <a:pPr lvl="3"/>
             <a:r>
-              <a:rPr lang="en-US" smtClean="0"/>
+              <a:rPr lang="en-US"/>
               <a:t>Fourth level</a:t>
             </a:r>
           </a:p>
           <a:p>
             <a:pPr lvl="4"/>
             <a:r>
-              <a:rPr lang="en-US" smtClean="0"/>
+              <a:rPr lang="en-US"/>
               <a:t>Fifth level</a:t>
             </a:r>
             <a:endParaRPr lang="en-US" dirty="0"/>
@@ -1230,7 +1233,7 @@
           <a:p>
             <a:fld id="{6AB620DE-E9D6-47DE-9479-CA3BAEF24B0D}" type="datetimeFigureOut">
               <a:rPr lang="en-US" smtClean="0"/>
-              <a:t>1/15/2018</a:t>
+              <a:t>15-Jan-18</a:t>
             </a:fld>
             <a:endParaRPr lang="en-US"/>
           </a:p>
@@ -1324,7 +1327,7 @@
           <a:lstStyle/>
           <a:p>
             <a:r>
-              <a:rPr lang="en-US" smtClean="0"/>
+              <a:rPr lang="en-US"/>
               <a:t>Click to edit Master title style</a:t>
             </a:r>
             <a:endParaRPr lang="en-US" dirty="0"/>
@@ -1348,35 +1351,35 @@
           <a:p>
             <a:pPr lvl="0"/>
             <a:r>
-              <a:rPr lang="en-US" smtClean="0"/>
+              <a:rPr lang="en-US"/>
               <a:t>Click to edit Master text styles</a:t>
             </a:r>
           </a:p>
           <a:p>
             <a:pPr lvl="1"/>
             <a:r>
-              <a:rPr lang="en-US" smtClean="0"/>
+              <a:rPr lang="en-US"/>
               <a:t>Second level</a:t>
             </a:r>
           </a:p>
           <a:p>
             <a:pPr lvl="2"/>
             <a:r>
-              <a:rPr lang="en-US" smtClean="0"/>
+              <a:rPr lang="en-US"/>
               <a:t>Third level</a:t>
             </a:r>
           </a:p>
           <a:p>
             <a:pPr lvl="3"/>
             <a:r>
-              <a:rPr lang="en-US" smtClean="0"/>
+              <a:rPr lang="en-US"/>
               <a:t>Fourth level</a:t>
             </a:r>
           </a:p>
           <a:p>
             <a:pPr lvl="4"/>
             <a:r>
-              <a:rPr lang="en-US" smtClean="0"/>
+              <a:rPr lang="en-US"/>
               <a:t>Fifth level</a:t>
             </a:r>
             <a:endParaRPr lang="en-US" dirty="0"/>
@@ -1400,7 +1403,7 @@
           <a:p>
             <a:fld id="{6AB620DE-E9D6-47DE-9479-CA3BAEF24B0D}" type="datetimeFigureOut">
               <a:rPr lang="en-US" smtClean="0"/>
-              <a:t>1/15/2018</a:t>
+              <a:t>15-Jan-18</a:t>
             </a:fld>
             <a:endParaRPr lang="en-US"/>
           </a:p>
@@ -1503,7 +1506,7 @@
           </a:lstStyle>
           <a:p>
             <a:r>
-              <a:rPr lang="en-US" smtClean="0"/>
+              <a:rPr lang="en-US"/>
               <a:t>Click to edit Master title style</a:t>
             </a:r>
             <a:endParaRPr lang="en-US" dirty="0"/>
@@ -1621,7 +1624,7 @@
           <a:p>
             <a:pPr lvl="0"/>
             <a:r>
-              <a:rPr lang="en-US" smtClean="0"/>
+              <a:rPr lang="en-US"/>
               <a:t>Click to edit Master text styles</a:t>
             </a:r>
           </a:p>
@@ -1644,7 +1647,7 @@
           <a:p>
             <a:fld id="{6AB620DE-E9D6-47DE-9479-CA3BAEF24B0D}" type="datetimeFigureOut">
               <a:rPr lang="en-US" smtClean="0"/>
-              <a:t>1/15/2018</a:t>
+              <a:t>15-Jan-18</a:t>
             </a:fld>
             <a:endParaRPr lang="en-US"/>
           </a:p>
@@ -1738,7 +1741,7 @@
           <a:lstStyle/>
           <a:p>
             <a:r>
-              <a:rPr lang="en-US" smtClean="0"/>
+              <a:rPr lang="en-US"/>
               <a:t>Click to edit Master title style</a:t>
             </a:r>
             <a:endParaRPr lang="en-US" dirty="0"/>
@@ -1767,35 +1770,35 @@
           <a:p>
             <a:pPr lvl="0"/>
             <a:r>
-              <a:rPr lang="en-US" smtClean="0"/>
+              <a:rPr lang="en-US"/>
               <a:t>Click to edit Master text styles</a:t>
             </a:r>
           </a:p>
           <a:p>
             <a:pPr lvl="1"/>
             <a:r>
-              <a:rPr lang="en-US" smtClean="0"/>
+              <a:rPr lang="en-US"/>
               <a:t>Second level</a:t>
             </a:r>
           </a:p>
           <a:p>
             <a:pPr lvl="2"/>
             <a:r>
-              <a:rPr lang="en-US" smtClean="0"/>
+              <a:rPr lang="en-US"/>
               <a:t>Third level</a:t>
             </a:r>
           </a:p>
           <a:p>
             <a:pPr lvl="3"/>
             <a:r>
-              <a:rPr lang="en-US" smtClean="0"/>
+              <a:rPr lang="en-US"/>
               <a:t>Fourth level</a:t>
             </a:r>
           </a:p>
           <a:p>
             <a:pPr lvl="4"/>
             <a:r>
-              <a:rPr lang="en-US" smtClean="0"/>
+              <a:rPr lang="en-US"/>
               <a:t>Fifth level</a:t>
             </a:r>
             <a:endParaRPr lang="en-US" dirty="0"/>
@@ -1824,35 +1827,35 @@
           <a:p>
             <a:pPr lvl="0"/>
             <a:r>
-              <a:rPr lang="en-US" smtClean="0"/>
+              <a:rPr lang="en-US"/>
               <a:t>Click to edit Master text styles</a:t>
             </a:r>
           </a:p>
           <a:p>
             <a:pPr lvl="1"/>
             <a:r>
-              <a:rPr lang="en-US" smtClean="0"/>
+              <a:rPr lang="en-US"/>
               <a:t>Second level</a:t>
             </a:r>
           </a:p>
           <a:p>
             <a:pPr lvl="2"/>
             <a:r>
-              <a:rPr lang="en-US" smtClean="0"/>
+              <a:rPr lang="en-US"/>
               <a:t>Third level</a:t>
             </a:r>
           </a:p>
           <a:p>
             <a:pPr lvl="3"/>
             <a:r>
-              <a:rPr lang="en-US" smtClean="0"/>
+              <a:rPr lang="en-US"/>
               <a:t>Fourth level</a:t>
             </a:r>
           </a:p>
           <a:p>
             <a:pPr lvl="4"/>
             <a:r>
-              <a:rPr lang="en-US" smtClean="0"/>
+              <a:rPr lang="en-US"/>
               <a:t>Fifth level</a:t>
             </a:r>
             <a:endParaRPr lang="en-US" dirty="0"/>
@@ -1876,7 +1879,7 @@
           <a:p>
             <a:fld id="{6AB620DE-E9D6-47DE-9479-CA3BAEF24B0D}" type="datetimeFigureOut">
               <a:rPr lang="en-US" smtClean="0"/>
-              <a:t>1/15/2018</a:t>
+              <a:t>15-Jan-18</a:t>
             </a:fld>
             <a:endParaRPr lang="en-US"/>
           </a:p>
@@ -1975,7 +1978,7 @@
           <a:lstStyle/>
           <a:p>
             <a:r>
-              <a:rPr lang="en-US" smtClean="0"/>
+              <a:rPr lang="en-US"/>
               <a:t>Click to edit Master title style</a:t>
             </a:r>
             <a:endParaRPr lang="en-US" dirty="0"/>
@@ -2041,7 +2044,7 @@
           <a:p>
             <a:pPr lvl="0"/>
             <a:r>
-              <a:rPr lang="en-US" smtClean="0"/>
+              <a:rPr lang="en-US"/>
               <a:t>Click to edit Master text styles</a:t>
             </a:r>
           </a:p>
@@ -2069,35 +2072,35 @@
           <a:p>
             <a:pPr lvl="0"/>
             <a:r>
-              <a:rPr lang="en-US" smtClean="0"/>
+              <a:rPr lang="en-US"/>
               <a:t>Click to edit Master text styles</a:t>
             </a:r>
           </a:p>
           <a:p>
             <a:pPr lvl="1"/>
             <a:r>
-              <a:rPr lang="en-US" smtClean="0"/>
+              <a:rPr lang="en-US"/>
               <a:t>Second level</a:t>
             </a:r>
           </a:p>
           <a:p>
             <a:pPr lvl="2"/>
             <a:r>
-              <a:rPr lang="en-US" smtClean="0"/>
+              <a:rPr lang="en-US"/>
               <a:t>Third level</a:t>
             </a:r>
           </a:p>
           <a:p>
             <a:pPr lvl="3"/>
             <a:r>
-              <a:rPr lang="en-US" smtClean="0"/>
+              <a:rPr lang="en-US"/>
               <a:t>Fourth level</a:t>
             </a:r>
           </a:p>
           <a:p>
             <a:pPr lvl="4"/>
             <a:r>
-              <a:rPr lang="en-US" smtClean="0"/>
+              <a:rPr lang="en-US"/>
               <a:t>Fifth level</a:t>
             </a:r>
             <a:endParaRPr lang="en-US" dirty="0"/>
@@ -2163,7 +2166,7 @@
           <a:p>
             <a:pPr lvl="0"/>
             <a:r>
-              <a:rPr lang="en-US" smtClean="0"/>
+              <a:rPr lang="en-US"/>
               <a:t>Click to edit Master text styles</a:t>
             </a:r>
           </a:p>
@@ -2191,35 +2194,35 @@
           <a:p>
             <a:pPr lvl="0"/>
             <a:r>
-              <a:rPr lang="en-US" smtClean="0"/>
+              <a:rPr lang="en-US"/>
               <a:t>Click to edit Master text styles</a:t>
             </a:r>
           </a:p>
           <a:p>
             <a:pPr lvl="1"/>
             <a:r>
-              <a:rPr lang="en-US" smtClean="0"/>
+              <a:rPr lang="en-US"/>
               <a:t>Second level</a:t>
             </a:r>
           </a:p>
           <a:p>
             <a:pPr lvl="2"/>
             <a:r>
-              <a:rPr lang="en-US" smtClean="0"/>
+              <a:rPr lang="en-US"/>
               <a:t>Third level</a:t>
             </a:r>
           </a:p>
           <a:p>
             <a:pPr lvl="3"/>
             <a:r>
-              <a:rPr lang="en-US" smtClean="0"/>
+              <a:rPr lang="en-US"/>
               <a:t>Fourth level</a:t>
             </a:r>
           </a:p>
           <a:p>
             <a:pPr lvl="4"/>
             <a:r>
-              <a:rPr lang="en-US" smtClean="0"/>
+              <a:rPr lang="en-US"/>
               <a:t>Fifth level</a:t>
             </a:r>
             <a:endParaRPr lang="en-US" dirty="0"/>
@@ -2243,7 +2246,7 @@
           <a:p>
             <a:fld id="{6AB620DE-E9D6-47DE-9479-CA3BAEF24B0D}" type="datetimeFigureOut">
               <a:rPr lang="en-US" smtClean="0"/>
-              <a:t>1/15/2018</a:t>
+              <a:t>15-Jan-18</a:t>
             </a:fld>
             <a:endParaRPr lang="en-US"/>
           </a:p>
@@ -2337,7 +2340,7 @@
           <a:lstStyle/>
           <a:p>
             <a:r>
-              <a:rPr lang="en-US" smtClean="0"/>
+              <a:rPr lang="en-US"/>
               <a:t>Click to edit Master title style</a:t>
             </a:r>
             <a:endParaRPr lang="en-US" dirty="0"/>
@@ -2361,7 +2364,7 @@
           <a:p>
             <a:fld id="{6AB620DE-E9D6-47DE-9479-CA3BAEF24B0D}" type="datetimeFigureOut">
               <a:rPr lang="en-US" smtClean="0"/>
-              <a:t>1/15/2018</a:t>
+              <a:t>15-Jan-18</a:t>
             </a:fld>
             <a:endParaRPr lang="en-US"/>
           </a:p>
@@ -2456,7 +2459,7 @@
           <a:p>
             <a:fld id="{6AB620DE-E9D6-47DE-9479-CA3BAEF24B0D}" type="datetimeFigureOut">
               <a:rPr lang="en-US" smtClean="0"/>
-              <a:t>1/15/2018</a:t>
+              <a:t>15-Jan-18</a:t>
             </a:fld>
             <a:endParaRPr lang="en-US"/>
           </a:p>
@@ -2559,7 +2562,7 @@
           </a:lstStyle>
           <a:p>
             <a:r>
-              <a:rPr lang="en-US" smtClean="0"/>
+              <a:rPr lang="en-US"/>
               <a:t>Click to edit Master title style</a:t>
             </a:r>
             <a:endParaRPr lang="en-US" dirty="0"/>
@@ -2616,35 +2619,35 @@
           <a:p>
             <a:pPr lvl="0"/>
             <a:r>
-              <a:rPr lang="en-US" smtClean="0"/>
+              <a:rPr lang="en-US"/>
               <a:t>Click to edit Master text styles</a:t>
             </a:r>
           </a:p>
           <a:p>
             <a:pPr lvl="1"/>
             <a:r>
-              <a:rPr lang="en-US" smtClean="0"/>
+              <a:rPr lang="en-US"/>
               <a:t>Second level</a:t>
             </a:r>
           </a:p>
           <a:p>
             <a:pPr lvl="2"/>
             <a:r>
-              <a:rPr lang="en-US" smtClean="0"/>
+              <a:rPr lang="en-US"/>
               <a:t>Third level</a:t>
             </a:r>
           </a:p>
           <a:p>
             <a:pPr lvl="3"/>
             <a:r>
-              <a:rPr lang="en-US" smtClean="0"/>
+              <a:rPr lang="en-US"/>
               <a:t>Fourth level</a:t>
             </a:r>
           </a:p>
           <a:p>
             <a:pPr lvl="4"/>
             <a:r>
-              <a:rPr lang="en-US" smtClean="0"/>
+              <a:rPr lang="en-US"/>
               <a:t>Fifth level</a:t>
             </a:r>
             <a:endParaRPr lang="en-US" dirty="0"/>
@@ -2710,7 +2713,7 @@
           <a:p>
             <a:pPr lvl="0"/>
             <a:r>
-              <a:rPr lang="en-US" smtClean="0"/>
+              <a:rPr lang="en-US"/>
               <a:t>Click to edit Master text styles</a:t>
             </a:r>
           </a:p>
@@ -2733,7 +2736,7 @@
           <a:p>
             <a:fld id="{6AB620DE-E9D6-47DE-9479-CA3BAEF24B0D}" type="datetimeFigureOut">
               <a:rPr lang="en-US" smtClean="0"/>
-              <a:t>1/15/2018</a:t>
+              <a:t>15-Jan-18</a:t>
             </a:fld>
             <a:endParaRPr lang="en-US"/>
           </a:p>
@@ -2836,7 +2839,7 @@
           </a:lstStyle>
           <a:p>
             <a:r>
-              <a:rPr lang="en-US" smtClean="0"/>
+              <a:rPr lang="en-US"/>
               <a:t>Click to edit Master title style</a:t>
             </a:r>
             <a:endParaRPr lang="en-US" dirty="0"/>
@@ -2901,7 +2904,7 @@
           </a:lstStyle>
           <a:p>
             <a:r>
-              <a:rPr lang="en-US" smtClean="0"/>
+              <a:rPr lang="en-US"/>
               <a:t>Click icon to add picture</a:t>
             </a:r>
             <a:endParaRPr lang="en-US" dirty="0"/>
@@ -2967,7 +2970,7 @@
           <a:p>
             <a:pPr lvl="0"/>
             <a:r>
-              <a:rPr lang="en-US" smtClean="0"/>
+              <a:rPr lang="en-US"/>
               <a:t>Click to edit Master text styles</a:t>
             </a:r>
           </a:p>
@@ -2990,7 +2993,7 @@
           <a:p>
             <a:fld id="{6AB620DE-E9D6-47DE-9479-CA3BAEF24B0D}" type="datetimeFigureOut">
               <a:rPr lang="en-US" smtClean="0"/>
-              <a:t>1/15/2018</a:t>
+              <a:t>15-Jan-18</a:t>
             </a:fld>
             <a:endParaRPr lang="en-US"/>
           </a:p>
@@ -3099,7 +3102,7 @@
           <a:lstStyle/>
           <a:p>
             <a:r>
-              <a:rPr lang="en-US" smtClean="0"/>
+              <a:rPr lang="en-US"/>
               <a:t>Click to edit Master title style</a:t>
             </a:r>
             <a:endParaRPr lang="en-US" dirty="0"/>
@@ -3133,35 +3136,35 @@
           <a:p>
             <a:pPr lvl="0"/>
             <a:r>
-              <a:rPr lang="en-US" smtClean="0"/>
+              <a:rPr lang="en-US"/>
               <a:t>Click to edit Master text styles</a:t>
             </a:r>
           </a:p>
           <a:p>
             <a:pPr lvl="1"/>
             <a:r>
-              <a:rPr lang="en-US" smtClean="0"/>
+              <a:rPr lang="en-US"/>
               <a:t>Second level</a:t>
             </a:r>
           </a:p>
           <a:p>
             <a:pPr lvl="2"/>
             <a:r>
-              <a:rPr lang="en-US" smtClean="0"/>
+              <a:rPr lang="en-US"/>
               <a:t>Third level</a:t>
             </a:r>
           </a:p>
           <a:p>
             <a:pPr lvl="3"/>
             <a:r>
-              <a:rPr lang="en-US" smtClean="0"/>
+              <a:rPr lang="en-US"/>
               <a:t>Fourth level</a:t>
             </a:r>
           </a:p>
           <a:p>
             <a:pPr lvl="4"/>
             <a:r>
-              <a:rPr lang="en-US" smtClean="0"/>
+              <a:rPr lang="en-US"/>
               <a:t>Fifth level</a:t>
             </a:r>
             <a:endParaRPr lang="en-US" dirty="0"/>
@@ -3203,7 +3206,7 @@
           <a:p>
             <a:fld id="{6AB620DE-E9D6-47DE-9479-CA3BAEF24B0D}" type="datetimeFigureOut">
               <a:rPr lang="en-US" smtClean="0"/>
-              <a:t>1/15/2018</a:t>
+              <a:t>15-Jan-18</a:t>
             </a:fld>
             <a:endParaRPr lang="en-US"/>
           </a:p>
@@ -3699,10 +3702,9 @@
           <a:lstStyle/>
           <a:p>
             <a:r>
-              <a:rPr lang="en-US" dirty="0" smtClean="0"/>
+              <a:rPr lang="en-US" dirty="0"/>
               <a:t>The role of microstructure and microtexture on the Dwell Fatigue in Titanium Alloys</a:t>
             </a:r>
-            <a:endParaRPr lang="en-US" dirty="0"/>
           </a:p>
         </p:txBody>
       </p:sp>
@@ -3729,33 +3731,33 @@
           <a:lstStyle/>
           <a:p>
             <a:r>
-              <a:rPr lang="en-US" dirty="0" smtClean="0"/>
+              <a:rPr lang="en-US" dirty="0"/>
               <a:t>Presented by </a:t>
             </a:r>
           </a:p>
           <a:p>
             <a:r>
-              <a:rPr lang="en-US" dirty="0" smtClean="0"/>
+              <a:rPr lang="en-US" dirty="0"/>
               <a:t>Yazar. K. Udayan</a:t>
             </a:r>
           </a:p>
           <a:p>
-            <a:endParaRPr lang="en-US" dirty="0" smtClean="0"/>
-          </a:p>
-          <a:p>
-            <a:r>
-              <a:rPr lang="en-US" dirty="0" smtClean="0"/>
+            <a:endParaRPr lang="en-US" dirty="0"/>
+          </a:p>
+          <a:p>
+            <a:r>
+              <a:rPr lang="en-US" dirty="0"/>
               <a:t>Under the guidance of Prof. Satyam </a:t>
             </a:r>
             <a:r>
-              <a:rPr lang="en-US" dirty="0" err="1" smtClean="0"/>
+              <a:rPr lang="en-US" dirty="0" err="1"/>
               <a:t>Suwas</a:t>
             </a:r>
-            <a:endParaRPr lang="en-US" dirty="0" smtClean="0"/>
-          </a:p>
-          <a:p>
-            <a:r>
-              <a:rPr lang="en-US" dirty="0" smtClean="0"/>
+            <a:endParaRPr lang="en-US" dirty="0"/>
+          </a:p>
+          <a:p>
+            <a:r>
+              <a:rPr lang="en-US" dirty="0"/>
               <a:t>PhD, Laboratory for Texture and Related studies</a:t>
             </a:r>
           </a:p>
@@ -3804,13 +3806,6 @@
   <p:clrMapOvr>
     <a:masterClrMapping/>
   </p:clrMapOvr>
-  <p:timing>
-    <p:tnLst>
-      <p:par>
-        <p:cTn id="1" dur="indefinite" restart="never" nodeType="tmRoot"/>
-      </p:par>
-    </p:tnLst>
-  </p:timing>
 </p:sld>
 </file>
 
@@ -3918,11 +3913,7 @@
             </a:pPr>
             <a:r>
               <a:rPr lang="en-US" sz="2100" dirty="0"/>
-              <a:t>Phenomenological aspects of </a:t>
-            </a:r>
-            <a:r>
-              <a:rPr lang="en-US" sz="2100" dirty="0"/>
-              <a:t>Dwell Fatigue </a:t>
+              <a:t>Phenomenological aspects of Dwell Fatigue </a:t>
             </a:r>
           </a:p>
           <a:p>
@@ -3948,15 +3939,7 @@
             </a:pPr>
             <a:r>
               <a:rPr lang="en-US" sz="2400" dirty="0"/>
-              <a:t>Motivation and </a:t>
-            </a:r>
-            <a:r>
-              <a:rPr lang="en-US" sz="2400" dirty="0"/>
-              <a:t>o</a:t>
-            </a:r>
-            <a:r>
-              <a:rPr lang="en-US" sz="2400" dirty="0"/>
-              <a:t>bjective </a:t>
+              <a:t>Motivation and objective </a:t>
             </a:r>
           </a:p>
           <a:p>
@@ -4053,13 +4036,6 @@
   <p:clrMapOvr>
     <a:masterClrMapping/>
   </p:clrMapOvr>
-  <p:timing>
-    <p:tnLst>
-      <p:par>
-        <p:cTn id="1" dur="indefinite" restart="never" nodeType="tmRoot"/>
-      </p:par>
-    </p:tnLst>
-  </p:timing>
 </p:sld>
 </file>
 
@@ -4103,10 +4079,9 @@
           <a:lstStyle/>
           <a:p>
             <a:r>
-              <a:rPr lang="en-US" b="1" dirty="0" smtClean="0"/>
+              <a:rPr lang="en-US" b="1" dirty="0"/>
               <a:t>What is Dwell Fatigue ?</a:t>
             </a:r>
-            <a:endParaRPr lang="en-US" b="1" dirty="0"/>
           </a:p>
         </p:txBody>
       </p:sp>
@@ -4300,8 +4275,8 @@
           </a:prstGeom>
         </p:spPr>
       </p:pic>
-      <mc:AlternateContent xmlns:mc="http://schemas.openxmlformats.org/markup-compatibility/2006">
-        <mc:Choice xmlns:a14="http://schemas.microsoft.com/office/drawing/2010/main" Requires="a14">
+      <mc:AlternateContent xmlns:mc="http://schemas.openxmlformats.org/markup-compatibility/2006" xmlns:a14="http://schemas.microsoft.com/office/drawing/2010/main">
+        <mc:Choice Requires="a14">
           <p:sp>
             <p:nvSpPr>
               <p:cNvPr id="31" name="TextBox 30"/>
@@ -4346,7 +4321,7 @@
             </p:txBody>
           </p:sp>
         </mc:Choice>
-        <mc:Fallback>
+        <mc:Fallback xmlns="">
           <p:sp>
             <p:nvSpPr>
               <p:cNvPr id="31" name="TextBox 30"/>
@@ -4542,7 +4517,6 @@
               <a:rPr lang="en-US" sz="1050" i="1" dirty="0"/>
               <a:t>Ref: Wikipedia</a:t>
             </a:r>
-            <a:endParaRPr lang="en-US" sz="1050" i="1" dirty="0"/>
           </a:p>
         </p:txBody>
       </p:sp>
@@ -4572,7 +4546,6 @@
               <a:rPr lang="en-US" sz="1050" i="1" dirty="0"/>
               <a:t>Ref: Wikipedia  </a:t>
             </a:r>
-            <a:endParaRPr lang="en-US" sz="1050" i="1" dirty="0"/>
           </a:p>
         </p:txBody>
       </p:sp>
@@ -4699,7 +4672,7 @@
           <a:graphicData uri="http://schemas.openxmlformats.org/presentationml/2006/ole">
             <mc:AlternateContent xmlns:mc="http://schemas.openxmlformats.org/markup-compatibility/2006">
               <mc:Choice xmlns:v="urn:schemas-microsoft-com:vml" Requires="v">
-                <p:oleObj spid="_x0000_s1026" name="Equation" r:id="rId4" imgW="114120" imgH="215640" progId="Equation.3">
+                <p:oleObj spid="_x0000_s1027" name="Equation" r:id="rId4" imgW="114120" imgH="215640" progId="Equation.3">
                   <p:embed/>
                 </p:oleObj>
               </mc:Choice>
@@ -4734,160 +4707,6 @@
           </a:graphicData>
         </a:graphic>
       </p:graphicFrame>
-      <p:sp>
-        <p:nvSpPr>
-          <p:cNvPr id="3" name="Rectangle 2"/>
-          <p:cNvSpPr/>
-          <p:nvPr/>
-        </p:nvSpPr>
-        <p:spPr>
-          <a:xfrm>
-            <a:off x="825794" y="5174163"/>
-            <a:ext cx="6591730" cy="1359181"/>
-          </a:xfrm>
-          <a:prstGeom prst="rect">
-            <a:avLst/>
-          </a:prstGeom>
-          <a:noFill/>
-          <a:ln>
-            <a:solidFill>
-              <a:schemeClr val="tx1"/>
-            </a:solidFill>
-          </a:ln>
-        </p:spPr>
-        <p:style>
-          <a:lnRef idx="2">
-            <a:schemeClr val="accent1">
-              <a:shade val="50000"/>
-            </a:schemeClr>
-          </a:lnRef>
-          <a:fillRef idx="1">
-            <a:schemeClr val="accent1"/>
-          </a:fillRef>
-          <a:effectRef idx="0">
-            <a:schemeClr val="accent1"/>
-          </a:effectRef>
-          <a:fontRef idx="minor">
-            <a:schemeClr val="lt1"/>
-          </a:fontRef>
-        </p:style>
-        <p:txBody>
-          <a:bodyPr rtlCol="0" anchor="ctr"/>
-          <a:lstStyle/>
-          <a:p>
-            <a:pPr marL="214313" indent="-214313">
-              <a:lnSpc>
-                <a:spcPct val="150000"/>
-              </a:lnSpc>
-              <a:buFont typeface="Wingdings" panose="05000000000000000000" pitchFamily="2" charset="2"/>
-              <a:buChar char="v"/>
-            </a:pPr>
-            <a:r>
-              <a:rPr lang="en-US" sz="1350" dirty="0">
-                <a:solidFill>
-                  <a:schemeClr val="tx1"/>
-                </a:solidFill>
-              </a:rPr>
-              <a:t>It </a:t>
-            </a:r>
-            <a:r>
-              <a:rPr lang="en-US" sz="1350" dirty="0">
-                <a:solidFill>
-                  <a:schemeClr val="tx1"/>
-                </a:solidFill>
-              </a:rPr>
-              <a:t>is often called “COLD DWELL” in </a:t>
-            </a:r>
-            <a:r>
-              <a:rPr lang="en-US" sz="1350" dirty="0">
-                <a:solidFill>
-                  <a:schemeClr val="tx1"/>
-                </a:solidFill>
-              </a:rPr>
-              <a:t>Titanium</a:t>
-            </a:r>
-          </a:p>
-          <a:p>
-            <a:pPr marL="214313" indent="-214313">
-              <a:lnSpc>
-                <a:spcPct val="150000"/>
-              </a:lnSpc>
-              <a:buFont typeface="Wingdings" panose="05000000000000000000" pitchFamily="2" charset="2"/>
-              <a:buChar char="v"/>
-            </a:pPr>
-            <a:r>
-              <a:rPr lang="el-GR" sz="1350" dirty="0">
-                <a:solidFill>
-                  <a:schemeClr val="tx1"/>
-                </a:solidFill>
-              </a:rPr>
-              <a:t>α</a:t>
-            </a:r>
-            <a:r>
-              <a:rPr lang="en-US" sz="1350" dirty="0">
-                <a:solidFill>
-                  <a:schemeClr val="tx1"/>
-                </a:solidFill>
-              </a:rPr>
-              <a:t>/near </a:t>
-            </a:r>
-            <a:r>
-              <a:rPr lang="el-GR" sz="1350" dirty="0">
-                <a:solidFill>
-                  <a:schemeClr val="tx1"/>
-                </a:solidFill>
-              </a:rPr>
-              <a:t>α</a:t>
-            </a:r>
-            <a:r>
-              <a:rPr lang="en-US" sz="1350" dirty="0">
-                <a:solidFill>
-                  <a:schemeClr val="tx1"/>
-                </a:solidFill>
-              </a:rPr>
-              <a:t> Ti alloys such as Ti-6242, IMI 685, and IMI 834 are most susceptible</a:t>
-            </a:r>
-          </a:p>
-          <a:p>
-            <a:pPr marL="214313" indent="-214313">
-              <a:lnSpc>
-                <a:spcPct val="150000"/>
-              </a:lnSpc>
-              <a:buFont typeface="Wingdings" panose="05000000000000000000" pitchFamily="2" charset="2"/>
-              <a:buChar char="v"/>
-            </a:pPr>
-            <a:r>
-              <a:rPr lang="en-US" sz="1350" dirty="0" smtClean="0">
-                <a:solidFill>
-                  <a:srgbClr val="FF0000"/>
-                </a:solidFill>
-              </a:rPr>
-              <a:t>Increased </a:t>
-            </a:r>
-            <a:r>
-              <a:rPr lang="en-US" sz="1350" dirty="0">
-                <a:solidFill>
-                  <a:srgbClr val="FF0000"/>
-                </a:solidFill>
-              </a:rPr>
-              <a:t>DFD with peak load and dwell </a:t>
-            </a:r>
-            <a:r>
-              <a:rPr lang="en-US" sz="1350" dirty="0">
-                <a:solidFill>
-                  <a:srgbClr val="FF0000"/>
-                </a:solidFill>
-              </a:rPr>
-              <a:t>time</a:t>
-            </a:r>
-            <a:endParaRPr lang="en-US" sz="1350" dirty="0">
-              <a:solidFill>
-                <a:srgbClr val="FF0000"/>
-              </a:solidFill>
-            </a:endParaRPr>
-          </a:p>
-        </p:txBody>
-      </p:sp>
       <p:grpSp>
         <p:nvGrpSpPr>
           <p:cNvPr id="10" name="Group 9"/>
@@ -4896,14 +4715,14 @@
         </p:nvGrpSpPr>
         <p:grpSpPr>
           <a:xfrm>
-            <a:off x="1520899" y="3545685"/>
-            <a:ext cx="2977435" cy="991955"/>
+            <a:off x="245481" y="3545685"/>
+            <a:ext cx="4252853" cy="2810666"/>
             <a:chOff x="269456" y="3303893"/>
             <a:chExt cx="3969913" cy="1322607"/>
           </a:xfrm>
         </p:grpSpPr>
-        <mc:AlternateContent xmlns:mc="http://schemas.openxmlformats.org/markup-compatibility/2006">
-          <mc:Choice xmlns:a14="http://schemas.microsoft.com/office/drawing/2010/main" Requires="a14">
+        <mc:AlternateContent xmlns:mc="http://schemas.openxmlformats.org/markup-compatibility/2006" xmlns:a14="http://schemas.microsoft.com/office/drawing/2010/main">
+          <mc:Choice Requires="a14">
             <p:sp>
               <p:nvSpPr>
                 <p:cNvPr id="11" name="TextBox 10"/>
@@ -5169,7 +4988,7 @@
               </p:txBody>
             </p:sp>
           </mc:Choice>
-          <mc:Fallback>
+          <mc:Fallback xmlns="">
             <p:sp>
               <p:nvSpPr>
                 <p:cNvPr id="11" name="TextBox 10"/>
@@ -5314,7 +5133,6 @@
               <a:rPr lang="en-US" sz="1350" dirty="0"/>
               <a:t>But there is creep issue </a:t>
             </a:r>
-            <a:endParaRPr lang="en-US" sz="1350" dirty="0"/>
           </a:p>
         </p:txBody>
       </p:sp>
@@ -5674,11 +5492,7 @@
             <a:p>
               <a:r>
                 <a:rPr lang="en-US" sz="1013" dirty="0"/>
-                <a:t>Fig: </a:t>
-              </a:r>
-              <a:r>
-                <a:rPr lang="en-US" sz="1013" dirty="0"/>
-                <a:t>DFD in two Ti alloys</a:t>
+                <a:t>Fig: DFD in two Ti alloys</a:t>
               </a:r>
             </a:p>
             <a:p>
@@ -5690,7 +5504,6 @@
                 <a:rPr lang="en-US" sz="1013" i="1" dirty="0"/>
                 <a:t>, 1998</a:t>
               </a:r>
-              <a:endParaRPr lang="en-US" sz="1013" i="1" dirty="0"/>
             </a:p>
           </p:txBody>
         </p:sp>
@@ -5767,13 +5580,8 @@
               </a:r>
               <a:r>
                 <a:rPr lang="en-US" sz="1013" i="1" dirty="0"/>
-                <a:t>, </a:t>
+                <a:t>, 2001</a:t>
               </a:r>
-              <a:r>
-                <a:rPr lang="en-US" sz="1013" i="1" dirty="0"/>
-                <a:t>2001</a:t>
-              </a:r>
-              <a:endParaRPr lang="en-US" sz="1013" i="1" dirty="0"/>
             </a:p>
           </p:txBody>
         </p:sp>
@@ -5812,6 +5620,82 @@
           </a:p>
         </p:txBody>
       </p:sp>
+      <p:pic>
+        <p:nvPicPr>
+          <p:cNvPr id="31" name="Picture 30">
+            <a:extLst>
+              <a:ext uri="{FF2B5EF4-FFF2-40B4-BE49-F238E27FC236}">
+                <a16:creationId xmlns:a16="http://schemas.microsoft.com/office/drawing/2014/main" id="{97AF2589-3DE3-4ABE-8FBE-EE38449AAD37}"/>
+              </a:ext>
+            </a:extLst>
+          </p:cNvPr>
+          <p:cNvPicPr>
+            <a:picLocks noChangeAspect="1"/>
+          </p:cNvPicPr>
+          <p:nvPr/>
+        </p:nvPicPr>
+        <p:blipFill>
+          <a:blip r:embed="rId10">
+            <a:extLst>
+              <a:ext uri="{28A0092B-C50C-407E-A947-70E740481C1C}">
+                <a14:useLocalDpi xmlns:a14="http://schemas.microsoft.com/office/drawing/2010/main" val="0"/>
+              </a:ext>
+            </a:extLst>
+          </a:blip>
+          <a:stretch>
+            <a:fillRect/>
+          </a:stretch>
+        </p:blipFill>
+        <p:spPr>
+          <a:xfrm>
+            <a:off x="4732517" y="3329762"/>
+            <a:ext cx="4251206" cy="2899184"/>
+          </a:xfrm>
+          <a:prstGeom prst="rect">
+            <a:avLst/>
+          </a:prstGeom>
+        </p:spPr>
+      </p:pic>
+      <p:sp>
+        <p:nvSpPr>
+          <p:cNvPr id="32" name="TextBox 31">
+            <a:extLst>
+              <a:ext uri="{FF2B5EF4-FFF2-40B4-BE49-F238E27FC236}">
+                <a16:creationId xmlns:a16="http://schemas.microsoft.com/office/drawing/2014/main" id="{374A814C-658B-4BBD-A255-4FCB63A955AF}"/>
+              </a:ext>
+            </a:extLst>
+          </p:cNvPr>
+          <p:cNvSpPr txBox="1"/>
+          <p:nvPr/>
+        </p:nvSpPr>
+        <p:spPr>
+          <a:xfrm>
+            <a:off x="5436349" y="6208249"/>
+            <a:ext cx="3528426" cy="584775"/>
+          </a:xfrm>
+          <a:prstGeom prst="rect">
+            <a:avLst/>
+          </a:prstGeom>
+          <a:noFill/>
+        </p:spPr>
+        <p:txBody>
+          <a:bodyPr wrap="square" rtlCol="0">
+            <a:spAutoFit/>
+          </a:bodyPr>
+          <a:lstStyle/>
+          <a:p>
+            <a:r>
+              <a:rPr lang="en-US" sz="1600" dirty="0"/>
+              <a:t>Fig: Perspectives on Titanium Science and Technology, D.</a:t>
+            </a:r>
+            <a:r>
+              <a:rPr lang="en-US" sz="1600" i="1" dirty="0"/>
+              <a:t> Banerjee, et.al., 2014</a:t>
+            </a:r>
+            <a:endParaRPr lang="en-US" sz="1600" dirty="0"/>
+          </a:p>
+        </p:txBody>
+      </p:sp>
     </p:spTree>
     <p:extLst>
       <p:ext uri="{BB962C8B-B14F-4D97-AF65-F5344CB8AC3E}">
@@ -5822,13 +5706,6 @@
   <p:clrMapOvr>
     <a:masterClrMapping/>
   </p:clrMapOvr>
-  <p:timing>
-    <p:tnLst>
-      <p:par>
-        <p:cTn id="1" dur="indefinite" restart="never" nodeType="tmRoot"/>
-      </p:par>
-    </p:tnLst>
-  </p:timing>
 </p:sld>
 </file>
 
@@ -5851,14 +5728,20 @@
       </p:grpSpPr>
       <p:sp>
         <p:nvSpPr>
-          <p:cNvPr id="4" name="TextBox 3"/>
+          <p:cNvPr id="2" name="TextBox 1">
+            <a:extLst>
+              <a:ext uri="{FF2B5EF4-FFF2-40B4-BE49-F238E27FC236}">
+                <a16:creationId xmlns:a16="http://schemas.microsoft.com/office/drawing/2014/main" id="{A87C955C-6657-4D55-940A-23A4D8E3103E}"/>
+              </a:ext>
+            </a:extLst>
+          </p:cNvPr>
           <p:cNvSpPr txBox="1"/>
           <p:nvPr/>
         </p:nvSpPr>
         <p:spPr>
           <a:xfrm>
-            <a:off x="4729387" y="3136612"/>
-            <a:ext cx="3528426" cy="584775"/>
+            <a:off x="424070" y="397566"/>
+            <a:ext cx="6029739" cy="369332"/>
           </a:xfrm>
           <a:prstGeom prst="rect">
             <a:avLst/>
@@ -5872,55 +5755,12 @@
           <a:lstStyle/>
           <a:p>
             <a:r>
-              <a:rPr lang="en-US" sz="1600" dirty="0" smtClean="0"/>
-              <a:t>Fig: </a:t>
-            </a:r>
-            <a:r>
-              <a:rPr lang="en-US" sz="1600" dirty="0"/>
-              <a:t>Perspectives on Titanium Science and </a:t>
-            </a:r>
-            <a:r>
-              <a:rPr lang="en-US" sz="1600" dirty="0" smtClean="0"/>
-              <a:t>Technology, D.</a:t>
-            </a:r>
-            <a:r>
-              <a:rPr lang="en-US" sz="1600" i="1" dirty="0" smtClean="0"/>
-              <a:t> Banerjee, et.al., 2014</a:t>
-            </a:r>
-            <a:endParaRPr lang="en-US" sz="1600" dirty="0"/>
-          </a:p>
-        </p:txBody>
-      </p:sp>
-      <p:pic>
-        <p:nvPicPr>
-          <p:cNvPr id="5" name="Picture 4"/>
-          <p:cNvPicPr>
-            <a:picLocks noChangeAspect="1"/>
-          </p:cNvPicPr>
-          <p:nvPr/>
-        </p:nvPicPr>
-        <p:blipFill>
-          <a:blip r:embed="rId2">
-            <a:extLst>
-              <a:ext uri="{28A0092B-C50C-407E-A947-70E740481C1C}">
-                <a14:useLocalDpi xmlns:a14="http://schemas.microsoft.com/office/drawing/2010/main" val="0"/>
-              </a:ext>
-            </a:extLst>
-          </a:blip>
-          <a:stretch>
-            <a:fillRect/>
-          </a:stretch>
-        </p:blipFill>
-        <p:spPr>
-          <a:xfrm>
-            <a:off x="4006607" y="180193"/>
-            <a:ext cx="4251206" cy="2899184"/>
-          </a:xfrm>
-          <a:prstGeom prst="rect">
-            <a:avLst/>
-          </a:prstGeom>
-        </p:spPr>
-      </p:pic>
+              <a:rPr lang="en-US" dirty="0"/>
+              <a:t>Motivation</a:t>
+            </a:r>
+          </a:p>
+        </p:txBody>
+      </p:sp>
     </p:spTree>
     <p:extLst>
       <p:ext uri="{BB962C8B-B14F-4D97-AF65-F5344CB8AC3E}">
@@ -5972,10 +5812,9 @@
           <a:lstStyle/>
           <a:p>
             <a:r>
-              <a:rPr lang="en-US" dirty="0" smtClean="0"/>
+              <a:rPr lang="en-US" dirty="0"/>
               <a:t>Experimental Studies</a:t>
             </a:r>
-            <a:endParaRPr lang="en-US" dirty="0"/>
           </a:p>
         </p:txBody>
       </p:sp>

--- a/Thesis/Comprehensive Exam/References/yazar.pptx
+++ b/Thesis/Comprehensive Exam/References/yazar.pptx
@@ -5,7 +5,7 @@
     <p:sldMasterId id="2147483660" r:id="rId1"/>
   </p:sldMasterIdLst>
   <p:notesMasterIdLst>
-    <p:notesMasterId r:id="rId9"/>
+    <p:notesMasterId r:id="rId10"/>
   </p:notesMasterIdLst>
   <p:sldIdLst>
     <p:sldId id="256" r:id="rId2"/>
@@ -15,6 +15,7 @@
     <p:sldId id="262" r:id="rId6"/>
     <p:sldId id="258" r:id="rId7"/>
     <p:sldId id="263" r:id="rId8"/>
+    <p:sldId id="264" r:id="rId9"/>
   </p:sldIdLst>
   <p:sldSz cx="9144000" cy="6858000" type="screen4x3"/>
   <p:notesSz cx="6858000" cy="9144000"/>
@@ -132,10 +133,6 @@
 </p:presentation>
 </file>
 
-<file path=ppt/revisionInfo.xml><?xml version="1.0" encoding="utf-8"?>
-<p1510:revInfo xmlns:a="http://schemas.openxmlformats.org/drawingml/2006/main" xmlns:r="http://schemas.openxmlformats.org/officeDocument/2006/relationships" xmlns:p1510="http://schemas.microsoft.com/office/powerpoint/2015/10/main"/>
-</file>
-
 <file path=ppt/notesMasters/notesMaster1.xml><?xml version="1.0" encoding="utf-8"?>
 <p:notesMaster xmlns:a="http://schemas.openxmlformats.org/drawingml/2006/main" xmlns:r="http://schemas.openxmlformats.org/officeDocument/2006/relationships" xmlns:p="http://schemas.openxmlformats.org/presentationml/2006/main">
   <p:cSld>
@@ -218,7 +215,7 @@
           <a:p>
             <a:fld id="{D434D8D4-04FE-4AE5-B182-271D54AEBA39}" type="datetimeFigureOut">
               <a:rPr lang="en-US" smtClean="0"/>
-              <a:t>15-Jan-18</a:t>
+              <a:t>1/15/2018</a:t>
             </a:fld>
             <a:endParaRPr lang="en-US"/>
           </a:p>
@@ -282,37 +279,38 @@
           <a:p>
             <a:pPr lvl="0"/>
             <a:r>
-              <a:rPr lang="en-US"/>
+              <a:rPr lang="en-US" smtClean="0"/>
               <a:t>Click to edit Master text styles</a:t>
             </a:r>
           </a:p>
           <a:p>
             <a:pPr lvl="1"/>
             <a:r>
-              <a:rPr lang="en-US"/>
+              <a:rPr lang="en-US" smtClean="0"/>
               <a:t>Second level</a:t>
             </a:r>
           </a:p>
           <a:p>
             <a:pPr lvl="2"/>
             <a:r>
-              <a:rPr lang="en-US"/>
+              <a:rPr lang="en-US" smtClean="0"/>
               <a:t>Third level</a:t>
             </a:r>
           </a:p>
           <a:p>
             <a:pPr lvl="3"/>
             <a:r>
-              <a:rPr lang="en-US"/>
+              <a:rPr lang="en-US" smtClean="0"/>
               <a:t>Fourth level</a:t>
             </a:r>
           </a:p>
           <a:p>
             <a:pPr lvl="4"/>
             <a:r>
-              <a:rPr lang="en-US"/>
+              <a:rPr lang="en-US" smtClean="0"/>
               <a:t>Fifth level</a:t>
             </a:r>
+            <a:endParaRPr lang="en-US"/>
           </a:p>
         </p:txBody>
       </p:sp>
@@ -794,7 +792,7 @@
           </a:lstStyle>
           <a:p>
             <a:r>
-              <a:rPr lang="en-US"/>
+              <a:rPr lang="en-US" smtClean="0"/>
               <a:t>Click to edit Master title style</a:t>
             </a:r>
             <a:endParaRPr lang="en-US" dirty="0"/>
@@ -859,7 +857,7 @@
           </a:lstStyle>
           <a:p>
             <a:r>
-              <a:rPr lang="en-US"/>
+              <a:rPr lang="en-US" smtClean="0"/>
               <a:t>Click to edit Master subtitle style</a:t>
             </a:r>
             <a:endParaRPr lang="en-US" dirty="0"/>
@@ -883,7 +881,7 @@
           <a:p>
             <a:fld id="{6AB620DE-E9D6-47DE-9479-CA3BAEF24B0D}" type="datetimeFigureOut">
               <a:rPr lang="en-US" smtClean="0"/>
-              <a:t>15-Jan-18</a:t>
+              <a:t>1/15/2018</a:t>
             </a:fld>
             <a:endParaRPr lang="en-US"/>
           </a:p>
@@ -977,7 +975,7 @@
           <a:lstStyle/>
           <a:p>
             <a:r>
-              <a:rPr lang="en-US"/>
+              <a:rPr lang="en-US" smtClean="0"/>
               <a:t>Click to edit Master title style</a:t>
             </a:r>
             <a:endParaRPr lang="en-US" dirty="0"/>
@@ -1001,35 +999,35 @@
           <a:p>
             <a:pPr lvl="0"/>
             <a:r>
-              <a:rPr lang="en-US"/>
+              <a:rPr lang="en-US" smtClean="0"/>
               <a:t>Click to edit Master text styles</a:t>
             </a:r>
           </a:p>
           <a:p>
             <a:pPr lvl="1"/>
             <a:r>
-              <a:rPr lang="en-US"/>
+              <a:rPr lang="en-US" smtClean="0"/>
               <a:t>Second level</a:t>
             </a:r>
           </a:p>
           <a:p>
             <a:pPr lvl="2"/>
             <a:r>
-              <a:rPr lang="en-US"/>
+              <a:rPr lang="en-US" smtClean="0"/>
               <a:t>Third level</a:t>
             </a:r>
           </a:p>
           <a:p>
             <a:pPr lvl="3"/>
             <a:r>
-              <a:rPr lang="en-US"/>
+              <a:rPr lang="en-US" smtClean="0"/>
               <a:t>Fourth level</a:t>
             </a:r>
           </a:p>
           <a:p>
             <a:pPr lvl="4"/>
             <a:r>
-              <a:rPr lang="en-US"/>
+              <a:rPr lang="en-US" smtClean="0"/>
               <a:t>Fifth level</a:t>
             </a:r>
             <a:endParaRPr lang="en-US" dirty="0"/>
@@ -1053,7 +1051,7 @@
           <a:p>
             <a:fld id="{6AB620DE-E9D6-47DE-9479-CA3BAEF24B0D}" type="datetimeFigureOut">
               <a:rPr lang="en-US" smtClean="0"/>
-              <a:t>15-Jan-18</a:t>
+              <a:t>1/15/2018</a:t>
             </a:fld>
             <a:endParaRPr lang="en-US"/>
           </a:p>
@@ -1152,7 +1150,7 @@
           <a:lstStyle/>
           <a:p>
             <a:r>
-              <a:rPr lang="en-US"/>
+              <a:rPr lang="en-US" smtClean="0"/>
               <a:t>Click to edit Master title style</a:t>
             </a:r>
             <a:endParaRPr lang="en-US" dirty="0"/>
@@ -1181,35 +1179,35 @@
           <a:p>
             <a:pPr lvl="0"/>
             <a:r>
-              <a:rPr lang="en-US"/>
+              <a:rPr lang="en-US" smtClean="0"/>
               <a:t>Click to edit Master text styles</a:t>
             </a:r>
           </a:p>
           <a:p>
             <a:pPr lvl="1"/>
             <a:r>
-              <a:rPr lang="en-US"/>
+              <a:rPr lang="en-US" smtClean="0"/>
               <a:t>Second level</a:t>
             </a:r>
           </a:p>
           <a:p>
             <a:pPr lvl="2"/>
             <a:r>
-              <a:rPr lang="en-US"/>
+              <a:rPr lang="en-US" smtClean="0"/>
               <a:t>Third level</a:t>
             </a:r>
           </a:p>
           <a:p>
             <a:pPr lvl="3"/>
             <a:r>
-              <a:rPr lang="en-US"/>
+              <a:rPr lang="en-US" smtClean="0"/>
               <a:t>Fourth level</a:t>
             </a:r>
           </a:p>
           <a:p>
             <a:pPr lvl="4"/>
             <a:r>
-              <a:rPr lang="en-US"/>
+              <a:rPr lang="en-US" smtClean="0"/>
               <a:t>Fifth level</a:t>
             </a:r>
             <a:endParaRPr lang="en-US" dirty="0"/>
@@ -1233,7 +1231,7 @@
           <a:p>
             <a:fld id="{6AB620DE-E9D6-47DE-9479-CA3BAEF24B0D}" type="datetimeFigureOut">
               <a:rPr lang="en-US" smtClean="0"/>
-              <a:t>15-Jan-18</a:t>
+              <a:t>1/15/2018</a:t>
             </a:fld>
             <a:endParaRPr lang="en-US"/>
           </a:p>
@@ -1327,7 +1325,7 @@
           <a:lstStyle/>
           <a:p>
             <a:r>
-              <a:rPr lang="en-US"/>
+              <a:rPr lang="en-US" smtClean="0"/>
               <a:t>Click to edit Master title style</a:t>
             </a:r>
             <a:endParaRPr lang="en-US" dirty="0"/>
@@ -1351,35 +1349,35 @@
           <a:p>
             <a:pPr lvl="0"/>
             <a:r>
-              <a:rPr lang="en-US"/>
+              <a:rPr lang="en-US" smtClean="0"/>
               <a:t>Click to edit Master text styles</a:t>
             </a:r>
           </a:p>
           <a:p>
             <a:pPr lvl="1"/>
             <a:r>
-              <a:rPr lang="en-US"/>
+              <a:rPr lang="en-US" smtClean="0"/>
               <a:t>Second level</a:t>
             </a:r>
           </a:p>
           <a:p>
             <a:pPr lvl="2"/>
             <a:r>
-              <a:rPr lang="en-US"/>
+              <a:rPr lang="en-US" smtClean="0"/>
               <a:t>Third level</a:t>
             </a:r>
           </a:p>
           <a:p>
             <a:pPr lvl="3"/>
             <a:r>
-              <a:rPr lang="en-US"/>
+              <a:rPr lang="en-US" smtClean="0"/>
               <a:t>Fourth level</a:t>
             </a:r>
           </a:p>
           <a:p>
             <a:pPr lvl="4"/>
             <a:r>
-              <a:rPr lang="en-US"/>
+              <a:rPr lang="en-US" smtClean="0"/>
               <a:t>Fifth level</a:t>
             </a:r>
             <a:endParaRPr lang="en-US" dirty="0"/>
@@ -1403,7 +1401,7 @@
           <a:p>
             <a:fld id="{6AB620DE-E9D6-47DE-9479-CA3BAEF24B0D}" type="datetimeFigureOut">
               <a:rPr lang="en-US" smtClean="0"/>
-              <a:t>15-Jan-18</a:t>
+              <a:t>1/15/2018</a:t>
             </a:fld>
             <a:endParaRPr lang="en-US"/>
           </a:p>
@@ -1506,7 +1504,7 @@
           </a:lstStyle>
           <a:p>
             <a:r>
-              <a:rPr lang="en-US"/>
+              <a:rPr lang="en-US" smtClean="0"/>
               <a:t>Click to edit Master title style</a:t>
             </a:r>
             <a:endParaRPr lang="en-US" dirty="0"/>
@@ -1624,7 +1622,7 @@
           <a:p>
             <a:pPr lvl="0"/>
             <a:r>
-              <a:rPr lang="en-US"/>
+              <a:rPr lang="en-US" smtClean="0"/>
               <a:t>Click to edit Master text styles</a:t>
             </a:r>
           </a:p>
@@ -1647,7 +1645,7 @@
           <a:p>
             <a:fld id="{6AB620DE-E9D6-47DE-9479-CA3BAEF24B0D}" type="datetimeFigureOut">
               <a:rPr lang="en-US" smtClean="0"/>
-              <a:t>15-Jan-18</a:t>
+              <a:t>1/15/2018</a:t>
             </a:fld>
             <a:endParaRPr lang="en-US"/>
           </a:p>
@@ -1741,7 +1739,7 @@
           <a:lstStyle/>
           <a:p>
             <a:r>
-              <a:rPr lang="en-US"/>
+              <a:rPr lang="en-US" smtClean="0"/>
               <a:t>Click to edit Master title style</a:t>
             </a:r>
             <a:endParaRPr lang="en-US" dirty="0"/>
@@ -1770,35 +1768,35 @@
           <a:p>
             <a:pPr lvl="0"/>
             <a:r>
-              <a:rPr lang="en-US"/>
+              <a:rPr lang="en-US" smtClean="0"/>
               <a:t>Click to edit Master text styles</a:t>
             </a:r>
           </a:p>
           <a:p>
             <a:pPr lvl="1"/>
             <a:r>
-              <a:rPr lang="en-US"/>
+              <a:rPr lang="en-US" smtClean="0"/>
               <a:t>Second level</a:t>
             </a:r>
           </a:p>
           <a:p>
             <a:pPr lvl="2"/>
             <a:r>
-              <a:rPr lang="en-US"/>
+              <a:rPr lang="en-US" smtClean="0"/>
               <a:t>Third level</a:t>
             </a:r>
           </a:p>
           <a:p>
             <a:pPr lvl="3"/>
             <a:r>
-              <a:rPr lang="en-US"/>
+              <a:rPr lang="en-US" smtClean="0"/>
               <a:t>Fourth level</a:t>
             </a:r>
           </a:p>
           <a:p>
             <a:pPr lvl="4"/>
             <a:r>
-              <a:rPr lang="en-US"/>
+              <a:rPr lang="en-US" smtClean="0"/>
               <a:t>Fifth level</a:t>
             </a:r>
             <a:endParaRPr lang="en-US" dirty="0"/>
@@ -1827,35 +1825,35 @@
           <a:p>
             <a:pPr lvl="0"/>
             <a:r>
-              <a:rPr lang="en-US"/>
+              <a:rPr lang="en-US" smtClean="0"/>
               <a:t>Click to edit Master text styles</a:t>
             </a:r>
           </a:p>
           <a:p>
             <a:pPr lvl="1"/>
             <a:r>
-              <a:rPr lang="en-US"/>
+              <a:rPr lang="en-US" smtClean="0"/>
               <a:t>Second level</a:t>
             </a:r>
           </a:p>
           <a:p>
             <a:pPr lvl="2"/>
             <a:r>
-              <a:rPr lang="en-US"/>
+              <a:rPr lang="en-US" smtClean="0"/>
               <a:t>Third level</a:t>
             </a:r>
           </a:p>
           <a:p>
             <a:pPr lvl="3"/>
             <a:r>
-              <a:rPr lang="en-US"/>
+              <a:rPr lang="en-US" smtClean="0"/>
               <a:t>Fourth level</a:t>
             </a:r>
           </a:p>
           <a:p>
             <a:pPr lvl="4"/>
             <a:r>
-              <a:rPr lang="en-US"/>
+              <a:rPr lang="en-US" smtClean="0"/>
               <a:t>Fifth level</a:t>
             </a:r>
             <a:endParaRPr lang="en-US" dirty="0"/>
@@ -1879,7 +1877,7 @@
           <a:p>
             <a:fld id="{6AB620DE-E9D6-47DE-9479-CA3BAEF24B0D}" type="datetimeFigureOut">
               <a:rPr lang="en-US" smtClean="0"/>
-              <a:t>15-Jan-18</a:t>
+              <a:t>1/15/2018</a:t>
             </a:fld>
             <a:endParaRPr lang="en-US"/>
           </a:p>
@@ -1978,7 +1976,7 @@
           <a:lstStyle/>
           <a:p>
             <a:r>
-              <a:rPr lang="en-US"/>
+              <a:rPr lang="en-US" smtClean="0"/>
               <a:t>Click to edit Master title style</a:t>
             </a:r>
             <a:endParaRPr lang="en-US" dirty="0"/>
@@ -2044,7 +2042,7 @@
           <a:p>
             <a:pPr lvl="0"/>
             <a:r>
-              <a:rPr lang="en-US"/>
+              <a:rPr lang="en-US" smtClean="0"/>
               <a:t>Click to edit Master text styles</a:t>
             </a:r>
           </a:p>
@@ -2072,35 +2070,35 @@
           <a:p>
             <a:pPr lvl="0"/>
             <a:r>
-              <a:rPr lang="en-US"/>
+              <a:rPr lang="en-US" smtClean="0"/>
               <a:t>Click to edit Master text styles</a:t>
             </a:r>
           </a:p>
           <a:p>
             <a:pPr lvl="1"/>
             <a:r>
-              <a:rPr lang="en-US"/>
+              <a:rPr lang="en-US" smtClean="0"/>
               <a:t>Second level</a:t>
             </a:r>
           </a:p>
           <a:p>
             <a:pPr lvl="2"/>
             <a:r>
-              <a:rPr lang="en-US"/>
+              <a:rPr lang="en-US" smtClean="0"/>
               <a:t>Third level</a:t>
             </a:r>
           </a:p>
           <a:p>
             <a:pPr lvl="3"/>
             <a:r>
-              <a:rPr lang="en-US"/>
+              <a:rPr lang="en-US" smtClean="0"/>
               <a:t>Fourth level</a:t>
             </a:r>
           </a:p>
           <a:p>
             <a:pPr lvl="4"/>
             <a:r>
-              <a:rPr lang="en-US"/>
+              <a:rPr lang="en-US" smtClean="0"/>
               <a:t>Fifth level</a:t>
             </a:r>
             <a:endParaRPr lang="en-US" dirty="0"/>
@@ -2166,7 +2164,7 @@
           <a:p>
             <a:pPr lvl="0"/>
             <a:r>
-              <a:rPr lang="en-US"/>
+              <a:rPr lang="en-US" smtClean="0"/>
               <a:t>Click to edit Master text styles</a:t>
             </a:r>
           </a:p>
@@ -2194,35 +2192,35 @@
           <a:p>
             <a:pPr lvl="0"/>
             <a:r>
-              <a:rPr lang="en-US"/>
+              <a:rPr lang="en-US" smtClean="0"/>
               <a:t>Click to edit Master text styles</a:t>
             </a:r>
           </a:p>
           <a:p>
             <a:pPr lvl="1"/>
             <a:r>
-              <a:rPr lang="en-US"/>
+              <a:rPr lang="en-US" smtClean="0"/>
               <a:t>Second level</a:t>
             </a:r>
           </a:p>
           <a:p>
             <a:pPr lvl="2"/>
             <a:r>
-              <a:rPr lang="en-US"/>
+              <a:rPr lang="en-US" smtClean="0"/>
               <a:t>Third level</a:t>
             </a:r>
           </a:p>
           <a:p>
             <a:pPr lvl="3"/>
             <a:r>
-              <a:rPr lang="en-US"/>
+              <a:rPr lang="en-US" smtClean="0"/>
               <a:t>Fourth level</a:t>
             </a:r>
           </a:p>
           <a:p>
             <a:pPr lvl="4"/>
             <a:r>
-              <a:rPr lang="en-US"/>
+              <a:rPr lang="en-US" smtClean="0"/>
               <a:t>Fifth level</a:t>
             </a:r>
             <a:endParaRPr lang="en-US" dirty="0"/>
@@ -2246,7 +2244,7 @@
           <a:p>
             <a:fld id="{6AB620DE-E9D6-47DE-9479-CA3BAEF24B0D}" type="datetimeFigureOut">
               <a:rPr lang="en-US" smtClean="0"/>
-              <a:t>15-Jan-18</a:t>
+              <a:t>1/15/2018</a:t>
             </a:fld>
             <a:endParaRPr lang="en-US"/>
           </a:p>
@@ -2340,7 +2338,7 @@
           <a:lstStyle/>
           <a:p>
             <a:r>
-              <a:rPr lang="en-US"/>
+              <a:rPr lang="en-US" smtClean="0"/>
               <a:t>Click to edit Master title style</a:t>
             </a:r>
             <a:endParaRPr lang="en-US" dirty="0"/>
@@ -2364,7 +2362,7 @@
           <a:p>
             <a:fld id="{6AB620DE-E9D6-47DE-9479-CA3BAEF24B0D}" type="datetimeFigureOut">
               <a:rPr lang="en-US" smtClean="0"/>
-              <a:t>15-Jan-18</a:t>
+              <a:t>1/15/2018</a:t>
             </a:fld>
             <a:endParaRPr lang="en-US"/>
           </a:p>
@@ -2459,7 +2457,7 @@
           <a:p>
             <a:fld id="{6AB620DE-E9D6-47DE-9479-CA3BAEF24B0D}" type="datetimeFigureOut">
               <a:rPr lang="en-US" smtClean="0"/>
-              <a:t>15-Jan-18</a:t>
+              <a:t>1/15/2018</a:t>
             </a:fld>
             <a:endParaRPr lang="en-US"/>
           </a:p>
@@ -2562,7 +2560,7 @@
           </a:lstStyle>
           <a:p>
             <a:r>
-              <a:rPr lang="en-US"/>
+              <a:rPr lang="en-US" smtClean="0"/>
               <a:t>Click to edit Master title style</a:t>
             </a:r>
             <a:endParaRPr lang="en-US" dirty="0"/>
@@ -2619,35 +2617,35 @@
           <a:p>
             <a:pPr lvl="0"/>
             <a:r>
-              <a:rPr lang="en-US"/>
+              <a:rPr lang="en-US" smtClean="0"/>
               <a:t>Click to edit Master text styles</a:t>
             </a:r>
           </a:p>
           <a:p>
             <a:pPr lvl="1"/>
             <a:r>
-              <a:rPr lang="en-US"/>
+              <a:rPr lang="en-US" smtClean="0"/>
               <a:t>Second level</a:t>
             </a:r>
           </a:p>
           <a:p>
             <a:pPr lvl="2"/>
             <a:r>
-              <a:rPr lang="en-US"/>
+              <a:rPr lang="en-US" smtClean="0"/>
               <a:t>Third level</a:t>
             </a:r>
           </a:p>
           <a:p>
             <a:pPr lvl="3"/>
             <a:r>
-              <a:rPr lang="en-US"/>
+              <a:rPr lang="en-US" smtClean="0"/>
               <a:t>Fourth level</a:t>
             </a:r>
           </a:p>
           <a:p>
             <a:pPr lvl="4"/>
             <a:r>
-              <a:rPr lang="en-US"/>
+              <a:rPr lang="en-US" smtClean="0"/>
               <a:t>Fifth level</a:t>
             </a:r>
             <a:endParaRPr lang="en-US" dirty="0"/>
@@ -2713,7 +2711,7 @@
           <a:p>
             <a:pPr lvl="0"/>
             <a:r>
-              <a:rPr lang="en-US"/>
+              <a:rPr lang="en-US" smtClean="0"/>
               <a:t>Click to edit Master text styles</a:t>
             </a:r>
           </a:p>
@@ -2736,7 +2734,7 @@
           <a:p>
             <a:fld id="{6AB620DE-E9D6-47DE-9479-CA3BAEF24B0D}" type="datetimeFigureOut">
               <a:rPr lang="en-US" smtClean="0"/>
-              <a:t>15-Jan-18</a:t>
+              <a:t>1/15/2018</a:t>
             </a:fld>
             <a:endParaRPr lang="en-US"/>
           </a:p>
@@ -2839,7 +2837,7 @@
           </a:lstStyle>
           <a:p>
             <a:r>
-              <a:rPr lang="en-US"/>
+              <a:rPr lang="en-US" smtClean="0"/>
               <a:t>Click to edit Master title style</a:t>
             </a:r>
             <a:endParaRPr lang="en-US" dirty="0"/>
@@ -2904,7 +2902,7 @@
           </a:lstStyle>
           <a:p>
             <a:r>
-              <a:rPr lang="en-US"/>
+              <a:rPr lang="en-US" smtClean="0"/>
               <a:t>Click icon to add picture</a:t>
             </a:r>
             <a:endParaRPr lang="en-US" dirty="0"/>
@@ -2970,7 +2968,7 @@
           <a:p>
             <a:pPr lvl="0"/>
             <a:r>
-              <a:rPr lang="en-US"/>
+              <a:rPr lang="en-US" smtClean="0"/>
               <a:t>Click to edit Master text styles</a:t>
             </a:r>
           </a:p>
@@ -2993,7 +2991,7 @@
           <a:p>
             <a:fld id="{6AB620DE-E9D6-47DE-9479-CA3BAEF24B0D}" type="datetimeFigureOut">
               <a:rPr lang="en-US" smtClean="0"/>
-              <a:t>15-Jan-18</a:t>
+              <a:t>1/15/2018</a:t>
             </a:fld>
             <a:endParaRPr lang="en-US"/>
           </a:p>
@@ -3102,7 +3100,7 @@
           <a:lstStyle/>
           <a:p>
             <a:r>
-              <a:rPr lang="en-US"/>
+              <a:rPr lang="en-US" smtClean="0"/>
               <a:t>Click to edit Master title style</a:t>
             </a:r>
             <a:endParaRPr lang="en-US" dirty="0"/>
@@ -3136,35 +3134,35 @@
           <a:p>
             <a:pPr lvl="0"/>
             <a:r>
-              <a:rPr lang="en-US"/>
+              <a:rPr lang="en-US" smtClean="0"/>
               <a:t>Click to edit Master text styles</a:t>
             </a:r>
           </a:p>
           <a:p>
             <a:pPr lvl="1"/>
             <a:r>
-              <a:rPr lang="en-US"/>
+              <a:rPr lang="en-US" smtClean="0"/>
               <a:t>Second level</a:t>
             </a:r>
           </a:p>
           <a:p>
             <a:pPr lvl="2"/>
             <a:r>
-              <a:rPr lang="en-US"/>
+              <a:rPr lang="en-US" smtClean="0"/>
               <a:t>Third level</a:t>
             </a:r>
           </a:p>
           <a:p>
             <a:pPr lvl="3"/>
             <a:r>
-              <a:rPr lang="en-US"/>
+              <a:rPr lang="en-US" smtClean="0"/>
               <a:t>Fourth level</a:t>
             </a:r>
           </a:p>
           <a:p>
             <a:pPr lvl="4"/>
             <a:r>
-              <a:rPr lang="en-US"/>
+              <a:rPr lang="en-US" smtClean="0"/>
               <a:t>Fifth level</a:t>
             </a:r>
             <a:endParaRPr lang="en-US" dirty="0"/>
@@ -3206,7 +3204,7 @@
           <a:p>
             <a:fld id="{6AB620DE-E9D6-47DE-9479-CA3BAEF24B0D}" type="datetimeFigureOut">
               <a:rPr lang="en-US" smtClean="0"/>
-              <a:t>15-Jan-18</a:t>
+              <a:t>1/15/2018</a:t>
             </a:fld>
             <a:endParaRPr lang="en-US"/>
           </a:p>
@@ -3702,9 +3700,10 @@
           <a:lstStyle/>
           <a:p>
             <a:r>
-              <a:rPr lang="en-US" dirty="0"/>
+              <a:rPr lang="en-US" dirty="0" smtClean="0"/>
               <a:t>The role of microstructure and microtexture on the Dwell Fatigue in Titanium Alloys</a:t>
             </a:r>
+            <a:endParaRPr lang="en-US" dirty="0"/>
           </a:p>
         </p:txBody>
       </p:sp>
@@ -3731,33 +3730,33 @@
           <a:lstStyle/>
           <a:p>
             <a:r>
-              <a:rPr lang="en-US" dirty="0"/>
+              <a:rPr lang="en-US" dirty="0" smtClean="0"/>
               <a:t>Presented by </a:t>
             </a:r>
           </a:p>
           <a:p>
             <a:r>
-              <a:rPr lang="en-US" dirty="0"/>
+              <a:rPr lang="en-US" dirty="0" smtClean="0"/>
               <a:t>Yazar. K. Udayan</a:t>
             </a:r>
           </a:p>
           <a:p>
-            <a:endParaRPr lang="en-US" dirty="0"/>
-          </a:p>
-          <a:p>
-            <a:r>
-              <a:rPr lang="en-US" dirty="0"/>
+            <a:endParaRPr lang="en-US" dirty="0" smtClean="0"/>
+          </a:p>
+          <a:p>
+            <a:r>
+              <a:rPr lang="en-US" dirty="0" smtClean="0"/>
               <a:t>Under the guidance of Prof. Satyam </a:t>
             </a:r>
             <a:r>
-              <a:rPr lang="en-US" dirty="0" err="1"/>
+              <a:rPr lang="en-US" dirty="0" err="1" smtClean="0"/>
               <a:t>Suwas</a:t>
             </a:r>
-            <a:endParaRPr lang="en-US" dirty="0"/>
-          </a:p>
-          <a:p>
-            <a:r>
-              <a:rPr lang="en-US" dirty="0"/>
+            <a:endParaRPr lang="en-US" dirty="0" smtClean="0"/>
+          </a:p>
+          <a:p>
+            <a:r>
+              <a:rPr lang="en-US" dirty="0" smtClean="0"/>
               <a:t>PhD, Laboratory for Texture and Related studies</a:t>
             </a:r>
           </a:p>
@@ -3806,6 +3805,13 @@
   <p:clrMapOvr>
     <a:masterClrMapping/>
   </p:clrMapOvr>
+  <p:timing>
+    <p:tnLst>
+      <p:par>
+        <p:cTn id="1" dur="indefinite" restart="never" nodeType="tmRoot"/>
+      </p:par>
+    </p:tnLst>
+  </p:timing>
 </p:sld>
 </file>
 
@@ -4036,6 +4042,13 @@
   <p:clrMapOvr>
     <a:masterClrMapping/>
   </p:clrMapOvr>
+  <p:timing>
+    <p:tnLst>
+      <p:par>
+        <p:cTn id="1" dur="indefinite" restart="never" nodeType="tmRoot"/>
+      </p:par>
+    </p:tnLst>
+  </p:timing>
 </p:sld>
 </file>
 
@@ -4079,9 +4092,10 @@
           <a:lstStyle/>
           <a:p>
             <a:r>
-              <a:rPr lang="en-US" b="1" dirty="0"/>
+              <a:rPr lang="en-US" b="1" dirty="0" smtClean="0"/>
               <a:t>What is Dwell Fatigue ?</a:t>
             </a:r>
+            <a:endParaRPr lang="en-US" b="1" dirty="0"/>
           </a:p>
         </p:txBody>
       </p:sp>
@@ -4707,6 +4721,131 @@
           </a:graphicData>
         </a:graphic>
       </p:graphicFrame>
+      <p:sp>
+        <p:nvSpPr>
+          <p:cNvPr id="3" name="Rectangle 2"/>
+          <p:cNvSpPr/>
+          <p:nvPr/>
+        </p:nvSpPr>
+        <p:spPr>
+          <a:xfrm>
+            <a:off x="825794" y="5174163"/>
+            <a:ext cx="6591730" cy="1359181"/>
+          </a:xfrm>
+          <a:prstGeom prst="rect">
+            <a:avLst/>
+          </a:prstGeom>
+          <a:noFill/>
+          <a:ln>
+            <a:solidFill>
+              <a:schemeClr val="tx1"/>
+            </a:solidFill>
+          </a:ln>
+        </p:spPr>
+        <p:style>
+          <a:lnRef idx="2">
+            <a:schemeClr val="accent1">
+              <a:shade val="50000"/>
+            </a:schemeClr>
+          </a:lnRef>
+          <a:fillRef idx="1">
+            <a:schemeClr val="accent1"/>
+          </a:fillRef>
+          <a:effectRef idx="0">
+            <a:schemeClr val="accent1"/>
+          </a:effectRef>
+          <a:fontRef idx="minor">
+            <a:schemeClr val="lt1"/>
+          </a:fontRef>
+        </p:style>
+        <p:txBody>
+          <a:bodyPr rtlCol="0" anchor="ctr"/>
+          <a:lstStyle/>
+          <a:p>
+            <a:pPr marL="214313" indent="-214313">
+              <a:lnSpc>
+                <a:spcPct val="150000"/>
+              </a:lnSpc>
+              <a:buFont typeface="Wingdings" panose="05000000000000000000" pitchFamily="2" charset="2"/>
+              <a:buChar char="v"/>
+            </a:pPr>
+            <a:r>
+              <a:rPr lang="en-US" sz="1350" dirty="0">
+                <a:solidFill>
+                  <a:schemeClr val="tx1"/>
+                </a:solidFill>
+              </a:rPr>
+              <a:t>It is often called “COLD DWELL” in Titanium</a:t>
+            </a:r>
+          </a:p>
+          <a:p>
+            <a:pPr marL="214313" indent="-214313">
+              <a:lnSpc>
+                <a:spcPct val="150000"/>
+              </a:lnSpc>
+              <a:buFont typeface="Wingdings" panose="05000000000000000000" pitchFamily="2" charset="2"/>
+              <a:buChar char="v"/>
+            </a:pPr>
+            <a:r>
+              <a:rPr lang="el-GR" sz="1350" dirty="0">
+                <a:solidFill>
+                  <a:schemeClr val="tx1"/>
+                </a:solidFill>
+              </a:rPr>
+              <a:t>α</a:t>
+            </a:r>
+            <a:r>
+              <a:rPr lang="en-US" sz="1350" dirty="0">
+                <a:solidFill>
+                  <a:schemeClr val="tx1"/>
+                </a:solidFill>
+              </a:rPr>
+              <a:t>/near </a:t>
+            </a:r>
+            <a:r>
+              <a:rPr lang="el-GR" sz="1350" dirty="0">
+                <a:solidFill>
+                  <a:schemeClr val="tx1"/>
+                </a:solidFill>
+              </a:rPr>
+              <a:t>α</a:t>
+            </a:r>
+            <a:r>
+              <a:rPr lang="en-US" sz="1350" dirty="0">
+                <a:solidFill>
+                  <a:schemeClr val="tx1"/>
+                </a:solidFill>
+              </a:rPr>
+              <a:t> Ti alloys such as Ti-6242, IMI 685, and IMI 834 are most susceptible</a:t>
+            </a:r>
+          </a:p>
+          <a:p>
+            <a:pPr marL="214313" indent="-214313">
+              <a:lnSpc>
+                <a:spcPct val="150000"/>
+              </a:lnSpc>
+              <a:buFont typeface="Wingdings" panose="05000000000000000000" pitchFamily="2" charset="2"/>
+              <a:buChar char="v"/>
+            </a:pPr>
+            <a:r>
+              <a:rPr lang="en-US" sz="1350" dirty="0" smtClean="0">
+                <a:solidFill>
+                  <a:srgbClr val="FF0000"/>
+                </a:solidFill>
+              </a:rPr>
+              <a:t>Increased </a:t>
+            </a:r>
+            <a:r>
+              <a:rPr lang="en-US" sz="1350" dirty="0">
+                <a:solidFill>
+                  <a:srgbClr val="FF0000"/>
+                </a:solidFill>
+              </a:rPr>
+              <a:t>DFD with peak load and dwell time</a:t>
+            </a:r>
+          </a:p>
+        </p:txBody>
+      </p:sp>
       <p:grpSp>
         <p:nvGrpSpPr>
           <p:cNvPr id="10" name="Group 9"/>
@@ -4715,8 +4854,8 @@
         </p:nvGrpSpPr>
         <p:grpSpPr>
           <a:xfrm>
-            <a:off x="245481" y="3545685"/>
-            <a:ext cx="4252853" cy="2810666"/>
+            <a:off x="1520899" y="3545685"/>
+            <a:ext cx="2977435" cy="991955"/>
             <a:chOff x="269456" y="3303893"/>
             <a:chExt cx="3969913" cy="1322607"/>
           </a:xfrm>
@@ -5620,82 +5759,6 @@
           </a:p>
         </p:txBody>
       </p:sp>
-      <p:pic>
-        <p:nvPicPr>
-          <p:cNvPr id="31" name="Picture 30">
-            <a:extLst>
-              <a:ext uri="{FF2B5EF4-FFF2-40B4-BE49-F238E27FC236}">
-                <a16:creationId xmlns:a16="http://schemas.microsoft.com/office/drawing/2014/main" id="{97AF2589-3DE3-4ABE-8FBE-EE38449AAD37}"/>
-              </a:ext>
-            </a:extLst>
-          </p:cNvPr>
-          <p:cNvPicPr>
-            <a:picLocks noChangeAspect="1"/>
-          </p:cNvPicPr>
-          <p:nvPr/>
-        </p:nvPicPr>
-        <p:blipFill>
-          <a:blip r:embed="rId10">
-            <a:extLst>
-              <a:ext uri="{28A0092B-C50C-407E-A947-70E740481C1C}">
-                <a14:useLocalDpi xmlns:a14="http://schemas.microsoft.com/office/drawing/2010/main" val="0"/>
-              </a:ext>
-            </a:extLst>
-          </a:blip>
-          <a:stretch>
-            <a:fillRect/>
-          </a:stretch>
-        </p:blipFill>
-        <p:spPr>
-          <a:xfrm>
-            <a:off x="4732517" y="3329762"/>
-            <a:ext cx="4251206" cy="2899184"/>
-          </a:xfrm>
-          <a:prstGeom prst="rect">
-            <a:avLst/>
-          </a:prstGeom>
-        </p:spPr>
-      </p:pic>
-      <p:sp>
-        <p:nvSpPr>
-          <p:cNvPr id="32" name="TextBox 31">
-            <a:extLst>
-              <a:ext uri="{FF2B5EF4-FFF2-40B4-BE49-F238E27FC236}">
-                <a16:creationId xmlns:a16="http://schemas.microsoft.com/office/drawing/2014/main" id="{374A814C-658B-4BBD-A255-4FCB63A955AF}"/>
-              </a:ext>
-            </a:extLst>
-          </p:cNvPr>
-          <p:cNvSpPr txBox="1"/>
-          <p:nvPr/>
-        </p:nvSpPr>
-        <p:spPr>
-          <a:xfrm>
-            <a:off x="5436349" y="6208249"/>
-            <a:ext cx="3528426" cy="584775"/>
-          </a:xfrm>
-          <a:prstGeom prst="rect">
-            <a:avLst/>
-          </a:prstGeom>
-          <a:noFill/>
-        </p:spPr>
-        <p:txBody>
-          <a:bodyPr wrap="square" rtlCol="0">
-            <a:spAutoFit/>
-          </a:bodyPr>
-          <a:lstStyle/>
-          <a:p>
-            <a:r>
-              <a:rPr lang="en-US" sz="1600" dirty="0"/>
-              <a:t>Fig: Perspectives on Titanium Science and Technology, D.</a:t>
-            </a:r>
-            <a:r>
-              <a:rPr lang="en-US" sz="1600" i="1" dirty="0"/>
-              <a:t> Banerjee, et.al., 2014</a:t>
-            </a:r>
-            <a:endParaRPr lang="en-US" sz="1600" dirty="0"/>
-          </a:p>
-        </p:txBody>
-      </p:sp>
     </p:spTree>
     <p:extLst>
       <p:ext uri="{BB962C8B-B14F-4D97-AF65-F5344CB8AC3E}">
@@ -5706,6 +5769,13 @@
   <p:clrMapOvr>
     <a:masterClrMapping/>
   </p:clrMapOvr>
+  <p:timing>
+    <p:tnLst>
+      <p:par>
+        <p:cTn id="1" dur="indefinite" restart="never" nodeType="tmRoot"/>
+      </p:par>
+    </p:tnLst>
+  </p:timing>
 </p:sld>
 </file>
 
@@ -5728,20 +5798,14 @@
       </p:grpSpPr>
       <p:sp>
         <p:nvSpPr>
-          <p:cNvPr id="2" name="TextBox 1">
-            <a:extLst>
-              <a:ext uri="{FF2B5EF4-FFF2-40B4-BE49-F238E27FC236}">
-                <a16:creationId xmlns:a16="http://schemas.microsoft.com/office/drawing/2014/main" id="{A87C955C-6657-4D55-940A-23A4D8E3103E}"/>
-              </a:ext>
-            </a:extLst>
-          </p:cNvPr>
+          <p:cNvPr id="4" name="TextBox 3"/>
           <p:cNvSpPr txBox="1"/>
           <p:nvPr/>
         </p:nvSpPr>
         <p:spPr>
           <a:xfrm>
-            <a:off x="424070" y="397566"/>
-            <a:ext cx="6029739" cy="369332"/>
+            <a:off x="4729387" y="3136612"/>
+            <a:ext cx="3528426" cy="584775"/>
           </a:xfrm>
           <a:prstGeom prst="rect">
             <a:avLst/>
@@ -5755,12 +5819,55 @@
           <a:lstStyle/>
           <a:p>
             <a:r>
-              <a:rPr lang="en-US" dirty="0"/>
-              <a:t>Motivation</a:t>
-            </a:r>
-          </a:p>
-        </p:txBody>
-      </p:sp>
+              <a:rPr lang="en-US" sz="1600" dirty="0" smtClean="0"/>
+              <a:t>Fig: </a:t>
+            </a:r>
+            <a:r>
+              <a:rPr lang="en-US" sz="1600" dirty="0"/>
+              <a:t>Perspectives on Titanium Science and </a:t>
+            </a:r>
+            <a:r>
+              <a:rPr lang="en-US" sz="1600" dirty="0" smtClean="0"/>
+              <a:t>Technology, D.</a:t>
+            </a:r>
+            <a:r>
+              <a:rPr lang="en-US" sz="1600" i="1" dirty="0" smtClean="0"/>
+              <a:t> Banerjee, et.al., 2014</a:t>
+            </a:r>
+            <a:endParaRPr lang="en-US" sz="1600" dirty="0"/>
+          </a:p>
+        </p:txBody>
+      </p:sp>
+      <p:pic>
+        <p:nvPicPr>
+          <p:cNvPr id="5" name="Picture 4"/>
+          <p:cNvPicPr>
+            <a:picLocks noChangeAspect="1"/>
+          </p:cNvPicPr>
+          <p:nvPr/>
+        </p:nvPicPr>
+        <p:blipFill>
+          <a:blip r:embed="rId2">
+            <a:extLst>
+              <a:ext uri="{28A0092B-C50C-407E-A947-70E740481C1C}">
+                <a14:useLocalDpi xmlns:a14="http://schemas.microsoft.com/office/drawing/2010/main" val="0"/>
+              </a:ext>
+            </a:extLst>
+          </a:blip>
+          <a:stretch>
+            <a:fillRect/>
+          </a:stretch>
+        </p:blipFill>
+        <p:spPr>
+          <a:xfrm>
+            <a:off x="4006607" y="180193"/>
+            <a:ext cx="4251206" cy="2899184"/>
+          </a:xfrm>
+          <a:prstGeom prst="rect">
+            <a:avLst/>
+          </a:prstGeom>
+        </p:spPr>
+      </p:pic>
     </p:spTree>
     <p:extLst>
       <p:ext uri="{BB962C8B-B14F-4D97-AF65-F5344CB8AC3E}">
@@ -5812,9 +5919,10 @@
           <a:lstStyle/>
           <a:p>
             <a:r>
-              <a:rPr lang="en-US" dirty="0"/>
+              <a:rPr lang="en-US" dirty="0" smtClean="0"/>
               <a:t>Experimental Studies</a:t>
             </a:r>
+            <a:endParaRPr lang="en-US" dirty="0"/>
           </a:p>
         </p:txBody>
       </p:sp>
@@ -5847,6 +5955,1475 @@
   <p:clrMapOvr>
     <a:masterClrMapping/>
   </p:clrMapOvr>
+</p:sld>
+</file>
+
+<file path=ppt/slides/slide8.xml><?xml version="1.0" encoding="utf-8"?>
+<p:sld xmlns:a="http://schemas.openxmlformats.org/drawingml/2006/main" xmlns:r="http://schemas.openxmlformats.org/officeDocument/2006/relationships" xmlns:p="http://schemas.openxmlformats.org/presentationml/2006/main">
+  <p:cSld>
+    <p:spTree>
+      <p:nvGrpSpPr>
+        <p:cNvPr id="1" name=""/>
+        <p:cNvGrpSpPr/>
+        <p:nvPr/>
+      </p:nvGrpSpPr>
+      <p:grpSpPr>
+        <a:xfrm>
+          <a:off x="0" y="0"/>
+          <a:ext cx="0" cy="0"/>
+          <a:chOff x="0" y="0"/>
+          <a:chExt cx="0" cy="0"/>
+        </a:xfrm>
+      </p:grpSpPr>
+      <p:sp>
+        <p:nvSpPr>
+          <p:cNvPr id="2" name="Title 1"/>
+          <p:cNvSpPr>
+            <a:spLocks noGrp="1"/>
+          </p:cNvSpPr>
+          <p:nvPr>
+            <p:ph type="title" idx="4294967295"/>
+          </p:nvPr>
+        </p:nvSpPr>
+        <p:spPr>
+          <a:xfrm>
+            <a:off x="0" y="0"/>
+            <a:ext cx="3889375" cy="712788"/>
+          </a:xfrm>
+        </p:spPr>
+        <p:txBody>
+          <a:bodyPr>
+            <a:normAutofit fontScale="90000"/>
+          </a:bodyPr>
+          <a:lstStyle/>
+          <a:p>
+            <a:r>
+              <a:rPr lang="en-US" b="1" dirty="0" smtClean="0"/>
+              <a:t>Dwell Fatigue Testing</a:t>
+            </a:r>
+            <a:endParaRPr lang="en-US" b="1" dirty="0"/>
+          </a:p>
+        </p:txBody>
+      </p:sp>
+      <p:sp>
+        <p:nvSpPr>
+          <p:cNvPr id="6" name="TextBox 5"/>
+          <p:cNvSpPr txBox="1"/>
+          <p:nvPr/>
+        </p:nvSpPr>
+        <p:spPr>
+          <a:xfrm>
+            <a:off x="10003809" y="1665027"/>
+            <a:ext cx="184731" cy="369332"/>
+          </a:xfrm>
+          <a:prstGeom prst="rect">
+            <a:avLst/>
+          </a:prstGeom>
+          <a:noFill/>
+        </p:spPr>
+        <p:txBody>
+          <a:bodyPr wrap="none" rtlCol="0">
+            <a:spAutoFit/>
+          </a:bodyPr>
+          <a:lstStyle/>
+          <a:p>
+            <a:endParaRPr lang="en-US" dirty="0"/>
+          </a:p>
+        </p:txBody>
+      </p:sp>
+      <p:sp>
+        <p:nvSpPr>
+          <p:cNvPr id="8" name="Rectangle 7"/>
+          <p:cNvSpPr/>
+          <p:nvPr/>
+        </p:nvSpPr>
+        <p:spPr>
+          <a:xfrm>
+            <a:off x="-2822408" y="1652788"/>
+            <a:ext cx="2907944" cy="1200329"/>
+          </a:xfrm>
+          <a:prstGeom prst="rect">
+            <a:avLst/>
+          </a:prstGeom>
+        </p:spPr>
+        <p:txBody>
+          <a:bodyPr wrap="square">
+            <a:spAutoFit/>
+          </a:bodyPr>
+          <a:lstStyle/>
+          <a:p>
+            <a:r>
+              <a:rPr lang="en-US" dirty="0"/>
+              <a:t>Surface is not very </a:t>
+            </a:r>
+            <a:r>
+              <a:rPr lang="en-US" dirty="0" smtClean="0"/>
+              <a:t>critical</a:t>
+            </a:r>
+          </a:p>
+          <a:p>
+            <a:r>
+              <a:rPr lang="en-US" dirty="0" smtClean="0"/>
+              <a:t> </a:t>
+            </a:r>
+            <a:r>
+              <a:rPr lang="en-US" dirty="0"/>
+              <a:t>in the case of dwell fatigue </a:t>
+            </a:r>
+            <a:endParaRPr lang="en-US" dirty="0" smtClean="0"/>
+          </a:p>
+          <a:p>
+            <a:r>
+              <a:rPr lang="en-US" dirty="0" smtClean="0"/>
+              <a:t>as </a:t>
+            </a:r>
+            <a:r>
+              <a:rPr lang="en-US" dirty="0"/>
+              <a:t>it is close to low </a:t>
+            </a:r>
+            <a:r>
+              <a:rPr lang="en-US" dirty="0" smtClean="0"/>
+              <a:t>cycle</a:t>
+            </a:r>
+          </a:p>
+          <a:p>
+            <a:r>
+              <a:rPr lang="en-US" dirty="0" smtClean="0"/>
+              <a:t> fatigue</a:t>
+            </a:r>
+            <a:endParaRPr lang="en-US" dirty="0"/>
+          </a:p>
+        </p:txBody>
+      </p:sp>
+      <p:pic>
+        <p:nvPicPr>
+          <p:cNvPr id="11" name="Picture 10"/>
+          <p:cNvPicPr>
+            <a:picLocks noChangeAspect="1"/>
+          </p:cNvPicPr>
+          <p:nvPr/>
+        </p:nvPicPr>
+        <p:blipFill rotWithShape="1">
+          <a:blip r:embed="rId2" cstate="print">
+            <a:extLst>
+              <a:ext uri="{28A0092B-C50C-407E-A947-70E740481C1C}">
+                <a14:useLocalDpi xmlns:a14="http://schemas.microsoft.com/office/drawing/2010/main" val="0"/>
+              </a:ext>
+            </a:extLst>
+          </a:blip>
+          <a:srcRect t="5731" b="2953"/>
+          <a:stretch/>
+        </p:blipFill>
+        <p:spPr>
+          <a:xfrm>
+            <a:off x="6160852" y="50780"/>
+            <a:ext cx="2651596" cy="3228493"/>
+          </a:xfrm>
+          <a:prstGeom prst="rect">
+            <a:avLst/>
+          </a:prstGeom>
+        </p:spPr>
+      </p:pic>
+      <p:sp>
+        <p:nvSpPr>
+          <p:cNvPr id="12" name="TextBox 11"/>
+          <p:cNvSpPr txBox="1"/>
+          <p:nvPr/>
+        </p:nvSpPr>
+        <p:spPr>
+          <a:xfrm>
+            <a:off x="5936546" y="3279273"/>
+            <a:ext cx="3100208" cy="646331"/>
+          </a:xfrm>
+          <a:prstGeom prst="rect">
+            <a:avLst/>
+          </a:prstGeom>
+          <a:noFill/>
+        </p:spPr>
+        <p:txBody>
+          <a:bodyPr wrap="none" rtlCol="0">
+            <a:spAutoFit/>
+          </a:bodyPr>
+          <a:lstStyle/>
+          <a:p>
+            <a:pPr algn="ctr"/>
+            <a:r>
+              <a:rPr lang="en-US" dirty="0"/>
+              <a:t>Instron fatigue testing machine</a:t>
+            </a:r>
+          </a:p>
+          <a:p>
+            <a:pPr algn="ctr"/>
+            <a:r>
+              <a:rPr lang="en-US" dirty="0" smtClean="0"/>
+              <a:t>100kN, Servo-hydraulic</a:t>
+            </a:r>
+            <a:endParaRPr lang="en-US" dirty="0"/>
+          </a:p>
+        </p:txBody>
+      </p:sp>
+      <p:sp>
+        <p:nvSpPr>
+          <p:cNvPr id="28" name="Rectangle 27"/>
+          <p:cNvSpPr/>
+          <p:nvPr/>
+        </p:nvSpPr>
+        <p:spPr>
+          <a:xfrm>
+            <a:off x="3607979" y="2145285"/>
+            <a:ext cx="2010709" cy="1060606"/>
+          </a:xfrm>
+          <a:prstGeom prst="rect">
+            <a:avLst/>
+          </a:prstGeom>
+          <a:solidFill>
+            <a:srgbClr val="92D050"/>
+          </a:solidFill>
+        </p:spPr>
+        <p:style>
+          <a:lnRef idx="2">
+            <a:schemeClr val="accent1">
+              <a:shade val="50000"/>
+            </a:schemeClr>
+          </a:lnRef>
+          <a:fillRef idx="1">
+            <a:schemeClr val="accent1"/>
+          </a:fillRef>
+          <a:effectRef idx="0">
+            <a:schemeClr val="accent1"/>
+          </a:effectRef>
+          <a:fontRef idx="minor">
+            <a:schemeClr val="lt1"/>
+          </a:fontRef>
+        </p:style>
+        <p:txBody>
+          <a:bodyPr rtlCol="0" anchor="ctr"/>
+          <a:lstStyle/>
+          <a:p>
+            <a:r>
+              <a:rPr lang="en-US" dirty="0">
+                <a:solidFill>
+                  <a:schemeClr val="tx1"/>
+                </a:solidFill>
+              </a:rPr>
+              <a:t>Vacuum Sealed and Heat treated to the desired condition</a:t>
+            </a:r>
+          </a:p>
+        </p:txBody>
+      </p:sp>
+      <p:pic>
+        <p:nvPicPr>
+          <p:cNvPr id="7" name="Picture 6"/>
+          <p:cNvPicPr>
+            <a:picLocks noChangeAspect="1"/>
+          </p:cNvPicPr>
+          <p:nvPr/>
+        </p:nvPicPr>
+        <p:blipFill rotWithShape="1">
+          <a:blip r:embed="rId3" cstate="print">
+            <a:extLst>
+              <a:ext uri="{28A0092B-C50C-407E-A947-70E740481C1C}">
+                <a14:useLocalDpi xmlns:a14="http://schemas.microsoft.com/office/drawing/2010/main" val="0"/>
+              </a:ext>
+            </a:extLst>
+          </a:blip>
+          <a:srcRect l="45148" r="41176"/>
+          <a:stretch/>
+        </p:blipFill>
+        <p:spPr>
+          <a:xfrm>
+            <a:off x="1973836" y="875025"/>
+            <a:ext cx="725287" cy="3977380"/>
+          </a:xfrm>
+          <a:prstGeom prst="rect">
+            <a:avLst/>
+          </a:prstGeom>
+        </p:spPr>
+      </p:pic>
+      <p:cxnSp>
+        <p:nvCxnSpPr>
+          <p:cNvPr id="27" name="Straight Arrow Connector 26"/>
+          <p:cNvCxnSpPr/>
+          <p:nvPr/>
+        </p:nvCxnSpPr>
+        <p:spPr>
+          <a:xfrm>
+            <a:off x="1129549" y="2634228"/>
+            <a:ext cx="834586" cy="0"/>
+          </a:xfrm>
+          <a:prstGeom prst="straightConnector1">
+            <a:avLst/>
+          </a:prstGeom>
+          <a:ln w="28575">
+            <a:tailEnd type="triangle"/>
+          </a:ln>
+        </p:spPr>
+        <p:style>
+          <a:lnRef idx="1">
+            <a:schemeClr val="accent1"/>
+          </a:lnRef>
+          <a:fillRef idx="0">
+            <a:schemeClr val="accent1"/>
+          </a:fillRef>
+          <a:effectRef idx="0">
+            <a:schemeClr val="accent1"/>
+          </a:effectRef>
+          <a:fontRef idx="minor">
+            <a:schemeClr val="tx1"/>
+          </a:fontRef>
+        </p:style>
+      </p:cxnSp>
+      <p:cxnSp>
+        <p:nvCxnSpPr>
+          <p:cNvPr id="18" name="Straight Arrow Connector 17"/>
+          <p:cNvCxnSpPr/>
+          <p:nvPr/>
+        </p:nvCxnSpPr>
+        <p:spPr>
+          <a:xfrm>
+            <a:off x="2717237" y="2634228"/>
+            <a:ext cx="834586" cy="0"/>
+          </a:xfrm>
+          <a:prstGeom prst="straightConnector1">
+            <a:avLst/>
+          </a:prstGeom>
+          <a:ln w="28575">
+            <a:tailEnd type="triangle"/>
+          </a:ln>
+        </p:spPr>
+        <p:style>
+          <a:lnRef idx="1">
+            <a:schemeClr val="accent1"/>
+          </a:lnRef>
+          <a:fillRef idx="0">
+            <a:schemeClr val="accent1"/>
+          </a:fillRef>
+          <a:effectRef idx="0">
+            <a:schemeClr val="accent1"/>
+          </a:effectRef>
+          <a:fontRef idx="minor">
+            <a:schemeClr val="tx1"/>
+          </a:fontRef>
+        </p:style>
+      </p:cxnSp>
+      <p:sp>
+        <p:nvSpPr>
+          <p:cNvPr id="39" name="TextBox 38"/>
+          <p:cNvSpPr txBox="1"/>
+          <p:nvPr/>
+        </p:nvSpPr>
+        <p:spPr>
+          <a:xfrm>
+            <a:off x="3111661" y="995538"/>
+            <a:ext cx="3042628" cy="646331"/>
+          </a:xfrm>
+          <a:prstGeom prst="rect">
+            <a:avLst/>
+          </a:prstGeom>
+          <a:noFill/>
+        </p:spPr>
+        <p:txBody>
+          <a:bodyPr wrap="none" rtlCol="0">
+            <a:spAutoFit/>
+          </a:bodyPr>
+          <a:lstStyle/>
+          <a:p>
+            <a:pPr algn="ctr"/>
+            <a:r>
+              <a:rPr lang="en-US" dirty="0" smtClean="0"/>
+              <a:t>Load Controlled Dwell Fatigue </a:t>
+            </a:r>
+          </a:p>
+          <a:p>
+            <a:pPr algn="ctr"/>
+            <a:r>
+              <a:rPr lang="en-US" dirty="0" smtClean="0"/>
+              <a:t>test at RT</a:t>
+            </a:r>
+            <a:endParaRPr lang="en-US" dirty="0"/>
+          </a:p>
+        </p:txBody>
+      </p:sp>
+      <p:cxnSp>
+        <p:nvCxnSpPr>
+          <p:cNvPr id="40" name="Straight Arrow Connector 39"/>
+          <p:cNvCxnSpPr/>
+          <p:nvPr/>
+        </p:nvCxnSpPr>
+        <p:spPr>
+          <a:xfrm flipH="1" flipV="1">
+            <a:off x="4613333" y="1547740"/>
+            <a:ext cx="8942" cy="613485"/>
+          </a:xfrm>
+          <a:prstGeom prst="straightConnector1">
+            <a:avLst/>
+          </a:prstGeom>
+          <a:ln w="28575">
+            <a:tailEnd type="triangle"/>
+          </a:ln>
+        </p:spPr>
+        <p:style>
+          <a:lnRef idx="1">
+            <a:schemeClr val="accent1"/>
+          </a:lnRef>
+          <a:fillRef idx="0">
+            <a:schemeClr val="accent1"/>
+          </a:fillRef>
+          <a:effectRef idx="0">
+            <a:schemeClr val="accent1"/>
+          </a:effectRef>
+          <a:fontRef idx="minor">
+            <a:schemeClr val="tx1"/>
+          </a:fontRef>
+        </p:style>
+      </p:cxnSp>
+      <p:grpSp>
+        <p:nvGrpSpPr>
+          <p:cNvPr id="43" name="Group 42"/>
+          <p:cNvGrpSpPr/>
+          <p:nvPr/>
+        </p:nvGrpSpPr>
+        <p:grpSpPr>
+          <a:xfrm>
+            <a:off x="3038218" y="3497509"/>
+            <a:ext cx="5160939" cy="3025589"/>
+            <a:chOff x="3873050" y="3566895"/>
+            <a:chExt cx="5160939" cy="3025589"/>
+          </a:xfrm>
+        </p:grpSpPr>
+        <p:grpSp>
+          <p:nvGrpSpPr>
+            <p:cNvPr id="51" name="Group 50"/>
+            <p:cNvGrpSpPr/>
+            <p:nvPr/>
+          </p:nvGrpSpPr>
+          <p:grpSpPr>
+            <a:xfrm>
+              <a:off x="3873050" y="3566895"/>
+              <a:ext cx="5160939" cy="3025589"/>
+              <a:chOff x="3738584" y="3697932"/>
+              <a:chExt cx="5160939" cy="3025589"/>
+            </a:xfrm>
+          </p:grpSpPr>
+          <p:grpSp>
+            <p:nvGrpSpPr>
+              <p:cNvPr id="49" name="Group 48"/>
+              <p:cNvGrpSpPr/>
+              <p:nvPr/>
+            </p:nvGrpSpPr>
+            <p:grpSpPr>
+              <a:xfrm>
+                <a:off x="3738584" y="3697932"/>
+                <a:ext cx="5160939" cy="3025589"/>
+                <a:chOff x="3109002" y="3628184"/>
+                <a:chExt cx="5160939" cy="3025589"/>
+              </a:xfrm>
+            </p:grpSpPr>
+            <p:grpSp>
+              <p:nvGrpSpPr>
+                <p:cNvPr id="37" name="Group 36"/>
+                <p:cNvGrpSpPr/>
+                <p:nvPr/>
+              </p:nvGrpSpPr>
+              <p:grpSpPr>
+                <a:xfrm>
+                  <a:off x="3312643" y="3628184"/>
+                  <a:ext cx="4957298" cy="3025589"/>
+                  <a:chOff x="3205067" y="3632298"/>
+                  <a:chExt cx="4957298" cy="3025589"/>
+                </a:xfrm>
+              </p:grpSpPr>
+              <p:grpSp>
+                <p:nvGrpSpPr>
+                  <p:cNvPr id="23" name="Group 22"/>
+                  <p:cNvGrpSpPr/>
+                  <p:nvPr/>
+                </p:nvGrpSpPr>
+                <p:grpSpPr>
+                  <a:xfrm>
+                    <a:off x="3205067" y="3632298"/>
+                    <a:ext cx="4957298" cy="3025589"/>
+                    <a:chOff x="3205067" y="3632298"/>
+                    <a:chExt cx="4957298" cy="3025589"/>
+                  </a:xfrm>
+                </p:grpSpPr>
+                <p:cxnSp>
+                  <p:nvCxnSpPr>
+                    <p:cNvPr id="16" name="Straight Arrow Connector 15"/>
+                    <p:cNvCxnSpPr/>
+                    <p:nvPr/>
+                  </p:nvCxnSpPr>
+                  <p:spPr>
+                    <a:xfrm flipV="1">
+                      <a:off x="3418728" y="3632298"/>
+                      <a:ext cx="0" cy="3025589"/>
+                    </a:xfrm>
+                    <a:prstGeom prst="straightConnector1">
+                      <a:avLst/>
+                    </a:prstGeom>
+                    <a:ln w="38100">
+                      <a:solidFill>
+                        <a:schemeClr val="tx1"/>
+                      </a:solidFill>
+                      <a:tailEnd type="triangle"/>
+                    </a:ln>
+                  </p:spPr>
+                  <p:style>
+                    <a:lnRef idx="1">
+                      <a:schemeClr val="accent1"/>
+                    </a:lnRef>
+                    <a:fillRef idx="0">
+                      <a:schemeClr val="accent1"/>
+                    </a:fillRef>
+                    <a:effectRef idx="0">
+                      <a:schemeClr val="accent1"/>
+                    </a:effectRef>
+                    <a:fontRef idx="minor">
+                      <a:schemeClr val="tx1"/>
+                    </a:fontRef>
+                  </p:style>
+                </p:cxnSp>
+                <p:cxnSp>
+                  <p:nvCxnSpPr>
+                    <p:cNvPr id="21" name="Straight Arrow Connector 20"/>
+                    <p:cNvCxnSpPr/>
+                    <p:nvPr/>
+                  </p:nvCxnSpPr>
+                  <p:spPr>
+                    <a:xfrm flipV="1">
+                      <a:off x="3205067" y="6654811"/>
+                      <a:ext cx="4957298" cy="1025"/>
+                    </a:xfrm>
+                    <a:prstGeom prst="straightConnector1">
+                      <a:avLst/>
+                    </a:prstGeom>
+                    <a:ln w="38100">
+                      <a:solidFill>
+                        <a:schemeClr val="tx1"/>
+                      </a:solidFill>
+                      <a:tailEnd type="triangle"/>
+                    </a:ln>
+                  </p:spPr>
+                  <p:style>
+                    <a:lnRef idx="1">
+                      <a:schemeClr val="accent1"/>
+                    </a:lnRef>
+                    <a:fillRef idx="0">
+                      <a:schemeClr val="accent1"/>
+                    </a:fillRef>
+                    <a:effectRef idx="0">
+                      <a:schemeClr val="accent1"/>
+                    </a:effectRef>
+                    <a:fontRef idx="minor">
+                      <a:schemeClr val="tx1"/>
+                    </a:fontRef>
+                  </p:style>
+                </p:cxnSp>
+              </p:grpSp>
+              <p:cxnSp>
+                <p:nvCxnSpPr>
+                  <p:cNvPr id="25" name="Straight Connector 24"/>
+                  <p:cNvCxnSpPr/>
+                  <p:nvPr/>
+                </p:nvCxnSpPr>
+                <p:spPr>
+                  <a:xfrm flipV="1">
+                    <a:off x="3418728" y="4852405"/>
+                    <a:ext cx="470647" cy="1803431"/>
+                  </a:xfrm>
+                  <a:prstGeom prst="line">
+                    <a:avLst/>
+                  </a:prstGeom>
+                  <a:ln w="38100">
+                    <a:solidFill>
+                      <a:schemeClr val="tx1"/>
+                    </a:solidFill>
+                  </a:ln>
+                </p:spPr>
+                <p:style>
+                  <a:lnRef idx="1">
+                    <a:schemeClr val="accent1"/>
+                  </a:lnRef>
+                  <a:fillRef idx="0">
+                    <a:schemeClr val="accent1"/>
+                  </a:fillRef>
+                  <a:effectRef idx="0">
+                    <a:schemeClr val="accent1"/>
+                  </a:effectRef>
+                  <a:fontRef idx="minor">
+                    <a:schemeClr val="tx1"/>
+                  </a:fontRef>
+                </p:style>
+              </p:cxnSp>
+              <p:cxnSp>
+                <p:nvCxnSpPr>
+                  <p:cNvPr id="29" name="Straight Connector 28"/>
+                  <p:cNvCxnSpPr/>
+                  <p:nvPr/>
+                </p:nvCxnSpPr>
+                <p:spPr>
+                  <a:xfrm flipV="1">
+                    <a:off x="6457950" y="4852405"/>
+                    <a:ext cx="470647" cy="1803431"/>
+                  </a:xfrm>
+                  <a:prstGeom prst="line">
+                    <a:avLst/>
+                  </a:prstGeom>
+                  <a:ln w="38100">
+                    <a:solidFill>
+                      <a:schemeClr val="tx1"/>
+                    </a:solidFill>
+                  </a:ln>
+                </p:spPr>
+                <p:style>
+                  <a:lnRef idx="1">
+                    <a:schemeClr val="accent1"/>
+                  </a:lnRef>
+                  <a:fillRef idx="0">
+                    <a:schemeClr val="accent1"/>
+                  </a:fillRef>
+                  <a:effectRef idx="0">
+                    <a:schemeClr val="accent1"/>
+                  </a:effectRef>
+                  <a:fontRef idx="minor">
+                    <a:schemeClr val="tx1"/>
+                  </a:fontRef>
+                </p:style>
+              </p:cxnSp>
+              <p:cxnSp>
+                <p:nvCxnSpPr>
+                  <p:cNvPr id="30" name="Straight Connector 29"/>
+                  <p:cNvCxnSpPr/>
+                  <p:nvPr/>
+                </p:nvCxnSpPr>
+                <p:spPr>
+                  <a:xfrm flipH="1" flipV="1">
+                    <a:off x="5936546" y="4852405"/>
+                    <a:ext cx="521404" cy="1803432"/>
+                  </a:xfrm>
+                  <a:prstGeom prst="line">
+                    <a:avLst/>
+                  </a:prstGeom>
+                  <a:ln w="38100">
+                    <a:solidFill>
+                      <a:schemeClr val="tx1"/>
+                    </a:solidFill>
+                  </a:ln>
+                </p:spPr>
+                <p:style>
+                  <a:lnRef idx="1">
+                    <a:schemeClr val="accent1"/>
+                  </a:lnRef>
+                  <a:fillRef idx="0">
+                    <a:schemeClr val="accent1"/>
+                  </a:fillRef>
+                  <a:effectRef idx="0">
+                    <a:schemeClr val="accent1"/>
+                  </a:effectRef>
+                  <a:fontRef idx="minor">
+                    <a:schemeClr val="tx1"/>
+                  </a:fontRef>
+                </p:style>
+              </p:cxnSp>
+              <p:cxnSp>
+                <p:nvCxnSpPr>
+                  <p:cNvPr id="33" name="Straight Connector 32"/>
+                  <p:cNvCxnSpPr/>
+                  <p:nvPr/>
+                </p:nvCxnSpPr>
+                <p:spPr>
+                  <a:xfrm>
+                    <a:off x="3889375" y="4852405"/>
+                    <a:ext cx="2047171" cy="0"/>
+                  </a:xfrm>
+                  <a:prstGeom prst="line">
+                    <a:avLst/>
+                  </a:prstGeom>
+                  <a:ln w="38100">
+                    <a:solidFill>
+                      <a:schemeClr val="tx1"/>
+                    </a:solidFill>
+                  </a:ln>
+                </p:spPr>
+                <p:style>
+                  <a:lnRef idx="1">
+                    <a:schemeClr val="accent1"/>
+                  </a:lnRef>
+                  <a:fillRef idx="0">
+                    <a:schemeClr val="accent1"/>
+                  </a:fillRef>
+                  <a:effectRef idx="0">
+                    <a:schemeClr val="accent1"/>
+                  </a:effectRef>
+                  <a:fontRef idx="minor">
+                    <a:schemeClr val="tx1"/>
+                  </a:fontRef>
+                </p:style>
+              </p:cxnSp>
+              <p:cxnSp>
+                <p:nvCxnSpPr>
+                  <p:cNvPr id="34" name="Straight Connector 33"/>
+                  <p:cNvCxnSpPr/>
+                  <p:nvPr/>
+                </p:nvCxnSpPr>
+                <p:spPr>
+                  <a:xfrm flipV="1">
+                    <a:off x="6964295" y="4852405"/>
+                    <a:ext cx="574062" cy="15946"/>
+                  </a:xfrm>
+                  <a:prstGeom prst="line">
+                    <a:avLst/>
+                  </a:prstGeom>
+                  <a:ln w="38100">
+                    <a:solidFill>
+                      <a:schemeClr val="tx1"/>
+                    </a:solidFill>
+                  </a:ln>
+                </p:spPr>
+                <p:style>
+                  <a:lnRef idx="1">
+                    <a:schemeClr val="accent1"/>
+                  </a:lnRef>
+                  <a:fillRef idx="0">
+                    <a:schemeClr val="accent1"/>
+                  </a:fillRef>
+                  <a:effectRef idx="0">
+                    <a:schemeClr val="accent1"/>
+                  </a:effectRef>
+                  <a:fontRef idx="minor">
+                    <a:schemeClr val="tx1"/>
+                  </a:fontRef>
+                </p:style>
+              </p:cxnSp>
+            </p:grpSp>
+            <p:sp>
+              <p:nvSpPr>
+                <p:cNvPr id="38" name="TextBox 37"/>
+                <p:cNvSpPr txBox="1"/>
+                <p:nvPr/>
+              </p:nvSpPr>
+              <p:spPr>
+                <a:xfrm>
+                  <a:off x="3913861" y="4094432"/>
+                  <a:ext cx="1984261" cy="369332"/>
+                </a:xfrm>
+                <a:prstGeom prst="rect">
+                  <a:avLst/>
+                </a:prstGeom>
+                <a:noFill/>
+              </p:spPr>
+              <p:txBody>
+                <a:bodyPr wrap="none" rtlCol="0">
+                  <a:spAutoFit/>
+                </a:bodyPr>
+                <a:lstStyle/>
+                <a:p>
+                  <a:r>
+                    <a:rPr lang="en-US" dirty="0" smtClean="0"/>
+                    <a:t>Load for 0.95 proof</a:t>
+                  </a:r>
+                  <a:endParaRPr lang="en-US" dirty="0"/>
+                </a:p>
+              </p:txBody>
+            </p:sp>
+            <p:sp>
+              <p:nvSpPr>
+                <p:cNvPr id="44" name="TextBox 43"/>
+                <p:cNvSpPr txBox="1"/>
+                <p:nvPr/>
+              </p:nvSpPr>
+              <p:spPr>
+                <a:xfrm rot="16200000">
+                  <a:off x="2975311" y="4997927"/>
+                  <a:ext cx="636713" cy="369332"/>
+                </a:xfrm>
+                <a:prstGeom prst="rect">
+                  <a:avLst/>
+                </a:prstGeom>
+                <a:noFill/>
+              </p:spPr>
+              <p:txBody>
+                <a:bodyPr wrap="none" rtlCol="0">
+                  <a:spAutoFit/>
+                </a:bodyPr>
+                <a:lstStyle/>
+                <a:p>
+                  <a:r>
+                    <a:rPr lang="en-US" dirty="0" smtClean="0"/>
+                    <a:t>Load</a:t>
+                  </a:r>
+                  <a:endParaRPr lang="en-US" dirty="0"/>
+                </a:p>
+              </p:txBody>
+            </p:sp>
+            <p:sp>
+              <p:nvSpPr>
+                <p:cNvPr id="46" name="TextBox 45"/>
+                <p:cNvSpPr txBox="1"/>
+                <p:nvPr/>
+              </p:nvSpPr>
+              <p:spPr>
+                <a:xfrm>
+                  <a:off x="4433434" y="4331421"/>
+                  <a:ext cx="891591" cy="369332"/>
+                </a:xfrm>
+                <a:prstGeom prst="rect">
+                  <a:avLst/>
+                </a:prstGeom>
+                <a:noFill/>
+              </p:spPr>
+              <p:txBody>
+                <a:bodyPr wrap="none" rtlCol="0">
+                  <a:spAutoFit/>
+                </a:bodyPr>
+                <a:lstStyle/>
+                <a:p>
+                  <a:r>
+                    <a:rPr lang="en-US" dirty="0" smtClean="0"/>
+                    <a:t>120 sec</a:t>
+                  </a:r>
+                  <a:endParaRPr lang="en-US" dirty="0"/>
+                </a:p>
+              </p:txBody>
+            </p:sp>
+            <p:sp>
+              <p:nvSpPr>
+                <p:cNvPr id="47" name="TextBox 46"/>
+                <p:cNvSpPr txBox="1"/>
+                <p:nvPr/>
+              </p:nvSpPr>
+              <p:spPr>
+                <a:xfrm>
+                  <a:off x="5800734" y="5666000"/>
+                  <a:ext cx="391454" cy="369332"/>
+                </a:xfrm>
+                <a:prstGeom prst="rect">
+                  <a:avLst/>
+                </a:prstGeom>
+                <a:noFill/>
+              </p:spPr>
+              <p:txBody>
+                <a:bodyPr wrap="none" rtlCol="0">
+                  <a:spAutoFit/>
+                </a:bodyPr>
+                <a:lstStyle/>
+                <a:p>
+                  <a:r>
+                    <a:rPr lang="en-US" dirty="0" smtClean="0"/>
+                    <a:t>1s</a:t>
+                  </a:r>
+                  <a:endParaRPr lang="en-US" dirty="0"/>
+                </a:p>
+              </p:txBody>
+            </p:sp>
+            <p:sp>
+              <p:nvSpPr>
+                <p:cNvPr id="48" name="TextBox 47"/>
+                <p:cNvSpPr txBox="1"/>
+                <p:nvPr/>
+              </p:nvSpPr>
+              <p:spPr>
+                <a:xfrm>
+                  <a:off x="3711817" y="5592845"/>
+                  <a:ext cx="391454" cy="369332"/>
+                </a:xfrm>
+                <a:prstGeom prst="rect">
+                  <a:avLst/>
+                </a:prstGeom>
+                <a:noFill/>
+              </p:spPr>
+              <p:txBody>
+                <a:bodyPr wrap="none" rtlCol="0">
+                  <a:spAutoFit/>
+                </a:bodyPr>
+                <a:lstStyle/>
+                <a:p>
+                  <a:r>
+                    <a:rPr lang="en-US" dirty="0" smtClean="0"/>
+                    <a:t>1s</a:t>
+                  </a:r>
+                  <a:endParaRPr lang="en-US" dirty="0"/>
+                </a:p>
+              </p:txBody>
+            </p:sp>
+          </p:grpSp>
+          <p:sp>
+            <p:nvSpPr>
+              <p:cNvPr id="50" name="TextBox 49"/>
+              <p:cNvSpPr txBox="1"/>
+              <p:nvPr/>
+            </p:nvSpPr>
+            <p:spPr>
+              <a:xfrm>
+                <a:off x="8138208" y="6351113"/>
+                <a:ext cx="649537" cy="369332"/>
+              </a:xfrm>
+              <a:prstGeom prst="rect">
+                <a:avLst/>
+              </a:prstGeom>
+              <a:noFill/>
+            </p:spPr>
+            <p:txBody>
+              <a:bodyPr wrap="none" rtlCol="0">
+                <a:spAutoFit/>
+              </a:bodyPr>
+              <a:lstStyle/>
+              <a:p>
+                <a:r>
+                  <a:rPr lang="en-US" dirty="0" smtClean="0"/>
+                  <a:t>Time</a:t>
+                </a:r>
+                <a:endParaRPr lang="en-US" dirty="0"/>
+              </a:p>
+            </p:txBody>
+          </p:sp>
+        </p:grpSp>
+        <p:cxnSp>
+          <p:nvCxnSpPr>
+            <p:cNvPr id="24" name="Straight Connector 23"/>
+            <p:cNvCxnSpPr/>
+            <p:nvPr/>
+          </p:nvCxnSpPr>
+          <p:spPr>
+            <a:xfrm>
+              <a:off x="4760999" y="4787002"/>
+              <a:ext cx="477550" cy="1802406"/>
+            </a:xfrm>
+            <a:prstGeom prst="line">
+              <a:avLst/>
+            </a:prstGeom>
+            <a:ln>
+              <a:solidFill>
+                <a:srgbClr val="FF0000"/>
+              </a:solidFill>
+              <a:prstDash val="dashDot"/>
+            </a:ln>
+          </p:spPr>
+          <p:style>
+            <a:lnRef idx="1">
+              <a:schemeClr val="accent1"/>
+            </a:lnRef>
+            <a:fillRef idx="0">
+              <a:schemeClr val="accent1"/>
+            </a:fillRef>
+            <a:effectRef idx="0">
+              <a:schemeClr val="accent1"/>
+            </a:effectRef>
+            <a:fontRef idx="minor">
+              <a:schemeClr val="tx1"/>
+            </a:fontRef>
+          </p:style>
+        </p:cxnSp>
+        <p:cxnSp>
+          <p:nvCxnSpPr>
+            <p:cNvPr id="45" name="Straight Connector 44"/>
+            <p:cNvCxnSpPr/>
+            <p:nvPr/>
+          </p:nvCxnSpPr>
+          <p:spPr>
+            <a:xfrm flipH="1">
+              <a:off x="5241669" y="4813164"/>
+              <a:ext cx="428370" cy="1743358"/>
+            </a:xfrm>
+            <a:prstGeom prst="line">
+              <a:avLst/>
+            </a:prstGeom>
+            <a:ln>
+              <a:solidFill>
+                <a:srgbClr val="FF0000"/>
+              </a:solidFill>
+              <a:prstDash val="dashDot"/>
+            </a:ln>
+          </p:spPr>
+          <p:style>
+            <a:lnRef idx="1">
+              <a:schemeClr val="accent1"/>
+            </a:lnRef>
+            <a:fillRef idx="0">
+              <a:schemeClr val="accent1"/>
+            </a:fillRef>
+            <a:effectRef idx="0">
+              <a:schemeClr val="accent1"/>
+            </a:effectRef>
+            <a:fontRef idx="minor">
+              <a:schemeClr val="tx1"/>
+            </a:fontRef>
+          </p:style>
+        </p:cxnSp>
+        <p:sp>
+          <p:nvSpPr>
+            <p:cNvPr id="52" name="TextBox 51"/>
+            <p:cNvSpPr txBox="1"/>
+            <p:nvPr/>
+          </p:nvSpPr>
+          <p:spPr>
+            <a:xfrm>
+              <a:off x="4939233" y="5541585"/>
+              <a:ext cx="391454" cy="369332"/>
+            </a:xfrm>
+            <a:prstGeom prst="rect">
+              <a:avLst/>
+            </a:prstGeom>
+            <a:noFill/>
+          </p:spPr>
+          <p:txBody>
+            <a:bodyPr wrap="none" rtlCol="0">
+              <a:spAutoFit/>
+            </a:bodyPr>
+            <a:lstStyle/>
+            <a:p>
+              <a:r>
+                <a:rPr lang="en-US" dirty="0" smtClean="0"/>
+                <a:t>1s</a:t>
+              </a:r>
+              <a:endParaRPr lang="en-US" dirty="0"/>
+            </a:p>
+          </p:txBody>
+        </p:sp>
+      </p:grpSp>
+      <p:grpSp>
+        <p:nvGrpSpPr>
+          <p:cNvPr id="42" name="Group 41"/>
+          <p:cNvGrpSpPr/>
+          <p:nvPr/>
+        </p:nvGrpSpPr>
+        <p:grpSpPr>
+          <a:xfrm>
+            <a:off x="81281" y="875025"/>
+            <a:ext cx="1466145" cy="3979363"/>
+            <a:chOff x="81281" y="875025"/>
+            <a:chExt cx="1466145" cy="3979363"/>
+          </a:xfrm>
+        </p:grpSpPr>
+        <p:grpSp>
+          <p:nvGrpSpPr>
+            <p:cNvPr id="36" name="Group 35"/>
+            <p:cNvGrpSpPr/>
+            <p:nvPr/>
+          </p:nvGrpSpPr>
+          <p:grpSpPr>
+            <a:xfrm>
+              <a:off x="81281" y="875025"/>
+              <a:ext cx="1466145" cy="3979363"/>
+              <a:chOff x="81281" y="875025"/>
+              <a:chExt cx="1466145" cy="3979363"/>
+            </a:xfrm>
+          </p:grpSpPr>
+          <p:grpSp>
+            <p:nvGrpSpPr>
+              <p:cNvPr id="4" name="Group 3"/>
+              <p:cNvGrpSpPr/>
+              <p:nvPr/>
+            </p:nvGrpSpPr>
+            <p:grpSpPr>
+              <a:xfrm>
+                <a:off x="81281" y="875025"/>
+                <a:ext cx="1466145" cy="3979363"/>
+                <a:chOff x="113547" y="1533882"/>
+                <a:chExt cx="2351862" cy="3776826"/>
+              </a:xfrm>
+            </p:grpSpPr>
+            <p:grpSp>
+              <p:nvGrpSpPr>
+                <p:cNvPr id="10" name="Group 9"/>
+                <p:cNvGrpSpPr/>
+                <p:nvPr/>
+              </p:nvGrpSpPr>
+              <p:grpSpPr>
+                <a:xfrm>
+                  <a:off x="113547" y="1533882"/>
+                  <a:ext cx="2351862" cy="3776826"/>
+                  <a:chOff x="1680881" y="2111176"/>
+                  <a:chExt cx="2312895" cy="3861241"/>
+                </a:xfrm>
+              </p:grpSpPr>
+              <p:sp>
+                <p:nvSpPr>
+                  <p:cNvPr id="13" name="Can 12"/>
+                  <p:cNvSpPr/>
+                  <p:nvPr/>
+                </p:nvSpPr>
+                <p:spPr>
+                  <a:xfrm>
+                    <a:off x="1680881" y="2111176"/>
+                    <a:ext cx="2312895" cy="3859317"/>
+                  </a:xfrm>
+                  <a:prstGeom prst="can">
+                    <a:avLst/>
+                  </a:prstGeom>
+                  <a:solidFill>
+                    <a:srgbClr val="92D050"/>
+                  </a:solidFill>
+                  <a:ln>
+                    <a:solidFill>
+                      <a:schemeClr val="tx1"/>
+                    </a:solidFill>
+                  </a:ln>
+                </p:spPr>
+                <p:style>
+                  <a:lnRef idx="2">
+                    <a:schemeClr val="accent6"/>
+                  </a:lnRef>
+                  <a:fillRef idx="1">
+                    <a:schemeClr val="lt1"/>
+                  </a:fillRef>
+                  <a:effectRef idx="0">
+                    <a:schemeClr val="accent6"/>
+                  </a:effectRef>
+                  <a:fontRef idx="minor">
+                    <a:schemeClr val="dk1"/>
+                  </a:fontRef>
+                </p:style>
+                <p:txBody>
+                  <a:bodyPr rtlCol="0" anchor="ctr"/>
+                  <a:lstStyle/>
+                  <a:p>
+                    <a:pPr algn="ctr"/>
+                    <a:endParaRPr lang="en-US" dirty="0">
+                      <a:ln>
+                        <a:solidFill>
+                          <a:srgbClr val="FF0000"/>
+                        </a:solidFill>
+                      </a:ln>
+                    </a:endParaRPr>
+                  </a:p>
+                </p:txBody>
+              </p:sp>
+              <p:sp>
+                <p:nvSpPr>
+                  <p:cNvPr id="15" name="Oval 14"/>
+                  <p:cNvSpPr/>
+                  <p:nvPr/>
+                </p:nvSpPr>
+                <p:spPr>
+                  <a:xfrm>
+                    <a:off x="1680882" y="5407640"/>
+                    <a:ext cx="2312894" cy="564777"/>
+                  </a:xfrm>
+                  <a:prstGeom prst="ellipse">
+                    <a:avLst/>
+                  </a:prstGeom>
+                  <a:solidFill>
+                    <a:srgbClr val="92D050"/>
+                  </a:solidFill>
+                  <a:ln>
+                    <a:solidFill>
+                      <a:schemeClr val="tx1"/>
+                    </a:solidFill>
+                  </a:ln>
+                </p:spPr>
+                <p:style>
+                  <a:lnRef idx="2">
+                    <a:schemeClr val="accent6"/>
+                  </a:lnRef>
+                  <a:fillRef idx="1">
+                    <a:schemeClr val="lt1"/>
+                  </a:fillRef>
+                  <a:effectRef idx="0">
+                    <a:schemeClr val="accent6"/>
+                  </a:effectRef>
+                  <a:fontRef idx="minor">
+                    <a:schemeClr val="dk1"/>
+                  </a:fontRef>
+                </p:style>
+                <p:txBody>
+                  <a:bodyPr rtlCol="0" anchor="ctr"/>
+                  <a:lstStyle/>
+                  <a:p>
+                    <a:pPr algn="ctr"/>
+                    <a:endParaRPr lang="en-US"/>
+                  </a:p>
+                </p:txBody>
+              </p:sp>
+            </p:grpSp>
+            <p:sp>
+              <p:nvSpPr>
+                <p:cNvPr id="3" name="Can 2"/>
+                <p:cNvSpPr/>
+                <p:nvPr/>
+              </p:nvSpPr>
+              <p:spPr>
+                <a:xfrm>
+                  <a:off x="176281" y="1638852"/>
+                  <a:ext cx="1069525" cy="3569389"/>
+                </a:xfrm>
+                <a:prstGeom prst="can">
+                  <a:avLst/>
+                </a:prstGeom>
+                <a:noFill/>
+                <a:ln w="28575">
+                  <a:prstDash val="sysDash"/>
+                </a:ln>
+              </p:spPr>
+              <p:style>
+                <a:lnRef idx="2">
+                  <a:schemeClr val="accent1">
+                    <a:shade val="50000"/>
+                  </a:schemeClr>
+                </a:lnRef>
+                <a:fillRef idx="1">
+                  <a:schemeClr val="accent1"/>
+                </a:fillRef>
+                <a:effectRef idx="0">
+                  <a:schemeClr val="accent1"/>
+                </a:effectRef>
+                <a:fontRef idx="minor">
+                  <a:schemeClr val="lt1"/>
+                </a:fontRef>
+              </p:style>
+              <p:txBody>
+                <a:bodyPr rtlCol="0" anchor="ctr"/>
+                <a:lstStyle/>
+                <a:p>
+                  <a:pPr algn="ctr"/>
+                  <a:endParaRPr lang="en-US"/>
+                </a:p>
+              </p:txBody>
+            </p:sp>
+            <p:sp>
+              <p:nvSpPr>
+                <p:cNvPr id="19" name="Can 18"/>
+                <p:cNvSpPr/>
+                <p:nvPr/>
+              </p:nvSpPr>
+              <p:spPr>
+                <a:xfrm>
+                  <a:off x="1332069" y="1638852"/>
+                  <a:ext cx="1132403" cy="3569388"/>
+                </a:xfrm>
+                <a:prstGeom prst="can">
+                  <a:avLst/>
+                </a:prstGeom>
+                <a:noFill/>
+                <a:ln w="28575">
+                  <a:prstDash val="sysDash"/>
+                </a:ln>
+              </p:spPr>
+              <p:style>
+                <a:lnRef idx="2">
+                  <a:schemeClr val="accent1">
+                    <a:shade val="50000"/>
+                  </a:schemeClr>
+                </a:lnRef>
+                <a:fillRef idx="1">
+                  <a:schemeClr val="accent1"/>
+                </a:fillRef>
+                <a:effectRef idx="0">
+                  <a:schemeClr val="accent1"/>
+                </a:effectRef>
+                <a:fontRef idx="minor">
+                  <a:schemeClr val="lt1"/>
+                </a:fontRef>
+              </p:style>
+              <p:txBody>
+                <a:bodyPr rtlCol="0" anchor="ctr"/>
+                <a:lstStyle/>
+                <a:p>
+                  <a:pPr algn="ctr"/>
+                  <a:endParaRPr lang="en-US"/>
+                </a:p>
+              </p:txBody>
+            </p:sp>
+          </p:grpSp>
+          <p:sp>
+            <p:nvSpPr>
+              <p:cNvPr id="5" name="TextBox 4"/>
+              <p:cNvSpPr txBox="1"/>
+              <p:nvPr/>
+            </p:nvSpPr>
+            <p:spPr>
+              <a:xfrm rot="16200000">
+                <a:off x="-310143" y="3188138"/>
+                <a:ext cx="1587101" cy="369332"/>
+              </a:xfrm>
+              <a:prstGeom prst="rect">
+                <a:avLst/>
+              </a:prstGeom>
+              <a:noFill/>
+            </p:spPr>
+            <p:txBody>
+              <a:bodyPr wrap="none" rtlCol="0">
+                <a:spAutoFit/>
+              </a:bodyPr>
+              <a:lstStyle/>
+              <a:p>
+                <a:r>
+                  <a:rPr lang="en-US" dirty="0" smtClean="0"/>
+                  <a:t>Normal fatigue</a:t>
+                </a:r>
+                <a:endParaRPr lang="en-US" dirty="0"/>
+              </a:p>
+            </p:txBody>
+          </p:sp>
+          <p:sp>
+            <p:nvSpPr>
+              <p:cNvPr id="41" name="TextBox 40"/>
+              <p:cNvSpPr txBox="1"/>
+              <p:nvPr/>
+            </p:nvSpPr>
+            <p:spPr>
+              <a:xfrm rot="16200000">
+                <a:off x="505845" y="3253600"/>
+                <a:ext cx="1415131" cy="369332"/>
+              </a:xfrm>
+              <a:prstGeom prst="rect">
+                <a:avLst/>
+              </a:prstGeom>
+              <a:noFill/>
+            </p:spPr>
+            <p:txBody>
+              <a:bodyPr wrap="none" rtlCol="0">
+                <a:spAutoFit/>
+              </a:bodyPr>
+              <a:lstStyle/>
+              <a:p>
+                <a:r>
+                  <a:rPr lang="en-US" dirty="0" smtClean="0"/>
+                  <a:t>Dwell fatigue</a:t>
+                </a:r>
+                <a:endParaRPr lang="en-US" dirty="0"/>
+              </a:p>
+            </p:txBody>
+          </p:sp>
+          <p:sp>
+            <p:nvSpPr>
+              <p:cNvPr id="26" name="TextBox 25"/>
+              <p:cNvSpPr txBox="1"/>
+              <p:nvPr/>
+            </p:nvSpPr>
+            <p:spPr>
+              <a:xfrm>
+                <a:off x="542411" y="1514986"/>
+                <a:ext cx="670376" cy="369332"/>
+              </a:xfrm>
+              <a:prstGeom prst="rect">
+                <a:avLst/>
+              </a:prstGeom>
+              <a:noFill/>
+            </p:spPr>
+            <p:txBody>
+              <a:bodyPr wrap="none" rtlCol="0">
+                <a:spAutoFit/>
+              </a:bodyPr>
+              <a:lstStyle/>
+              <a:p>
+                <a:r>
+                  <a:rPr lang="en-US" dirty="0" smtClean="0"/>
+                  <a:t>6mm</a:t>
+                </a:r>
+                <a:endParaRPr lang="en-US" dirty="0"/>
+              </a:p>
+            </p:txBody>
+          </p:sp>
+          <p:cxnSp>
+            <p:nvCxnSpPr>
+              <p:cNvPr id="32" name="Straight Connector 31"/>
+              <p:cNvCxnSpPr/>
+              <p:nvPr/>
+            </p:nvCxnSpPr>
+            <p:spPr>
+              <a:xfrm flipV="1">
+                <a:off x="1193873" y="1312952"/>
+                <a:ext cx="0" cy="1013389"/>
+              </a:xfrm>
+              <a:prstGeom prst="line">
+                <a:avLst/>
+              </a:prstGeom>
+              <a:ln w="9525">
+                <a:prstDash val="dash"/>
+              </a:ln>
+            </p:spPr>
+            <p:style>
+              <a:lnRef idx="1">
+                <a:schemeClr val="accent1"/>
+              </a:lnRef>
+              <a:fillRef idx="0">
+                <a:schemeClr val="accent1"/>
+              </a:fillRef>
+              <a:effectRef idx="0">
+                <a:schemeClr val="accent1"/>
+              </a:effectRef>
+              <a:fontRef idx="minor">
+                <a:schemeClr val="tx1"/>
+              </a:fontRef>
+            </p:style>
+          </p:cxnSp>
+        </p:grpSp>
+        <p:cxnSp>
+          <p:nvCxnSpPr>
+            <p:cNvPr id="14" name="Straight Arrow Connector 13"/>
+            <p:cNvCxnSpPr/>
+            <p:nvPr/>
+          </p:nvCxnSpPr>
+          <p:spPr>
+            <a:xfrm>
+              <a:off x="782475" y="1856453"/>
+              <a:ext cx="457152" cy="0"/>
+            </a:xfrm>
+            <a:prstGeom prst="straightConnector1">
+              <a:avLst/>
+            </a:prstGeom>
+            <a:ln>
+              <a:headEnd type="triangle"/>
+              <a:tailEnd type="triangle"/>
+            </a:ln>
+          </p:spPr>
+          <p:style>
+            <a:lnRef idx="1">
+              <a:schemeClr val="accent1"/>
+            </a:lnRef>
+            <a:fillRef idx="0">
+              <a:schemeClr val="accent1"/>
+            </a:fillRef>
+            <a:effectRef idx="0">
+              <a:schemeClr val="accent1"/>
+            </a:effectRef>
+            <a:fontRef idx="minor">
+              <a:schemeClr val="tx1"/>
+            </a:fontRef>
+          </p:style>
+        </p:cxnSp>
+      </p:grpSp>
+      <p:sp>
+        <p:nvSpPr>
+          <p:cNvPr id="9" name="Slide Number Placeholder 8"/>
+          <p:cNvSpPr>
+            <a:spLocks noGrp="1"/>
+          </p:cNvSpPr>
+          <p:nvPr>
+            <p:ph type="sldNum" sz="quarter" idx="12"/>
+          </p:nvPr>
+        </p:nvSpPr>
+        <p:spPr/>
+        <p:txBody>
+          <a:bodyPr/>
+          <a:lstStyle/>
+          <a:p>
+            <a:fld id="{0B0F4DA3-A20A-4F1E-9416-A0F769FF6BF0}" type="slidenum">
+              <a:rPr lang="en-US" smtClean="0"/>
+              <a:t>8</a:t>
+            </a:fld>
+            <a:endParaRPr lang="en-US"/>
+          </a:p>
+        </p:txBody>
+      </p:sp>
+    </p:spTree>
+    <p:extLst>
+      <p:ext uri="{BB962C8B-B14F-4D97-AF65-F5344CB8AC3E}">
+        <p14:creationId xmlns:p14="http://schemas.microsoft.com/office/powerpoint/2010/main" val="2915146893"/>
+      </p:ext>
+    </p:extLst>
+  </p:cSld>
+  <p:clrMapOvr>
+    <a:masterClrMapping/>
+  </p:clrMapOvr>
+  <p:timing>
+    <p:tnLst>
+      <p:par>
+        <p:cTn id="1" dur="indefinite" restart="never" nodeType="tmRoot"/>
+      </p:par>
+    </p:tnLst>
+  </p:timing>
 </p:sld>
 </file>
 

--- a/Thesis/Comprehensive Exam/References/yazar.pptx
+++ b/Thesis/Comprehensive Exam/References/yazar.pptx
@@ -5,17 +5,16 @@
     <p:sldMasterId id="2147483660" r:id="rId1"/>
   </p:sldMasterIdLst>
   <p:notesMasterIdLst>
-    <p:notesMasterId r:id="rId10"/>
+    <p:notesMasterId r:id="rId9"/>
   </p:notesMasterIdLst>
   <p:sldIdLst>
-    <p:sldId id="256" r:id="rId2"/>
-    <p:sldId id="259" r:id="rId3"/>
-    <p:sldId id="260" r:id="rId4"/>
-    <p:sldId id="261" r:id="rId5"/>
-    <p:sldId id="262" r:id="rId6"/>
-    <p:sldId id="258" r:id="rId7"/>
-    <p:sldId id="263" r:id="rId8"/>
-    <p:sldId id="264" r:id="rId9"/>
+    <p:sldId id="259" r:id="rId2"/>
+    <p:sldId id="260" r:id="rId3"/>
+    <p:sldId id="261" r:id="rId4"/>
+    <p:sldId id="262" r:id="rId5"/>
+    <p:sldId id="258" r:id="rId6"/>
+    <p:sldId id="263" r:id="rId7"/>
+    <p:sldId id="264" r:id="rId8"/>
   </p:sldIdLst>
   <p:sldSz cx="9144000" cy="6858000" type="screen4x3"/>
   <p:notesSz cx="6858000" cy="9144000"/>
@@ -133,6 +132,10 @@
 </p:presentation>
 </file>
 
+<file path=ppt/revisionInfo.xml><?xml version="1.0" encoding="utf-8"?>
+<p1510:revInfo xmlns:a="http://schemas.openxmlformats.org/drawingml/2006/main" xmlns:r="http://schemas.openxmlformats.org/officeDocument/2006/relationships" xmlns:p1510="http://schemas.microsoft.com/office/powerpoint/2015/10/main"/>
+</file>
+
 <file path=ppt/notesMasters/notesMaster1.xml><?xml version="1.0" encoding="utf-8"?>
 <p:notesMaster xmlns:a="http://schemas.openxmlformats.org/drawingml/2006/main" xmlns:r="http://schemas.openxmlformats.org/officeDocument/2006/relationships" xmlns:p="http://schemas.openxmlformats.org/presentationml/2006/main">
   <p:cSld>
@@ -215,7 +218,7 @@
           <a:p>
             <a:fld id="{D434D8D4-04FE-4AE5-B182-271D54AEBA39}" type="datetimeFigureOut">
               <a:rPr lang="en-US" smtClean="0"/>
-              <a:t>1/15/2018</a:t>
+              <a:t>15-Jan-18</a:t>
             </a:fld>
             <a:endParaRPr lang="en-US"/>
           </a:p>
@@ -279,38 +282,37 @@
           <a:p>
             <a:pPr lvl="0"/>
             <a:r>
-              <a:rPr lang="en-US" smtClean="0"/>
+              <a:rPr lang="en-US"/>
               <a:t>Click to edit Master text styles</a:t>
             </a:r>
           </a:p>
           <a:p>
             <a:pPr lvl="1"/>
             <a:r>
-              <a:rPr lang="en-US" smtClean="0"/>
+              <a:rPr lang="en-US"/>
               <a:t>Second level</a:t>
             </a:r>
           </a:p>
           <a:p>
             <a:pPr lvl="2"/>
             <a:r>
-              <a:rPr lang="en-US" smtClean="0"/>
+              <a:rPr lang="en-US"/>
               <a:t>Third level</a:t>
             </a:r>
           </a:p>
           <a:p>
             <a:pPr lvl="3"/>
             <a:r>
-              <a:rPr lang="en-US" smtClean="0"/>
+              <a:rPr lang="en-US"/>
               <a:t>Fourth level</a:t>
             </a:r>
           </a:p>
           <a:p>
             <a:pPr lvl="4"/>
             <a:r>
-              <a:rPr lang="en-US" smtClean="0"/>
+              <a:rPr lang="en-US"/>
               <a:t>Fifth level</a:t>
             </a:r>
-            <a:endParaRPr lang="en-US"/>
           </a:p>
         </p:txBody>
       </p:sp>
@@ -553,7 +555,7 @@
           <a:p>
             <a:fld id="{4FBE7D1E-A864-4403-99D2-8811A0B1A190}" type="slidenum">
               <a:rPr lang="en-US" smtClean="0"/>
-              <a:t>3</a:t>
+              <a:t>2</a:t>
             </a:fld>
             <a:endParaRPr lang="en-US"/>
           </a:p>
@@ -642,7 +644,7 @@
           <a:p>
             <a:fld id="{4FBE7D1E-A864-4403-99D2-8811A0B1A190}" type="slidenum">
               <a:rPr lang="en-US" smtClean="0"/>
-              <a:t>4</a:t>
+              <a:t>3</a:t>
             </a:fld>
             <a:endParaRPr lang="en-US"/>
           </a:p>
@@ -731,7 +733,7 @@
           <a:p>
             <a:fld id="{4FBE7D1E-A864-4403-99D2-8811A0B1A190}" type="slidenum">
               <a:rPr lang="en-US" smtClean="0"/>
-              <a:t>5</a:t>
+              <a:t>4</a:t>
             </a:fld>
             <a:endParaRPr lang="en-US"/>
           </a:p>
@@ -792,7 +794,7 @@
           </a:lstStyle>
           <a:p>
             <a:r>
-              <a:rPr lang="en-US" smtClean="0"/>
+              <a:rPr lang="en-US"/>
               <a:t>Click to edit Master title style</a:t>
             </a:r>
             <a:endParaRPr lang="en-US" dirty="0"/>
@@ -857,7 +859,7 @@
           </a:lstStyle>
           <a:p>
             <a:r>
-              <a:rPr lang="en-US" smtClean="0"/>
+              <a:rPr lang="en-US"/>
               <a:t>Click to edit Master subtitle style</a:t>
             </a:r>
             <a:endParaRPr lang="en-US" dirty="0"/>
@@ -881,7 +883,7 @@
           <a:p>
             <a:fld id="{6AB620DE-E9D6-47DE-9479-CA3BAEF24B0D}" type="datetimeFigureOut">
               <a:rPr lang="en-US" smtClean="0"/>
-              <a:t>1/15/2018</a:t>
+              <a:t>15-Jan-18</a:t>
             </a:fld>
             <a:endParaRPr lang="en-US"/>
           </a:p>
@@ -975,7 +977,7 @@
           <a:lstStyle/>
           <a:p>
             <a:r>
-              <a:rPr lang="en-US" smtClean="0"/>
+              <a:rPr lang="en-US"/>
               <a:t>Click to edit Master title style</a:t>
             </a:r>
             <a:endParaRPr lang="en-US" dirty="0"/>
@@ -999,35 +1001,35 @@
           <a:p>
             <a:pPr lvl="0"/>
             <a:r>
-              <a:rPr lang="en-US" smtClean="0"/>
+              <a:rPr lang="en-US"/>
               <a:t>Click to edit Master text styles</a:t>
             </a:r>
           </a:p>
           <a:p>
             <a:pPr lvl="1"/>
             <a:r>
-              <a:rPr lang="en-US" smtClean="0"/>
+              <a:rPr lang="en-US"/>
               <a:t>Second level</a:t>
             </a:r>
           </a:p>
           <a:p>
             <a:pPr lvl="2"/>
             <a:r>
-              <a:rPr lang="en-US" smtClean="0"/>
+              <a:rPr lang="en-US"/>
               <a:t>Third level</a:t>
             </a:r>
           </a:p>
           <a:p>
             <a:pPr lvl="3"/>
             <a:r>
-              <a:rPr lang="en-US" smtClean="0"/>
+              <a:rPr lang="en-US"/>
               <a:t>Fourth level</a:t>
             </a:r>
           </a:p>
           <a:p>
             <a:pPr lvl="4"/>
             <a:r>
-              <a:rPr lang="en-US" smtClean="0"/>
+              <a:rPr lang="en-US"/>
               <a:t>Fifth level</a:t>
             </a:r>
             <a:endParaRPr lang="en-US" dirty="0"/>
@@ -1051,7 +1053,7 @@
           <a:p>
             <a:fld id="{6AB620DE-E9D6-47DE-9479-CA3BAEF24B0D}" type="datetimeFigureOut">
               <a:rPr lang="en-US" smtClean="0"/>
-              <a:t>1/15/2018</a:t>
+              <a:t>15-Jan-18</a:t>
             </a:fld>
             <a:endParaRPr lang="en-US"/>
           </a:p>
@@ -1150,7 +1152,7 @@
           <a:lstStyle/>
           <a:p>
             <a:r>
-              <a:rPr lang="en-US" smtClean="0"/>
+              <a:rPr lang="en-US"/>
               <a:t>Click to edit Master title style</a:t>
             </a:r>
             <a:endParaRPr lang="en-US" dirty="0"/>
@@ -1179,35 +1181,35 @@
           <a:p>
             <a:pPr lvl="0"/>
             <a:r>
-              <a:rPr lang="en-US" smtClean="0"/>
+              <a:rPr lang="en-US"/>
               <a:t>Click to edit Master text styles</a:t>
             </a:r>
           </a:p>
           <a:p>
             <a:pPr lvl="1"/>
             <a:r>
-              <a:rPr lang="en-US" smtClean="0"/>
+              <a:rPr lang="en-US"/>
               <a:t>Second level</a:t>
             </a:r>
           </a:p>
           <a:p>
             <a:pPr lvl="2"/>
             <a:r>
-              <a:rPr lang="en-US" smtClean="0"/>
+              <a:rPr lang="en-US"/>
               <a:t>Third level</a:t>
             </a:r>
           </a:p>
           <a:p>
             <a:pPr lvl="3"/>
             <a:r>
-              <a:rPr lang="en-US" smtClean="0"/>
+              <a:rPr lang="en-US"/>
               <a:t>Fourth level</a:t>
             </a:r>
           </a:p>
           <a:p>
             <a:pPr lvl="4"/>
             <a:r>
-              <a:rPr lang="en-US" smtClean="0"/>
+              <a:rPr lang="en-US"/>
               <a:t>Fifth level</a:t>
             </a:r>
             <a:endParaRPr lang="en-US" dirty="0"/>
@@ -1231,7 +1233,7 @@
           <a:p>
             <a:fld id="{6AB620DE-E9D6-47DE-9479-CA3BAEF24B0D}" type="datetimeFigureOut">
               <a:rPr lang="en-US" smtClean="0"/>
-              <a:t>1/15/2018</a:t>
+              <a:t>15-Jan-18</a:t>
             </a:fld>
             <a:endParaRPr lang="en-US"/>
           </a:p>
@@ -1325,7 +1327,7 @@
           <a:lstStyle/>
           <a:p>
             <a:r>
-              <a:rPr lang="en-US" smtClean="0"/>
+              <a:rPr lang="en-US"/>
               <a:t>Click to edit Master title style</a:t>
             </a:r>
             <a:endParaRPr lang="en-US" dirty="0"/>
@@ -1349,35 +1351,35 @@
           <a:p>
             <a:pPr lvl="0"/>
             <a:r>
-              <a:rPr lang="en-US" smtClean="0"/>
+              <a:rPr lang="en-US"/>
               <a:t>Click to edit Master text styles</a:t>
             </a:r>
           </a:p>
           <a:p>
             <a:pPr lvl="1"/>
             <a:r>
-              <a:rPr lang="en-US" smtClean="0"/>
+              <a:rPr lang="en-US"/>
               <a:t>Second level</a:t>
             </a:r>
           </a:p>
           <a:p>
             <a:pPr lvl="2"/>
             <a:r>
-              <a:rPr lang="en-US" smtClean="0"/>
+              <a:rPr lang="en-US"/>
               <a:t>Third level</a:t>
             </a:r>
           </a:p>
           <a:p>
             <a:pPr lvl="3"/>
             <a:r>
-              <a:rPr lang="en-US" smtClean="0"/>
+              <a:rPr lang="en-US"/>
               <a:t>Fourth level</a:t>
             </a:r>
           </a:p>
           <a:p>
             <a:pPr lvl="4"/>
             <a:r>
-              <a:rPr lang="en-US" smtClean="0"/>
+              <a:rPr lang="en-US"/>
               <a:t>Fifth level</a:t>
             </a:r>
             <a:endParaRPr lang="en-US" dirty="0"/>
@@ -1401,7 +1403,7 @@
           <a:p>
             <a:fld id="{6AB620DE-E9D6-47DE-9479-CA3BAEF24B0D}" type="datetimeFigureOut">
               <a:rPr lang="en-US" smtClean="0"/>
-              <a:t>1/15/2018</a:t>
+              <a:t>15-Jan-18</a:t>
             </a:fld>
             <a:endParaRPr lang="en-US"/>
           </a:p>
@@ -1504,7 +1506,7 @@
           </a:lstStyle>
           <a:p>
             <a:r>
-              <a:rPr lang="en-US" smtClean="0"/>
+              <a:rPr lang="en-US"/>
               <a:t>Click to edit Master title style</a:t>
             </a:r>
             <a:endParaRPr lang="en-US" dirty="0"/>
@@ -1622,7 +1624,7 @@
           <a:p>
             <a:pPr lvl="0"/>
             <a:r>
-              <a:rPr lang="en-US" smtClean="0"/>
+              <a:rPr lang="en-US"/>
               <a:t>Click to edit Master text styles</a:t>
             </a:r>
           </a:p>
@@ -1645,7 +1647,7 @@
           <a:p>
             <a:fld id="{6AB620DE-E9D6-47DE-9479-CA3BAEF24B0D}" type="datetimeFigureOut">
               <a:rPr lang="en-US" smtClean="0"/>
-              <a:t>1/15/2018</a:t>
+              <a:t>15-Jan-18</a:t>
             </a:fld>
             <a:endParaRPr lang="en-US"/>
           </a:p>
@@ -1739,7 +1741,7 @@
           <a:lstStyle/>
           <a:p>
             <a:r>
-              <a:rPr lang="en-US" smtClean="0"/>
+              <a:rPr lang="en-US"/>
               <a:t>Click to edit Master title style</a:t>
             </a:r>
             <a:endParaRPr lang="en-US" dirty="0"/>
@@ -1768,35 +1770,35 @@
           <a:p>
             <a:pPr lvl="0"/>
             <a:r>
-              <a:rPr lang="en-US" smtClean="0"/>
+              <a:rPr lang="en-US"/>
               <a:t>Click to edit Master text styles</a:t>
             </a:r>
           </a:p>
           <a:p>
             <a:pPr lvl="1"/>
             <a:r>
-              <a:rPr lang="en-US" smtClean="0"/>
+              <a:rPr lang="en-US"/>
               <a:t>Second level</a:t>
             </a:r>
           </a:p>
           <a:p>
             <a:pPr lvl="2"/>
             <a:r>
-              <a:rPr lang="en-US" smtClean="0"/>
+              <a:rPr lang="en-US"/>
               <a:t>Third level</a:t>
             </a:r>
           </a:p>
           <a:p>
             <a:pPr lvl="3"/>
             <a:r>
-              <a:rPr lang="en-US" smtClean="0"/>
+              <a:rPr lang="en-US"/>
               <a:t>Fourth level</a:t>
             </a:r>
           </a:p>
           <a:p>
             <a:pPr lvl="4"/>
             <a:r>
-              <a:rPr lang="en-US" smtClean="0"/>
+              <a:rPr lang="en-US"/>
               <a:t>Fifth level</a:t>
             </a:r>
             <a:endParaRPr lang="en-US" dirty="0"/>
@@ -1825,35 +1827,35 @@
           <a:p>
             <a:pPr lvl="0"/>
             <a:r>
-              <a:rPr lang="en-US" smtClean="0"/>
+              <a:rPr lang="en-US"/>
               <a:t>Click to edit Master text styles</a:t>
             </a:r>
           </a:p>
           <a:p>
             <a:pPr lvl="1"/>
             <a:r>
-              <a:rPr lang="en-US" smtClean="0"/>
+              <a:rPr lang="en-US"/>
               <a:t>Second level</a:t>
             </a:r>
           </a:p>
           <a:p>
             <a:pPr lvl="2"/>
             <a:r>
-              <a:rPr lang="en-US" smtClean="0"/>
+              <a:rPr lang="en-US"/>
               <a:t>Third level</a:t>
             </a:r>
           </a:p>
           <a:p>
             <a:pPr lvl="3"/>
             <a:r>
-              <a:rPr lang="en-US" smtClean="0"/>
+              <a:rPr lang="en-US"/>
               <a:t>Fourth level</a:t>
             </a:r>
           </a:p>
           <a:p>
             <a:pPr lvl="4"/>
             <a:r>
-              <a:rPr lang="en-US" smtClean="0"/>
+              <a:rPr lang="en-US"/>
               <a:t>Fifth level</a:t>
             </a:r>
             <a:endParaRPr lang="en-US" dirty="0"/>
@@ -1877,7 +1879,7 @@
           <a:p>
             <a:fld id="{6AB620DE-E9D6-47DE-9479-CA3BAEF24B0D}" type="datetimeFigureOut">
               <a:rPr lang="en-US" smtClean="0"/>
-              <a:t>1/15/2018</a:t>
+              <a:t>15-Jan-18</a:t>
             </a:fld>
             <a:endParaRPr lang="en-US"/>
           </a:p>
@@ -1976,7 +1978,7 @@
           <a:lstStyle/>
           <a:p>
             <a:r>
-              <a:rPr lang="en-US" smtClean="0"/>
+              <a:rPr lang="en-US"/>
               <a:t>Click to edit Master title style</a:t>
             </a:r>
             <a:endParaRPr lang="en-US" dirty="0"/>
@@ -2042,7 +2044,7 @@
           <a:p>
             <a:pPr lvl="0"/>
             <a:r>
-              <a:rPr lang="en-US" smtClean="0"/>
+              <a:rPr lang="en-US"/>
               <a:t>Click to edit Master text styles</a:t>
             </a:r>
           </a:p>
@@ -2070,35 +2072,35 @@
           <a:p>
             <a:pPr lvl="0"/>
             <a:r>
-              <a:rPr lang="en-US" smtClean="0"/>
+              <a:rPr lang="en-US"/>
               <a:t>Click to edit Master text styles</a:t>
             </a:r>
           </a:p>
           <a:p>
             <a:pPr lvl="1"/>
             <a:r>
-              <a:rPr lang="en-US" smtClean="0"/>
+              <a:rPr lang="en-US"/>
               <a:t>Second level</a:t>
             </a:r>
           </a:p>
           <a:p>
             <a:pPr lvl="2"/>
             <a:r>
-              <a:rPr lang="en-US" smtClean="0"/>
+              <a:rPr lang="en-US"/>
               <a:t>Third level</a:t>
             </a:r>
           </a:p>
           <a:p>
             <a:pPr lvl="3"/>
             <a:r>
-              <a:rPr lang="en-US" smtClean="0"/>
+              <a:rPr lang="en-US"/>
               <a:t>Fourth level</a:t>
             </a:r>
           </a:p>
           <a:p>
             <a:pPr lvl="4"/>
             <a:r>
-              <a:rPr lang="en-US" smtClean="0"/>
+              <a:rPr lang="en-US"/>
               <a:t>Fifth level</a:t>
             </a:r>
             <a:endParaRPr lang="en-US" dirty="0"/>
@@ -2164,7 +2166,7 @@
           <a:p>
             <a:pPr lvl="0"/>
             <a:r>
-              <a:rPr lang="en-US" smtClean="0"/>
+              <a:rPr lang="en-US"/>
               <a:t>Click to edit Master text styles</a:t>
             </a:r>
           </a:p>
@@ -2192,35 +2194,35 @@
           <a:p>
             <a:pPr lvl="0"/>
             <a:r>
-              <a:rPr lang="en-US" smtClean="0"/>
+              <a:rPr lang="en-US"/>
               <a:t>Click to edit Master text styles</a:t>
             </a:r>
           </a:p>
           <a:p>
             <a:pPr lvl="1"/>
             <a:r>
-              <a:rPr lang="en-US" smtClean="0"/>
+              <a:rPr lang="en-US"/>
               <a:t>Second level</a:t>
             </a:r>
           </a:p>
           <a:p>
             <a:pPr lvl="2"/>
             <a:r>
-              <a:rPr lang="en-US" smtClean="0"/>
+              <a:rPr lang="en-US"/>
               <a:t>Third level</a:t>
             </a:r>
           </a:p>
           <a:p>
             <a:pPr lvl="3"/>
             <a:r>
-              <a:rPr lang="en-US" smtClean="0"/>
+              <a:rPr lang="en-US"/>
               <a:t>Fourth level</a:t>
             </a:r>
           </a:p>
           <a:p>
             <a:pPr lvl="4"/>
             <a:r>
-              <a:rPr lang="en-US" smtClean="0"/>
+              <a:rPr lang="en-US"/>
               <a:t>Fifth level</a:t>
             </a:r>
             <a:endParaRPr lang="en-US" dirty="0"/>
@@ -2244,7 +2246,7 @@
           <a:p>
             <a:fld id="{6AB620DE-E9D6-47DE-9479-CA3BAEF24B0D}" type="datetimeFigureOut">
               <a:rPr lang="en-US" smtClean="0"/>
-              <a:t>1/15/2018</a:t>
+              <a:t>15-Jan-18</a:t>
             </a:fld>
             <a:endParaRPr lang="en-US"/>
           </a:p>
@@ -2338,7 +2340,7 @@
           <a:lstStyle/>
           <a:p>
             <a:r>
-              <a:rPr lang="en-US" smtClean="0"/>
+              <a:rPr lang="en-US"/>
               <a:t>Click to edit Master title style</a:t>
             </a:r>
             <a:endParaRPr lang="en-US" dirty="0"/>
@@ -2362,7 +2364,7 @@
           <a:p>
             <a:fld id="{6AB620DE-E9D6-47DE-9479-CA3BAEF24B0D}" type="datetimeFigureOut">
               <a:rPr lang="en-US" smtClean="0"/>
-              <a:t>1/15/2018</a:t>
+              <a:t>15-Jan-18</a:t>
             </a:fld>
             <a:endParaRPr lang="en-US"/>
           </a:p>
@@ -2457,7 +2459,7 @@
           <a:p>
             <a:fld id="{6AB620DE-E9D6-47DE-9479-CA3BAEF24B0D}" type="datetimeFigureOut">
               <a:rPr lang="en-US" smtClean="0"/>
-              <a:t>1/15/2018</a:t>
+              <a:t>15-Jan-18</a:t>
             </a:fld>
             <a:endParaRPr lang="en-US"/>
           </a:p>
@@ -2560,7 +2562,7 @@
           </a:lstStyle>
           <a:p>
             <a:r>
-              <a:rPr lang="en-US" smtClean="0"/>
+              <a:rPr lang="en-US"/>
               <a:t>Click to edit Master title style</a:t>
             </a:r>
             <a:endParaRPr lang="en-US" dirty="0"/>
@@ -2617,35 +2619,35 @@
           <a:p>
             <a:pPr lvl="0"/>
             <a:r>
-              <a:rPr lang="en-US" smtClean="0"/>
+              <a:rPr lang="en-US"/>
               <a:t>Click to edit Master text styles</a:t>
             </a:r>
           </a:p>
           <a:p>
             <a:pPr lvl="1"/>
             <a:r>
-              <a:rPr lang="en-US" smtClean="0"/>
+              <a:rPr lang="en-US"/>
               <a:t>Second level</a:t>
             </a:r>
           </a:p>
           <a:p>
             <a:pPr lvl="2"/>
             <a:r>
-              <a:rPr lang="en-US" smtClean="0"/>
+              <a:rPr lang="en-US"/>
               <a:t>Third level</a:t>
             </a:r>
           </a:p>
           <a:p>
             <a:pPr lvl="3"/>
             <a:r>
-              <a:rPr lang="en-US" smtClean="0"/>
+              <a:rPr lang="en-US"/>
               <a:t>Fourth level</a:t>
             </a:r>
           </a:p>
           <a:p>
             <a:pPr lvl="4"/>
             <a:r>
-              <a:rPr lang="en-US" smtClean="0"/>
+              <a:rPr lang="en-US"/>
               <a:t>Fifth level</a:t>
             </a:r>
             <a:endParaRPr lang="en-US" dirty="0"/>
@@ -2711,7 +2713,7 @@
           <a:p>
             <a:pPr lvl="0"/>
             <a:r>
-              <a:rPr lang="en-US" smtClean="0"/>
+              <a:rPr lang="en-US"/>
               <a:t>Click to edit Master text styles</a:t>
             </a:r>
           </a:p>
@@ -2734,7 +2736,7 @@
           <a:p>
             <a:fld id="{6AB620DE-E9D6-47DE-9479-CA3BAEF24B0D}" type="datetimeFigureOut">
               <a:rPr lang="en-US" smtClean="0"/>
-              <a:t>1/15/2018</a:t>
+              <a:t>15-Jan-18</a:t>
             </a:fld>
             <a:endParaRPr lang="en-US"/>
           </a:p>
@@ -2837,7 +2839,7 @@
           </a:lstStyle>
           <a:p>
             <a:r>
-              <a:rPr lang="en-US" smtClean="0"/>
+              <a:rPr lang="en-US"/>
               <a:t>Click to edit Master title style</a:t>
             </a:r>
             <a:endParaRPr lang="en-US" dirty="0"/>
@@ -2902,7 +2904,7 @@
           </a:lstStyle>
           <a:p>
             <a:r>
-              <a:rPr lang="en-US" smtClean="0"/>
+              <a:rPr lang="en-US"/>
               <a:t>Click icon to add picture</a:t>
             </a:r>
             <a:endParaRPr lang="en-US" dirty="0"/>
@@ -2968,7 +2970,7 @@
           <a:p>
             <a:pPr lvl="0"/>
             <a:r>
-              <a:rPr lang="en-US" smtClean="0"/>
+              <a:rPr lang="en-US"/>
               <a:t>Click to edit Master text styles</a:t>
             </a:r>
           </a:p>
@@ -2991,7 +2993,7 @@
           <a:p>
             <a:fld id="{6AB620DE-E9D6-47DE-9479-CA3BAEF24B0D}" type="datetimeFigureOut">
               <a:rPr lang="en-US" smtClean="0"/>
-              <a:t>1/15/2018</a:t>
+              <a:t>15-Jan-18</a:t>
             </a:fld>
             <a:endParaRPr lang="en-US"/>
           </a:p>
@@ -3100,7 +3102,7 @@
           <a:lstStyle/>
           <a:p>
             <a:r>
-              <a:rPr lang="en-US" smtClean="0"/>
+              <a:rPr lang="en-US"/>
               <a:t>Click to edit Master title style</a:t>
             </a:r>
             <a:endParaRPr lang="en-US" dirty="0"/>
@@ -3134,35 +3136,35 @@
           <a:p>
             <a:pPr lvl="0"/>
             <a:r>
-              <a:rPr lang="en-US" smtClean="0"/>
+              <a:rPr lang="en-US"/>
               <a:t>Click to edit Master text styles</a:t>
             </a:r>
           </a:p>
           <a:p>
             <a:pPr lvl="1"/>
             <a:r>
-              <a:rPr lang="en-US" smtClean="0"/>
+              <a:rPr lang="en-US"/>
               <a:t>Second level</a:t>
             </a:r>
           </a:p>
           <a:p>
             <a:pPr lvl="2"/>
             <a:r>
-              <a:rPr lang="en-US" smtClean="0"/>
+              <a:rPr lang="en-US"/>
               <a:t>Third level</a:t>
             </a:r>
           </a:p>
           <a:p>
             <a:pPr lvl="3"/>
             <a:r>
-              <a:rPr lang="en-US" smtClean="0"/>
+              <a:rPr lang="en-US"/>
               <a:t>Fourth level</a:t>
             </a:r>
           </a:p>
           <a:p>
             <a:pPr lvl="4"/>
             <a:r>
-              <a:rPr lang="en-US" smtClean="0"/>
+              <a:rPr lang="en-US"/>
               <a:t>Fifth level</a:t>
             </a:r>
             <a:endParaRPr lang="en-US" dirty="0"/>
@@ -3204,7 +3206,7 @@
           <a:p>
             <a:fld id="{6AB620DE-E9D6-47DE-9479-CA3BAEF24B0D}" type="datetimeFigureOut">
               <a:rPr lang="en-US" smtClean="0"/>
-              <a:t>1/15/2018</a:t>
+              <a:t>15-Jan-18</a:t>
             </a:fld>
             <a:endParaRPr lang="en-US"/>
           </a:p>
@@ -3611,74 +3613,6 @@
       </p:grpSpPr>
       <p:sp>
         <p:nvSpPr>
-          <p:cNvPr id="2" name="Title 1"/>
-          <p:cNvSpPr>
-            <a:spLocks noGrp="1"/>
-          </p:cNvSpPr>
-          <p:nvPr>
-            <p:ph type="ctrTitle"/>
-          </p:nvPr>
-        </p:nvSpPr>
-        <p:spPr/>
-        <p:txBody>
-          <a:bodyPr/>
-          <a:lstStyle/>
-          <a:p>
-            <a:endParaRPr lang="en-US"/>
-          </a:p>
-        </p:txBody>
-      </p:sp>
-      <p:sp>
-        <p:nvSpPr>
-          <p:cNvPr id="3" name="Subtitle 2"/>
-          <p:cNvSpPr>
-            <a:spLocks noGrp="1"/>
-          </p:cNvSpPr>
-          <p:nvPr>
-            <p:ph type="subTitle" idx="1"/>
-          </p:nvPr>
-        </p:nvSpPr>
-        <p:spPr/>
-        <p:txBody>
-          <a:bodyPr/>
-          <a:lstStyle/>
-          <a:p>
-            <a:endParaRPr lang="en-US"/>
-          </a:p>
-        </p:txBody>
-      </p:sp>
-    </p:spTree>
-    <p:extLst>
-      <p:ext uri="{BB962C8B-B14F-4D97-AF65-F5344CB8AC3E}">
-        <p14:creationId xmlns:p14="http://schemas.microsoft.com/office/powerpoint/2010/main" val="2770391999"/>
-      </p:ext>
-    </p:extLst>
-  </p:cSld>
-  <p:clrMapOvr>
-    <a:masterClrMapping/>
-  </p:clrMapOvr>
-</p:sld>
-</file>
-
-<file path=ppt/slides/slide2.xml><?xml version="1.0" encoding="utf-8"?>
-<p:sld xmlns:a="http://schemas.openxmlformats.org/drawingml/2006/main" xmlns:r="http://schemas.openxmlformats.org/officeDocument/2006/relationships" xmlns:p="http://schemas.openxmlformats.org/presentationml/2006/main">
-  <p:cSld>
-    <p:spTree>
-      <p:nvGrpSpPr>
-        <p:cNvPr id="1" name=""/>
-        <p:cNvGrpSpPr/>
-        <p:nvPr/>
-      </p:nvGrpSpPr>
-      <p:grpSpPr>
-        <a:xfrm>
-          <a:off x="0" y="0"/>
-          <a:ext cx="0" cy="0"/>
-          <a:chOff x="0" y="0"/>
-          <a:chExt cx="0" cy="0"/>
-        </a:xfrm>
-      </p:grpSpPr>
-      <p:sp>
-        <p:nvSpPr>
           <p:cNvPr id="4" name="Title 3"/>
           <p:cNvSpPr>
             <a:spLocks noGrp="1"/>
@@ -3689,21 +3623,28 @@
         </p:nvSpPr>
         <p:spPr>
           <a:xfrm>
-            <a:off x="1869744" y="1118696"/>
-            <a:ext cx="5274007" cy="1465589"/>
+            <a:off x="53008" y="806164"/>
+            <a:ext cx="9037983" cy="1465589"/>
           </a:xfrm>
         </p:spPr>
         <p:txBody>
           <a:bodyPr>
-            <a:normAutofit fontScale="90000"/>
+            <a:noAutofit/>
           </a:bodyPr>
           <a:lstStyle/>
           <a:p>
             <a:r>
-              <a:rPr lang="en-US" dirty="0" smtClean="0"/>
-              <a:t>The role of microstructure and microtexture on the Dwell Fatigue in Titanium Alloys</a:t>
-            </a:r>
-            <a:endParaRPr lang="en-US" dirty="0"/>
+              <a:rPr lang="en-US" sz="4400" dirty="0"/>
+              <a:t>Fatigue and Dwell Fatigue studies on Ti-6242 </a:t>
+            </a:r>
+            <a:r>
+              <a:rPr lang="en-US" sz="4400"/>
+              <a:t>and Ti-6246 </a:t>
+            </a:r>
+            <a:r>
+              <a:rPr lang="en-US" sz="4400" dirty="0"/>
+              <a:t>Titanium Alloys</a:t>
+            </a:r>
           </a:p>
         </p:txBody>
       </p:sp>
@@ -3730,33 +3671,33 @@
           <a:lstStyle/>
           <a:p>
             <a:r>
-              <a:rPr lang="en-US" dirty="0" smtClean="0"/>
+              <a:rPr lang="en-US" dirty="0"/>
               <a:t>Presented by </a:t>
             </a:r>
           </a:p>
           <a:p>
             <a:r>
-              <a:rPr lang="en-US" dirty="0" smtClean="0"/>
+              <a:rPr lang="en-US" dirty="0"/>
               <a:t>Yazar. K. Udayan</a:t>
             </a:r>
           </a:p>
           <a:p>
-            <a:endParaRPr lang="en-US" dirty="0" smtClean="0"/>
-          </a:p>
-          <a:p>
-            <a:r>
-              <a:rPr lang="en-US" dirty="0" smtClean="0"/>
+            <a:endParaRPr lang="en-US" dirty="0"/>
+          </a:p>
+          <a:p>
+            <a:r>
+              <a:rPr lang="en-US" dirty="0"/>
               <a:t>Under the guidance of Prof. Satyam </a:t>
             </a:r>
             <a:r>
-              <a:rPr lang="en-US" dirty="0" err="1" smtClean="0"/>
+              <a:rPr lang="en-US" dirty="0" err="1"/>
               <a:t>Suwas</a:t>
             </a:r>
-            <a:endParaRPr lang="en-US" dirty="0" smtClean="0"/>
-          </a:p>
-          <a:p>
-            <a:r>
-              <a:rPr lang="en-US" dirty="0" smtClean="0"/>
+            <a:endParaRPr lang="en-US" dirty="0"/>
+          </a:p>
+          <a:p>
+            <a:r>
+              <a:rPr lang="en-US" dirty="0"/>
               <a:t>PhD, Laboratory for Texture and Related studies</a:t>
             </a:r>
           </a:p>
@@ -3805,13 +3746,236 @@
   <p:clrMapOvr>
     <a:masterClrMapping/>
   </p:clrMapOvr>
-  <p:timing>
-    <p:tnLst>
-      <p:par>
-        <p:cTn id="1" dur="indefinite" restart="never" nodeType="tmRoot"/>
-      </p:par>
-    </p:tnLst>
-  </p:timing>
+</p:sld>
+</file>
+
+<file path=ppt/slides/slide2.xml><?xml version="1.0" encoding="utf-8"?>
+<p:sld xmlns:a="http://schemas.openxmlformats.org/drawingml/2006/main" xmlns:r="http://schemas.openxmlformats.org/officeDocument/2006/relationships" xmlns:p="http://schemas.openxmlformats.org/presentationml/2006/main">
+  <p:cSld>
+    <p:spTree>
+      <p:nvGrpSpPr>
+        <p:cNvPr id="1" name=""/>
+        <p:cNvGrpSpPr/>
+        <p:nvPr/>
+      </p:nvGrpSpPr>
+      <p:grpSpPr>
+        <a:xfrm>
+          <a:off x="0" y="0"/>
+          <a:ext cx="0" cy="0"/>
+          <a:chOff x="0" y="0"/>
+          <a:chExt cx="0" cy="0"/>
+        </a:xfrm>
+      </p:grpSpPr>
+      <p:sp>
+        <p:nvSpPr>
+          <p:cNvPr id="2" name="Title 1"/>
+          <p:cNvSpPr>
+            <a:spLocks noGrp="1"/>
+          </p:cNvSpPr>
+          <p:nvPr>
+            <p:ph type="title"/>
+          </p:nvPr>
+        </p:nvSpPr>
+        <p:spPr>
+          <a:xfrm>
+            <a:off x="1577929" y="877722"/>
+            <a:ext cx="5951585" cy="543450"/>
+          </a:xfrm>
+        </p:spPr>
+        <p:txBody>
+          <a:bodyPr>
+            <a:normAutofit/>
+          </a:bodyPr>
+          <a:lstStyle/>
+          <a:p>
+            <a:pPr algn="ctr"/>
+            <a:r>
+              <a:rPr lang="en-US" sz="3000" b="1" dirty="0"/>
+              <a:t>Outline</a:t>
+            </a:r>
+          </a:p>
+        </p:txBody>
+      </p:sp>
+      <p:sp>
+        <p:nvSpPr>
+          <p:cNvPr id="3" name="Content Placeholder 2"/>
+          <p:cNvSpPr>
+            <a:spLocks noGrp="1"/>
+          </p:cNvSpPr>
+          <p:nvPr>
+            <p:ph idx="1"/>
+          </p:nvPr>
+        </p:nvSpPr>
+        <p:spPr>
+          <a:xfrm>
+            <a:off x="1324536" y="1419446"/>
+            <a:ext cx="6676464" cy="4478914"/>
+          </a:xfrm>
+        </p:spPr>
+        <p:txBody>
+          <a:bodyPr>
+            <a:normAutofit fontScale="92500" lnSpcReduction="20000"/>
+          </a:bodyPr>
+          <a:lstStyle/>
+          <a:p>
+            <a:pPr marL="385763" indent="-385763" algn="just">
+              <a:lnSpc>
+                <a:spcPct val="150000"/>
+              </a:lnSpc>
+              <a:buFont typeface="+mj-lt"/>
+              <a:buAutoNum type="arabicPeriod"/>
+            </a:pPr>
+            <a:r>
+              <a:rPr lang="en-US" sz="2400" dirty="0"/>
+              <a:t>Literature review</a:t>
+            </a:r>
+          </a:p>
+          <a:p>
+            <a:pPr lvl="3" algn="just">
+              <a:lnSpc>
+                <a:spcPct val="150000"/>
+              </a:lnSpc>
+              <a:buFont typeface="Wingdings" panose="05000000000000000000" pitchFamily="2" charset="2"/>
+              <a:buChar char="v"/>
+            </a:pPr>
+            <a:r>
+              <a:rPr lang="en-US" sz="2100" dirty="0"/>
+              <a:t>Introduction and background</a:t>
+            </a:r>
+          </a:p>
+          <a:p>
+            <a:pPr lvl="3" algn="just">
+              <a:lnSpc>
+                <a:spcPct val="150000"/>
+              </a:lnSpc>
+              <a:buFont typeface="Wingdings" panose="05000000000000000000" pitchFamily="2" charset="2"/>
+              <a:buChar char="v"/>
+            </a:pPr>
+            <a:r>
+              <a:rPr lang="en-US" sz="2100" dirty="0"/>
+              <a:t>Phenomenological aspects of Dwell Fatigue </a:t>
+            </a:r>
+          </a:p>
+          <a:p>
+            <a:pPr lvl="3" algn="just">
+              <a:lnSpc>
+                <a:spcPct val="150000"/>
+              </a:lnSpc>
+              <a:buFont typeface="Wingdings" panose="05000000000000000000" pitchFamily="2" charset="2"/>
+              <a:buChar char="v"/>
+            </a:pPr>
+            <a:r>
+              <a:rPr lang="en-US" sz="2100" dirty="0"/>
+              <a:t>Damage initiation in Dwell fatigue</a:t>
+            </a:r>
+          </a:p>
+          <a:p>
+            <a:pPr marL="385763" indent="-385763" algn="just">
+              <a:lnSpc>
+                <a:spcPct val="150000"/>
+              </a:lnSpc>
+              <a:buFont typeface="+mj-lt"/>
+              <a:buAutoNum type="arabicPeriod"/>
+            </a:pPr>
+            <a:r>
+              <a:rPr lang="en-US" sz="2400" dirty="0"/>
+              <a:t>Motivation and objective </a:t>
+            </a:r>
+          </a:p>
+          <a:p>
+            <a:pPr marL="385763" indent="-385763" algn="just">
+              <a:lnSpc>
+                <a:spcPct val="150000"/>
+              </a:lnSpc>
+              <a:buFont typeface="+mj-lt"/>
+              <a:buAutoNum type="arabicPeriod"/>
+            </a:pPr>
+            <a:r>
+              <a:rPr lang="en-US" sz="2400" dirty="0"/>
+              <a:t>Current work</a:t>
+            </a:r>
+          </a:p>
+          <a:p>
+            <a:pPr lvl="3" algn="just">
+              <a:lnSpc>
+                <a:spcPct val="150000"/>
+              </a:lnSpc>
+              <a:buFont typeface="Wingdings" panose="05000000000000000000" pitchFamily="2" charset="2"/>
+              <a:buChar char="v"/>
+            </a:pPr>
+            <a:r>
+              <a:rPr lang="en-US" sz="2100" dirty="0"/>
+              <a:t>Modelling </a:t>
+            </a:r>
+          </a:p>
+          <a:p>
+            <a:pPr lvl="3" algn="just">
+              <a:lnSpc>
+                <a:spcPct val="150000"/>
+              </a:lnSpc>
+              <a:buFont typeface="Wingdings" panose="05000000000000000000" pitchFamily="2" charset="2"/>
+              <a:buChar char="v"/>
+            </a:pPr>
+            <a:r>
+              <a:rPr lang="en-US" sz="2100" dirty="0"/>
+              <a:t>Experiments </a:t>
+            </a:r>
+          </a:p>
+          <a:p>
+            <a:pPr marL="385763" indent="-385763" algn="just">
+              <a:lnSpc>
+                <a:spcPct val="150000"/>
+              </a:lnSpc>
+              <a:buFont typeface="+mj-lt"/>
+              <a:buAutoNum type="arabicPeriod"/>
+            </a:pPr>
+            <a:r>
+              <a:rPr lang="en-US" sz="2400" dirty="0"/>
+              <a:t>Summary and future work </a:t>
+            </a:r>
+          </a:p>
+          <a:p>
+            <a:pPr>
+              <a:buFont typeface="Wingdings" panose="05000000000000000000" pitchFamily="2" charset="2"/>
+              <a:buChar char="Ø"/>
+            </a:pPr>
+            <a:endParaRPr lang="en-US" dirty="0"/>
+          </a:p>
+        </p:txBody>
+      </p:sp>
+      <p:sp>
+        <p:nvSpPr>
+          <p:cNvPr id="5" name="Slide Number Placeholder 4"/>
+          <p:cNvSpPr>
+            <a:spLocks noGrp="1"/>
+          </p:cNvSpPr>
+          <p:nvPr>
+            <p:ph type="sldNum" sz="quarter" idx="12"/>
+          </p:nvPr>
+        </p:nvSpPr>
+        <p:spPr/>
+        <p:txBody>
+          <a:bodyPr/>
+          <a:lstStyle/>
+          <a:p>
+            <a:fld id="{0B0F4DA3-A20A-4F1E-9416-A0F769FF6BF0}" type="slidenum">
+              <a:rPr lang="en-US" smtClean="0"/>
+              <a:t>2</a:t>
+            </a:fld>
+            <a:endParaRPr lang="en-US"/>
+          </a:p>
+        </p:txBody>
+      </p:sp>
+    </p:spTree>
+    <p:extLst>
+      <p:ext uri="{BB962C8B-B14F-4D97-AF65-F5344CB8AC3E}">
+        <p14:creationId xmlns:p14="http://schemas.microsoft.com/office/powerpoint/2010/main" val="453106734"/>
+      </p:ext>
+    </p:extLst>
+  </p:cSld>
+  <p:clrMapOvr>
+    <a:masterClrMapping/>
+  </p:clrMapOvr>
 </p:sld>
 </file>
 
@@ -3844,243 +4008,6 @@
         </p:nvSpPr>
         <p:spPr>
           <a:xfrm>
-            <a:off x="1577929" y="877722"/>
-            <a:ext cx="5951585" cy="543450"/>
-          </a:xfrm>
-        </p:spPr>
-        <p:txBody>
-          <a:bodyPr>
-            <a:normAutofit/>
-          </a:bodyPr>
-          <a:lstStyle/>
-          <a:p>
-            <a:pPr algn="ctr"/>
-            <a:r>
-              <a:rPr lang="en-US" sz="3000" b="1" dirty="0"/>
-              <a:t>Outline</a:t>
-            </a:r>
-          </a:p>
-        </p:txBody>
-      </p:sp>
-      <p:sp>
-        <p:nvSpPr>
-          <p:cNvPr id="3" name="Content Placeholder 2"/>
-          <p:cNvSpPr>
-            <a:spLocks noGrp="1"/>
-          </p:cNvSpPr>
-          <p:nvPr>
-            <p:ph idx="1"/>
-          </p:nvPr>
-        </p:nvSpPr>
-        <p:spPr>
-          <a:xfrm>
-            <a:off x="1324536" y="1419446"/>
-            <a:ext cx="6676464" cy="4478914"/>
-          </a:xfrm>
-        </p:spPr>
-        <p:txBody>
-          <a:bodyPr>
-            <a:normAutofit fontScale="92500" lnSpcReduction="20000"/>
-          </a:bodyPr>
-          <a:lstStyle/>
-          <a:p>
-            <a:pPr marL="385763" indent="-385763" algn="just">
-              <a:lnSpc>
-                <a:spcPct val="150000"/>
-              </a:lnSpc>
-              <a:buFont typeface="+mj-lt"/>
-              <a:buAutoNum type="arabicPeriod"/>
-            </a:pPr>
-            <a:r>
-              <a:rPr lang="en-US" sz="2400" dirty="0"/>
-              <a:t>Literature review</a:t>
-            </a:r>
-          </a:p>
-          <a:p>
-            <a:pPr lvl="3" algn="just">
-              <a:lnSpc>
-                <a:spcPct val="150000"/>
-              </a:lnSpc>
-              <a:buFont typeface="Wingdings" panose="05000000000000000000" pitchFamily="2" charset="2"/>
-              <a:buChar char="v"/>
-            </a:pPr>
-            <a:r>
-              <a:rPr lang="en-US" sz="2100" dirty="0"/>
-              <a:t>Introduction and background</a:t>
-            </a:r>
-          </a:p>
-          <a:p>
-            <a:pPr lvl="3" algn="just">
-              <a:lnSpc>
-                <a:spcPct val="150000"/>
-              </a:lnSpc>
-              <a:buFont typeface="Wingdings" panose="05000000000000000000" pitchFamily="2" charset="2"/>
-              <a:buChar char="v"/>
-            </a:pPr>
-            <a:r>
-              <a:rPr lang="en-US" sz="2100" dirty="0"/>
-              <a:t>Phenomenological aspects of Dwell Fatigue </a:t>
-            </a:r>
-          </a:p>
-          <a:p>
-            <a:pPr lvl="3" algn="just">
-              <a:lnSpc>
-                <a:spcPct val="150000"/>
-              </a:lnSpc>
-              <a:buFont typeface="Wingdings" panose="05000000000000000000" pitchFamily="2" charset="2"/>
-              <a:buChar char="v"/>
-            </a:pPr>
-            <a:r>
-              <a:rPr lang="en-US" sz="2100" dirty="0"/>
-              <a:t>Damage initiation in Dwell fatigue</a:t>
-            </a:r>
-          </a:p>
-          <a:p>
-            <a:pPr marL="385763" indent="-385763" algn="just">
-              <a:lnSpc>
-                <a:spcPct val="150000"/>
-              </a:lnSpc>
-              <a:buFont typeface="+mj-lt"/>
-              <a:buAutoNum type="arabicPeriod"/>
-            </a:pPr>
-            <a:r>
-              <a:rPr lang="en-US" sz="2400" dirty="0"/>
-              <a:t>Motivation and objective </a:t>
-            </a:r>
-          </a:p>
-          <a:p>
-            <a:pPr marL="385763" indent="-385763" algn="just">
-              <a:lnSpc>
-                <a:spcPct val="150000"/>
-              </a:lnSpc>
-              <a:buFont typeface="+mj-lt"/>
-              <a:buAutoNum type="arabicPeriod"/>
-            </a:pPr>
-            <a:r>
-              <a:rPr lang="en-US" sz="2400" dirty="0"/>
-              <a:t>Current work</a:t>
-            </a:r>
-          </a:p>
-          <a:p>
-            <a:pPr lvl="3" algn="just">
-              <a:lnSpc>
-                <a:spcPct val="150000"/>
-              </a:lnSpc>
-              <a:buFont typeface="Wingdings" panose="05000000000000000000" pitchFamily="2" charset="2"/>
-              <a:buChar char="v"/>
-            </a:pPr>
-            <a:r>
-              <a:rPr lang="en-US" sz="2100" dirty="0"/>
-              <a:t>Modelling </a:t>
-            </a:r>
-          </a:p>
-          <a:p>
-            <a:pPr lvl="3" algn="just">
-              <a:lnSpc>
-                <a:spcPct val="150000"/>
-              </a:lnSpc>
-              <a:buFont typeface="Wingdings" panose="05000000000000000000" pitchFamily="2" charset="2"/>
-              <a:buChar char="v"/>
-            </a:pPr>
-            <a:r>
-              <a:rPr lang="en-US" sz="2100" dirty="0"/>
-              <a:t>Experiments </a:t>
-            </a:r>
-          </a:p>
-          <a:p>
-            <a:pPr marL="385763" indent="-385763" algn="just">
-              <a:lnSpc>
-                <a:spcPct val="150000"/>
-              </a:lnSpc>
-              <a:buFont typeface="+mj-lt"/>
-              <a:buAutoNum type="arabicPeriod"/>
-            </a:pPr>
-            <a:r>
-              <a:rPr lang="en-US" sz="2400" dirty="0"/>
-              <a:t>Summary and future work </a:t>
-            </a:r>
-          </a:p>
-          <a:p>
-            <a:pPr>
-              <a:buFont typeface="Wingdings" panose="05000000000000000000" pitchFamily="2" charset="2"/>
-              <a:buChar char="Ø"/>
-            </a:pPr>
-            <a:endParaRPr lang="en-US" dirty="0"/>
-          </a:p>
-        </p:txBody>
-      </p:sp>
-      <p:sp>
-        <p:nvSpPr>
-          <p:cNvPr id="5" name="Slide Number Placeholder 4"/>
-          <p:cNvSpPr>
-            <a:spLocks noGrp="1"/>
-          </p:cNvSpPr>
-          <p:nvPr>
-            <p:ph type="sldNum" sz="quarter" idx="12"/>
-          </p:nvPr>
-        </p:nvSpPr>
-        <p:spPr/>
-        <p:txBody>
-          <a:bodyPr/>
-          <a:lstStyle/>
-          <a:p>
-            <a:fld id="{0B0F4DA3-A20A-4F1E-9416-A0F769FF6BF0}" type="slidenum">
-              <a:rPr lang="en-US" smtClean="0"/>
-              <a:t>3</a:t>
-            </a:fld>
-            <a:endParaRPr lang="en-US"/>
-          </a:p>
-        </p:txBody>
-      </p:sp>
-    </p:spTree>
-    <p:extLst>
-      <p:ext uri="{BB962C8B-B14F-4D97-AF65-F5344CB8AC3E}">
-        <p14:creationId xmlns:p14="http://schemas.microsoft.com/office/powerpoint/2010/main" val="453106734"/>
-      </p:ext>
-    </p:extLst>
-  </p:cSld>
-  <p:clrMapOvr>
-    <a:masterClrMapping/>
-  </p:clrMapOvr>
-  <p:timing>
-    <p:tnLst>
-      <p:par>
-        <p:cTn id="1" dur="indefinite" restart="never" nodeType="tmRoot"/>
-      </p:par>
-    </p:tnLst>
-  </p:timing>
-</p:sld>
-</file>
-
-<file path=ppt/slides/slide4.xml><?xml version="1.0" encoding="utf-8"?>
-<p:sld xmlns:a="http://schemas.openxmlformats.org/drawingml/2006/main" xmlns:r="http://schemas.openxmlformats.org/officeDocument/2006/relationships" xmlns:p="http://schemas.openxmlformats.org/presentationml/2006/main">
-  <p:cSld>
-    <p:spTree>
-      <p:nvGrpSpPr>
-        <p:cNvPr id="1" name=""/>
-        <p:cNvGrpSpPr/>
-        <p:nvPr/>
-      </p:nvGrpSpPr>
-      <p:grpSpPr>
-        <a:xfrm>
-          <a:off x="0" y="0"/>
-          <a:ext cx="0" cy="0"/>
-          <a:chOff x="0" y="0"/>
-          <a:chExt cx="0" cy="0"/>
-        </a:xfrm>
-      </p:grpSpPr>
-      <p:sp>
-        <p:nvSpPr>
-          <p:cNvPr id="2" name="Title 1"/>
-          <p:cNvSpPr>
-            <a:spLocks noGrp="1"/>
-          </p:cNvSpPr>
-          <p:nvPr>
-            <p:ph type="title"/>
-          </p:nvPr>
-        </p:nvSpPr>
-        <p:spPr>
-          <a:xfrm>
             <a:off x="267018" y="302046"/>
             <a:ext cx="3229816" cy="452125"/>
           </a:xfrm>
@@ -4092,10 +4019,9 @@
           <a:lstStyle/>
           <a:p>
             <a:r>
-              <a:rPr lang="en-US" b="1" dirty="0" smtClean="0"/>
+              <a:rPr lang="en-US" b="1" dirty="0"/>
               <a:t>What is Dwell Fatigue ?</a:t>
             </a:r>
-            <a:endParaRPr lang="en-US" b="1" dirty="0"/>
           </a:p>
         </p:txBody>
       </p:sp>
@@ -4116,7 +4042,7 @@
           <a:p>
             <a:fld id="{0B0F4DA3-A20A-4F1E-9416-A0F769FF6BF0}" type="slidenum">
               <a:rPr lang="en-US" smtClean="0"/>
-              <a:t>4</a:t>
+              <a:t>3</a:t>
             </a:fld>
             <a:endParaRPr lang="en-US" dirty="0"/>
           </a:p>
@@ -4281,7 +4207,7 @@
         </p:blipFill>
         <p:spPr>
           <a:xfrm>
-            <a:off x="5180271" y="3786137"/>
+            <a:off x="5237955" y="4024025"/>
             <a:ext cx="2439990" cy="1642563"/>
           </a:xfrm>
           <a:prstGeom prst="rect">
@@ -4438,7 +4364,7 @@
         </p:nvGrpSpPr>
         <p:grpSpPr>
           <a:xfrm>
-            <a:off x="4224162" y="3632004"/>
+            <a:off x="1734909" y="2227329"/>
             <a:ext cx="3780200" cy="1796696"/>
             <a:chOff x="3723571" y="4721077"/>
             <a:chExt cx="5040266" cy="2395595"/>
@@ -4651,7 +4577,7 @@
 </p:sld>
 </file>
 
-<file path=ppt/slides/slide5.xml><?xml version="1.0" encoding="utf-8"?>
+<file path=ppt/slides/slide4.xml><?xml version="1.0" encoding="utf-8"?>
 <p:sld xmlns:a="http://schemas.openxmlformats.org/drawingml/2006/main" xmlns:r="http://schemas.openxmlformats.org/officeDocument/2006/relationships" xmlns:p="http://schemas.openxmlformats.org/presentationml/2006/main">
   <p:cSld>
     <p:spTree>
@@ -4686,7 +4612,7 @@
           <a:graphicData uri="http://schemas.openxmlformats.org/presentationml/2006/ole">
             <mc:AlternateContent xmlns:mc="http://schemas.openxmlformats.org/markup-compatibility/2006">
               <mc:Choice xmlns:v="urn:schemas-microsoft-com:vml" Requires="v">
-                <p:oleObj spid="_x0000_s1027" name="Equation" r:id="rId4" imgW="114120" imgH="215640" progId="Equation.3">
+                <p:oleObj spid="_x0000_s1028" name="Equation" r:id="rId4" imgW="114120" imgH="215640" progId="Equation.3">
                   <p:embed/>
                 </p:oleObj>
               </mc:Choice>
@@ -4828,20 +4754,12 @@
               <a:buChar char="v"/>
             </a:pPr>
             <a:r>
-              <a:rPr lang="en-US" sz="1350" dirty="0" smtClean="0">
-                <a:solidFill>
-                  <a:srgbClr val="FF0000"/>
-                </a:solidFill>
-              </a:rPr>
-              <a:t>Increased </a:t>
-            </a:r>
-            <a:r>
               <a:rPr lang="en-US" sz="1350" dirty="0">
                 <a:solidFill>
                   <a:srgbClr val="FF0000"/>
                 </a:solidFill>
               </a:rPr>
-              <a:t>DFD with peak load and dwell time</a:t>
+              <a:t>Increased DFD with peak load and dwell time</a:t>
             </a:r>
           </a:p>
         </p:txBody>
@@ -5222,7 +5140,7 @@
           <a:p>
             <a:fld id="{0B0F4DA3-A20A-4F1E-9416-A0F769FF6BF0}" type="slidenum">
               <a:rPr lang="en-US" smtClean="0"/>
-              <a:t>5</a:t>
+              <a:t>4</a:t>
             </a:fld>
             <a:endParaRPr lang="en-US"/>
           </a:p>
@@ -5769,17 +5687,10 @@
   <p:clrMapOvr>
     <a:masterClrMapping/>
   </p:clrMapOvr>
-  <p:timing>
-    <p:tnLst>
-      <p:par>
-        <p:cTn id="1" dur="indefinite" restart="never" nodeType="tmRoot"/>
-      </p:par>
-    </p:tnLst>
-  </p:timing>
 </p:sld>
 </file>
 
-<file path=ppt/slides/slide6.xml><?xml version="1.0" encoding="utf-8"?>
+<file path=ppt/slides/slide5.xml><?xml version="1.0" encoding="utf-8"?>
 <p:sld xmlns:a="http://schemas.openxmlformats.org/drawingml/2006/main" xmlns:r="http://schemas.openxmlformats.org/officeDocument/2006/relationships" xmlns:p="http://schemas.openxmlformats.org/presentationml/2006/main">
   <p:cSld>
     <p:spTree>
@@ -5819,19 +5730,11 @@
           <a:lstStyle/>
           <a:p>
             <a:r>
-              <a:rPr lang="en-US" sz="1600" dirty="0" smtClean="0"/>
-              <a:t>Fig: </a:t>
-            </a:r>
-            <a:r>
               <a:rPr lang="en-US" sz="1600" dirty="0"/>
-              <a:t>Perspectives on Titanium Science and </a:t>
-            </a:r>
-            <a:r>
-              <a:rPr lang="en-US" sz="1600" dirty="0" smtClean="0"/>
-              <a:t>Technology, D.</a:t>
-            </a:r>
-            <a:r>
-              <a:rPr lang="en-US" sz="1600" i="1" dirty="0" smtClean="0"/>
+              <a:t>Fig: Perspectives on Titanium Science and Technology, D.</a:t>
+            </a:r>
+            <a:r>
+              <a:rPr lang="en-US" sz="1600" i="1" dirty="0"/>
               <a:t> Banerjee, et.al., 2014</a:t>
             </a:r>
             <a:endParaRPr lang="en-US" sz="1600" dirty="0"/>
@@ -5881,6 +5784,82 @@
 </p:sld>
 </file>
 
+<file path=ppt/slides/slide6.xml><?xml version="1.0" encoding="utf-8"?>
+<p:sld xmlns:a="http://schemas.openxmlformats.org/drawingml/2006/main" xmlns:r="http://schemas.openxmlformats.org/officeDocument/2006/relationships" xmlns:p="http://schemas.openxmlformats.org/presentationml/2006/main">
+  <p:cSld>
+    <p:spTree>
+      <p:nvGrpSpPr>
+        <p:cNvPr id="1" name=""/>
+        <p:cNvGrpSpPr/>
+        <p:nvPr/>
+      </p:nvGrpSpPr>
+      <p:grpSpPr>
+        <a:xfrm>
+          <a:off x="0" y="0"/>
+          <a:ext cx="0" cy="0"/>
+          <a:chOff x="0" y="0"/>
+          <a:chExt cx="0" cy="0"/>
+        </a:xfrm>
+      </p:grpSpPr>
+      <p:sp>
+        <p:nvSpPr>
+          <p:cNvPr id="2" name="Title 1"/>
+          <p:cNvSpPr>
+            <a:spLocks noGrp="1"/>
+          </p:cNvSpPr>
+          <p:nvPr>
+            <p:ph type="title"/>
+          </p:nvPr>
+        </p:nvSpPr>
+        <p:spPr>
+          <a:xfrm>
+            <a:off x="480732" y="96185"/>
+            <a:ext cx="7886700" cy="1325563"/>
+          </a:xfrm>
+        </p:spPr>
+        <p:txBody>
+          <a:bodyPr/>
+          <a:lstStyle/>
+          <a:p>
+            <a:r>
+              <a:rPr lang="en-US" dirty="0"/>
+              <a:t>Experimental Studies</a:t>
+            </a:r>
+          </a:p>
+        </p:txBody>
+      </p:sp>
+      <p:sp>
+        <p:nvSpPr>
+          <p:cNvPr id="3" name="Content Placeholder 2"/>
+          <p:cNvSpPr>
+            <a:spLocks noGrp="1"/>
+          </p:cNvSpPr>
+          <p:nvPr>
+            <p:ph idx="1"/>
+          </p:nvPr>
+        </p:nvSpPr>
+        <p:spPr/>
+        <p:txBody>
+          <a:bodyPr/>
+          <a:lstStyle/>
+          <a:p>
+            <a:endParaRPr lang="en-US" dirty="0"/>
+          </a:p>
+        </p:txBody>
+      </p:sp>
+    </p:spTree>
+    <p:extLst>
+      <p:ext uri="{BB962C8B-B14F-4D97-AF65-F5344CB8AC3E}">
+        <p14:creationId xmlns:p14="http://schemas.microsoft.com/office/powerpoint/2010/main" val="3046053169"/>
+      </p:ext>
+    </p:extLst>
+  </p:cSld>
+  <p:clrMapOvr>
+    <a:masterClrMapping/>
+  </p:clrMapOvr>
+</p:sld>
+</file>
+
 <file path=ppt/slides/slide7.xml><?xml version="1.0" encoding="utf-8"?>
 <p:sld xmlns:a="http://schemas.openxmlformats.org/drawingml/2006/main" xmlns:r="http://schemas.openxmlformats.org/officeDocument/2006/relationships" xmlns:p="http://schemas.openxmlformats.org/presentationml/2006/main">
   <p:cSld>
@@ -5905,83 +5884,6 @@
             <a:spLocks noGrp="1"/>
           </p:cNvSpPr>
           <p:nvPr>
-            <p:ph type="title"/>
-          </p:nvPr>
-        </p:nvSpPr>
-        <p:spPr>
-          <a:xfrm>
-            <a:off x="480732" y="96185"/>
-            <a:ext cx="7886700" cy="1325563"/>
-          </a:xfrm>
-        </p:spPr>
-        <p:txBody>
-          <a:bodyPr/>
-          <a:lstStyle/>
-          <a:p>
-            <a:r>
-              <a:rPr lang="en-US" dirty="0" smtClean="0"/>
-              <a:t>Experimental Studies</a:t>
-            </a:r>
-            <a:endParaRPr lang="en-US" dirty="0"/>
-          </a:p>
-        </p:txBody>
-      </p:sp>
-      <p:sp>
-        <p:nvSpPr>
-          <p:cNvPr id="3" name="Content Placeholder 2"/>
-          <p:cNvSpPr>
-            <a:spLocks noGrp="1"/>
-          </p:cNvSpPr>
-          <p:nvPr>
-            <p:ph idx="1"/>
-          </p:nvPr>
-        </p:nvSpPr>
-        <p:spPr/>
-        <p:txBody>
-          <a:bodyPr/>
-          <a:lstStyle/>
-          <a:p>
-            <a:endParaRPr lang="en-US" dirty="0"/>
-          </a:p>
-        </p:txBody>
-      </p:sp>
-    </p:spTree>
-    <p:extLst>
-      <p:ext uri="{BB962C8B-B14F-4D97-AF65-F5344CB8AC3E}">
-        <p14:creationId xmlns:p14="http://schemas.microsoft.com/office/powerpoint/2010/main" val="3046053169"/>
-      </p:ext>
-    </p:extLst>
-  </p:cSld>
-  <p:clrMapOvr>
-    <a:masterClrMapping/>
-  </p:clrMapOvr>
-</p:sld>
-</file>
-
-<file path=ppt/slides/slide8.xml><?xml version="1.0" encoding="utf-8"?>
-<p:sld xmlns:a="http://schemas.openxmlformats.org/drawingml/2006/main" xmlns:r="http://schemas.openxmlformats.org/officeDocument/2006/relationships" xmlns:p="http://schemas.openxmlformats.org/presentationml/2006/main">
-  <p:cSld>
-    <p:spTree>
-      <p:nvGrpSpPr>
-        <p:cNvPr id="1" name=""/>
-        <p:cNvGrpSpPr/>
-        <p:nvPr/>
-      </p:nvGrpSpPr>
-      <p:grpSpPr>
-        <a:xfrm>
-          <a:off x="0" y="0"/>
-          <a:ext cx="0" cy="0"/>
-          <a:chOff x="0" y="0"/>
-          <a:chExt cx="0" cy="0"/>
-        </a:xfrm>
-      </p:grpSpPr>
-      <p:sp>
-        <p:nvSpPr>
-          <p:cNvPr id="2" name="Title 1"/>
-          <p:cNvSpPr>
-            <a:spLocks noGrp="1"/>
-          </p:cNvSpPr>
-          <p:nvPr>
             <p:ph type="title" idx="4294967295"/>
           </p:nvPr>
         </p:nvSpPr>
@@ -5998,10 +5900,9 @@
           <a:lstStyle/>
           <a:p>
             <a:r>
-              <a:rPr lang="en-US" b="1" dirty="0" smtClean="0"/>
+              <a:rPr lang="en-US" b="1" dirty="0"/>
               <a:t>Dwell Fatigue Testing</a:t>
             </a:r>
-            <a:endParaRPr lang="en-US" b="1" dirty="0"/>
           </a:p>
         </p:txBody>
       </p:sp>
@@ -6054,44 +5955,26 @@
           <a:p>
             <a:r>
               <a:rPr lang="en-US" dirty="0"/>
-              <a:t>Surface is not very </a:t>
-            </a:r>
-            <a:r>
-              <a:rPr lang="en-US" dirty="0" smtClean="0"/>
-              <a:t>critical</a:t>
-            </a:r>
-          </a:p>
-          <a:p>
-            <a:r>
-              <a:rPr lang="en-US" dirty="0" smtClean="0"/>
-              <a:t> </a:t>
-            </a:r>
+              <a:t>Surface is not very critical</a:t>
+            </a:r>
+          </a:p>
+          <a:p>
             <a:r>
               <a:rPr lang="en-US" dirty="0"/>
-              <a:t>in the case of dwell fatigue </a:t>
-            </a:r>
-            <a:endParaRPr lang="en-US" dirty="0" smtClean="0"/>
-          </a:p>
-          <a:p>
-            <a:r>
-              <a:rPr lang="en-US" dirty="0" smtClean="0"/>
-              <a:t>as </a:t>
-            </a:r>
+              <a:t> in the case of dwell fatigue </a:t>
+            </a:r>
+          </a:p>
+          <a:p>
             <a:r>
               <a:rPr lang="en-US" dirty="0"/>
-              <a:t>it is close to low </a:t>
-            </a:r>
-            <a:r>
-              <a:rPr lang="en-US" dirty="0" smtClean="0"/>
-              <a:t>cycle</a:t>
-            </a:r>
-          </a:p>
-          <a:p>
-            <a:r>
-              <a:rPr lang="en-US" dirty="0" smtClean="0"/>
+              <a:t>as it is close to low cycle</a:t>
+            </a:r>
+          </a:p>
+          <a:p>
+            <a:r>
+              <a:rPr lang="en-US" dirty="0"/>
               <a:t> fatigue</a:t>
             </a:r>
-            <a:endParaRPr lang="en-US" dirty="0"/>
           </a:p>
         </p:txBody>
       </p:sp>
@@ -6155,10 +6038,9 @@
           <a:p>
             <a:pPr algn="ctr"/>
             <a:r>
-              <a:rPr lang="en-US" dirty="0" smtClean="0"/>
+              <a:rPr lang="en-US" dirty="0"/>
               <a:t>100kN, Servo-hydraulic</a:t>
             </a:r>
-            <a:endParaRPr lang="en-US" dirty="0"/>
           </a:p>
         </p:txBody>
       </p:sp>
@@ -6330,17 +6212,16 @@
           <a:p>
             <a:pPr algn="ctr"/>
             <a:r>
-              <a:rPr lang="en-US" dirty="0" smtClean="0"/>
+              <a:rPr lang="en-US" dirty="0"/>
               <a:t>Load Controlled Dwell Fatigue </a:t>
             </a:r>
           </a:p>
           <a:p>
             <a:pPr algn="ctr"/>
             <a:r>
-              <a:rPr lang="en-US" dirty="0" smtClean="0"/>
+              <a:rPr lang="en-US" dirty="0"/>
               <a:t>test at RT</a:t>
             </a:r>
-            <a:endParaRPr lang="en-US" dirty="0"/>
           </a:p>
         </p:txBody>
       </p:sp>
@@ -6719,10 +6600,9 @@
                 <a:lstStyle/>
                 <a:p>
                   <a:r>
-                    <a:rPr lang="en-US" dirty="0" smtClean="0"/>
+                    <a:rPr lang="en-US" dirty="0"/>
                     <a:t>Load for 0.95 proof</a:t>
                   </a:r>
-                  <a:endParaRPr lang="en-US" dirty="0"/>
                 </a:p>
               </p:txBody>
             </p:sp>
@@ -6749,10 +6629,9 @@
                 <a:lstStyle/>
                 <a:p>
                   <a:r>
-                    <a:rPr lang="en-US" dirty="0" smtClean="0"/>
+                    <a:rPr lang="en-US" dirty="0"/>
                     <a:t>Load</a:t>
                   </a:r>
-                  <a:endParaRPr lang="en-US" dirty="0"/>
                 </a:p>
               </p:txBody>
             </p:sp>
@@ -6779,10 +6658,9 @@
                 <a:lstStyle/>
                 <a:p>
                   <a:r>
-                    <a:rPr lang="en-US" dirty="0" smtClean="0"/>
+                    <a:rPr lang="en-US" dirty="0"/>
                     <a:t>120 sec</a:t>
                   </a:r>
-                  <a:endParaRPr lang="en-US" dirty="0"/>
                 </a:p>
               </p:txBody>
             </p:sp>
@@ -6809,10 +6687,9 @@
                 <a:lstStyle/>
                 <a:p>
                   <a:r>
-                    <a:rPr lang="en-US" dirty="0" smtClean="0"/>
+                    <a:rPr lang="en-US" dirty="0"/>
                     <a:t>1s</a:t>
                   </a:r>
-                  <a:endParaRPr lang="en-US" dirty="0"/>
                 </a:p>
               </p:txBody>
             </p:sp>
@@ -6839,10 +6716,9 @@
                 <a:lstStyle/>
                 <a:p>
                   <a:r>
-                    <a:rPr lang="en-US" dirty="0" smtClean="0"/>
+                    <a:rPr lang="en-US" dirty="0"/>
                     <a:t>1s</a:t>
                   </a:r>
-                  <a:endParaRPr lang="en-US" dirty="0"/>
                 </a:p>
               </p:txBody>
             </p:sp>
@@ -6870,10 +6746,9 @@
               <a:lstStyle/>
               <a:p>
                 <a:r>
-                  <a:rPr lang="en-US" dirty="0" smtClean="0"/>
+                  <a:rPr lang="en-US" dirty="0"/>
                   <a:t>Time</a:t>
                 </a:r>
-                <a:endParaRPr lang="en-US" dirty="0"/>
               </a:p>
             </p:txBody>
           </p:sp>
@@ -6973,10 +6848,9 @@
             <a:lstStyle/>
             <a:p>
               <a:r>
-                <a:rPr lang="en-US" dirty="0" smtClean="0"/>
+                <a:rPr lang="en-US" dirty="0"/>
                 <a:t>1s</a:t>
               </a:r>
-              <a:endParaRPr lang="en-US" dirty="0"/>
             </a:p>
           </p:txBody>
         </p:sp>
@@ -7248,10 +7122,9 @@
               <a:lstStyle/>
               <a:p>
                 <a:r>
-                  <a:rPr lang="en-US" dirty="0" smtClean="0"/>
+                  <a:rPr lang="en-US" dirty="0"/>
                   <a:t>Normal fatigue</a:t>
                 </a:r>
-                <a:endParaRPr lang="en-US" dirty="0"/>
               </a:p>
             </p:txBody>
           </p:sp>
@@ -7278,10 +7151,9 @@
               <a:lstStyle/>
               <a:p>
                 <a:r>
-                  <a:rPr lang="en-US" dirty="0" smtClean="0"/>
+                  <a:rPr lang="en-US" dirty="0"/>
                   <a:t>Dwell fatigue</a:t>
                 </a:r>
-                <a:endParaRPr lang="en-US" dirty="0"/>
               </a:p>
             </p:txBody>
           </p:sp>
@@ -7308,10 +7180,9 @@
               <a:lstStyle/>
               <a:p>
                 <a:r>
-                  <a:rPr lang="en-US" dirty="0" smtClean="0"/>
+                  <a:rPr lang="en-US" dirty="0"/>
                   <a:t>6mm</a:t>
                 </a:r>
-                <a:endParaRPr lang="en-US" dirty="0"/>
               </a:p>
             </p:txBody>
           </p:sp>
@@ -7401,7 +7272,7 @@
           <a:p>
             <a:fld id="{0B0F4DA3-A20A-4F1E-9416-A0F769FF6BF0}" type="slidenum">
               <a:rPr lang="en-US" smtClean="0"/>
-              <a:t>8</a:t>
+              <a:t>7</a:t>
             </a:fld>
             <a:endParaRPr lang="en-US"/>
           </a:p>
@@ -7417,13 +7288,6 @@
   <p:clrMapOvr>
     <a:masterClrMapping/>
   </p:clrMapOvr>
-  <p:timing>
-    <p:tnLst>
-      <p:par>
-        <p:cTn id="1" dur="indefinite" restart="never" nodeType="tmRoot"/>
-      </p:par>
-    </p:tnLst>
-  </p:timing>
 </p:sld>
 </file>
 

--- a/Thesis/Comprehensive Exam/References/yazar.pptx
+++ b/Thesis/Comprehensive Exam/References/yazar.pptx
@@ -3635,15 +3635,7 @@
           <a:p>
             <a:r>
               <a:rPr lang="en-US" sz="4400" dirty="0"/>
-              <a:t>Fatigue and Dwell Fatigue studies on Ti-6242 </a:t>
-            </a:r>
-            <a:r>
-              <a:rPr lang="en-US" sz="4400"/>
-              <a:t>and Ti-6246 </a:t>
-            </a:r>
-            <a:r>
-              <a:rPr lang="en-US" sz="4400" dirty="0"/>
-              <a:t>Titanium Alloys</a:t>
+              <a:t>Fatigue and Dwell Fatigue studies on Ti-6242 and Ti-6246 Titanium Alloys</a:t>
             </a:r>
           </a:p>
         </p:txBody>
@@ -3677,9 +3669,10 @@
           </a:p>
           <a:p>
             <a:r>
-              <a:rPr lang="en-US" dirty="0"/>
-              <a:t>Yazar. K. Udayan</a:t>
-            </a:r>
+              <a:rPr lang="en-US"/>
+              <a:t>Sharan Chandran</a:t>
+            </a:r>
+            <a:endParaRPr lang="en-US" dirty="0"/>
           </a:p>
           <a:p>
             <a:endParaRPr lang="en-US" dirty="0"/>
@@ -4612,7 +4605,7 @@
           <a:graphicData uri="http://schemas.openxmlformats.org/presentationml/2006/ole">
             <mc:AlternateContent xmlns:mc="http://schemas.openxmlformats.org/markup-compatibility/2006">
               <mc:Choice xmlns:v="urn:schemas-microsoft-com:vml" Requires="v">
-                <p:oleObj spid="_x0000_s1028" name="Equation" r:id="rId4" imgW="114120" imgH="215640" progId="Equation.3">
+                <p:oleObj spid="_x0000_s1029" name="Equation" r:id="rId4" imgW="114120" imgH="215640" progId="Equation.3">
                   <p:embed/>
                 </p:oleObj>
               </mc:Choice>

--- a/Thesis/Comprehensive Exam/References/yazar.pptx
+++ b/Thesis/Comprehensive Exam/References/yazar.pptx
@@ -3635,8 +3635,13 @@
           <a:p>
             <a:r>
               <a:rPr lang="en-US" sz="4400" dirty="0"/>
-              <a:t>Fatigue and Dwell Fatigue studies on Ti-6242 and Ti-6246 Titanium Alloys</a:t>
-            </a:r>
+              <a:t>Fatigue and Dwell Fatigue studies on Ti-6242 and </a:t>
+            </a:r>
+            <a:r>
+              <a:rPr lang="en-US" sz="4400"/>
+              <a:t>Ti-6246 Alloys</a:t>
+            </a:r>
+            <a:endParaRPr lang="en-US" sz="4400" dirty="0"/>
           </a:p>
         </p:txBody>
       </p:sp>
@@ -3652,45 +3657,58 @@
         </p:nvSpPr>
         <p:spPr>
           <a:xfrm>
-            <a:off x="2000250" y="3129603"/>
-            <a:ext cx="5143500" cy="1333216"/>
+            <a:off x="1616350" y="2674185"/>
+            <a:ext cx="5911298" cy="2038745"/>
           </a:xfrm>
         </p:spPr>
         <p:txBody>
           <a:bodyPr>
-            <a:normAutofit fontScale="55000" lnSpcReduction="20000"/>
+            <a:normAutofit fontScale="47500" lnSpcReduction="20000"/>
           </a:bodyPr>
           <a:lstStyle/>
           <a:p>
             <a:r>
-              <a:rPr lang="en-US" dirty="0"/>
+              <a:rPr lang="en-US" sz="4300" dirty="0"/>
               <a:t>Presented by </a:t>
             </a:r>
           </a:p>
           <a:p>
             <a:r>
-              <a:rPr lang="en-US"/>
+              <a:rPr lang="en-US" sz="4300" dirty="0"/>
               <a:t>Sharan Chandran</a:t>
             </a:r>
-            <a:endParaRPr lang="en-US" dirty="0"/>
-          </a:p>
-          <a:p>
-            <a:endParaRPr lang="en-US" dirty="0"/>
-          </a:p>
-          <a:p>
-            <a:r>
-              <a:rPr lang="en-US" dirty="0"/>
-              <a:t>Under the guidance of Prof. Satyam </a:t>
-            </a:r>
-            <a:r>
-              <a:rPr lang="en-US" dirty="0" err="1"/>
+          </a:p>
+          <a:p>
+            <a:endParaRPr lang="en-US" sz="4300" dirty="0"/>
+          </a:p>
+          <a:p>
+            <a:r>
+              <a:rPr lang="en-US" sz="4300" dirty="0"/>
+              <a:t>Under the guidance of </a:t>
+            </a:r>
+          </a:p>
+          <a:p>
+            <a:r>
+              <a:rPr lang="en-US" sz="4300" dirty="0"/>
+              <a:t>Prof. </a:t>
+            </a:r>
+            <a:r>
+              <a:rPr lang="en-US" sz="4300" dirty="0" err="1"/>
+              <a:t>Dipankar</a:t>
+            </a:r>
+            <a:r>
+              <a:rPr lang="en-US" sz="4300" dirty="0"/>
+              <a:t> Banerjee and Prof. Satyam </a:t>
+            </a:r>
+            <a:r>
+              <a:rPr lang="en-US" sz="4300" dirty="0" err="1"/>
               <a:t>Suwas</a:t>
             </a:r>
-            <a:endParaRPr lang="en-US" dirty="0"/>
-          </a:p>
-          <a:p>
-            <a:r>
-              <a:rPr lang="en-US" dirty="0"/>
+            <a:endParaRPr lang="en-US" sz="4300" dirty="0"/>
+          </a:p>
+          <a:p>
+            <a:r>
+              <a:rPr lang="en-US" sz="4300" dirty="0"/>
               <a:t>PhD, Laboratory for Texture and Related studies</a:t>
             </a:r>
           </a:p>
@@ -4605,7 +4623,7 @@
           <a:graphicData uri="http://schemas.openxmlformats.org/presentationml/2006/ole">
             <mc:AlternateContent xmlns:mc="http://schemas.openxmlformats.org/markup-compatibility/2006">
               <mc:Choice xmlns:v="urn:schemas-microsoft-com:vml" Requires="v">
-                <p:oleObj spid="_x0000_s1029" name="Equation" r:id="rId4" imgW="114120" imgH="215640" progId="Equation.3">
+                <p:oleObj spid="_x0000_s1030" name="Equation" r:id="rId4" imgW="114120" imgH="215640" progId="Equation.3">
                   <p:embed/>
                 </p:oleObj>
               </mc:Choice>

--- a/Thesis/Comprehensive Exam/References/yazar.pptx
+++ b/Thesis/Comprehensive Exam/References/yazar.pptx
@@ -3635,13 +3635,8 @@
           <a:p>
             <a:r>
               <a:rPr lang="en-US" sz="4400" dirty="0"/>
-              <a:t>Fatigue and Dwell Fatigue studies on Ti-6242 and </a:t>
-            </a:r>
-            <a:r>
-              <a:rPr lang="en-US" sz="4400"/>
-              <a:t>Ti-6246 Alloys</a:t>
-            </a:r>
-            <a:endParaRPr lang="en-US" sz="4400" dirty="0"/>
+              <a:t>Fatigue and Dwell Fatigue studies on Ti-6242 and Ti-6246 Alloys</a:t>
+            </a:r>
           </a:p>
         </p:txBody>
       </p:sp>
@@ -3739,8 +3734,8 @@
         </p:blipFill>
         <p:spPr>
           <a:xfrm>
-            <a:off x="3970935" y="4712930"/>
-            <a:ext cx="1135586" cy="1062164"/>
+            <a:off x="3573369" y="5115362"/>
+            <a:ext cx="1728499" cy="1616742"/>
           </a:xfrm>
           <a:prstGeom prst="rect">
             <a:avLst/>
@@ -4623,7 +4618,7 @@
           <a:graphicData uri="http://schemas.openxmlformats.org/presentationml/2006/ole">
             <mc:AlternateContent xmlns:mc="http://schemas.openxmlformats.org/markup-compatibility/2006">
               <mc:Choice xmlns:v="urn:schemas-microsoft-com:vml" Requires="v">
-                <p:oleObj spid="_x0000_s1030" name="Equation" r:id="rId4" imgW="114120" imgH="215640" progId="Equation.3">
+                <p:oleObj spid="_x0000_s1031" name="Equation" r:id="rId4" imgW="114120" imgH="215640" progId="Equation.3">
                   <p:embed/>
                 </p:oleObj>
               </mc:Choice>

--- a/Thesis/Comprehensive Exam/References/yazar.pptx
+++ b/Thesis/Comprehensive Exam/References/yazar.pptx
@@ -3704,11 +3704,16 @@
           <a:p>
             <a:r>
               <a:rPr lang="en-US" sz="4300" dirty="0"/>
-              <a:t>PhD, Laboratory for Texture and Related studies</a:t>
-            </a:r>
-          </a:p>
-          <a:p>
-            <a:endParaRPr lang="en-US" dirty="0"/>
+              <a:t>Department of </a:t>
+            </a:r>
+            <a:r>
+              <a:rPr lang="en-US" sz="4300"/>
+              <a:t>Materials Engineerin</a:t>
+            </a:r>
+            <a:r>
+              <a:rPr lang="en-US" sz="4300" dirty="0"/>
+              <a:t>g</a:t>
+            </a:r>
           </a:p>
         </p:txBody>
       </p:sp>
@@ -4618,7 +4623,7 @@
           <a:graphicData uri="http://schemas.openxmlformats.org/presentationml/2006/ole">
             <mc:AlternateContent xmlns:mc="http://schemas.openxmlformats.org/markup-compatibility/2006">
               <mc:Choice xmlns:v="urn:schemas-microsoft-com:vml" Requires="v">
-                <p:oleObj spid="_x0000_s1031" name="Equation" r:id="rId4" imgW="114120" imgH="215640" progId="Equation.3">
+                <p:oleObj spid="_x0000_s1032" name="Equation" r:id="rId4" imgW="114120" imgH="215640" progId="Equation.3">
                   <p:embed/>
                 </p:oleObj>
               </mc:Choice>

--- a/Thesis/Comprehensive Exam/References/yazar.pptx
+++ b/Thesis/Comprehensive Exam/References/yazar.pptx
@@ -3708,11 +3708,11 @@
             </a:r>
             <a:r>
               <a:rPr lang="en-US" sz="4300"/>
-              <a:t>Materials Engineerin</a:t>
+              <a:t>Materials Engineering, IIS</a:t>
             </a:r>
             <a:r>
               <a:rPr lang="en-US" sz="4300" dirty="0"/>
-              <a:t>g</a:t>
+              <a:t>c</a:t>
             </a:r>
           </a:p>
         </p:txBody>
@@ -4623,7 +4623,7 @@
           <a:graphicData uri="http://schemas.openxmlformats.org/presentationml/2006/ole">
             <mc:AlternateContent xmlns:mc="http://schemas.openxmlformats.org/markup-compatibility/2006">
               <mc:Choice xmlns:v="urn:schemas-microsoft-com:vml" Requires="v">
-                <p:oleObj spid="_x0000_s1032" name="Equation" r:id="rId4" imgW="114120" imgH="215640" progId="Equation.3">
+                <p:oleObj spid="_x0000_s1033" name="Equation" r:id="rId4" imgW="114120" imgH="215640" progId="Equation.3">
                   <p:embed/>
                 </p:oleObj>
               </mc:Choice>

--- a/Thesis/Comprehensive Exam/References/yazar.pptx
+++ b/Thesis/Comprehensive Exam/References/yazar.pptx
@@ -3704,15 +3704,7 @@
           <a:p>
             <a:r>
               <a:rPr lang="en-US" sz="4300" dirty="0"/>
-              <a:t>Department of </a:t>
-            </a:r>
-            <a:r>
-              <a:rPr lang="en-US" sz="4300"/>
-              <a:t>Materials Engineering, IIS</a:t>
-            </a:r>
-            <a:r>
-              <a:rPr lang="en-US" sz="4300" dirty="0"/>
-              <a:t>c</a:t>
+              <a:t>Department of Materials Engineering</a:t>
             </a:r>
           </a:p>
         </p:txBody>
@@ -3851,8 +3843,13 @@
             </a:pPr>
             <a:r>
               <a:rPr lang="en-US" sz="2100" dirty="0"/>
-              <a:t>Introduction and background</a:t>
-            </a:r>
+              <a:t>Introduction to </a:t>
+            </a:r>
+            <a:r>
+              <a:rPr lang="en-US" sz="2100"/>
+              <a:t>titanium alloys</a:t>
+            </a:r>
+            <a:endParaRPr lang="en-US" sz="2100" dirty="0"/>
           </a:p>
           <a:p>
             <a:pPr lvl="3" algn="just">
@@ -4623,7 +4620,7 @@
           <a:graphicData uri="http://schemas.openxmlformats.org/presentationml/2006/ole">
             <mc:AlternateContent xmlns:mc="http://schemas.openxmlformats.org/markup-compatibility/2006">
               <mc:Choice xmlns:v="urn:schemas-microsoft-com:vml" Requires="v">
-                <p:oleObj spid="_x0000_s1033" name="Equation" r:id="rId4" imgW="114120" imgH="215640" progId="Equation.3">
+                <p:oleObj spid="_x0000_s1034" name="Equation" r:id="rId4" imgW="114120" imgH="215640" progId="Equation.3">
                   <p:embed/>
                 </p:oleObj>
               </mc:Choice>

--- a/Thesis/Comprehensive Exam/References/yazar.pptx
+++ b/Thesis/Comprehensive Exam/References/yazar.pptx
@@ -3817,7 +3817,7 @@
         </p:spPr>
         <p:txBody>
           <a:bodyPr>
-            <a:normAutofit fontScale="92500" lnSpcReduction="20000"/>
+            <a:normAutofit fontScale="77500" lnSpcReduction="20000"/>
           </a:bodyPr>
           <a:lstStyle/>
           <a:p>
@@ -3849,6 +3849,15 @@
               <a:rPr lang="en-US" sz="2100"/>
               <a:t>titanium alloys</a:t>
             </a:r>
+          </a:p>
+          <a:p>
+            <a:pPr lvl="3" algn="just">
+              <a:lnSpc>
+                <a:spcPct val="150000"/>
+              </a:lnSpc>
+              <a:buFont typeface="Wingdings" panose="05000000000000000000" pitchFamily="2" charset="2"/>
+              <a:buChar char="v"/>
+            </a:pPr>
             <a:endParaRPr lang="en-US" sz="2100" dirty="0"/>
           </a:p>
           <a:p>
@@ -4620,7 +4629,7 @@
           <a:graphicData uri="http://schemas.openxmlformats.org/presentationml/2006/ole">
             <mc:AlternateContent xmlns:mc="http://schemas.openxmlformats.org/markup-compatibility/2006">
               <mc:Choice xmlns:v="urn:schemas-microsoft-com:vml" Requires="v">
-                <p:oleObj spid="_x0000_s1034" name="Equation" r:id="rId4" imgW="114120" imgH="215640" progId="Equation.3">
+                <p:oleObj spid="_x0000_s1036" name="Equation" r:id="rId4" imgW="114120" imgH="215640" progId="Equation.3">
                   <p:embed/>
                 </p:oleObj>
               </mc:Choice>

--- a/Thesis/Comprehensive Exam/References/yazar.pptx
+++ b/Thesis/Comprehensive Exam/References/yazar.pptx
@@ -3817,7 +3817,7 @@
         </p:spPr>
         <p:txBody>
           <a:bodyPr>
-            <a:normAutofit fontScale="77500" lnSpcReduction="20000"/>
+            <a:normAutofit fontScale="92500" lnSpcReduction="20000"/>
           </a:bodyPr>
           <a:lstStyle/>
           <a:p>
@@ -3843,11 +3843,7 @@
             </a:pPr>
             <a:r>
               <a:rPr lang="en-US" sz="2100" dirty="0"/>
-              <a:t>Introduction to </a:t>
-            </a:r>
-            <a:r>
-              <a:rPr lang="en-US" sz="2100"/>
-              <a:t>titanium alloys</a:t>
+              <a:t>Introduction to titanium alloys</a:t>
             </a:r>
           </a:p>
           <a:p>
@@ -3871,19 +3867,6 @@
             <a:r>
               <a:rPr lang="en-US" sz="2100" dirty="0"/>
               <a:t>Phenomenological aspects of Dwell Fatigue </a:t>
-            </a:r>
-          </a:p>
-          <a:p>
-            <a:pPr lvl="3" algn="just">
-              <a:lnSpc>
-                <a:spcPct val="150000"/>
-              </a:lnSpc>
-              <a:buFont typeface="Wingdings" panose="05000000000000000000" pitchFamily="2" charset="2"/>
-              <a:buChar char="v"/>
-            </a:pPr>
-            <a:r>
-              <a:rPr lang="en-US" sz="2100" dirty="0"/>
-              <a:t>Damage initiation in Dwell fatigue</a:t>
             </a:r>
           </a:p>
           <a:p>
@@ -4629,7 +4612,7 @@
           <a:graphicData uri="http://schemas.openxmlformats.org/presentationml/2006/ole">
             <mc:AlternateContent xmlns:mc="http://schemas.openxmlformats.org/markup-compatibility/2006">
               <mc:Choice xmlns:v="urn:schemas-microsoft-com:vml" Requires="v">
-                <p:oleObj spid="_x0000_s1036" name="Equation" r:id="rId4" imgW="114120" imgH="215640" progId="Equation.3">
+                <p:oleObj spid="_x0000_s1037" name="Equation" r:id="rId4" imgW="114120" imgH="215640" progId="Equation.3">
                   <p:embed/>
                 </p:oleObj>
               </mc:Choice>

--- a/Thesis/Comprehensive Exam/References/yazar.pptx
+++ b/Thesis/Comprehensive Exam/References/yazar.pptx
@@ -3854,6 +3854,14 @@
               <a:buFont typeface="Wingdings" panose="05000000000000000000" pitchFamily="2" charset="2"/>
               <a:buChar char="v"/>
             </a:pPr>
+            <a:r>
+              <a:rPr lang="en-US" sz="2100" dirty="0"/>
+              <a:t>Introduction to </a:t>
+            </a:r>
+            <a:r>
+              <a:rPr lang="en-US" sz="2100"/>
+              <a:t>Dwell Fatigue</a:t>
+            </a:r>
             <a:endParaRPr lang="en-US" sz="2100" dirty="0"/>
           </a:p>
           <a:p>
@@ -4612,7 +4620,7 @@
           <a:graphicData uri="http://schemas.openxmlformats.org/presentationml/2006/ole">
             <mc:AlternateContent xmlns:mc="http://schemas.openxmlformats.org/markup-compatibility/2006">
               <mc:Choice xmlns:v="urn:schemas-microsoft-com:vml" Requires="v">
-                <p:oleObj spid="_x0000_s1037" name="Equation" r:id="rId4" imgW="114120" imgH="215640" progId="Equation.3">
+                <p:oleObj spid="_x0000_s1038" name="Equation" r:id="rId4" imgW="114120" imgH="215640" progId="Equation.3">
                   <p:embed/>
                 </p:oleObj>
               </mc:Choice>

--- a/Thesis/Comprehensive Exam/References/yazar.pptx
+++ b/Thesis/Comprehensive Exam/References/yazar.pptx
@@ -3856,13 +3856,8 @@
             </a:pPr>
             <a:r>
               <a:rPr lang="en-US" sz="2100" dirty="0"/>
-              <a:t>Introduction to </a:t>
-            </a:r>
-            <a:r>
-              <a:rPr lang="en-US" sz="2100"/>
-              <a:t>Dwell Fatigue</a:t>
-            </a:r>
-            <a:endParaRPr lang="en-US" sz="2100" dirty="0"/>
+              <a:t>Introduction to Dwell Fatigue</a:t>
+            </a:r>
           </a:p>
           <a:p>
             <a:pPr lvl="3" algn="just">
@@ -4056,36 +4051,6 @@
           </a:p>
         </p:txBody>
       </p:sp>
-      <p:pic>
-        <p:nvPicPr>
-          <p:cNvPr id="18" name="Content Placeholder 8"/>
-          <p:cNvPicPr>
-            <a:picLocks noChangeAspect="1"/>
-          </p:cNvPicPr>
-          <p:nvPr/>
-        </p:nvPicPr>
-        <p:blipFill>
-          <a:blip r:embed="rId3" cstate="print">
-            <a:extLst>
-              <a:ext uri="{28A0092B-C50C-407E-A947-70E740481C1C}">
-                <a14:useLocalDpi xmlns:a14="http://schemas.microsoft.com/office/drawing/2010/main" val="0"/>
-              </a:ext>
-            </a:extLst>
-          </a:blip>
-          <a:stretch>
-            <a:fillRect/>
-          </a:stretch>
-        </p:blipFill>
-        <p:spPr>
-          <a:xfrm>
-            <a:off x="5927591" y="754171"/>
-            <a:ext cx="2728094" cy="2021554"/>
-          </a:xfrm>
-          <a:prstGeom prst="rect">
-            <a:avLst/>
-          </a:prstGeom>
-        </p:spPr>
-      </p:pic>
       <p:grpSp>
         <p:nvGrpSpPr>
           <p:cNvPr id="4" name="Group 3"/>
@@ -4109,7 +4074,7 @@
             <p:nvPr/>
           </p:nvPicPr>
           <p:blipFill>
-            <a:blip r:embed="rId4"/>
+            <a:blip r:embed="rId3"/>
             <a:stretch>
               <a:fillRect/>
             </a:stretch>
@@ -4185,14 +4150,14 @@
           <p:nvPr/>
         </p:nvPicPr>
         <p:blipFill>
-          <a:blip r:embed="rId5"/>
+          <a:blip r:embed="rId4"/>
           <a:stretch>
             <a:fillRect/>
           </a:stretch>
         </p:blipFill>
         <p:spPr>
           <a:xfrm>
-            <a:off x="0" y="3854505"/>
+            <a:off x="252647" y="3854505"/>
             <a:ext cx="3174011" cy="2177539"/>
           </a:xfrm>
           <a:prstGeom prst="rect">
@@ -4209,105 +4174,20 @@
           <p:nvPr/>
         </p:nvPicPr>
         <p:blipFill rotWithShape="1">
-          <a:blip r:embed="rId6"/>
+          <a:blip r:embed="rId5"/>
           <a:srcRect l="-10" t="-173" r="50538" b="9156"/>
           <a:stretch/>
         </p:blipFill>
         <p:spPr>
           <a:xfrm>
-            <a:off x="5237955" y="4024025"/>
-            <a:ext cx="2439990" cy="1642563"/>
+            <a:off x="4700827" y="1071172"/>
+            <a:ext cx="3514245" cy="2365735"/>
           </a:xfrm>
           <a:prstGeom prst="rect">
             <a:avLst/>
           </a:prstGeom>
         </p:spPr>
       </p:pic>
-      <mc:AlternateContent xmlns:mc="http://schemas.openxmlformats.org/markup-compatibility/2006" xmlns:a14="http://schemas.microsoft.com/office/drawing/2010/main">
-        <mc:Choice Requires="a14">
-          <p:sp>
-            <p:nvSpPr>
-              <p:cNvPr id="31" name="TextBox 30"/>
-              <p:cNvSpPr txBox="1"/>
-              <p:nvPr/>
-            </p:nvSpPr>
-            <p:spPr>
-              <a:xfrm>
-                <a:off x="4368510" y="4140049"/>
-                <a:ext cx="859531" cy="923330"/>
-              </a:xfrm>
-              <a:prstGeom prst="rect">
-                <a:avLst/>
-              </a:prstGeom>
-              <a:noFill/>
-            </p:spPr>
-            <p:txBody>
-              <a:bodyPr wrap="none" rtlCol="0">
-                <a:spAutoFit/>
-              </a:bodyPr>
-              <a:lstStyle/>
-              <a:p>
-                <a:pPr/>
-                <a14:m>
-                  <m:oMathPara xmlns:m="http://schemas.openxmlformats.org/officeDocument/2006/math">
-                    <m:oMathParaPr>
-                      <m:jc m:val="centerGroup"/>
-                    </m:oMathParaPr>
-                    <m:oMath xmlns:m="http://schemas.openxmlformats.org/officeDocument/2006/math">
-                      <m:r>
-                        <a:rPr lang="en-US" sz="5400" i="1">
-                          <a:latin typeface="Cambria Math" panose="02040503050406030204" pitchFamily="18" charset="0"/>
-                          <a:ea typeface="Cambria Math" panose="02040503050406030204" pitchFamily="18" charset="0"/>
-                        </a:rPr>
-                        <m:t>≠</m:t>
-                      </m:r>
-                    </m:oMath>
-                  </m:oMathPara>
-                </a14:m>
-                <a:endParaRPr lang="en-US" sz="5400" dirty="0"/>
-              </a:p>
-            </p:txBody>
-          </p:sp>
-        </mc:Choice>
-        <mc:Fallback xmlns="">
-          <p:sp>
-            <p:nvSpPr>
-              <p:cNvPr id="31" name="TextBox 30"/>
-              <p:cNvSpPr txBox="1">
-                <a:spLocks noRot="1" noChangeAspect="1" noMove="1" noResize="1" noEditPoints="1" noAdjustHandles="1" noChangeArrowheads="1" noChangeShapeType="1" noTextEdit="1"/>
-              </p:cNvSpPr>
-              <p:nvPr/>
-            </p:nvSpPr>
-            <p:spPr>
-              <a:xfrm>
-                <a:off x="4368510" y="4140049"/>
-                <a:ext cx="859531" cy="923330"/>
-              </a:xfrm>
-              <a:prstGeom prst="rect">
-                <a:avLst/>
-              </a:prstGeom>
-              <a:blipFill rotWithShape="0">
-                <a:blip r:embed="rId7"/>
-                <a:stretch>
-                  <a:fillRect/>
-                </a:stretch>
-              </a:blipFill>
-            </p:spPr>
-            <p:txBody>
-              <a:bodyPr/>
-              <a:lstStyle/>
-              <a:p>
-                <a:r>
-                  <a:rPr lang="en-US">
-                    <a:noFill/>
-                  </a:rPr>
-                  <a:t> </a:t>
-                </a:r>
-              </a:p>
-            </p:txBody>
-          </p:sp>
-        </mc:Fallback>
-      </mc:AlternateContent>
       <p:sp>
         <p:nvSpPr>
           <p:cNvPr id="37" name="TextBox 36"/>
@@ -4364,81 +4244,6 @@
           </a:p>
         </p:txBody>
       </p:sp>
-      <p:grpSp>
-        <p:nvGrpSpPr>
-          <p:cNvPr id="5" name="Group 4"/>
-          <p:cNvGrpSpPr/>
-          <p:nvPr/>
-        </p:nvGrpSpPr>
-        <p:grpSpPr>
-          <a:xfrm>
-            <a:off x="1734909" y="2227329"/>
-            <a:ext cx="3780200" cy="1796696"/>
-            <a:chOff x="3723571" y="4721077"/>
-            <a:chExt cx="5040266" cy="2395595"/>
-          </a:xfrm>
-        </p:grpSpPr>
-        <p:pic>
-          <p:nvPicPr>
-            <p:cNvPr id="35" name="Picture 34"/>
-            <p:cNvPicPr>
-              <a:picLocks noChangeAspect="1"/>
-            </p:cNvPicPr>
-            <p:nvPr/>
-          </p:nvPicPr>
-          <p:blipFill>
-            <a:blip r:embed="rId8">
-              <a:extLst>
-                <a:ext uri="{28A0092B-C50C-407E-A947-70E740481C1C}">
-                  <a14:useLocalDpi xmlns:a14="http://schemas.microsoft.com/office/drawing/2010/main" val="0"/>
-                </a:ext>
-              </a:extLst>
-            </a:blip>
-            <a:stretch>
-              <a:fillRect/>
-            </a:stretch>
-          </p:blipFill>
-          <p:spPr>
-            <a:xfrm>
-              <a:off x="3723571" y="5206451"/>
-              <a:ext cx="1722042" cy="1651549"/>
-            </a:xfrm>
-            <a:prstGeom prst="rect">
-              <a:avLst/>
-            </a:prstGeom>
-          </p:spPr>
-        </p:pic>
-        <p:pic>
-          <p:nvPicPr>
-            <p:cNvPr id="42" name="Picture 41"/>
-            <p:cNvPicPr>
-              <a:picLocks noChangeAspect="1"/>
-            </p:cNvPicPr>
-            <p:nvPr/>
-          </p:nvPicPr>
-          <p:blipFill>
-            <a:blip r:embed="rId9">
-              <a:extLst>
-                <a:ext uri="{28A0092B-C50C-407E-A947-70E740481C1C}">
-                  <a14:useLocalDpi xmlns:a14="http://schemas.microsoft.com/office/drawing/2010/main" val="0"/>
-                </a:ext>
-              </a:extLst>
-            </a:blip>
-            <a:stretch>
-              <a:fillRect/>
-            </a:stretch>
-          </p:blipFill>
-          <p:spPr>
-            <a:xfrm>
-              <a:off x="5190082" y="4721077"/>
-              <a:ext cx="3573755" cy="2395595"/>
-            </a:xfrm>
-            <a:prstGeom prst="rect">
-              <a:avLst/>
-            </a:prstGeom>
-          </p:spPr>
-        </p:pic>
-      </p:grpSp>
       <p:sp>
         <p:nvSpPr>
           <p:cNvPr id="10" name="TextBox 9"/>
@@ -4476,7 +4281,7 @@
         </p:nvSpPr>
         <p:spPr>
           <a:xfrm>
-            <a:off x="5835554" y="3024591"/>
+            <a:off x="6233119" y="3183674"/>
             <a:ext cx="1034257" cy="253916"/>
           </a:xfrm>
           <a:prstGeom prst="rect">
@@ -4507,81 +4312,6 @@
   <p:clrMapOvr>
     <a:masterClrMapping/>
   </p:clrMapOvr>
-  <p:timing>
-    <p:tnLst>
-      <p:par>
-        <p:cTn id="1" dur="indefinite" restart="never" nodeType="tmRoot">
-          <p:childTnLst>
-            <p:seq concurrent="1" nextAc="seek">
-              <p:cTn id="2" dur="indefinite" nodeType="mainSeq">
-                <p:childTnLst>
-                  <p:par>
-                    <p:cTn id="3" fill="hold">
-                      <p:stCondLst>
-                        <p:cond delay="indefinite"/>
-                      </p:stCondLst>
-                      <p:childTnLst>
-                        <p:par>
-                          <p:cTn id="4" fill="hold">
-                            <p:stCondLst>
-                              <p:cond delay="0"/>
-                            </p:stCondLst>
-                            <p:childTnLst>
-                              <p:par>
-                                <p:cTn id="5" presetID="1" presetClass="entr" presetSubtype="0" fill="hold" nodeType="clickEffect">
-                                  <p:stCondLst>
-                                    <p:cond delay="0"/>
-                                  </p:stCondLst>
-                                  <p:childTnLst>
-                                    <p:set>
-                                      <p:cBhvr>
-                                        <p:cTn id="6" dur="1" fill="hold">
-                                          <p:stCondLst>
-                                            <p:cond delay="0"/>
-                                          </p:stCondLst>
-                                        </p:cTn>
-                                        <p:tgtEl>
-                                          <p:spTgt spid="5"/>
-                                        </p:tgtEl>
-                                        <p:attrNameLst>
-                                          <p:attrName>style.visibility</p:attrName>
-                                        </p:attrNameLst>
-                                      </p:cBhvr>
-                                      <p:to>
-                                        <p:strVal val="visible"/>
-                                      </p:to>
-                                    </p:set>
-                                  </p:childTnLst>
-                                </p:cTn>
-                              </p:par>
-                            </p:childTnLst>
-                          </p:cTn>
-                        </p:par>
-                      </p:childTnLst>
-                    </p:cTn>
-                  </p:par>
-                </p:childTnLst>
-              </p:cTn>
-              <p:prevCondLst>
-                <p:cond evt="onPrev" delay="0">
-                  <p:tgtEl>
-                    <p:sldTgt/>
-                  </p:tgtEl>
-                </p:cond>
-              </p:prevCondLst>
-              <p:nextCondLst>
-                <p:cond evt="onNext" delay="0">
-                  <p:tgtEl>
-                    <p:sldTgt/>
-                  </p:tgtEl>
-                </p:cond>
-              </p:nextCondLst>
-            </p:seq>
-          </p:childTnLst>
-        </p:cTn>
-      </p:par>
-    </p:tnLst>
-  </p:timing>
 </p:sld>
 </file>
 
@@ -4620,7 +4350,7 @@
           <a:graphicData uri="http://schemas.openxmlformats.org/presentationml/2006/ole">
             <mc:AlternateContent xmlns:mc="http://schemas.openxmlformats.org/markup-compatibility/2006">
               <mc:Choice xmlns:v="urn:schemas-microsoft-com:vml" Requires="v">
-                <p:oleObj spid="_x0000_s1038" name="Equation" r:id="rId4" imgW="114120" imgH="215640" progId="Equation.3">
+                <p:oleObj spid="_x0000_s1039" name="Equation" r:id="rId4" imgW="114120" imgH="215640" progId="Equation.3">
                   <p:embed/>
                 </p:oleObj>
               </mc:Choice>

--- a/Thesis/Comprehensive Exam/References/yazar.pptx
+++ b/Thesis/Comprehensive Exam/References/yazar.pptx
@@ -4157,7 +4157,7 @@
         </p:blipFill>
         <p:spPr>
           <a:xfrm>
-            <a:off x="252647" y="3854505"/>
+            <a:off x="2956090" y="3857353"/>
             <a:ext cx="3174011" cy="2177539"/>
           </a:xfrm>
           <a:prstGeom prst="rect">
@@ -4350,7 +4350,7 @@
           <a:graphicData uri="http://schemas.openxmlformats.org/presentationml/2006/ole">
             <mc:AlternateContent xmlns:mc="http://schemas.openxmlformats.org/markup-compatibility/2006">
               <mc:Choice xmlns:v="urn:schemas-microsoft-com:vml" Requires="v">
-                <p:oleObj spid="_x0000_s1039" name="Equation" r:id="rId4" imgW="114120" imgH="215640" progId="Equation.3">
+                <p:oleObj spid="_x0000_s1040" name="Equation" r:id="rId4" imgW="114120" imgH="215640" progId="Equation.3">
                   <p:embed/>
                 </p:oleObj>
               </mc:Choice>

--- a/Thesis/Comprehensive Exam/References/yazar.pptx
+++ b/Thesis/Comprehensive Exam/References/yazar.pptx
@@ -4011,8 +4011,8 @@
         </p:nvSpPr>
         <p:spPr>
           <a:xfrm>
-            <a:off x="267018" y="302046"/>
-            <a:ext cx="3229816" cy="452125"/>
+            <a:off x="267017" y="302046"/>
+            <a:ext cx="6796391" cy="452125"/>
           </a:xfrm>
         </p:spPr>
         <p:txBody>
@@ -4059,7 +4059,7 @@
         </p:nvGrpSpPr>
         <p:grpSpPr>
           <a:xfrm>
-            <a:off x="267617" y="1264096"/>
+            <a:off x="267017" y="1273724"/>
             <a:ext cx="3010239" cy="1749517"/>
             <a:chOff x="128043" y="578230"/>
             <a:chExt cx="4013652" cy="2332689"/>
@@ -4350,7 +4350,7 @@
           <a:graphicData uri="http://schemas.openxmlformats.org/presentationml/2006/ole">
             <mc:AlternateContent xmlns:mc="http://schemas.openxmlformats.org/markup-compatibility/2006">
               <mc:Choice xmlns:v="urn:schemas-microsoft-com:vml" Requires="v">
-                <p:oleObj spid="_x0000_s1040" name="Equation" r:id="rId4" imgW="114120" imgH="215640" progId="Equation.3">
+                <p:oleObj spid="_x0000_s1041" name="Equation" r:id="rId4" imgW="114120" imgH="215640" progId="Equation.3">
                   <p:embed/>
                 </p:oleObj>
               </mc:Choice>

--- a/Thesis/Comprehensive Exam/References/yazar.pptx
+++ b/Thesis/Comprehensive Exam/References/yazar.pptx
@@ -4157,7 +4157,7 @@
         </p:blipFill>
         <p:spPr>
           <a:xfrm>
-            <a:off x="2956090" y="3857353"/>
+            <a:off x="2598281" y="3854505"/>
             <a:ext cx="3174011" cy="2177539"/>
           </a:xfrm>
           <a:prstGeom prst="rect">
@@ -4196,8 +4196,8 @@
         </p:nvSpPr>
         <p:spPr>
           <a:xfrm>
-            <a:off x="610953" y="6032044"/>
-            <a:ext cx="2541946" cy="836960"/>
+            <a:off x="2703444" y="6118761"/>
+            <a:ext cx="3068848" cy="698461"/>
           </a:xfrm>
           <a:prstGeom prst="rect">
             <a:avLst/>
@@ -4350,7 +4350,7 @@
           <a:graphicData uri="http://schemas.openxmlformats.org/presentationml/2006/ole">
             <mc:AlternateContent xmlns:mc="http://schemas.openxmlformats.org/markup-compatibility/2006">
               <mc:Choice xmlns:v="urn:schemas-microsoft-com:vml" Requires="v">
-                <p:oleObj spid="_x0000_s1041" name="Equation" r:id="rId4" imgW="114120" imgH="215640" progId="Equation.3">
+                <p:oleObj spid="_x0000_s1042" name="Equation" r:id="rId4" imgW="114120" imgH="215640" progId="Equation.3">
                   <p:embed/>
                 </p:oleObj>
               </mc:Choice>

--- a/Thesis/Comprehensive Exam/References/yazar.pptx
+++ b/Thesis/Comprehensive Exam/References/yazar.pptx
@@ -10,10 +10,10 @@
   <p:sldIdLst>
     <p:sldId id="259" r:id="rId2"/>
     <p:sldId id="260" r:id="rId3"/>
-    <p:sldId id="261" r:id="rId4"/>
-    <p:sldId id="262" r:id="rId5"/>
-    <p:sldId id="258" r:id="rId6"/>
-    <p:sldId id="263" r:id="rId7"/>
+    <p:sldId id="263" r:id="rId4"/>
+    <p:sldId id="261" r:id="rId5"/>
+    <p:sldId id="262" r:id="rId6"/>
+    <p:sldId id="258" r:id="rId7"/>
     <p:sldId id="264" r:id="rId8"/>
   </p:sldIdLst>
   <p:sldSz cx="9144000" cy="6858000" type="screen4x3"/>
@@ -644,7 +644,7 @@
           <a:p>
             <a:fld id="{4FBE7D1E-A864-4403-99D2-8811A0B1A190}" type="slidenum">
               <a:rPr lang="en-US" smtClean="0"/>
-              <a:t>3</a:t>
+              <a:t>4</a:t>
             </a:fld>
             <a:endParaRPr lang="en-US"/>
           </a:p>
@@ -733,7 +733,7 @@
           <a:p>
             <a:fld id="{4FBE7D1E-A864-4403-99D2-8811A0B1A190}" type="slidenum">
               <a:rPr lang="en-US" smtClean="0"/>
-              <a:t>4</a:t>
+              <a:t>5</a:t>
             </a:fld>
             <a:endParaRPr lang="en-US"/>
           </a:p>
@@ -4011,6 +4011,87 @@
         </p:nvSpPr>
         <p:spPr>
           <a:xfrm>
+            <a:off x="480732" y="96185"/>
+            <a:ext cx="7886700" cy="1325563"/>
+          </a:xfrm>
+        </p:spPr>
+        <p:txBody>
+          <a:bodyPr/>
+          <a:lstStyle/>
+          <a:p>
+            <a:r>
+              <a:rPr lang="en-US" dirty="0"/>
+              <a:t>Introduction to </a:t>
+            </a:r>
+            <a:r>
+              <a:rPr lang="en-US"/>
+              <a:t>Titanium Alloys</a:t>
+            </a:r>
+            <a:endParaRPr lang="en-US" dirty="0"/>
+          </a:p>
+        </p:txBody>
+      </p:sp>
+      <p:sp>
+        <p:nvSpPr>
+          <p:cNvPr id="3" name="Content Placeholder 2"/>
+          <p:cNvSpPr>
+            <a:spLocks noGrp="1"/>
+          </p:cNvSpPr>
+          <p:nvPr>
+            <p:ph idx="1"/>
+          </p:nvPr>
+        </p:nvSpPr>
+        <p:spPr/>
+        <p:txBody>
+          <a:bodyPr/>
+          <a:lstStyle/>
+          <a:p>
+            <a:endParaRPr lang="en-US" dirty="0"/>
+          </a:p>
+        </p:txBody>
+      </p:sp>
+    </p:spTree>
+    <p:extLst>
+      <p:ext uri="{BB962C8B-B14F-4D97-AF65-F5344CB8AC3E}">
+        <p14:creationId xmlns:p14="http://schemas.microsoft.com/office/powerpoint/2010/main" val="3046053169"/>
+      </p:ext>
+    </p:extLst>
+  </p:cSld>
+  <p:clrMapOvr>
+    <a:masterClrMapping/>
+  </p:clrMapOvr>
+</p:sld>
+</file>
+
+<file path=ppt/slides/slide4.xml><?xml version="1.0" encoding="utf-8"?>
+<p:sld xmlns:a="http://schemas.openxmlformats.org/drawingml/2006/main" xmlns:r="http://schemas.openxmlformats.org/officeDocument/2006/relationships" xmlns:p="http://schemas.openxmlformats.org/presentationml/2006/main">
+  <p:cSld>
+    <p:spTree>
+      <p:nvGrpSpPr>
+        <p:cNvPr id="1" name=""/>
+        <p:cNvGrpSpPr/>
+        <p:nvPr/>
+      </p:nvGrpSpPr>
+      <p:grpSpPr>
+        <a:xfrm>
+          <a:off x="0" y="0"/>
+          <a:ext cx="0" cy="0"/>
+          <a:chOff x="0" y="0"/>
+          <a:chExt cx="0" cy="0"/>
+        </a:xfrm>
+      </p:grpSpPr>
+      <p:sp>
+        <p:nvSpPr>
+          <p:cNvPr id="2" name="Title 1"/>
+          <p:cNvSpPr>
+            <a:spLocks noGrp="1"/>
+          </p:cNvSpPr>
+          <p:nvPr>
+            <p:ph type="title"/>
+          </p:nvPr>
+        </p:nvSpPr>
+        <p:spPr>
+          <a:xfrm>
             <a:off x="267017" y="302046"/>
             <a:ext cx="6796391" cy="452125"/>
           </a:xfrm>
@@ -4045,7 +4126,7 @@
           <a:p>
             <a:fld id="{0B0F4DA3-A20A-4F1E-9416-A0F769FF6BF0}" type="slidenum">
               <a:rPr lang="en-US" smtClean="0"/>
-              <a:t>3</a:t>
+              <a:t>4</a:t>
             </a:fld>
             <a:endParaRPr lang="en-US" dirty="0"/>
           </a:p>
@@ -4315,7 +4396,7 @@
 </p:sld>
 </file>
 
-<file path=ppt/slides/slide4.xml><?xml version="1.0" encoding="utf-8"?>
+<file path=ppt/slides/slide5.xml><?xml version="1.0" encoding="utf-8"?>
 <p:sld xmlns:a="http://schemas.openxmlformats.org/drawingml/2006/main" xmlns:r="http://schemas.openxmlformats.org/officeDocument/2006/relationships" xmlns:p="http://schemas.openxmlformats.org/presentationml/2006/main">
   <p:cSld>
     <p:spTree>
@@ -4350,7 +4431,7 @@
           <a:graphicData uri="http://schemas.openxmlformats.org/presentationml/2006/ole">
             <mc:AlternateContent xmlns:mc="http://schemas.openxmlformats.org/markup-compatibility/2006">
               <mc:Choice xmlns:v="urn:schemas-microsoft-com:vml" Requires="v">
-                <p:oleObj spid="_x0000_s1042" name="Equation" r:id="rId4" imgW="114120" imgH="215640" progId="Equation.3">
+                <p:oleObj spid="_x0000_s1043" name="Equation" r:id="rId4" imgW="114120" imgH="215640" progId="Equation.3">
                   <p:embed/>
                 </p:oleObj>
               </mc:Choice>
@@ -4385,482 +4466,350 @@
           </a:graphicData>
         </a:graphic>
       </p:graphicFrame>
-      <p:sp>
-        <p:nvSpPr>
-          <p:cNvPr id="3" name="Rectangle 2"/>
-          <p:cNvSpPr/>
+      <mc:AlternateContent xmlns:mc="http://schemas.openxmlformats.org/markup-compatibility/2006">
+        <mc:Choice xmlns:a14="http://schemas.microsoft.com/office/drawing/2010/main" Requires="a14">
+          <p:sp>
+            <p:nvSpPr>
+              <p:cNvPr id="11" name="TextBox 10"/>
+              <p:cNvSpPr txBox="1"/>
+              <p:nvPr/>
+            </p:nvSpPr>
+            <p:spPr>
+              <a:xfrm>
+                <a:off x="179632" y="5117321"/>
+                <a:ext cx="6685758" cy="737766"/>
+              </a:xfrm>
+              <a:prstGeom prst="rect">
+                <a:avLst/>
+              </a:prstGeom>
+              <a:noFill/>
+            </p:spPr>
+            <p:txBody>
+              <a:bodyPr wrap="square" rtlCol="0">
+                <a:spAutoFit/>
+              </a:bodyPr>
+              <a:lstStyle/>
+              <a:p>
+                <a:r>
+                  <a:rPr lang="en-US" sz="2400" dirty="0"/>
+                  <a:t>DFD = </a:t>
+                </a:r>
+                <a14:m>
+                  <m:oMath xmlns:m="http://schemas.openxmlformats.org/officeDocument/2006/math">
+                    <m:f>
+                      <m:fPr>
+                        <m:ctrlPr>
+                          <a:rPr lang="en-US" sz="2400" i="1">
+                            <a:latin typeface="Cambria Math" panose="02040503050406030204" pitchFamily="18" charset="0"/>
+                          </a:rPr>
+                        </m:ctrlPr>
+                      </m:fPr>
+                      <m:num>
+                        <m:r>
+                          <m:rPr>
+                            <m:nor/>
+                          </m:rPr>
+                          <a:rPr lang="en-US" sz="2400" dirty="0"/>
+                          <m:t>No</m:t>
+                        </m:r>
+                        <m:r>
+                          <m:rPr>
+                            <m:nor/>
+                          </m:rPr>
+                          <a:rPr lang="en-US" sz="2400" dirty="0"/>
+                          <m:t> </m:t>
+                        </m:r>
+                        <m:r>
+                          <m:rPr>
+                            <m:nor/>
+                          </m:rPr>
+                          <a:rPr lang="en-US" sz="2400" dirty="0"/>
+                          <m:t>of</m:t>
+                        </m:r>
+                        <m:r>
+                          <m:rPr>
+                            <m:nor/>
+                          </m:rPr>
+                          <a:rPr lang="en-US" sz="2400" dirty="0"/>
+                          <m:t> </m:t>
+                        </m:r>
+                        <m:r>
+                          <m:rPr>
+                            <m:nor/>
+                          </m:rPr>
+                          <a:rPr lang="en-US" sz="2400" dirty="0"/>
+                          <m:t>cycles</m:t>
+                        </m:r>
+                        <m:r>
+                          <m:rPr>
+                            <m:nor/>
+                          </m:rPr>
+                          <a:rPr lang="en-US" sz="2400" dirty="0"/>
+                          <m:t> </m:t>
+                        </m:r>
+                        <m:r>
+                          <m:rPr>
+                            <m:nor/>
+                          </m:rPr>
+                          <a:rPr lang="en-US" sz="2400" dirty="0"/>
+                          <m:t>to</m:t>
+                        </m:r>
+                        <m:r>
+                          <m:rPr>
+                            <m:nor/>
+                          </m:rPr>
+                          <a:rPr lang="en-US" sz="2400" dirty="0"/>
+                          <m:t> </m:t>
+                        </m:r>
+                        <m:r>
+                          <m:rPr>
+                            <m:nor/>
+                          </m:rPr>
+                          <a:rPr lang="en-US" sz="2400" dirty="0"/>
+                          <m:t>failure</m:t>
+                        </m:r>
+                        <m:r>
+                          <m:rPr>
+                            <m:nor/>
+                          </m:rPr>
+                          <a:rPr lang="en-US" sz="2400" dirty="0"/>
+                          <m:t> </m:t>
+                        </m:r>
+                        <m:r>
+                          <m:rPr>
+                            <m:nor/>
+                          </m:rPr>
+                          <a:rPr lang="en-US" sz="2400" dirty="0"/>
+                          <m:t>in</m:t>
+                        </m:r>
+                        <m:r>
+                          <m:rPr>
+                            <m:nor/>
+                          </m:rPr>
+                          <a:rPr lang="en-US" sz="2400" dirty="0"/>
+                          <m:t> </m:t>
+                        </m:r>
+                        <m:r>
+                          <m:rPr>
+                            <m:nor/>
+                          </m:rPr>
+                          <a:rPr lang="en-US" sz="2400" dirty="0"/>
+                          <m:t>continuous</m:t>
+                        </m:r>
+                        <m:r>
+                          <m:rPr>
+                            <m:nor/>
+                          </m:rPr>
+                          <a:rPr lang="en-US" sz="2400" dirty="0"/>
+                          <m:t> </m:t>
+                        </m:r>
+                        <m:r>
+                          <m:rPr>
+                            <m:nor/>
+                          </m:rPr>
+                          <a:rPr lang="en-US" sz="2400" dirty="0"/>
+                          <m:t>cycling</m:t>
+                        </m:r>
+                        <m:r>
+                          <m:rPr>
+                            <m:nor/>
+                          </m:rPr>
+                          <a:rPr lang="en-US" sz="2400" dirty="0"/>
+                          <m:t> </m:t>
+                        </m:r>
+                      </m:num>
+                      <m:den>
+                        <m:r>
+                          <m:rPr>
+                            <m:nor/>
+                          </m:rPr>
+                          <a:rPr lang="en-US" sz="2400" dirty="0"/>
+                          <m:t>No</m:t>
+                        </m:r>
+                        <m:r>
+                          <m:rPr>
+                            <m:nor/>
+                          </m:rPr>
+                          <a:rPr lang="en-US" sz="2400" dirty="0"/>
+                          <m:t> </m:t>
+                        </m:r>
+                        <m:r>
+                          <m:rPr>
+                            <m:nor/>
+                          </m:rPr>
+                          <a:rPr lang="en-US" sz="2400" dirty="0"/>
+                          <m:t>of</m:t>
+                        </m:r>
+                        <m:r>
+                          <m:rPr>
+                            <m:nor/>
+                          </m:rPr>
+                          <a:rPr lang="en-US" sz="2400" dirty="0"/>
+                          <m:t> </m:t>
+                        </m:r>
+                        <m:r>
+                          <m:rPr>
+                            <m:nor/>
+                          </m:rPr>
+                          <a:rPr lang="en-US" sz="2400" dirty="0"/>
+                          <m:t>cycles</m:t>
+                        </m:r>
+                        <m:r>
+                          <m:rPr>
+                            <m:nor/>
+                          </m:rPr>
+                          <a:rPr lang="en-US" sz="2400" dirty="0"/>
+                          <m:t> </m:t>
+                        </m:r>
+                        <m:r>
+                          <m:rPr>
+                            <m:nor/>
+                          </m:rPr>
+                          <a:rPr lang="en-US" sz="2400" dirty="0"/>
+                          <m:t>to</m:t>
+                        </m:r>
+                        <m:r>
+                          <m:rPr>
+                            <m:nor/>
+                          </m:rPr>
+                          <a:rPr lang="en-US" sz="2400" dirty="0"/>
+                          <m:t> </m:t>
+                        </m:r>
+                        <m:r>
+                          <m:rPr>
+                            <m:nor/>
+                          </m:rPr>
+                          <a:rPr lang="en-US" sz="2400" dirty="0"/>
+                          <m:t>failure</m:t>
+                        </m:r>
+                        <m:r>
+                          <m:rPr>
+                            <m:nor/>
+                          </m:rPr>
+                          <a:rPr lang="en-US" sz="2400" dirty="0"/>
+                          <m:t> </m:t>
+                        </m:r>
+                        <m:r>
+                          <m:rPr>
+                            <m:nor/>
+                          </m:rPr>
+                          <a:rPr lang="en-US" sz="2400" dirty="0"/>
+                          <m:t>in</m:t>
+                        </m:r>
+                        <m:r>
+                          <m:rPr>
+                            <m:nor/>
+                          </m:rPr>
+                          <a:rPr lang="en-US" sz="2400" dirty="0"/>
+                          <m:t> </m:t>
+                        </m:r>
+                        <m:r>
+                          <m:rPr>
+                            <m:nor/>
+                          </m:rPr>
+                          <a:rPr lang="en-US" sz="2400" dirty="0"/>
+                          <m:t>Dwell</m:t>
+                        </m:r>
+                        <m:r>
+                          <m:rPr>
+                            <m:nor/>
+                          </m:rPr>
+                          <a:rPr lang="en-US" sz="2400" dirty="0"/>
+                          <m:t> </m:t>
+                        </m:r>
+                        <m:r>
+                          <m:rPr>
+                            <m:nor/>
+                          </m:rPr>
+                          <a:rPr lang="en-US" sz="2400" dirty="0"/>
+                          <m:t>loading</m:t>
+                        </m:r>
+                      </m:den>
+                    </m:f>
+                  </m:oMath>
+                </a14:m>
+                <a:endParaRPr lang="en-US" sz="2400" dirty="0"/>
+              </a:p>
+            </p:txBody>
+          </p:sp>
+        </mc:Choice>
+        <mc:Fallback>
+          <p:sp>
+            <p:nvSpPr>
+              <p:cNvPr id="11" name="TextBox 10"/>
+              <p:cNvSpPr txBox="1">
+                <a:spLocks noRot="1" noChangeAspect="1" noMove="1" noResize="1" noEditPoints="1" noAdjustHandles="1" noChangeArrowheads="1" noChangeShapeType="1" noTextEdit="1"/>
+              </p:cNvSpPr>
+              <p:nvPr/>
+            </p:nvSpPr>
+            <p:spPr>
+              <a:xfrm>
+                <a:off x="179632" y="5117321"/>
+                <a:ext cx="6685758" cy="737766"/>
+              </a:xfrm>
+              <a:prstGeom prst="rect">
+                <a:avLst/>
+              </a:prstGeom>
+              <a:blipFill>
+                <a:blip r:embed="rId6"/>
+                <a:stretch>
+                  <a:fillRect l="-1367" b="-826"/>
+                </a:stretch>
+              </a:blipFill>
+            </p:spPr>
+            <p:txBody>
+              <a:bodyPr/>
+              <a:lstStyle/>
+              <a:p>
+                <a:r>
+                  <a:rPr lang="en-US">
+                    <a:noFill/>
+                  </a:rPr>
+                  <a:t> </a:t>
+                </a:r>
+              </a:p>
+            </p:txBody>
+          </p:sp>
+        </mc:Fallback>
+      </mc:AlternateContent>
+      <p:sp>
+        <p:nvSpPr>
+          <p:cNvPr id="12" name="TextBox 11"/>
+          <p:cNvSpPr txBox="1"/>
           <p:nvPr/>
         </p:nvSpPr>
         <p:spPr>
           <a:xfrm>
-            <a:off x="825794" y="5174163"/>
-            <a:ext cx="6591730" cy="1359181"/>
+            <a:off x="312152" y="6067810"/>
+            <a:ext cx="1332416" cy="577082"/>
           </a:xfrm>
           <a:prstGeom prst="rect">
             <a:avLst/>
           </a:prstGeom>
           <a:noFill/>
-          <a:ln>
-            <a:solidFill>
-              <a:schemeClr val="tx1"/>
-            </a:solidFill>
-          </a:ln>
         </p:spPr>
-        <p:style>
-          <a:lnRef idx="2">
-            <a:schemeClr val="accent1">
-              <a:shade val="50000"/>
-            </a:schemeClr>
-          </a:lnRef>
-          <a:fillRef idx="1">
-            <a:schemeClr val="accent1"/>
-          </a:fillRef>
-          <a:effectRef idx="0">
-            <a:schemeClr val="accent1"/>
-          </a:effectRef>
-          <a:fontRef idx="minor">
-            <a:schemeClr val="lt1"/>
-          </a:fontRef>
-        </p:style>
-        <p:txBody>
-          <a:bodyPr rtlCol="0" anchor="ctr"/>
-          <a:lstStyle/>
-          <a:p>
-            <a:pPr marL="214313" indent="-214313">
-              <a:lnSpc>
-                <a:spcPct val="150000"/>
-              </a:lnSpc>
-              <a:buFont typeface="Wingdings" panose="05000000000000000000" pitchFamily="2" charset="2"/>
-              <a:buChar char="v"/>
-            </a:pPr>
-            <a:r>
-              <a:rPr lang="en-US" sz="1350" dirty="0">
-                <a:solidFill>
-                  <a:schemeClr val="tx1"/>
-                </a:solidFill>
-              </a:rPr>
-              <a:t>It is often called “COLD DWELL” in Titanium</a:t>
-            </a:r>
-          </a:p>
-          <a:p>
-            <a:pPr marL="214313" indent="-214313">
-              <a:lnSpc>
-                <a:spcPct val="150000"/>
-              </a:lnSpc>
-              <a:buFont typeface="Wingdings" panose="05000000000000000000" pitchFamily="2" charset="2"/>
-              <a:buChar char="v"/>
-            </a:pPr>
-            <a:r>
-              <a:rPr lang="el-GR" sz="1350" dirty="0">
-                <a:solidFill>
-                  <a:schemeClr val="tx1"/>
-                </a:solidFill>
-              </a:rPr>
-              <a:t>α</a:t>
-            </a:r>
-            <a:r>
-              <a:rPr lang="en-US" sz="1350" dirty="0">
-                <a:solidFill>
-                  <a:schemeClr val="tx1"/>
-                </a:solidFill>
-              </a:rPr>
-              <a:t>/near </a:t>
-            </a:r>
-            <a:r>
-              <a:rPr lang="el-GR" sz="1350" dirty="0">
-                <a:solidFill>
-                  <a:schemeClr val="tx1"/>
-                </a:solidFill>
-              </a:rPr>
-              <a:t>α</a:t>
-            </a:r>
-            <a:r>
-              <a:rPr lang="en-US" sz="1350" dirty="0">
-                <a:solidFill>
-                  <a:schemeClr val="tx1"/>
-                </a:solidFill>
-              </a:rPr>
-              <a:t> Ti alloys such as Ti-6242, IMI 685, and IMI 834 are most susceptible</a:t>
-            </a:r>
-          </a:p>
-          <a:p>
-            <a:pPr marL="214313" indent="-214313">
-              <a:lnSpc>
-                <a:spcPct val="150000"/>
-              </a:lnSpc>
-              <a:buFont typeface="Wingdings" panose="05000000000000000000" pitchFamily="2" charset="2"/>
-              <a:buChar char="v"/>
-            </a:pPr>
-            <a:r>
-              <a:rPr lang="en-US" sz="1350" dirty="0">
-                <a:solidFill>
-                  <a:srgbClr val="FF0000"/>
-                </a:solidFill>
-              </a:rPr>
-              <a:t>Increased DFD with peak load and dwell time</a:t>
-            </a:r>
-          </a:p>
-        </p:txBody>
-      </p:sp>
-      <p:grpSp>
-        <p:nvGrpSpPr>
-          <p:cNvPr id="10" name="Group 9"/>
-          <p:cNvGrpSpPr/>
-          <p:nvPr/>
-        </p:nvGrpSpPr>
-        <p:grpSpPr>
-          <a:xfrm>
-            <a:off x="1520899" y="3545685"/>
-            <a:ext cx="2977435" cy="991955"/>
-            <a:chOff x="269456" y="3303893"/>
-            <a:chExt cx="3969913" cy="1322607"/>
-          </a:xfrm>
-        </p:grpSpPr>
-        <mc:AlternateContent xmlns:mc="http://schemas.openxmlformats.org/markup-compatibility/2006" xmlns:a14="http://schemas.microsoft.com/office/drawing/2010/main">
-          <mc:Choice Requires="a14">
-            <p:sp>
-              <p:nvSpPr>
-                <p:cNvPr id="11" name="TextBox 10"/>
-                <p:cNvSpPr txBox="1"/>
-                <p:nvPr/>
-              </p:nvSpPr>
-              <p:spPr>
-                <a:xfrm>
-                  <a:off x="269456" y="3303893"/>
-                  <a:ext cx="3969913" cy="486715"/>
-                </a:xfrm>
-                <a:prstGeom prst="rect">
-                  <a:avLst/>
-                </a:prstGeom>
-                <a:noFill/>
-              </p:spPr>
-              <p:txBody>
-                <a:bodyPr wrap="square" rtlCol="0">
-                  <a:spAutoFit/>
-                </a:bodyPr>
-                <a:lstStyle/>
-                <a:p>
-                  <a:r>
-                    <a:rPr lang="en-US" sz="1013" dirty="0"/>
-                    <a:t>DFD = </a:t>
-                  </a:r>
-                  <a14:m>
-                    <m:oMath xmlns:m="http://schemas.openxmlformats.org/officeDocument/2006/math">
-                      <m:f>
-                        <m:fPr>
-                          <m:ctrlPr>
-                            <a:rPr lang="en-US" sz="1013" i="1">
-                              <a:latin typeface="Cambria Math" panose="02040503050406030204" pitchFamily="18" charset="0"/>
-                            </a:rPr>
-                          </m:ctrlPr>
-                        </m:fPr>
-                        <m:num>
-                          <m:r>
-                            <m:rPr>
-                              <m:nor/>
-                            </m:rPr>
-                            <a:rPr lang="en-US" sz="1013" dirty="0"/>
-                            <m:t>No</m:t>
-                          </m:r>
-                          <m:r>
-                            <m:rPr>
-                              <m:nor/>
-                            </m:rPr>
-                            <a:rPr lang="en-US" sz="1013" dirty="0"/>
-                            <m:t> </m:t>
-                          </m:r>
-                          <m:r>
-                            <m:rPr>
-                              <m:nor/>
-                            </m:rPr>
-                            <a:rPr lang="en-US" sz="1013" dirty="0"/>
-                            <m:t>of</m:t>
-                          </m:r>
-                          <m:r>
-                            <m:rPr>
-                              <m:nor/>
-                            </m:rPr>
-                            <a:rPr lang="en-US" sz="1013" dirty="0"/>
-                            <m:t> </m:t>
-                          </m:r>
-                          <m:r>
-                            <m:rPr>
-                              <m:nor/>
-                            </m:rPr>
-                            <a:rPr lang="en-US" sz="1013" dirty="0"/>
-                            <m:t>cycles</m:t>
-                          </m:r>
-                          <m:r>
-                            <m:rPr>
-                              <m:nor/>
-                            </m:rPr>
-                            <a:rPr lang="en-US" sz="1013" dirty="0"/>
-                            <m:t> </m:t>
-                          </m:r>
-                          <m:r>
-                            <m:rPr>
-                              <m:nor/>
-                            </m:rPr>
-                            <a:rPr lang="en-US" sz="1013" dirty="0"/>
-                            <m:t>to</m:t>
-                          </m:r>
-                          <m:r>
-                            <m:rPr>
-                              <m:nor/>
-                            </m:rPr>
-                            <a:rPr lang="en-US" sz="1013" dirty="0"/>
-                            <m:t> </m:t>
-                          </m:r>
-                          <m:r>
-                            <m:rPr>
-                              <m:nor/>
-                            </m:rPr>
-                            <a:rPr lang="en-US" sz="1013" dirty="0"/>
-                            <m:t>failure</m:t>
-                          </m:r>
-                          <m:r>
-                            <m:rPr>
-                              <m:nor/>
-                            </m:rPr>
-                            <a:rPr lang="en-US" sz="1013" dirty="0"/>
-                            <m:t> </m:t>
-                          </m:r>
-                          <m:r>
-                            <m:rPr>
-                              <m:nor/>
-                            </m:rPr>
-                            <a:rPr lang="en-US" sz="1013" dirty="0"/>
-                            <m:t>in</m:t>
-                          </m:r>
-                          <m:r>
-                            <m:rPr>
-                              <m:nor/>
-                            </m:rPr>
-                            <a:rPr lang="en-US" sz="1013" dirty="0"/>
-                            <m:t> </m:t>
-                          </m:r>
-                          <m:r>
-                            <m:rPr>
-                              <m:nor/>
-                            </m:rPr>
-                            <a:rPr lang="en-US" sz="1013" dirty="0"/>
-                            <m:t>continuous</m:t>
-                          </m:r>
-                          <m:r>
-                            <m:rPr>
-                              <m:nor/>
-                            </m:rPr>
-                            <a:rPr lang="en-US" sz="1013" dirty="0"/>
-                            <m:t> </m:t>
-                          </m:r>
-                          <m:r>
-                            <m:rPr>
-                              <m:nor/>
-                            </m:rPr>
-                            <a:rPr lang="en-US" sz="1013" dirty="0"/>
-                            <m:t>cycling</m:t>
-                          </m:r>
-                          <m:r>
-                            <m:rPr>
-                              <m:nor/>
-                            </m:rPr>
-                            <a:rPr lang="en-US" sz="1013" dirty="0"/>
-                            <m:t> </m:t>
-                          </m:r>
-                        </m:num>
-                        <m:den>
-                          <m:r>
-                            <m:rPr>
-                              <m:nor/>
-                            </m:rPr>
-                            <a:rPr lang="en-US" sz="1013" dirty="0"/>
-                            <m:t>No</m:t>
-                          </m:r>
-                          <m:r>
-                            <m:rPr>
-                              <m:nor/>
-                            </m:rPr>
-                            <a:rPr lang="en-US" sz="1013" dirty="0"/>
-                            <m:t> </m:t>
-                          </m:r>
-                          <m:r>
-                            <m:rPr>
-                              <m:nor/>
-                            </m:rPr>
-                            <a:rPr lang="en-US" sz="1013" dirty="0"/>
-                            <m:t>of</m:t>
-                          </m:r>
-                          <m:r>
-                            <m:rPr>
-                              <m:nor/>
-                            </m:rPr>
-                            <a:rPr lang="en-US" sz="1013" dirty="0"/>
-                            <m:t> </m:t>
-                          </m:r>
-                          <m:r>
-                            <m:rPr>
-                              <m:nor/>
-                            </m:rPr>
-                            <a:rPr lang="en-US" sz="1013" dirty="0"/>
-                            <m:t>cycles</m:t>
-                          </m:r>
-                          <m:r>
-                            <m:rPr>
-                              <m:nor/>
-                            </m:rPr>
-                            <a:rPr lang="en-US" sz="1013" dirty="0"/>
-                            <m:t> </m:t>
-                          </m:r>
-                          <m:r>
-                            <m:rPr>
-                              <m:nor/>
-                            </m:rPr>
-                            <a:rPr lang="en-US" sz="1013" dirty="0"/>
-                            <m:t>to</m:t>
-                          </m:r>
-                          <m:r>
-                            <m:rPr>
-                              <m:nor/>
-                            </m:rPr>
-                            <a:rPr lang="en-US" sz="1013" dirty="0"/>
-                            <m:t> </m:t>
-                          </m:r>
-                          <m:r>
-                            <m:rPr>
-                              <m:nor/>
-                            </m:rPr>
-                            <a:rPr lang="en-US" sz="1013" dirty="0"/>
-                            <m:t>failure</m:t>
-                          </m:r>
-                          <m:r>
-                            <m:rPr>
-                              <m:nor/>
-                            </m:rPr>
-                            <a:rPr lang="en-US" sz="1013" dirty="0"/>
-                            <m:t> </m:t>
-                          </m:r>
-                          <m:r>
-                            <m:rPr>
-                              <m:nor/>
-                            </m:rPr>
-                            <a:rPr lang="en-US" sz="1013" dirty="0"/>
-                            <m:t>in</m:t>
-                          </m:r>
-                          <m:r>
-                            <m:rPr>
-                              <m:nor/>
-                            </m:rPr>
-                            <a:rPr lang="en-US" sz="1013" dirty="0"/>
-                            <m:t> </m:t>
-                          </m:r>
-                          <m:r>
-                            <m:rPr>
-                              <m:nor/>
-                            </m:rPr>
-                            <a:rPr lang="en-US" sz="1013" dirty="0"/>
-                            <m:t>Dwell</m:t>
-                          </m:r>
-                          <m:r>
-                            <m:rPr>
-                              <m:nor/>
-                            </m:rPr>
-                            <a:rPr lang="en-US" sz="1013" dirty="0"/>
-                            <m:t> </m:t>
-                          </m:r>
-                          <m:r>
-                            <m:rPr>
-                              <m:nor/>
-                            </m:rPr>
-                            <a:rPr lang="en-US" sz="1013" dirty="0"/>
-                            <m:t>loading</m:t>
-                          </m:r>
-                        </m:den>
-                      </m:f>
-                    </m:oMath>
-                  </a14:m>
-                  <a:endParaRPr lang="en-US" sz="1013" dirty="0"/>
-                </a:p>
-              </p:txBody>
-            </p:sp>
-          </mc:Choice>
-          <mc:Fallback xmlns="">
-            <p:sp>
-              <p:nvSpPr>
-                <p:cNvPr id="11" name="TextBox 10"/>
-                <p:cNvSpPr txBox="1">
-                  <a:spLocks noRot="1" noChangeAspect="1" noMove="1" noResize="1" noEditPoints="1" noAdjustHandles="1" noChangeArrowheads="1" noChangeShapeType="1" noTextEdit="1"/>
-                </p:cNvSpPr>
-                <p:nvPr/>
-              </p:nvSpPr>
-              <p:spPr>
-                <a:xfrm>
-                  <a:off x="269456" y="3303893"/>
-                  <a:ext cx="3969913" cy="486715"/>
-                </a:xfrm>
-                <a:prstGeom prst="rect">
-                  <a:avLst/>
-                </a:prstGeom>
-                <a:blipFill rotWithShape="0">
-                  <a:blip r:embed="rId6"/>
-                  <a:stretch>
-                    <a:fillRect b="-3333"/>
-                  </a:stretch>
-                </a:blipFill>
-              </p:spPr>
-              <p:txBody>
-                <a:bodyPr/>
-                <a:lstStyle/>
-                <a:p>
-                  <a:r>
-                    <a:rPr lang="en-US">
-                      <a:noFill/>
-                    </a:rPr>
-                    <a:t> </a:t>
-                  </a:r>
-                </a:p>
-              </p:txBody>
-            </p:sp>
-          </mc:Fallback>
-        </mc:AlternateContent>
-        <p:sp>
-          <p:nvSpPr>
-            <p:cNvPr id="12" name="TextBox 11"/>
-            <p:cNvSpPr txBox="1"/>
-            <p:nvPr/>
-          </p:nvSpPr>
-          <p:spPr>
-            <a:xfrm>
-              <a:off x="609191" y="3857058"/>
-              <a:ext cx="1776555" cy="769442"/>
-            </a:xfrm>
-            <a:prstGeom prst="rect">
-              <a:avLst/>
-            </a:prstGeom>
-            <a:noFill/>
-          </p:spPr>
-          <p:txBody>
-            <a:bodyPr wrap="none" rtlCol="0">
-              <a:spAutoFit/>
-            </a:bodyPr>
-            <a:lstStyle/>
-            <a:p>
-              <a:r>
-                <a:rPr lang="en-US" sz="1050" dirty="0"/>
-                <a:t>=1   Dwell Insensitive</a:t>
-              </a:r>
-            </a:p>
-            <a:p>
-              <a:endParaRPr lang="en-US" sz="1050" dirty="0"/>
-            </a:p>
-            <a:p>
-              <a:r>
-                <a:rPr lang="en-US" sz="1050" dirty="0"/>
-                <a:t>&gt;10 Highly Sensitive </a:t>
-              </a:r>
-            </a:p>
-          </p:txBody>
-        </p:sp>
-      </p:grpSp>
+        <p:txBody>
+          <a:bodyPr wrap="none" rtlCol="0">
+            <a:spAutoFit/>
+          </a:bodyPr>
+          <a:lstStyle/>
+          <a:p>
+            <a:r>
+              <a:rPr lang="en-US" sz="1050" dirty="0"/>
+              <a:t>=1   Dwell Insensitive</a:t>
+            </a:r>
+          </a:p>
+          <a:p>
+            <a:endParaRPr lang="en-US" sz="1050" dirty="0"/>
+          </a:p>
+          <a:p>
+            <a:r>
+              <a:rPr lang="en-US" sz="1050" dirty="0"/>
+              <a:t>&gt;10 Highly Sensitive </a:t>
+            </a:r>
+          </a:p>
+        </p:txBody>
+      </p:sp>
       <p:sp>
         <p:nvSpPr>
           <p:cNvPr id="2" name="Slide Number Placeholder 1"/>
@@ -4878,7 +4827,7 @@
           <a:p>
             <a:fld id="{0B0F4DA3-A20A-4F1E-9416-A0F769FF6BF0}" type="slidenum">
               <a:rPr lang="en-US" smtClean="0"/>
-              <a:t>4</a:t>
+              <a:t>5</a:t>
             </a:fld>
             <a:endParaRPr lang="en-US"/>
           </a:p>
@@ -4933,255 +4882,55 @@
       </p:sp>
       <p:grpSp>
         <p:nvGrpSpPr>
-          <p:cNvPr id="16" name="Group 15"/>
+          <p:cNvPr id="18" name="Group 17"/>
           <p:cNvGrpSpPr/>
           <p:nvPr/>
         </p:nvGrpSpPr>
         <p:grpSpPr>
           <a:xfrm>
-            <a:off x="245481" y="253234"/>
-            <a:ext cx="8719294" cy="2949123"/>
-            <a:chOff x="22507" y="3201842"/>
-            <a:chExt cx="9121493" cy="3085159"/>
+            <a:off x="380788" y="845464"/>
+            <a:ext cx="3781530" cy="2964662"/>
+            <a:chOff x="94567" y="857251"/>
+            <a:chExt cx="3104726" cy="2370044"/>
           </a:xfrm>
         </p:grpSpPr>
-        <p:pic>
-          <p:nvPicPr>
-            <p:cNvPr id="17" name="Picture 16"/>
-            <p:cNvPicPr>
-              <a:picLocks noChangeAspect="1"/>
-            </p:cNvPicPr>
-            <p:nvPr/>
-          </p:nvPicPr>
-          <p:blipFill>
-            <a:blip r:embed="rId7">
-              <a:extLst>
-                <a:ext uri="{28A0092B-C50C-407E-A947-70E740481C1C}">
-                  <a14:useLocalDpi xmlns:a14="http://schemas.microsoft.com/office/drawing/2010/main" val="0"/>
-                </a:ext>
-              </a:extLst>
-            </a:blip>
-            <a:stretch>
-              <a:fillRect/>
-            </a:stretch>
-          </p:blipFill>
-          <p:spPr>
-            <a:xfrm>
-              <a:off x="6370032" y="3336725"/>
-              <a:ext cx="2773968" cy="2369279"/>
-            </a:xfrm>
-            <a:prstGeom prst="rect">
-              <a:avLst/>
-            </a:prstGeom>
-          </p:spPr>
-        </p:pic>
         <p:grpSp>
           <p:nvGrpSpPr>
-            <p:cNvPr id="18" name="Group 17"/>
+            <p:cNvPr id="26" name="Group 25"/>
             <p:cNvGrpSpPr/>
             <p:nvPr/>
           </p:nvGrpSpPr>
           <p:grpSpPr>
             <a:xfrm>
-              <a:off x="22507" y="3243294"/>
-              <a:ext cx="3195122" cy="2504927"/>
+              <a:off x="94567" y="857251"/>
+              <a:ext cx="3104726" cy="2370044"/>
               <a:chOff x="94567" y="857251"/>
               <a:chExt cx="3104726" cy="2370044"/>
             </a:xfrm>
           </p:grpSpPr>
-          <p:grpSp>
-            <p:nvGrpSpPr>
-              <p:cNvPr id="26" name="Group 25"/>
-              <p:cNvGrpSpPr/>
-              <p:nvPr/>
-            </p:nvGrpSpPr>
-            <p:grpSpPr>
-              <a:xfrm>
-                <a:off x="94567" y="857251"/>
-                <a:ext cx="3104726" cy="2370044"/>
-                <a:chOff x="94567" y="857251"/>
-                <a:chExt cx="3104726" cy="2370044"/>
-              </a:xfrm>
-            </p:grpSpPr>
-            <p:pic>
-              <p:nvPicPr>
-                <p:cNvPr id="28" name="Picture 27"/>
-                <p:cNvPicPr>
-                  <a:picLocks noChangeAspect="1"/>
-                </p:cNvPicPr>
-                <p:nvPr/>
-              </p:nvPicPr>
-              <p:blipFill rotWithShape="1">
-                <a:blip r:embed="rId8">
-                  <a:extLst>
-                    <a:ext uri="{28A0092B-C50C-407E-A947-70E740481C1C}">
-                      <a14:useLocalDpi xmlns:a14="http://schemas.microsoft.com/office/drawing/2010/main" val="0"/>
-                    </a:ext>
-                  </a:extLst>
-                </a:blip>
-                <a:srcRect b="11104"/>
-                <a:stretch/>
-              </p:blipFill>
-              <p:spPr>
-                <a:xfrm>
-                  <a:off x="94567" y="857251"/>
-                  <a:ext cx="3104726" cy="2370044"/>
-                </a:xfrm>
-                <a:prstGeom prst="rect">
-                  <a:avLst/>
-                </a:prstGeom>
-              </p:spPr>
-            </p:pic>
-            <p:cxnSp>
-              <p:nvCxnSpPr>
-                <p:cNvPr id="29" name="Straight Arrow Connector 28"/>
-                <p:cNvCxnSpPr/>
-                <p:nvPr/>
-              </p:nvCxnSpPr>
-              <p:spPr>
-                <a:xfrm>
-                  <a:off x="1243852" y="1855694"/>
-                  <a:ext cx="927848" cy="0"/>
-                </a:xfrm>
-                <a:prstGeom prst="straightConnector1">
-                  <a:avLst/>
-                </a:prstGeom>
-                <a:ln>
-                  <a:solidFill>
-                    <a:srgbClr val="FF0000"/>
-                  </a:solidFill>
-                  <a:headEnd type="triangle"/>
-                  <a:tailEnd type="triangle"/>
-                </a:ln>
-              </p:spPr>
-              <p:style>
-                <a:lnRef idx="1">
-                  <a:schemeClr val="accent1"/>
-                </a:lnRef>
-                <a:fillRef idx="0">
-                  <a:schemeClr val="accent1"/>
-                </a:fillRef>
-                <a:effectRef idx="0">
-                  <a:schemeClr val="accent1"/>
-                </a:effectRef>
-                <a:fontRef idx="minor">
-                  <a:schemeClr val="tx1"/>
-                </a:fontRef>
-              </p:style>
-            </p:cxnSp>
-            <p:cxnSp>
-              <p:nvCxnSpPr>
-                <p:cNvPr id="30" name="Straight Arrow Connector 29"/>
-                <p:cNvCxnSpPr/>
-                <p:nvPr/>
-              </p:nvCxnSpPr>
-              <p:spPr>
-                <a:xfrm flipV="1">
-                  <a:off x="806094" y="1550474"/>
-                  <a:ext cx="1277234" cy="6723"/>
-                </a:xfrm>
-                <a:prstGeom prst="straightConnector1">
-                  <a:avLst/>
-                </a:prstGeom>
-                <a:ln>
-                  <a:solidFill>
-                    <a:srgbClr val="FF0000"/>
-                  </a:solidFill>
-                  <a:headEnd type="triangle"/>
-                  <a:tailEnd type="triangle"/>
-                </a:ln>
-              </p:spPr>
-              <p:style>
-                <a:lnRef idx="1">
-                  <a:schemeClr val="accent1"/>
-                </a:lnRef>
-                <a:fillRef idx="0">
-                  <a:schemeClr val="accent1"/>
-                </a:fillRef>
-                <a:effectRef idx="0">
-                  <a:schemeClr val="accent1"/>
-                </a:effectRef>
-                <a:fontRef idx="minor">
-                  <a:schemeClr val="tx1"/>
-                </a:fontRef>
-              </p:style>
-            </p:cxnSp>
-          </p:grpSp>
-          <p:sp>
-            <p:nvSpPr>
-              <p:cNvPr id="27" name="TextBox 26"/>
-              <p:cNvSpPr txBox="1"/>
-              <p:nvPr/>
-            </p:nvSpPr>
-            <p:spPr>
-              <a:xfrm>
-                <a:off x="628650" y="988423"/>
-                <a:ext cx="1524836" cy="313125"/>
-              </a:xfrm>
-              <a:prstGeom prst="rect">
-                <a:avLst/>
-              </a:prstGeom>
-              <a:noFill/>
-            </p:spPr>
-            <p:txBody>
-              <a:bodyPr wrap="none" rtlCol="0">
-                <a:spAutoFit/>
-              </a:bodyPr>
-              <a:lstStyle/>
-              <a:p>
-                <a:r>
-                  <a:rPr lang="en-US" sz="1013" dirty="0"/>
-                  <a:t>TIMETAL 685, 20</a:t>
-                </a:r>
-                <a:r>
-                  <a:rPr lang="el-GR" sz="1013" dirty="0"/>
-                  <a:t>°</a:t>
-                </a:r>
-                <a:r>
-                  <a:rPr lang="en-US" sz="1013" dirty="0"/>
-                  <a:t>C</a:t>
-                </a:r>
-              </a:p>
-            </p:txBody>
-          </p:sp>
-        </p:grpSp>
-        <p:grpSp>
-          <p:nvGrpSpPr>
-            <p:cNvPr id="19" name="Group 18"/>
-            <p:cNvGrpSpPr/>
-            <p:nvPr/>
-          </p:nvGrpSpPr>
-          <p:grpSpPr>
-            <a:xfrm>
-              <a:off x="3217629" y="3201842"/>
-              <a:ext cx="3350184" cy="2706640"/>
-              <a:chOff x="3308414" y="857251"/>
-              <a:chExt cx="3368051" cy="2492715"/>
-            </a:xfrm>
-          </p:grpSpPr>
           <p:pic>
             <p:nvPicPr>
-              <p:cNvPr id="23" name="Picture 22"/>
+              <p:cNvPr id="28" name="Picture 27"/>
               <p:cNvPicPr>
                 <a:picLocks noChangeAspect="1"/>
               </p:cNvPicPr>
               <p:nvPr/>
             </p:nvPicPr>
             <p:blipFill rotWithShape="1">
-              <a:blip r:embed="rId9">
+              <a:blip r:embed="rId7">
                 <a:extLst>
                   <a:ext uri="{28A0092B-C50C-407E-A947-70E740481C1C}">
                     <a14:useLocalDpi xmlns:a14="http://schemas.microsoft.com/office/drawing/2010/main" val="0"/>
                   </a:ext>
                 </a:extLst>
               </a:blip>
-              <a:srcRect b="7831"/>
+              <a:srcRect b="11104"/>
               <a:stretch/>
             </p:blipFill>
             <p:spPr>
               <a:xfrm>
-                <a:off x="3308414" y="857251"/>
-                <a:ext cx="3368051" cy="2492715"/>
+                <a:off x="94567" y="857251"/>
+                <a:ext cx="3104726" cy="2370044"/>
               </a:xfrm>
               <a:prstGeom prst="rect">
                 <a:avLst/>
@@ -5190,14 +4939,14 @@
           </p:pic>
           <p:cxnSp>
             <p:nvCxnSpPr>
-              <p:cNvPr id="24" name="Straight Arrow Connector 23"/>
+              <p:cNvPr id="29" name="Straight Arrow Connector 28"/>
               <p:cNvCxnSpPr/>
               <p:nvPr/>
             </p:nvCxnSpPr>
             <p:spPr>
               <a:xfrm>
-                <a:off x="3918446" y="1596838"/>
-                <a:ext cx="739914" cy="0"/>
+                <a:off x="1243852" y="1855694"/>
+                <a:ext cx="927848" cy="0"/>
               </a:xfrm>
               <a:prstGeom prst="straightConnector1">
                 <a:avLst/>
@@ -5225,54 +4974,54 @@
               </a:fontRef>
             </p:style>
           </p:cxnSp>
-          <p:sp>
-            <p:nvSpPr>
-              <p:cNvPr id="25" name="TextBox 24"/>
-              <p:cNvSpPr txBox="1"/>
+          <p:cxnSp>
+            <p:nvCxnSpPr>
+              <p:cNvPr id="30" name="Straight Arrow Connector 29"/>
+              <p:cNvCxnSpPr/>
               <p:nvPr/>
-            </p:nvSpPr>
+            </p:nvCxnSpPr>
             <p:spPr>
-              <a:xfrm>
-                <a:off x="3799274" y="2355804"/>
-                <a:ext cx="1577602" cy="304788"/>
+              <a:xfrm flipV="1">
+                <a:off x="806094" y="1550474"/>
+                <a:ext cx="1277234" cy="6723"/>
               </a:xfrm>
-              <a:prstGeom prst="rect">
+              <a:prstGeom prst="straightConnector1">
                 <a:avLst/>
               </a:prstGeom>
-              <a:noFill/>
+              <a:ln>
+                <a:solidFill>
+                  <a:srgbClr val="FF0000"/>
+                </a:solidFill>
+                <a:headEnd type="triangle"/>
+                <a:tailEnd type="triangle"/>
+              </a:ln>
             </p:spPr>
-            <p:txBody>
-              <a:bodyPr wrap="none" rtlCol="0">
-                <a:spAutoFit/>
-              </a:bodyPr>
-              <a:lstStyle/>
-              <a:p>
-                <a:r>
-                  <a:rPr lang="en-US" sz="1013" dirty="0"/>
-                  <a:t>TIMETAL 834, 20</a:t>
-                </a:r>
-                <a:r>
-                  <a:rPr lang="el-GR" sz="1013" dirty="0"/>
-                  <a:t>°</a:t>
-                </a:r>
-                <a:r>
-                  <a:rPr lang="en-US" sz="1013" dirty="0"/>
-                  <a:t>C</a:t>
-                </a:r>
-              </a:p>
-            </p:txBody>
-          </p:sp>
+            <p:style>
+              <a:lnRef idx="1">
+                <a:schemeClr val="accent1"/>
+              </a:lnRef>
+              <a:fillRef idx="0">
+                <a:schemeClr val="accent1"/>
+              </a:fillRef>
+              <a:effectRef idx="0">
+                <a:schemeClr val="accent1"/>
+              </a:effectRef>
+              <a:fontRef idx="minor">
+                <a:schemeClr val="tx1"/>
+              </a:fontRef>
+            </p:style>
+          </p:cxnSp>
         </p:grpSp>
         <p:sp>
           <p:nvSpPr>
-            <p:cNvPr id="20" name="TextBox 19"/>
+            <p:cNvPr id="27" name="TextBox 26"/>
             <p:cNvSpPr txBox="1"/>
             <p:nvPr/>
           </p:nvSpPr>
           <p:spPr>
             <a:xfrm>
-              <a:off x="418586" y="5748221"/>
-              <a:ext cx="1913344" cy="538780"/>
+              <a:off x="628650" y="988423"/>
+              <a:ext cx="1524836" cy="313125"/>
             </a:xfrm>
             <a:prstGeom prst="rect">
               <a:avLst/>
@@ -5287,31 +5036,110 @@
             <a:p>
               <a:r>
                 <a:rPr lang="en-US" sz="1013" dirty="0"/>
-                <a:t>Fig: DFD in two Ti alloys</a:t>
-              </a:r>
-            </a:p>
-            <a:p>
-              <a:r>
-                <a:rPr lang="en-US" sz="1013" i="1" dirty="0" err="1"/>
-                <a:t>W.J.Evans</a:t>
+                <a:t>TIMETAL 685, 20</a:t>
               </a:r>
               <a:r>
-                <a:rPr lang="en-US" sz="1013" i="1" dirty="0"/>
-                <a:t>, 1998</a:t>
+                <a:rPr lang="el-GR" sz="1013" dirty="0"/>
+                <a:t>°</a:t>
+              </a:r>
+              <a:r>
+                <a:rPr lang="en-US" sz="1013" dirty="0"/>
+                <a:t>C</a:t>
               </a:r>
             </a:p>
           </p:txBody>
         </p:sp>
+      </p:grpSp>
+      <p:grpSp>
+        <p:nvGrpSpPr>
+          <p:cNvPr id="19" name="Group 18"/>
+          <p:cNvGrpSpPr/>
+          <p:nvPr/>
+        </p:nvGrpSpPr>
+        <p:grpSpPr>
+          <a:xfrm>
+            <a:off x="4416761" y="786642"/>
+            <a:ext cx="4210404" cy="3401618"/>
+            <a:chOff x="3308414" y="857251"/>
+            <a:chExt cx="3368051" cy="2492715"/>
+          </a:xfrm>
+        </p:grpSpPr>
+        <p:pic>
+          <p:nvPicPr>
+            <p:cNvPr id="23" name="Picture 22"/>
+            <p:cNvPicPr>
+              <a:picLocks noChangeAspect="1"/>
+            </p:cNvPicPr>
+            <p:nvPr/>
+          </p:nvPicPr>
+          <p:blipFill rotWithShape="1">
+            <a:blip r:embed="rId8">
+              <a:extLst>
+                <a:ext uri="{28A0092B-C50C-407E-A947-70E740481C1C}">
+                  <a14:useLocalDpi xmlns:a14="http://schemas.microsoft.com/office/drawing/2010/main" val="0"/>
+                </a:ext>
+              </a:extLst>
+            </a:blip>
+            <a:srcRect b="7831"/>
+            <a:stretch/>
+          </p:blipFill>
+          <p:spPr>
+            <a:xfrm>
+              <a:off x="3308414" y="857251"/>
+              <a:ext cx="3368051" cy="2492715"/>
+            </a:xfrm>
+            <a:prstGeom prst="rect">
+              <a:avLst/>
+            </a:prstGeom>
+          </p:spPr>
+        </p:pic>
+        <p:cxnSp>
+          <p:nvCxnSpPr>
+            <p:cNvPr id="24" name="Straight Arrow Connector 23"/>
+            <p:cNvCxnSpPr/>
+            <p:nvPr/>
+          </p:nvCxnSpPr>
+          <p:spPr>
+            <a:xfrm>
+              <a:off x="3918446" y="1596838"/>
+              <a:ext cx="739914" cy="0"/>
+            </a:xfrm>
+            <a:prstGeom prst="straightConnector1">
+              <a:avLst/>
+            </a:prstGeom>
+            <a:ln>
+              <a:solidFill>
+                <a:srgbClr val="FF0000"/>
+              </a:solidFill>
+              <a:headEnd type="triangle"/>
+              <a:tailEnd type="triangle"/>
+            </a:ln>
+          </p:spPr>
+          <p:style>
+            <a:lnRef idx="1">
+              <a:schemeClr val="accent1"/>
+            </a:lnRef>
+            <a:fillRef idx="0">
+              <a:schemeClr val="accent1"/>
+            </a:fillRef>
+            <a:effectRef idx="0">
+              <a:schemeClr val="accent1"/>
+            </a:effectRef>
+            <a:fontRef idx="minor">
+              <a:schemeClr val="tx1"/>
+            </a:fontRef>
+          </p:style>
+        </p:cxnSp>
         <p:sp>
           <p:nvSpPr>
-            <p:cNvPr id="21" name="TextBox 20"/>
+            <p:cNvPr id="25" name="TextBox 24"/>
             <p:cNvSpPr txBox="1"/>
             <p:nvPr/>
           </p:nvSpPr>
           <p:spPr>
             <a:xfrm>
-              <a:off x="6860292" y="5748221"/>
-              <a:ext cx="2024485" cy="538780"/>
+              <a:off x="3799274" y="2355804"/>
+              <a:ext cx="1577602" cy="304788"/>
             </a:xfrm>
             <a:prstGeom prst="rect">
               <a:avLst/>
@@ -5326,61 +5154,98 @@
             <a:p>
               <a:r>
                 <a:rPr lang="en-US" sz="1013" dirty="0"/>
-                <a:t>Fig: DFD in some Ti alloys</a:t>
-              </a:r>
-            </a:p>
-            <a:p>
-              <a:r>
-                <a:rPr lang="en-US" sz="1013" i="1" dirty="0" err="1"/>
-                <a:t>F.P.E.Dunne</a:t>
+                <a:t>TIMETAL 834, 20</a:t>
               </a:r>
               <a:r>
-                <a:rPr lang="en-US" sz="1013" i="1" dirty="0"/>
-                <a:t>, 2016</a:t>
+                <a:rPr lang="el-GR" sz="1013" dirty="0"/>
+                <a:t>°</a:t>
               </a:r>
-            </a:p>
-          </p:txBody>
-        </p:sp>
-        <p:sp>
-          <p:nvSpPr>
-            <p:cNvPr id="22" name="TextBox 21"/>
-            <p:cNvSpPr txBox="1"/>
-            <p:nvPr/>
-          </p:nvSpPr>
-          <p:spPr>
-            <a:xfrm>
-              <a:off x="4077483" y="5748221"/>
-              <a:ext cx="1913344" cy="538780"/>
-            </a:xfrm>
-            <a:prstGeom prst="rect">
-              <a:avLst/>
-            </a:prstGeom>
-            <a:noFill/>
-          </p:spPr>
-          <p:txBody>
-            <a:bodyPr wrap="none" rtlCol="0">
-              <a:spAutoFit/>
-            </a:bodyPr>
-            <a:lstStyle/>
-            <a:p>
               <a:r>
                 <a:rPr lang="en-US" sz="1013" dirty="0"/>
-                <a:t>Fig: DFD in two Ti alloys</a:t>
-              </a:r>
-            </a:p>
-            <a:p>
-              <a:r>
-                <a:rPr lang="en-US" sz="1013" i="1" dirty="0" err="1"/>
-                <a:t>W.J.Evans</a:t>
-              </a:r>
-              <a:r>
-                <a:rPr lang="en-US" sz="1013" i="1" dirty="0"/>
-                <a:t>, 2001</a:t>
+                <a:t>C</a:t>
               </a:r>
             </a:p>
           </p:txBody>
         </p:sp>
       </p:grpSp>
+      <p:sp>
+        <p:nvSpPr>
+          <p:cNvPr id="20" name="TextBox 19"/>
+          <p:cNvSpPr txBox="1"/>
+          <p:nvPr/>
+        </p:nvSpPr>
+        <p:spPr>
+          <a:xfrm>
+            <a:off x="1357064" y="4071381"/>
+            <a:ext cx="1828978" cy="515023"/>
+          </a:xfrm>
+          <a:prstGeom prst="rect">
+            <a:avLst/>
+          </a:prstGeom>
+          <a:noFill/>
+        </p:spPr>
+        <p:txBody>
+          <a:bodyPr wrap="none" rtlCol="0">
+            <a:spAutoFit/>
+          </a:bodyPr>
+          <a:lstStyle/>
+          <a:p>
+            <a:r>
+              <a:rPr lang="en-US" sz="1013" dirty="0"/>
+              <a:t>Fig: DFD in two Ti alloys</a:t>
+            </a:r>
+          </a:p>
+          <a:p>
+            <a:r>
+              <a:rPr lang="en-US" sz="1013" i="1" dirty="0" err="1"/>
+              <a:t>W.J.Evans</a:t>
+            </a:r>
+            <a:r>
+              <a:rPr lang="en-US" sz="1013" i="1" dirty="0"/>
+              <a:t>, 1998</a:t>
+            </a:r>
+          </a:p>
+        </p:txBody>
+      </p:sp>
+      <p:sp>
+        <p:nvSpPr>
+          <p:cNvPr id="22" name="TextBox 21"/>
+          <p:cNvSpPr txBox="1"/>
+          <p:nvPr/>
+        </p:nvSpPr>
+        <p:spPr>
+          <a:xfrm>
+            <a:off x="6025050" y="4076133"/>
+            <a:ext cx="1828978" cy="515023"/>
+          </a:xfrm>
+          <a:prstGeom prst="rect">
+            <a:avLst/>
+          </a:prstGeom>
+          <a:noFill/>
+        </p:spPr>
+        <p:txBody>
+          <a:bodyPr wrap="none" rtlCol="0">
+            <a:spAutoFit/>
+          </a:bodyPr>
+          <a:lstStyle/>
+          <a:p>
+            <a:r>
+              <a:rPr lang="en-US" sz="1013" dirty="0"/>
+              <a:t>Fig: DFD in two Ti alloys</a:t>
+            </a:r>
+          </a:p>
+          <a:p>
+            <a:r>
+              <a:rPr lang="en-US" sz="1013" i="1" dirty="0" err="1"/>
+              <a:t>W.J.Evans</a:t>
+            </a:r>
+            <a:r>
+              <a:rPr lang="en-US" sz="1013" i="1" dirty="0"/>
+              <a:t>, 2001</a:t>
+            </a:r>
+          </a:p>
+        </p:txBody>
+      </p:sp>
       <p:sp>
         <p:nvSpPr>
           <p:cNvPr id="4" name="TextBox 3"/>
@@ -5415,104 +5280,46 @@
           </a:p>
         </p:txBody>
       </p:sp>
-    </p:spTree>
-    <p:extLst>
-      <p:ext uri="{BB962C8B-B14F-4D97-AF65-F5344CB8AC3E}">
-        <p14:creationId xmlns:p14="http://schemas.microsoft.com/office/powerpoint/2010/main" val="2187723641"/>
-      </p:ext>
-    </p:extLst>
-  </p:cSld>
-  <p:clrMapOvr>
-    <a:masterClrMapping/>
-  </p:clrMapOvr>
-</p:sld>
-</file>
-
-<file path=ppt/slides/slide5.xml><?xml version="1.0" encoding="utf-8"?>
-<p:sld xmlns:a="http://schemas.openxmlformats.org/drawingml/2006/main" xmlns:r="http://schemas.openxmlformats.org/officeDocument/2006/relationships" xmlns:p="http://schemas.openxmlformats.org/presentationml/2006/main">
-  <p:cSld>
-    <p:spTree>
-      <p:nvGrpSpPr>
-        <p:cNvPr id="1" name=""/>
-        <p:cNvGrpSpPr/>
-        <p:nvPr/>
-      </p:nvGrpSpPr>
-      <p:grpSpPr>
-        <a:xfrm>
-          <a:off x="0" y="0"/>
-          <a:ext cx="0" cy="0"/>
-          <a:chOff x="0" y="0"/>
-          <a:chExt cx="0" cy="0"/>
-        </a:xfrm>
-      </p:grpSpPr>
-      <p:sp>
-        <p:nvSpPr>
-          <p:cNvPr id="4" name="TextBox 3"/>
-          <p:cNvSpPr txBox="1"/>
+      <p:sp>
+        <p:nvSpPr>
+          <p:cNvPr id="5" name="Rectangle 4">
+            <a:extLst>
+              <a:ext uri="{FF2B5EF4-FFF2-40B4-BE49-F238E27FC236}">
+                <a16:creationId xmlns:a16="http://schemas.microsoft.com/office/drawing/2014/main" id="{1851F48A-647B-4279-8EF2-F723EC1594CE}"/>
+              </a:ext>
+            </a:extLst>
+          </p:cNvPr>
+          <p:cNvSpPr/>
           <p:nvPr/>
         </p:nvSpPr>
         <p:spPr>
           <a:xfrm>
-            <a:off x="4729387" y="3136612"/>
-            <a:ext cx="3528426" cy="584775"/>
-          </a:xfrm>
-          <a:prstGeom prst="rect">
-            <a:avLst/>
-          </a:prstGeom>
-          <a:noFill/>
-        </p:spPr>
-        <p:txBody>
-          <a:bodyPr wrap="square" rtlCol="0">
-            <a:spAutoFit/>
-          </a:bodyPr>
-          <a:lstStyle/>
-          <a:p>
-            <a:r>
-              <a:rPr lang="en-US" sz="1600" dirty="0"/>
-              <a:t>Fig: Perspectives on Titanium Science and Technology, D.</a:t>
-            </a:r>
-            <a:r>
-              <a:rPr lang="en-US" sz="1600" i="1" dirty="0"/>
-              <a:t> Banerjee, et.al., 2014</a:t>
-            </a:r>
-            <a:endParaRPr lang="en-US" sz="1600" dirty="0"/>
-          </a:p>
-        </p:txBody>
-      </p:sp>
-      <p:pic>
-        <p:nvPicPr>
-          <p:cNvPr id="5" name="Picture 4"/>
-          <p:cNvPicPr>
-            <a:picLocks noChangeAspect="1"/>
-          </p:cNvPicPr>
-          <p:nvPr/>
-        </p:nvPicPr>
-        <p:blipFill>
-          <a:blip r:embed="rId2">
-            <a:extLst>
-              <a:ext uri="{28A0092B-C50C-407E-A947-70E740481C1C}">
-                <a14:useLocalDpi xmlns:a14="http://schemas.microsoft.com/office/drawing/2010/main" val="0"/>
-              </a:ext>
-            </a:extLst>
-          </a:blip>
-          <a:stretch>
-            <a:fillRect/>
-          </a:stretch>
-        </p:blipFill>
-        <p:spPr>
-          <a:xfrm>
-            <a:off x="4006607" y="180193"/>
-            <a:ext cx="4251206" cy="2899184"/>
+            <a:off x="-9452" y="119826"/>
+            <a:ext cx="9144000" cy="584775"/>
           </a:xfrm>
           <a:prstGeom prst="rect">
             <a:avLst/>
           </a:prstGeom>
         </p:spPr>
-      </p:pic>
+        <p:txBody>
+          <a:bodyPr wrap="square">
+            <a:spAutoFit/>
+          </a:bodyPr>
+          <a:lstStyle/>
+          <a:p>
+            <a:pPr algn="ctr"/>
+            <a:r>
+              <a:rPr lang="en-US" sz="3200" b="1" dirty="0"/>
+              <a:t>Dwell Fatigue Debit</a:t>
+            </a:r>
+            <a:endParaRPr lang="en-US" sz="3200" dirty="0"/>
+          </a:p>
+        </p:txBody>
+      </p:sp>
     </p:spTree>
     <p:extLst>
       <p:ext uri="{BB962C8B-B14F-4D97-AF65-F5344CB8AC3E}">
-        <p14:creationId xmlns:p14="http://schemas.microsoft.com/office/powerpoint/2010/main" val="2558216272"/>
+        <p14:creationId xmlns:p14="http://schemas.microsoft.com/office/powerpoint/2010/main" val="2187723641"/>
       </p:ext>
     </p:extLst>
   </p:cSld>
@@ -5541,54 +5348,72 @@
       </p:grpSpPr>
       <p:sp>
         <p:nvSpPr>
-          <p:cNvPr id="2" name="Title 1"/>
-          <p:cNvSpPr>
-            <a:spLocks noGrp="1"/>
-          </p:cNvSpPr>
-          <p:nvPr>
-            <p:ph type="title"/>
-          </p:nvPr>
+          <p:cNvPr id="4" name="TextBox 3"/>
+          <p:cNvSpPr txBox="1"/>
+          <p:nvPr/>
         </p:nvSpPr>
         <p:spPr>
           <a:xfrm>
-            <a:off x="480732" y="96185"/>
-            <a:ext cx="7886700" cy="1325563"/>
+            <a:off x="4729387" y="3136612"/>
+            <a:ext cx="3528426" cy="584775"/>
           </a:xfrm>
+          <a:prstGeom prst="rect">
+            <a:avLst/>
+          </a:prstGeom>
+          <a:noFill/>
         </p:spPr>
         <p:txBody>
-          <a:bodyPr/>
-          <a:lstStyle/>
-          <a:p>
-            <a:r>
-              <a:rPr lang="en-US" dirty="0"/>
-              <a:t>Experimental Studies</a:t>
-            </a:r>
-          </a:p>
-        </p:txBody>
-      </p:sp>
-      <p:sp>
-        <p:nvSpPr>
-          <p:cNvPr id="3" name="Content Placeholder 2"/>
-          <p:cNvSpPr>
-            <a:spLocks noGrp="1"/>
-          </p:cNvSpPr>
-          <p:nvPr>
-            <p:ph idx="1"/>
-          </p:nvPr>
-        </p:nvSpPr>
-        <p:spPr/>
-        <p:txBody>
-          <a:bodyPr/>
-          <a:lstStyle/>
-          <a:p>
-            <a:endParaRPr lang="en-US" dirty="0"/>
-          </a:p>
-        </p:txBody>
-      </p:sp>
+          <a:bodyPr wrap="square" rtlCol="0">
+            <a:spAutoFit/>
+          </a:bodyPr>
+          <a:lstStyle/>
+          <a:p>
+            <a:r>
+              <a:rPr lang="en-US" sz="1600" dirty="0"/>
+              <a:t>Fig: Perspectives on Titanium Science and Technology, D.</a:t>
+            </a:r>
+            <a:r>
+              <a:rPr lang="en-US" sz="1600" i="1" dirty="0"/>
+              <a:t> Banerjee, et.al., 2014</a:t>
+            </a:r>
+            <a:endParaRPr lang="en-US" sz="1600" dirty="0"/>
+          </a:p>
+        </p:txBody>
+      </p:sp>
+      <p:pic>
+        <p:nvPicPr>
+          <p:cNvPr id="5" name="Picture 4"/>
+          <p:cNvPicPr>
+            <a:picLocks noChangeAspect="1"/>
+          </p:cNvPicPr>
+          <p:nvPr/>
+        </p:nvPicPr>
+        <p:blipFill>
+          <a:blip r:embed="rId2">
+            <a:extLst>
+              <a:ext uri="{28A0092B-C50C-407E-A947-70E740481C1C}">
+                <a14:useLocalDpi xmlns:a14="http://schemas.microsoft.com/office/drawing/2010/main" val="0"/>
+              </a:ext>
+            </a:extLst>
+          </a:blip>
+          <a:stretch>
+            <a:fillRect/>
+          </a:stretch>
+        </p:blipFill>
+        <p:spPr>
+          <a:xfrm>
+            <a:off x="4006607" y="166941"/>
+            <a:ext cx="4251206" cy="2899184"/>
+          </a:xfrm>
+          <a:prstGeom prst="rect">
+            <a:avLst/>
+          </a:prstGeom>
+        </p:spPr>
+      </p:pic>
     </p:spTree>
     <p:extLst>
       <p:ext uri="{BB962C8B-B14F-4D97-AF65-F5344CB8AC3E}">
-        <p14:creationId xmlns:p14="http://schemas.microsoft.com/office/powerpoint/2010/main" val="3046053169"/>
+        <p14:creationId xmlns:p14="http://schemas.microsoft.com/office/powerpoint/2010/main" val="2558216272"/>
       </p:ext>
     </p:extLst>
   </p:cSld>

--- a/Thesis/Comprehensive Exam/References/yazar.pptx
+++ b/Thesis/Comprehensive Exam/References/yazar.pptx
@@ -4012,7 +4012,7 @@
         <p:spPr>
           <a:xfrm>
             <a:off x="480732" y="96185"/>
-            <a:ext cx="7886700" cy="1325563"/>
+            <a:ext cx="7886700" cy="818215"/>
           </a:xfrm>
         </p:spPr>
         <p:txBody>
@@ -4021,35 +4021,222 @@
           <a:p>
             <a:r>
               <a:rPr lang="en-US" dirty="0"/>
-              <a:t>Introduction to </a:t>
-            </a:r>
-            <a:r>
-              <a:rPr lang="en-US"/>
-              <a:t>Titanium Alloys</a:t>
-            </a:r>
-            <a:endParaRPr lang="en-US" dirty="0"/>
-          </a:p>
-        </p:txBody>
-      </p:sp>
-      <p:sp>
-        <p:nvSpPr>
-          <p:cNvPr id="3" name="Content Placeholder 2"/>
-          <p:cNvSpPr>
-            <a:spLocks noGrp="1"/>
-          </p:cNvSpPr>
+              <a:t>Introduction to Titanium Alloys</a:t>
+            </a:r>
+          </a:p>
+        </p:txBody>
+      </p:sp>
+      <p:pic>
+        <p:nvPicPr>
+          <p:cNvPr id="9" name="Content Placeholder 8">
+            <a:extLst>
+              <a:ext uri="{FF2B5EF4-FFF2-40B4-BE49-F238E27FC236}">
+                <a16:creationId xmlns:a16="http://schemas.microsoft.com/office/drawing/2014/main" id="{3995B8A9-81ED-4E8F-86C0-A8111346DD1E}"/>
+              </a:ext>
+            </a:extLst>
+          </p:cNvPr>
+          <p:cNvPicPr>
+            <a:picLocks noGrp="1" noChangeAspect="1"/>
+          </p:cNvPicPr>
           <p:nvPr>
             <p:ph idx="1"/>
           </p:nvPr>
-        </p:nvSpPr>
-        <p:spPr/>
-        <p:txBody>
-          <a:bodyPr/>
-          <a:lstStyle/>
-          <a:p>
-            <a:endParaRPr lang="en-US" dirty="0"/>
-          </a:p>
-        </p:txBody>
-      </p:sp>
+        </p:nvPicPr>
+        <p:blipFill>
+          <a:blip r:embed="rId2">
+            <a:extLst>
+              <a:ext uri="{28A0092B-C50C-407E-A947-70E740481C1C}">
+                <a14:useLocalDpi xmlns:a14="http://schemas.microsoft.com/office/drawing/2010/main" val="0"/>
+              </a:ext>
+            </a:extLst>
+          </a:blip>
+          <a:stretch>
+            <a:fillRect/>
+          </a:stretch>
+        </p:blipFill>
+        <p:spPr>
+          <a:xfrm>
+            <a:off x="0" y="1086679"/>
+            <a:ext cx="4836831" cy="3764000"/>
+          </a:xfrm>
+        </p:spPr>
+      </p:pic>
+      <p:pic>
+        <p:nvPicPr>
+          <p:cNvPr id="11" name="Picture 10">
+            <a:extLst>
+              <a:ext uri="{FF2B5EF4-FFF2-40B4-BE49-F238E27FC236}">
+                <a16:creationId xmlns:a16="http://schemas.microsoft.com/office/drawing/2014/main" id="{02C7037F-7849-465C-9B02-0CC5737E4032}"/>
+              </a:ext>
+            </a:extLst>
+          </p:cNvPr>
+          <p:cNvPicPr>
+            <a:picLocks noChangeAspect="1"/>
+          </p:cNvPicPr>
+          <p:nvPr/>
+        </p:nvPicPr>
+        <p:blipFill>
+          <a:blip r:embed="rId3">
+            <a:extLst>
+              <a:ext uri="{28A0092B-C50C-407E-A947-70E740481C1C}">
+                <a14:useLocalDpi xmlns:a14="http://schemas.microsoft.com/office/drawing/2010/main" val="0"/>
+              </a:ext>
+            </a:extLst>
+          </a:blip>
+          <a:stretch>
+            <a:fillRect/>
+          </a:stretch>
+        </p:blipFill>
+        <p:spPr>
+          <a:xfrm>
+            <a:off x="4981305" y="1086679"/>
+            <a:ext cx="3952172" cy="2123372"/>
+          </a:xfrm>
+          <a:prstGeom prst="rect">
+            <a:avLst/>
+          </a:prstGeom>
+        </p:spPr>
+      </p:pic>
+      <p:graphicFrame>
+        <p:nvGraphicFramePr>
+          <p:cNvPr id="12" name="Table 11">
+            <a:extLst>
+              <a:ext uri="{FF2B5EF4-FFF2-40B4-BE49-F238E27FC236}">
+                <a16:creationId xmlns:a16="http://schemas.microsoft.com/office/drawing/2014/main" id="{6A56C074-7139-4571-A1CC-F6C987782397}"/>
+              </a:ext>
+            </a:extLst>
+          </p:cNvPr>
+          <p:cNvGraphicFramePr>
+            <a:graphicFrameLocks noGrp="1"/>
+          </p:cNvGraphicFramePr>
+          <p:nvPr>
+            <p:extLst>
+              <p:ext uri="{D42A27DB-BD31-4B8C-83A1-F6EECF244321}">
+                <p14:modId xmlns:p14="http://schemas.microsoft.com/office/powerpoint/2010/main" val="471294062"/>
+              </p:ext>
+            </p:extLst>
+          </p:nvPr>
+        </p:nvGraphicFramePr>
+        <p:xfrm>
+          <a:off x="1376082" y="5346147"/>
+          <a:ext cx="6096000" cy="741680"/>
+        </p:xfrm>
+        <a:graphic>
+          <a:graphicData uri="http://schemas.openxmlformats.org/drawingml/2006/table">
+            <a:tbl>
+              <a:tblPr firstRow="1" bandRow="1">
+                <a:tableStyleId>{5C22544A-7EE6-4342-B048-85BDC9FD1C3A}</a:tableStyleId>
+              </a:tblPr>
+              <a:tblGrid>
+                <a:gridCol w="2032000">
+                  <a:extLst>
+                    <a:ext uri="{9D8B030D-6E8A-4147-A177-3AD203B41FA5}">
+                      <a16:colId xmlns:a16="http://schemas.microsoft.com/office/drawing/2014/main" val="2536449731"/>
+                    </a:ext>
+                  </a:extLst>
+                </a:gridCol>
+                <a:gridCol w="2032000">
+                  <a:extLst>
+                    <a:ext uri="{9D8B030D-6E8A-4147-A177-3AD203B41FA5}">
+                      <a16:colId xmlns:a16="http://schemas.microsoft.com/office/drawing/2014/main" val="358163649"/>
+                    </a:ext>
+                  </a:extLst>
+                </a:gridCol>
+                <a:gridCol w="2032000">
+                  <a:extLst>
+                    <a:ext uri="{9D8B030D-6E8A-4147-A177-3AD203B41FA5}">
+                      <a16:colId xmlns:a16="http://schemas.microsoft.com/office/drawing/2014/main" val="396041638"/>
+                    </a:ext>
+                  </a:extLst>
+                </a:gridCol>
+              </a:tblGrid>
+              <a:tr h="370840">
+                <a:tc>
+                  <a:txBody>
+                    <a:bodyPr/>
+                    <a:lstStyle/>
+                    <a:p>
+                      <a:r>
+                        <a:rPr lang="en-US" dirty="0"/>
+                        <a:t>Alpha</a:t>
+                      </a:r>
+                    </a:p>
+                  </a:txBody>
+                  <a:tcPr/>
+                </a:tc>
+                <a:tc>
+                  <a:txBody>
+                    <a:bodyPr/>
+                    <a:lstStyle/>
+                    <a:p>
+                      <a:r>
+                        <a:rPr lang="en-US" dirty="0"/>
+                        <a:t>Alpha + Beta</a:t>
+                      </a:r>
+                    </a:p>
+                  </a:txBody>
+                  <a:tcPr/>
+                </a:tc>
+                <a:tc>
+                  <a:txBody>
+                    <a:bodyPr/>
+                    <a:lstStyle/>
+                    <a:p>
+                      <a:r>
+                        <a:rPr lang="en-US"/>
+                        <a:t>Beta</a:t>
+                      </a:r>
+                    </a:p>
+                  </a:txBody>
+                  <a:tcPr/>
+                </a:tc>
+                <a:extLst>
+                  <a:ext uri="{0D108BD9-81ED-4DB2-BD59-A6C34878D82A}">
+                    <a16:rowId xmlns:a16="http://schemas.microsoft.com/office/drawing/2014/main" val="1327558435"/>
+                  </a:ext>
+                </a:extLst>
+              </a:tr>
+              <a:tr h="370840">
+                <a:tc>
+                  <a:txBody>
+                    <a:bodyPr/>
+                    <a:lstStyle/>
+                    <a:p>
+                      <a:endParaRPr lang="en-US"/>
+                    </a:p>
+                  </a:txBody>
+                  <a:tcPr/>
+                </a:tc>
+                <a:tc>
+                  <a:txBody>
+                    <a:bodyPr/>
+                    <a:lstStyle/>
+                    <a:p>
+                      <a:endParaRPr lang="en-US"/>
+                    </a:p>
+                  </a:txBody>
+                  <a:tcPr/>
+                </a:tc>
+                <a:tc>
+                  <a:txBody>
+                    <a:bodyPr/>
+                    <a:lstStyle/>
+                    <a:p>
+                      <a:endParaRPr lang="en-US" dirty="0"/>
+                    </a:p>
+                  </a:txBody>
+                  <a:tcPr/>
+                </a:tc>
+                <a:extLst>
+                  <a:ext uri="{0D108BD9-81ED-4DB2-BD59-A6C34878D82A}">
+                    <a16:rowId xmlns:a16="http://schemas.microsoft.com/office/drawing/2014/main" val="3209264707"/>
+                  </a:ext>
+                </a:extLst>
+              </a:tr>
+            </a:tbl>
+          </a:graphicData>
+        </a:graphic>
+      </p:graphicFrame>
     </p:spTree>
     <p:extLst>
       <p:ext uri="{BB962C8B-B14F-4D97-AF65-F5344CB8AC3E}">
@@ -4431,7 +4618,7 @@
           <a:graphicData uri="http://schemas.openxmlformats.org/presentationml/2006/ole">
             <mc:AlternateContent xmlns:mc="http://schemas.openxmlformats.org/markup-compatibility/2006">
               <mc:Choice xmlns:v="urn:schemas-microsoft-com:vml" Requires="v">
-                <p:oleObj spid="_x0000_s1043" name="Equation" r:id="rId4" imgW="114120" imgH="215640" progId="Equation.3">
+                <p:oleObj spid="_x0000_s1044" name="Equation" r:id="rId4" imgW="114120" imgH="215640" progId="Equation.3">
                   <p:embed/>
                 </p:oleObj>
               </mc:Choice>

--- a/Thesis/Comprehensive Exam/References/yazar.pptx
+++ b/Thesis/Comprehensive Exam/References/yazar.pptx
@@ -5,16 +5,17 @@
     <p:sldMasterId id="2147483660" r:id="rId1"/>
   </p:sldMasterIdLst>
   <p:notesMasterIdLst>
-    <p:notesMasterId r:id="rId9"/>
+    <p:notesMasterId r:id="rId10"/>
   </p:notesMasterIdLst>
   <p:sldIdLst>
     <p:sldId id="259" r:id="rId2"/>
     <p:sldId id="260" r:id="rId3"/>
     <p:sldId id="263" r:id="rId4"/>
-    <p:sldId id="261" r:id="rId5"/>
-    <p:sldId id="262" r:id="rId6"/>
-    <p:sldId id="258" r:id="rId7"/>
-    <p:sldId id="264" r:id="rId8"/>
+    <p:sldId id="265" r:id="rId5"/>
+    <p:sldId id="261" r:id="rId6"/>
+    <p:sldId id="262" r:id="rId7"/>
+    <p:sldId id="258" r:id="rId8"/>
+    <p:sldId id="264" r:id="rId9"/>
   </p:sldIdLst>
   <p:sldSz cx="9144000" cy="6858000" type="screen4x3"/>
   <p:notesSz cx="6858000" cy="9144000"/>
@@ -644,7 +645,7 @@
           <a:p>
             <a:fld id="{4FBE7D1E-A864-4403-99D2-8811A0B1A190}" type="slidenum">
               <a:rPr lang="en-US" smtClean="0"/>
-              <a:t>4</a:t>
+              <a:t>5</a:t>
             </a:fld>
             <a:endParaRPr lang="en-US"/>
           </a:p>
@@ -733,7 +734,7 @@
           <a:p>
             <a:fld id="{4FBE7D1E-A864-4403-99D2-8811A0B1A190}" type="slidenum">
               <a:rPr lang="en-US" smtClean="0"/>
-              <a:t>5</a:t>
+              <a:t>6</a:t>
             </a:fld>
             <a:endParaRPr lang="en-US"/>
           </a:p>
@@ -4183,7 +4184,7 @@
                     <a:lstStyle/>
                     <a:p>
                       <a:r>
-                        <a:rPr lang="en-US"/>
+                        <a:rPr lang="en-US" dirty="0"/>
                         <a:t>Beta</a:t>
                       </a:r>
                     </a:p>
@@ -4269,6 +4270,97 @@
       </p:grpSpPr>
       <p:sp>
         <p:nvSpPr>
+          <p:cNvPr id="2" name="Title 1">
+            <a:extLst>
+              <a:ext uri="{FF2B5EF4-FFF2-40B4-BE49-F238E27FC236}">
+                <a16:creationId xmlns:a16="http://schemas.microsoft.com/office/drawing/2014/main" id="{45BA3FC4-044B-43E3-BC82-A1F613EF7858}"/>
+              </a:ext>
+            </a:extLst>
+          </p:cNvPr>
+          <p:cNvSpPr>
+            <a:spLocks noGrp="1"/>
+          </p:cNvSpPr>
+          <p:nvPr>
+            <p:ph type="title"/>
+          </p:nvPr>
+        </p:nvSpPr>
+        <p:spPr/>
+        <p:txBody>
+          <a:bodyPr/>
+          <a:lstStyle/>
+          <a:p>
+            <a:r>
+              <a:rPr lang="en-US" dirty="0"/>
+              <a:t>Microstructures in T</a:t>
+            </a:r>
+            <a:r>
+              <a:rPr lang="en-US"/>
+              <a:t>i</a:t>
+            </a:r>
+            <a:r>
+              <a:rPr lang="en-US" dirty="0"/>
+              <a:t> Alloys</a:t>
+            </a:r>
+          </a:p>
+        </p:txBody>
+      </p:sp>
+      <p:sp>
+        <p:nvSpPr>
+          <p:cNvPr id="3" name="Content Placeholder 2">
+            <a:extLst>
+              <a:ext uri="{FF2B5EF4-FFF2-40B4-BE49-F238E27FC236}">
+                <a16:creationId xmlns:a16="http://schemas.microsoft.com/office/drawing/2014/main" id="{9DA5B15D-16EA-48EC-9DA0-D90C34F2A619}"/>
+              </a:ext>
+            </a:extLst>
+          </p:cNvPr>
+          <p:cNvSpPr>
+            <a:spLocks noGrp="1"/>
+          </p:cNvSpPr>
+          <p:nvPr>
+            <p:ph idx="1"/>
+          </p:nvPr>
+        </p:nvSpPr>
+        <p:spPr/>
+        <p:txBody>
+          <a:bodyPr/>
+          <a:lstStyle/>
+          <a:p>
+            <a:endParaRPr lang="en-US"/>
+          </a:p>
+        </p:txBody>
+      </p:sp>
+    </p:spTree>
+    <p:extLst>
+      <p:ext uri="{BB962C8B-B14F-4D97-AF65-F5344CB8AC3E}">
+        <p14:creationId xmlns:p14="http://schemas.microsoft.com/office/powerpoint/2010/main" val="3596082289"/>
+      </p:ext>
+    </p:extLst>
+  </p:cSld>
+  <p:clrMapOvr>
+    <a:masterClrMapping/>
+  </p:clrMapOvr>
+</p:sld>
+</file>
+
+<file path=ppt/slides/slide5.xml><?xml version="1.0" encoding="utf-8"?>
+<p:sld xmlns:a="http://schemas.openxmlformats.org/drawingml/2006/main" xmlns:r="http://schemas.openxmlformats.org/officeDocument/2006/relationships" xmlns:p="http://schemas.openxmlformats.org/presentationml/2006/main">
+  <p:cSld>
+    <p:spTree>
+      <p:nvGrpSpPr>
+        <p:cNvPr id="1" name=""/>
+        <p:cNvGrpSpPr/>
+        <p:nvPr/>
+      </p:nvGrpSpPr>
+      <p:grpSpPr>
+        <a:xfrm>
+          <a:off x="0" y="0"/>
+          <a:ext cx="0" cy="0"/>
+          <a:chOff x="0" y="0"/>
+          <a:chExt cx="0" cy="0"/>
+        </a:xfrm>
+      </p:grpSpPr>
+      <p:sp>
+        <p:nvSpPr>
           <p:cNvPr id="2" name="Title 1"/>
           <p:cNvSpPr>
             <a:spLocks noGrp="1"/>
@@ -4313,7 +4405,7 @@
           <a:p>
             <a:fld id="{0B0F4DA3-A20A-4F1E-9416-A0F769FF6BF0}" type="slidenum">
               <a:rPr lang="en-US" smtClean="0"/>
-              <a:t>4</a:t>
+              <a:t>5</a:t>
             </a:fld>
             <a:endParaRPr lang="en-US" dirty="0"/>
           </a:p>
@@ -4583,7 +4675,7 @@
 </p:sld>
 </file>
 
-<file path=ppt/slides/slide5.xml><?xml version="1.0" encoding="utf-8"?>
+<file path=ppt/slides/slide6.xml><?xml version="1.0" encoding="utf-8"?>
 <p:sld xmlns:a="http://schemas.openxmlformats.org/drawingml/2006/main" xmlns:r="http://schemas.openxmlformats.org/officeDocument/2006/relationships" xmlns:p="http://schemas.openxmlformats.org/presentationml/2006/main">
   <p:cSld>
     <p:spTree>
@@ -4618,7 +4710,7 @@
           <a:graphicData uri="http://schemas.openxmlformats.org/presentationml/2006/ole">
             <mc:AlternateContent xmlns:mc="http://schemas.openxmlformats.org/markup-compatibility/2006">
               <mc:Choice xmlns:v="urn:schemas-microsoft-com:vml" Requires="v">
-                <p:oleObj spid="_x0000_s1044" name="Equation" r:id="rId4" imgW="114120" imgH="215640" progId="Equation.3">
+                <p:oleObj spid="_x0000_s1046" name="Equation" r:id="rId4" imgW="114120" imgH="215640" progId="Equation.3">
                   <p:embed/>
                 </p:oleObj>
               </mc:Choice>
@@ -5014,7 +5106,7 @@
           <a:p>
             <a:fld id="{0B0F4DA3-A20A-4F1E-9416-A0F769FF6BF0}" type="slidenum">
               <a:rPr lang="en-US" smtClean="0"/>
-              <a:t>5</a:t>
+              <a:t>6</a:t>
             </a:fld>
             <a:endParaRPr lang="en-US"/>
           </a:p>
@@ -5516,7 +5608,7 @@
 </p:sld>
 </file>
 
-<file path=ppt/slides/slide6.xml><?xml version="1.0" encoding="utf-8"?>
+<file path=ppt/slides/slide7.xml><?xml version="1.0" encoding="utf-8"?>
 <p:sld xmlns:a="http://schemas.openxmlformats.org/drawingml/2006/main" xmlns:r="http://schemas.openxmlformats.org/officeDocument/2006/relationships" xmlns:p="http://schemas.openxmlformats.org/presentationml/2006/main">
   <p:cSld>
     <p:spTree>
@@ -5610,7 +5702,7 @@
 </p:sld>
 </file>
 
-<file path=ppt/slides/slide7.xml><?xml version="1.0" encoding="utf-8"?>
+<file path=ppt/slides/slide8.xml><?xml version="1.0" encoding="utf-8"?>
 <p:sld xmlns:a="http://schemas.openxmlformats.org/drawingml/2006/main" xmlns:r="http://schemas.openxmlformats.org/officeDocument/2006/relationships" xmlns:p="http://schemas.openxmlformats.org/presentationml/2006/main">
   <p:cSld>
     <p:spTree>
@@ -7022,7 +7114,7 @@
           <a:p>
             <a:fld id="{0B0F4DA3-A20A-4F1E-9416-A0F769FF6BF0}" type="slidenum">
               <a:rPr lang="en-US" smtClean="0"/>
-              <a:t>7</a:t>
+              <a:t>8</a:t>
             </a:fld>
             <a:endParaRPr lang="en-US"/>
           </a:p>

--- a/Thesis/Comprehensive Exam/References/yazar.pptx
+++ b/Thesis/Comprehensive Exam/References/yazar.pptx
@@ -4281,21 +4281,26 @@
             <a:spLocks noGrp="1"/>
           </p:cNvSpPr>
           <p:nvPr>
-            <p:ph type="title"/>
-          </p:nvPr>
-        </p:nvSpPr>
-        <p:spPr/>
+            <p:ph type="title" idx="4294967295"/>
+          </p:nvPr>
+        </p:nvSpPr>
+        <p:spPr>
+          <a:xfrm>
+            <a:off x="0" y="365125"/>
+            <a:ext cx="7886700" cy="1325563"/>
+          </a:xfrm>
+        </p:spPr>
         <p:txBody>
           <a:bodyPr/>
           <a:lstStyle/>
           <a:p>
             <a:r>
               <a:rPr lang="en-US" dirty="0"/>
-              <a:t>Microstructures in T</a:t>
-            </a:r>
-            <a:r>
-              <a:rPr lang="en-US"/>
-              <a:t>i</a:t>
+              <a:t>Microstructures in </a:t>
+            </a:r>
+            <a:r>
+              <a:rPr lang="en-US" dirty="0" err="1"/>
+              <a:t>Ti</a:t>
             </a:r>
             <a:r>
               <a:rPr lang="en-US" dirty="0"/>
@@ -4304,31 +4309,130 @@
           </a:p>
         </p:txBody>
       </p:sp>
-      <p:sp>
-        <p:nvSpPr>
-          <p:cNvPr id="3" name="Content Placeholder 2">
+      <p:pic>
+        <p:nvPicPr>
+          <p:cNvPr id="4" name="Picture 3">
             <a:extLst>
               <a:ext uri="{FF2B5EF4-FFF2-40B4-BE49-F238E27FC236}">
-                <a16:creationId xmlns:a16="http://schemas.microsoft.com/office/drawing/2014/main" id="{9DA5B15D-16EA-48EC-9DA0-D90C34F2A619}"/>
+                <a16:creationId xmlns:a16="http://schemas.microsoft.com/office/drawing/2014/main" id="{4C7D1F1C-1384-446A-AF27-DCC51B040CDA}"/>
               </a:ext>
             </a:extLst>
           </p:cNvPr>
-          <p:cNvSpPr>
-            <a:spLocks noGrp="1"/>
-          </p:cNvSpPr>
-          <p:nvPr>
-            <p:ph idx="1"/>
-          </p:nvPr>
-        </p:nvSpPr>
-        <p:spPr/>
-        <p:txBody>
-          <a:bodyPr/>
-          <a:lstStyle/>
-          <a:p>
-            <a:endParaRPr lang="en-US"/>
-          </a:p>
-        </p:txBody>
-      </p:sp>
+          <p:cNvPicPr>
+            <a:picLocks noChangeAspect="1"/>
+          </p:cNvPicPr>
+          <p:nvPr/>
+        </p:nvPicPr>
+        <p:blipFill>
+          <a:blip r:embed="rId2"/>
+          <a:stretch>
+            <a:fillRect/>
+          </a:stretch>
+        </p:blipFill>
+        <p:spPr>
+          <a:xfrm>
+            <a:off x="5827008" y="4088362"/>
+            <a:ext cx="3082401" cy="2255250"/>
+          </a:xfrm>
+          <a:prstGeom prst="rect">
+            <a:avLst/>
+          </a:prstGeom>
+        </p:spPr>
+      </p:pic>
+      <p:pic>
+        <p:nvPicPr>
+          <p:cNvPr id="5" name="Picture 4">
+            <a:extLst>
+              <a:ext uri="{FF2B5EF4-FFF2-40B4-BE49-F238E27FC236}">
+                <a16:creationId xmlns:a16="http://schemas.microsoft.com/office/drawing/2014/main" id="{453F248D-EC35-4862-A810-A9E20B87CD11}"/>
+              </a:ext>
+            </a:extLst>
+          </p:cNvPr>
+          <p:cNvPicPr>
+            <a:picLocks noChangeAspect="1"/>
+          </p:cNvPicPr>
+          <p:nvPr/>
+        </p:nvPicPr>
+        <p:blipFill rotWithShape="1">
+          <a:blip r:embed="rId3"/>
+          <a:srcRect l="49160"/>
+          <a:stretch/>
+        </p:blipFill>
+        <p:spPr>
+          <a:xfrm>
+            <a:off x="2436101" y="4088362"/>
+            <a:ext cx="3014497" cy="2546528"/>
+          </a:xfrm>
+          <a:prstGeom prst="rect">
+            <a:avLst/>
+          </a:prstGeom>
+        </p:spPr>
+      </p:pic>
+      <p:pic>
+        <p:nvPicPr>
+          <p:cNvPr id="6" name="Picture 5">
+            <a:extLst>
+              <a:ext uri="{FF2B5EF4-FFF2-40B4-BE49-F238E27FC236}">
+                <a16:creationId xmlns:a16="http://schemas.microsoft.com/office/drawing/2014/main" id="{95784A6A-7073-4738-B3B5-A2B543197D3C}"/>
+              </a:ext>
+            </a:extLst>
+          </p:cNvPr>
+          <p:cNvPicPr>
+            <a:picLocks noChangeAspect="1"/>
+          </p:cNvPicPr>
+          <p:nvPr/>
+        </p:nvPicPr>
+        <p:blipFill rotWithShape="1">
+          <a:blip r:embed="rId4"/>
+          <a:srcRect l="67110"/>
+          <a:stretch/>
+        </p:blipFill>
+        <p:spPr>
+          <a:xfrm>
+            <a:off x="184525" y="4088362"/>
+            <a:ext cx="2063371" cy="2518969"/>
+          </a:xfrm>
+          <a:prstGeom prst="rect">
+            <a:avLst/>
+          </a:prstGeom>
+        </p:spPr>
+      </p:pic>
+      <p:pic>
+        <p:nvPicPr>
+          <p:cNvPr id="8" name="Picture 7">
+            <a:extLst>
+              <a:ext uri="{FF2B5EF4-FFF2-40B4-BE49-F238E27FC236}">
+                <a16:creationId xmlns:a16="http://schemas.microsoft.com/office/drawing/2014/main" id="{FEBBE360-61C9-4F0A-8FCD-9722B60D02C8}"/>
+              </a:ext>
+            </a:extLst>
+          </p:cNvPr>
+          <p:cNvPicPr>
+            <a:picLocks noChangeAspect="1"/>
+          </p:cNvPicPr>
+          <p:nvPr/>
+        </p:nvPicPr>
+        <p:blipFill>
+          <a:blip r:embed="rId5">
+            <a:extLst>
+              <a:ext uri="{28A0092B-C50C-407E-A947-70E740481C1C}">
+                <a14:useLocalDpi xmlns:a14="http://schemas.microsoft.com/office/drawing/2010/main" val="0"/>
+              </a:ext>
+            </a:extLst>
+          </a:blip>
+          <a:stretch>
+            <a:fillRect/>
+          </a:stretch>
+        </p:blipFill>
+        <p:spPr>
+          <a:xfrm>
+            <a:off x="1398141" y="1521954"/>
+            <a:ext cx="5784537" cy="2189286"/>
+          </a:xfrm>
+          <a:prstGeom prst="rect">
+            <a:avLst/>
+          </a:prstGeom>
+        </p:spPr>
+      </p:pic>
     </p:spTree>
     <p:extLst>
       <p:ext uri="{BB962C8B-B14F-4D97-AF65-F5344CB8AC3E}">
@@ -4710,7 +4814,7 @@
           <a:graphicData uri="http://schemas.openxmlformats.org/presentationml/2006/ole">
             <mc:AlternateContent xmlns:mc="http://schemas.openxmlformats.org/markup-compatibility/2006">
               <mc:Choice xmlns:v="urn:schemas-microsoft-com:vml" Requires="v">
-                <p:oleObj spid="_x0000_s1046" name="Equation" r:id="rId4" imgW="114120" imgH="215640" progId="Equation.3">
+                <p:oleObj spid="_x0000_s1047" name="Equation" r:id="rId4" imgW="114120" imgH="215640" progId="Equation.3">
                   <p:embed/>
                 </p:oleObj>
               </mc:Choice>

--- a/Thesis/Comprehensive Exam/References/yazar.pptx
+++ b/Thesis/Comprehensive Exam/References/yazar.pptx
@@ -4814,7 +4814,7 @@
           <a:graphicData uri="http://schemas.openxmlformats.org/presentationml/2006/ole">
             <mc:AlternateContent xmlns:mc="http://schemas.openxmlformats.org/markup-compatibility/2006">
               <mc:Choice xmlns:v="urn:schemas-microsoft-com:vml" Requires="v">
-                <p:oleObj spid="_x0000_s1047" name="Equation" r:id="rId4" imgW="114120" imgH="215640" progId="Equation.3">
+                <p:oleObj spid="_x0000_s1048" name="Equation" r:id="rId4" imgW="114120" imgH="215640" progId="Equation.3">
                   <p:embed/>
                 </p:oleObj>
               </mc:Choice>

--- a/Thesis/Comprehensive Exam/References/yazar.pptx
+++ b/Thesis/Comprehensive Exam/References/yazar.pptx
@@ -5,17 +5,18 @@
     <p:sldMasterId id="2147483660" r:id="rId1"/>
   </p:sldMasterIdLst>
   <p:notesMasterIdLst>
-    <p:notesMasterId r:id="rId10"/>
+    <p:notesMasterId r:id="rId11"/>
   </p:notesMasterIdLst>
   <p:sldIdLst>
     <p:sldId id="259" r:id="rId2"/>
     <p:sldId id="260" r:id="rId3"/>
     <p:sldId id="263" r:id="rId4"/>
     <p:sldId id="265" r:id="rId5"/>
-    <p:sldId id="261" r:id="rId6"/>
-    <p:sldId id="262" r:id="rId7"/>
-    <p:sldId id="258" r:id="rId8"/>
-    <p:sldId id="264" r:id="rId9"/>
+    <p:sldId id="266" r:id="rId6"/>
+    <p:sldId id="261" r:id="rId7"/>
+    <p:sldId id="262" r:id="rId8"/>
+    <p:sldId id="258" r:id="rId9"/>
+    <p:sldId id="264" r:id="rId10"/>
   </p:sldIdLst>
   <p:sldSz cx="9144000" cy="6858000" type="screen4x3"/>
   <p:notesSz cx="6858000" cy="9144000"/>
@@ -645,7 +646,7 @@
           <a:p>
             <a:fld id="{4FBE7D1E-A864-4403-99D2-8811A0B1A190}" type="slidenum">
               <a:rPr lang="en-US" smtClean="0"/>
-              <a:t>5</a:t>
+              <a:t>6</a:t>
             </a:fld>
             <a:endParaRPr lang="en-US"/>
           </a:p>
@@ -734,7 +735,7 @@
           <a:p>
             <a:fld id="{4FBE7D1E-A864-4403-99D2-8811A0B1A190}" type="slidenum">
               <a:rPr lang="en-US" smtClean="0"/>
-              <a:t>6</a:t>
+              <a:t>7</a:t>
             </a:fld>
             <a:endParaRPr lang="en-US"/>
           </a:p>
@@ -4286,8 +4287,8 @@
         </p:nvSpPr>
         <p:spPr>
           <a:xfrm>
-            <a:off x="0" y="365125"/>
-            <a:ext cx="7886700" cy="1325563"/>
+            <a:off x="0" y="176564"/>
+            <a:ext cx="8746435" cy="1156829"/>
           </a:xfrm>
         </p:spPr>
         <p:txBody>
@@ -4296,7 +4297,7 @@
           <a:p>
             <a:r>
               <a:rPr lang="en-US" dirty="0"/>
-              <a:t>Microstructures in </a:t>
+              <a:t>Microstructures in alpha beta </a:t>
             </a:r>
             <a:r>
               <a:rPr lang="en-US" dirty="0" err="1"/>
@@ -4465,6 +4466,142 @@
       </p:grpSpPr>
       <p:sp>
         <p:nvSpPr>
+          <p:cNvPr id="2" name="Rectangle 1">
+            <a:extLst>
+              <a:ext uri="{FF2B5EF4-FFF2-40B4-BE49-F238E27FC236}">
+                <a16:creationId xmlns:a16="http://schemas.microsoft.com/office/drawing/2014/main" id="{33A5CB03-E8A7-4928-B9A4-4F93EE1A2779}"/>
+              </a:ext>
+            </a:extLst>
+          </p:cNvPr>
+          <p:cNvSpPr/>
+          <p:nvPr/>
+        </p:nvSpPr>
+        <p:spPr>
+          <a:xfrm>
+            <a:off x="144838" y="381864"/>
+            <a:ext cx="8747371" cy="369332"/>
+          </a:xfrm>
+          <a:prstGeom prst="rect">
+            <a:avLst/>
+          </a:prstGeom>
+        </p:spPr>
+        <p:txBody>
+          <a:bodyPr wrap="square">
+            <a:spAutoFit/>
+          </a:bodyPr>
+          <a:lstStyle/>
+          <a:p>
+            <a:r>
+              <a:rPr lang="en-US" dirty="0"/>
+              <a:t>Applications of Ti-6242 and Ti-6246</a:t>
+            </a:r>
+          </a:p>
+        </p:txBody>
+      </p:sp>
+      <p:pic>
+        <p:nvPicPr>
+          <p:cNvPr id="4" name="Picture 3">
+            <a:extLst>
+              <a:ext uri="{FF2B5EF4-FFF2-40B4-BE49-F238E27FC236}">
+                <a16:creationId xmlns:a16="http://schemas.microsoft.com/office/drawing/2014/main" id="{F6F43FAA-F83F-4021-B702-7D2593C3D56B}"/>
+              </a:ext>
+            </a:extLst>
+          </p:cNvPr>
+          <p:cNvPicPr>
+            <a:picLocks noChangeAspect="1"/>
+          </p:cNvPicPr>
+          <p:nvPr/>
+        </p:nvPicPr>
+        <p:blipFill>
+          <a:blip r:embed="rId2">
+            <a:extLst>
+              <a:ext uri="{28A0092B-C50C-407E-A947-70E740481C1C}">
+                <a14:useLocalDpi xmlns:a14="http://schemas.microsoft.com/office/drawing/2010/main" val="0"/>
+              </a:ext>
+            </a:extLst>
+          </a:blip>
+          <a:stretch>
+            <a:fillRect/>
+          </a:stretch>
+        </p:blipFill>
+        <p:spPr>
+          <a:xfrm>
+            <a:off x="4634714" y="1092509"/>
+            <a:ext cx="3558676" cy="2923696"/>
+          </a:xfrm>
+          <a:prstGeom prst="rect">
+            <a:avLst/>
+          </a:prstGeom>
+        </p:spPr>
+      </p:pic>
+      <p:pic>
+        <p:nvPicPr>
+          <p:cNvPr id="6" name="Picture 5">
+            <a:extLst>
+              <a:ext uri="{FF2B5EF4-FFF2-40B4-BE49-F238E27FC236}">
+                <a16:creationId xmlns:a16="http://schemas.microsoft.com/office/drawing/2014/main" id="{75F41927-8958-4175-8610-25D055906CC8}"/>
+              </a:ext>
+            </a:extLst>
+          </p:cNvPr>
+          <p:cNvPicPr>
+            <a:picLocks noChangeAspect="1"/>
+          </p:cNvPicPr>
+          <p:nvPr/>
+        </p:nvPicPr>
+        <p:blipFill>
+          <a:blip r:embed="rId3">
+            <a:extLst>
+              <a:ext uri="{28A0092B-C50C-407E-A947-70E740481C1C}">
+                <a14:useLocalDpi xmlns:a14="http://schemas.microsoft.com/office/drawing/2010/main" val="0"/>
+              </a:ext>
+            </a:extLst>
+          </a:blip>
+          <a:stretch>
+            <a:fillRect/>
+          </a:stretch>
+        </p:blipFill>
+        <p:spPr>
+          <a:xfrm>
+            <a:off x="260406" y="1420501"/>
+            <a:ext cx="2712720" cy="2267712"/>
+          </a:xfrm>
+          <a:prstGeom prst="rect">
+            <a:avLst/>
+          </a:prstGeom>
+        </p:spPr>
+      </p:pic>
+    </p:spTree>
+    <p:extLst>
+      <p:ext uri="{BB962C8B-B14F-4D97-AF65-F5344CB8AC3E}">
+        <p14:creationId xmlns:p14="http://schemas.microsoft.com/office/powerpoint/2010/main" val="2396685036"/>
+      </p:ext>
+    </p:extLst>
+  </p:cSld>
+  <p:clrMapOvr>
+    <a:masterClrMapping/>
+  </p:clrMapOvr>
+</p:sld>
+</file>
+
+<file path=ppt/slides/slide6.xml><?xml version="1.0" encoding="utf-8"?>
+<p:sld xmlns:a="http://schemas.openxmlformats.org/drawingml/2006/main" xmlns:r="http://schemas.openxmlformats.org/officeDocument/2006/relationships" xmlns:p="http://schemas.openxmlformats.org/presentationml/2006/main">
+  <p:cSld>
+    <p:spTree>
+      <p:nvGrpSpPr>
+        <p:cNvPr id="1" name=""/>
+        <p:cNvGrpSpPr/>
+        <p:nvPr/>
+      </p:nvGrpSpPr>
+      <p:grpSpPr>
+        <a:xfrm>
+          <a:off x="0" y="0"/>
+          <a:ext cx="0" cy="0"/>
+          <a:chOff x="0" y="0"/>
+          <a:chExt cx="0" cy="0"/>
+        </a:xfrm>
+      </p:grpSpPr>
+      <p:sp>
+        <p:nvSpPr>
           <p:cNvPr id="2" name="Title 1"/>
           <p:cNvSpPr>
             <a:spLocks noGrp="1"/>
@@ -4509,7 +4646,7 @@
           <a:p>
             <a:fld id="{0B0F4DA3-A20A-4F1E-9416-A0F769FF6BF0}" type="slidenum">
               <a:rPr lang="en-US" smtClean="0"/>
-              <a:t>5</a:t>
+              <a:t>6</a:t>
             </a:fld>
             <a:endParaRPr lang="en-US" dirty="0"/>
           </a:p>
@@ -4779,7 +4916,7 @@
 </p:sld>
 </file>
 
-<file path=ppt/slides/slide6.xml><?xml version="1.0" encoding="utf-8"?>
+<file path=ppt/slides/slide7.xml><?xml version="1.0" encoding="utf-8"?>
 <p:sld xmlns:a="http://schemas.openxmlformats.org/drawingml/2006/main" xmlns:r="http://schemas.openxmlformats.org/officeDocument/2006/relationships" xmlns:p="http://schemas.openxmlformats.org/presentationml/2006/main">
   <p:cSld>
     <p:spTree>
@@ -4814,7 +4951,7 @@
           <a:graphicData uri="http://schemas.openxmlformats.org/presentationml/2006/ole">
             <mc:AlternateContent xmlns:mc="http://schemas.openxmlformats.org/markup-compatibility/2006">
               <mc:Choice xmlns:v="urn:schemas-microsoft-com:vml" Requires="v">
-                <p:oleObj spid="_x0000_s1048" name="Equation" r:id="rId4" imgW="114120" imgH="215640" progId="Equation.3">
+                <p:oleObj spid="_x0000_s1049" name="Equation" r:id="rId4" imgW="114120" imgH="215640" progId="Equation.3">
                   <p:embed/>
                 </p:oleObj>
               </mc:Choice>
@@ -5210,7 +5347,7 @@
           <a:p>
             <a:fld id="{0B0F4DA3-A20A-4F1E-9416-A0F769FF6BF0}" type="slidenum">
               <a:rPr lang="en-US" smtClean="0"/>
-              <a:t>6</a:t>
+              <a:t>7</a:t>
             </a:fld>
             <a:endParaRPr lang="en-US"/>
           </a:p>
@@ -5712,7 +5849,7 @@
 </p:sld>
 </file>
 
-<file path=ppt/slides/slide7.xml><?xml version="1.0" encoding="utf-8"?>
+<file path=ppt/slides/slide8.xml><?xml version="1.0" encoding="utf-8"?>
 <p:sld xmlns:a="http://schemas.openxmlformats.org/drawingml/2006/main" xmlns:r="http://schemas.openxmlformats.org/officeDocument/2006/relationships" xmlns:p="http://schemas.openxmlformats.org/presentationml/2006/main">
   <p:cSld>
     <p:spTree>
@@ -5806,7 +5943,7 @@
 </p:sld>
 </file>
 
-<file path=ppt/slides/slide8.xml><?xml version="1.0" encoding="utf-8"?>
+<file path=ppt/slides/slide9.xml><?xml version="1.0" encoding="utf-8"?>
 <p:sld xmlns:a="http://schemas.openxmlformats.org/drawingml/2006/main" xmlns:r="http://schemas.openxmlformats.org/officeDocument/2006/relationships" xmlns:p="http://schemas.openxmlformats.org/presentationml/2006/main">
   <p:cSld>
     <p:spTree>
@@ -7218,7 +7355,7 @@
           <a:p>
             <a:fld id="{0B0F4DA3-A20A-4F1E-9416-A0F769FF6BF0}" type="slidenum">
               <a:rPr lang="en-US" smtClean="0"/>
-              <a:t>8</a:t>
+              <a:t>9</a:t>
             </a:fld>
             <a:endParaRPr lang="en-US"/>
           </a:p>

--- a/Thesis/Comprehensive Exam/References/yazar.pptx
+++ b/Thesis/Comprehensive Exam/References/yazar.pptx
@@ -4526,8 +4526,8 @@
         </p:blipFill>
         <p:spPr>
           <a:xfrm>
-            <a:off x="4634714" y="1092509"/>
-            <a:ext cx="3558676" cy="2923696"/>
+            <a:off x="144838" y="1420500"/>
+            <a:ext cx="5223165" cy="4291187"/>
           </a:xfrm>
           <a:prstGeom prst="rect">
             <a:avLst/>
@@ -4562,8 +4562,8 @@
         </p:blipFill>
         <p:spPr>
           <a:xfrm>
-            <a:off x="260406" y="1420501"/>
-            <a:ext cx="2712720" cy="2267712"/>
+            <a:off x="5580710" y="2507179"/>
+            <a:ext cx="2961447" cy="2475637"/>
           </a:xfrm>
           <a:prstGeom prst="rect">
             <a:avLst/>
@@ -4951,7 +4951,7 @@
           <a:graphicData uri="http://schemas.openxmlformats.org/presentationml/2006/ole">
             <mc:AlternateContent xmlns:mc="http://schemas.openxmlformats.org/markup-compatibility/2006">
               <mc:Choice xmlns:v="urn:schemas-microsoft-com:vml" Requires="v">
-                <p:oleObj spid="_x0000_s1049" name="Equation" r:id="rId4" imgW="114120" imgH="215640" progId="Equation.3">
+                <p:oleObj spid="_x0000_s1050" name="Equation" r:id="rId4" imgW="114120" imgH="215640" progId="Equation.3">
                   <p:embed/>
                 </p:oleObj>
               </mc:Choice>

--- a/Thesis/Comprehensive Exam/References/yazar.pptx
+++ b/Thesis/Comprehensive Exam/References/yazar.pptx
@@ -4744,30 +4744,6 @@
       </p:grpSp>
       <p:pic>
         <p:nvPicPr>
-          <p:cNvPr id="25" name="Content Placeholder 4"/>
-          <p:cNvPicPr>
-            <a:picLocks noChangeAspect="1"/>
-          </p:cNvPicPr>
-          <p:nvPr/>
-        </p:nvPicPr>
-        <p:blipFill>
-          <a:blip r:embed="rId4"/>
-          <a:stretch>
-            <a:fillRect/>
-          </a:stretch>
-        </p:blipFill>
-        <p:spPr>
-          <a:xfrm>
-            <a:off x="2598281" y="3854505"/>
-            <a:ext cx="3174011" cy="2177539"/>
-          </a:xfrm>
-          <a:prstGeom prst="rect">
-            <a:avLst/>
-          </a:prstGeom>
-        </p:spPr>
-      </p:pic>
-      <p:pic>
-        <p:nvPicPr>
           <p:cNvPr id="29" name="Content Placeholder 3"/>
           <p:cNvPicPr>
             <a:picLocks noChangeAspect="1"/>
@@ -4775,13 +4751,13 @@
           <p:nvPr/>
         </p:nvPicPr>
         <p:blipFill rotWithShape="1">
-          <a:blip r:embed="rId5"/>
+          <a:blip r:embed="rId4"/>
           <a:srcRect l="-10" t="-173" r="50538" b="9156"/>
           <a:stretch/>
         </p:blipFill>
         <p:spPr>
           <a:xfrm>
-            <a:off x="4700827" y="1071172"/>
+            <a:off x="4774936" y="778883"/>
             <a:ext cx="3514245" cy="2365735"/>
           </a:xfrm>
           <a:prstGeom prst="rect">
@@ -4797,7 +4773,7 @@
         </p:nvSpPr>
         <p:spPr>
           <a:xfrm>
-            <a:off x="2703444" y="6118761"/>
+            <a:off x="864051" y="6159539"/>
             <a:ext cx="3068848" cy="698461"/>
           </a:xfrm>
           <a:prstGeom prst="rect">
@@ -4853,7 +4829,7 @@
         </p:nvSpPr>
         <p:spPr>
           <a:xfrm>
-            <a:off x="1248238" y="3024842"/>
+            <a:off x="1181977" y="3183674"/>
             <a:ext cx="973343" cy="253916"/>
           </a:xfrm>
           <a:prstGeom prst="rect">
@@ -4903,6 +4879,293 @@
           </a:p>
         </p:txBody>
       </p:sp>
+      <p:grpSp>
+        <p:nvGrpSpPr>
+          <p:cNvPr id="20" name="Group 19">
+            <a:extLst>
+              <a:ext uri="{FF2B5EF4-FFF2-40B4-BE49-F238E27FC236}">
+                <a16:creationId xmlns:a16="http://schemas.microsoft.com/office/drawing/2014/main" id="{2006D102-97BC-49E7-959F-0FD2F919686F}"/>
+              </a:ext>
+            </a:extLst>
+          </p:cNvPr>
+          <p:cNvGrpSpPr/>
+          <p:nvPr/>
+        </p:nvGrpSpPr>
+        <p:grpSpPr>
+          <a:xfrm>
+            <a:off x="4567185" y="3436907"/>
+            <a:ext cx="3781530" cy="2964662"/>
+            <a:chOff x="94567" y="857251"/>
+            <a:chExt cx="3104726" cy="2370044"/>
+          </a:xfrm>
+        </p:grpSpPr>
+        <p:grpSp>
+          <p:nvGrpSpPr>
+            <p:cNvPr id="21" name="Group 20">
+              <a:extLst>
+                <a:ext uri="{FF2B5EF4-FFF2-40B4-BE49-F238E27FC236}">
+                  <a16:creationId xmlns:a16="http://schemas.microsoft.com/office/drawing/2014/main" id="{8AFA11D8-EA18-4210-93EE-030601600EB5}"/>
+                </a:ext>
+              </a:extLst>
+            </p:cNvPr>
+            <p:cNvGrpSpPr/>
+            <p:nvPr/>
+          </p:nvGrpSpPr>
+          <p:grpSpPr>
+            <a:xfrm>
+              <a:off x="94567" y="857251"/>
+              <a:ext cx="3104726" cy="2370044"/>
+              <a:chOff x="94567" y="857251"/>
+              <a:chExt cx="3104726" cy="2370044"/>
+            </a:xfrm>
+          </p:grpSpPr>
+          <p:pic>
+            <p:nvPicPr>
+              <p:cNvPr id="23" name="Picture 22">
+                <a:extLst>
+                  <a:ext uri="{FF2B5EF4-FFF2-40B4-BE49-F238E27FC236}">
+                    <a16:creationId xmlns:a16="http://schemas.microsoft.com/office/drawing/2014/main" id="{FB0A37EE-407E-435F-B38C-A45040604A11}"/>
+                  </a:ext>
+                </a:extLst>
+              </p:cNvPr>
+              <p:cNvPicPr>
+                <a:picLocks noChangeAspect="1"/>
+              </p:cNvPicPr>
+              <p:nvPr/>
+            </p:nvPicPr>
+            <p:blipFill rotWithShape="1">
+              <a:blip r:embed="rId5">
+                <a:extLst>
+                  <a:ext uri="{28A0092B-C50C-407E-A947-70E740481C1C}">
+                    <a14:useLocalDpi xmlns:a14="http://schemas.microsoft.com/office/drawing/2010/main" val="0"/>
+                  </a:ext>
+                </a:extLst>
+              </a:blip>
+              <a:srcRect b="11104"/>
+              <a:stretch/>
+            </p:blipFill>
+            <p:spPr>
+              <a:xfrm>
+                <a:off x="94567" y="857251"/>
+                <a:ext cx="3104726" cy="2370044"/>
+              </a:xfrm>
+              <a:prstGeom prst="rect">
+                <a:avLst/>
+              </a:prstGeom>
+            </p:spPr>
+          </p:pic>
+          <p:cxnSp>
+            <p:nvCxnSpPr>
+              <p:cNvPr id="24" name="Straight Arrow Connector 23">
+                <a:extLst>
+                  <a:ext uri="{FF2B5EF4-FFF2-40B4-BE49-F238E27FC236}">
+                    <a16:creationId xmlns:a16="http://schemas.microsoft.com/office/drawing/2014/main" id="{F34EF4DB-48A8-49B9-98E2-C0BD41ECA5C6}"/>
+                  </a:ext>
+                </a:extLst>
+              </p:cNvPr>
+              <p:cNvCxnSpPr/>
+              <p:nvPr/>
+            </p:nvCxnSpPr>
+            <p:spPr>
+              <a:xfrm>
+                <a:off x="1243852" y="1855694"/>
+                <a:ext cx="927848" cy="0"/>
+              </a:xfrm>
+              <a:prstGeom prst="straightConnector1">
+                <a:avLst/>
+              </a:prstGeom>
+              <a:ln>
+                <a:solidFill>
+                  <a:srgbClr val="FF0000"/>
+                </a:solidFill>
+                <a:headEnd type="triangle"/>
+                <a:tailEnd type="triangle"/>
+              </a:ln>
+            </p:spPr>
+            <p:style>
+              <a:lnRef idx="1">
+                <a:schemeClr val="accent1"/>
+              </a:lnRef>
+              <a:fillRef idx="0">
+                <a:schemeClr val="accent1"/>
+              </a:fillRef>
+              <a:effectRef idx="0">
+                <a:schemeClr val="accent1"/>
+              </a:effectRef>
+              <a:fontRef idx="minor">
+                <a:schemeClr val="tx1"/>
+              </a:fontRef>
+            </p:style>
+          </p:cxnSp>
+          <p:cxnSp>
+            <p:nvCxnSpPr>
+              <p:cNvPr id="26" name="Straight Arrow Connector 25">
+                <a:extLst>
+                  <a:ext uri="{FF2B5EF4-FFF2-40B4-BE49-F238E27FC236}">
+                    <a16:creationId xmlns:a16="http://schemas.microsoft.com/office/drawing/2014/main" id="{789EB8B2-DFBB-4BF6-B84B-789E1636521B}"/>
+                  </a:ext>
+                </a:extLst>
+              </p:cNvPr>
+              <p:cNvCxnSpPr/>
+              <p:nvPr/>
+            </p:nvCxnSpPr>
+            <p:spPr>
+              <a:xfrm flipV="1">
+                <a:off x="806094" y="1550474"/>
+                <a:ext cx="1277234" cy="6723"/>
+              </a:xfrm>
+              <a:prstGeom prst="straightConnector1">
+                <a:avLst/>
+              </a:prstGeom>
+              <a:ln>
+                <a:solidFill>
+                  <a:srgbClr val="FF0000"/>
+                </a:solidFill>
+                <a:headEnd type="triangle"/>
+                <a:tailEnd type="triangle"/>
+              </a:ln>
+            </p:spPr>
+            <p:style>
+              <a:lnRef idx="1">
+                <a:schemeClr val="accent1"/>
+              </a:lnRef>
+              <a:fillRef idx="0">
+                <a:schemeClr val="accent1"/>
+              </a:fillRef>
+              <a:effectRef idx="0">
+                <a:schemeClr val="accent1"/>
+              </a:effectRef>
+              <a:fontRef idx="minor">
+                <a:schemeClr val="tx1"/>
+              </a:fontRef>
+            </p:style>
+          </p:cxnSp>
+        </p:grpSp>
+        <p:sp>
+          <p:nvSpPr>
+            <p:cNvPr id="22" name="TextBox 21">
+              <a:extLst>
+                <a:ext uri="{FF2B5EF4-FFF2-40B4-BE49-F238E27FC236}">
+                  <a16:creationId xmlns:a16="http://schemas.microsoft.com/office/drawing/2014/main" id="{B4034C69-EEE2-409D-9D12-7D52534809E4}"/>
+                </a:ext>
+              </a:extLst>
+            </p:cNvPr>
+            <p:cNvSpPr txBox="1"/>
+            <p:nvPr/>
+          </p:nvSpPr>
+          <p:spPr>
+            <a:xfrm>
+              <a:off x="628650" y="988423"/>
+              <a:ext cx="1524836" cy="313125"/>
+            </a:xfrm>
+            <a:prstGeom prst="rect">
+              <a:avLst/>
+            </a:prstGeom>
+            <a:noFill/>
+          </p:spPr>
+          <p:txBody>
+            <a:bodyPr wrap="none" rtlCol="0">
+              <a:spAutoFit/>
+            </a:bodyPr>
+            <a:lstStyle/>
+            <a:p>
+              <a:r>
+                <a:rPr lang="en-US" sz="1013" dirty="0"/>
+                <a:t>TIMETAL 685, 20</a:t>
+              </a:r>
+              <a:r>
+                <a:rPr lang="el-GR" sz="1013" dirty="0"/>
+                <a:t>°</a:t>
+              </a:r>
+              <a:r>
+                <a:rPr lang="en-US" sz="1013" dirty="0"/>
+                <a:t>C</a:t>
+              </a:r>
+            </a:p>
+          </p:txBody>
+        </p:sp>
+      </p:grpSp>
+      <p:sp>
+        <p:nvSpPr>
+          <p:cNvPr id="27" name="TextBox 26">
+            <a:extLst>
+              <a:ext uri="{FF2B5EF4-FFF2-40B4-BE49-F238E27FC236}">
+                <a16:creationId xmlns:a16="http://schemas.microsoft.com/office/drawing/2014/main" id="{551D60E6-6B1B-49CA-BEBA-6EA3D660F252}"/>
+              </a:ext>
+            </a:extLst>
+          </p:cNvPr>
+          <p:cNvSpPr txBox="1"/>
+          <p:nvPr/>
+        </p:nvSpPr>
+        <p:spPr>
+          <a:xfrm>
+            <a:off x="5835758" y="6396412"/>
+            <a:ext cx="1828978" cy="515023"/>
+          </a:xfrm>
+          <a:prstGeom prst="rect">
+            <a:avLst/>
+          </a:prstGeom>
+          <a:noFill/>
+        </p:spPr>
+        <p:txBody>
+          <a:bodyPr wrap="none" rtlCol="0">
+            <a:spAutoFit/>
+          </a:bodyPr>
+          <a:lstStyle/>
+          <a:p>
+            <a:r>
+              <a:rPr lang="en-US" sz="1013" dirty="0"/>
+              <a:t>Fig: DFD in two Ti alloys</a:t>
+            </a:r>
+          </a:p>
+          <a:p>
+            <a:r>
+              <a:rPr lang="en-US" sz="1013" i="1" dirty="0" err="1"/>
+              <a:t>W.J.Evans</a:t>
+            </a:r>
+            <a:r>
+              <a:rPr lang="en-US" sz="1013" i="1" dirty="0"/>
+              <a:t>, 1998</a:t>
+            </a:r>
+          </a:p>
+        </p:txBody>
+      </p:sp>
+      <p:pic>
+        <p:nvPicPr>
+          <p:cNvPr id="8" name="Picture 7">
+            <a:extLst>
+              <a:ext uri="{FF2B5EF4-FFF2-40B4-BE49-F238E27FC236}">
+                <a16:creationId xmlns:a16="http://schemas.microsoft.com/office/drawing/2014/main" id="{38109D59-6DF7-4A6D-8A3F-C613BC600004}"/>
+              </a:ext>
+            </a:extLst>
+          </p:cNvPr>
+          <p:cNvPicPr>
+            <a:picLocks noChangeAspect="1"/>
+          </p:cNvPicPr>
+          <p:nvPr/>
+        </p:nvPicPr>
+        <p:blipFill>
+          <a:blip r:embed="rId6" cstate="print">
+            <a:extLst>
+              <a:ext uri="{28A0092B-C50C-407E-A947-70E740481C1C}">
+                <a14:useLocalDpi xmlns:a14="http://schemas.microsoft.com/office/drawing/2010/main" val="0"/>
+              </a:ext>
+            </a:extLst>
+          </a:blip>
+          <a:stretch>
+            <a:fillRect/>
+          </a:stretch>
+        </p:blipFill>
+        <p:spPr>
+          <a:xfrm>
+            <a:off x="406010" y="4028828"/>
+            <a:ext cx="3668573" cy="1938528"/>
+          </a:xfrm>
+          <a:prstGeom prst="rect">
+            <a:avLst/>
+          </a:prstGeom>
+        </p:spPr>
+      </p:pic>
     </p:spTree>
     <p:extLst>
       <p:ext uri="{BB962C8B-B14F-4D97-AF65-F5344CB8AC3E}">
@@ -4951,7 +5214,7 @@
           <a:graphicData uri="http://schemas.openxmlformats.org/presentationml/2006/ole">
             <mc:AlternateContent xmlns:mc="http://schemas.openxmlformats.org/markup-compatibility/2006">
               <mc:Choice xmlns:v="urn:schemas-microsoft-com:vml" Requires="v">
-                <p:oleObj spid="_x0000_s1050" name="Equation" r:id="rId4" imgW="114120" imgH="215640" progId="Equation.3">
+                <p:oleObj spid="_x0000_s1051" name="Equation" r:id="rId4" imgW="114120" imgH="215640" progId="Equation.3">
                   <p:embed/>
                 </p:oleObj>
               </mc:Choice>
@@ -5402,176 +5665,6 @@
       </p:sp>
       <p:grpSp>
         <p:nvGrpSpPr>
-          <p:cNvPr id="18" name="Group 17"/>
-          <p:cNvGrpSpPr/>
-          <p:nvPr/>
-        </p:nvGrpSpPr>
-        <p:grpSpPr>
-          <a:xfrm>
-            <a:off x="380788" y="845464"/>
-            <a:ext cx="3781530" cy="2964662"/>
-            <a:chOff x="94567" y="857251"/>
-            <a:chExt cx="3104726" cy="2370044"/>
-          </a:xfrm>
-        </p:grpSpPr>
-        <p:grpSp>
-          <p:nvGrpSpPr>
-            <p:cNvPr id="26" name="Group 25"/>
-            <p:cNvGrpSpPr/>
-            <p:nvPr/>
-          </p:nvGrpSpPr>
-          <p:grpSpPr>
-            <a:xfrm>
-              <a:off x="94567" y="857251"/>
-              <a:ext cx="3104726" cy="2370044"/>
-              <a:chOff x="94567" y="857251"/>
-              <a:chExt cx="3104726" cy="2370044"/>
-            </a:xfrm>
-          </p:grpSpPr>
-          <p:pic>
-            <p:nvPicPr>
-              <p:cNvPr id="28" name="Picture 27"/>
-              <p:cNvPicPr>
-                <a:picLocks noChangeAspect="1"/>
-              </p:cNvPicPr>
-              <p:nvPr/>
-            </p:nvPicPr>
-            <p:blipFill rotWithShape="1">
-              <a:blip r:embed="rId7">
-                <a:extLst>
-                  <a:ext uri="{28A0092B-C50C-407E-A947-70E740481C1C}">
-                    <a14:useLocalDpi xmlns:a14="http://schemas.microsoft.com/office/drawing/2010/main" val="0"/>
-                  </a:ext>
-                </a:extLst>
-              </a:blip>
-              <a:srcRect b="11104"/>
-              <a:stretch/>
-            </p:blipFill>
-            <p:spPr>
-              <a:xfrm>
-                <a:off x="94567" y="857251"/>
-                <a:ext cx="3104726" cy="2370044"/>
-              </a:xfrm>
-              <a:prstGeom prst="rect">
-                <a:avLst/>
-              </a:prstGeom>
-            </p:spPr>
-          </p:pic>
-          <p:cxnSp>
-            <p:nvCxnSpPr>
-              <p:cNvPr id="29" name="Straight Arrow Connector 28"/>
-              <p:cNvCxnSpPr/>
-              <p:nvPr/>
-            </p:nvCxnSpPr>
-            <p:spPr>
-              <a:xfrm>
-                <a:off x="1243852" y="1855694"/>
-                <a:ext cx="927848" cy="0"/>
-              </a:xfrm>
-              <a:prstGeom prst="straightConnector1">
-                <a:avLst/>
-              </a:prstGeom>
-              <a:ln>
-                <a:solidFill>
-                  <a:srgbClr val="FF0000"/>
-                </a:solidFill>
-                <a:headEnd type="triangle"/>
-                <a:tailEnd type="triangle"/>
-              </a:ln>
-            </p:spPr>
-            <p:style>
-              <a:lnRef idx="1">
-                <a:schemeClr val="accent1"/>
-              </a:lnRef>
-              <a:fillRef idx="0">
-                <a:schemeClr val="accent1"/>
-              </a:fillRef>
-              <a:effectRef idx="0">
-                <a:schemeClr val="accent1"/>
-              </a:effectRef>
-              <a:fontRef idx="minor">
-                <a:schemeClr val="tx1"/>
-              </a:fontRef>
-            </p:style>
-          </p:cxnSp>
-          <p:cxnSp>
-            <p:nvCxnSpPr>
-              <p:cNvPr id="30" name="Straight Arrow Connector 29"/>
-              <p:cNvCxnSpPr/>
-              <p:nvPr/>
-            </p:nvCxnSpPr>
-            <p:spPr>
-              <a:xfrm flipV="1">
-                <a:off x="806094" y="1550474"/>
-                <a:ext cx="1277234" cy="6723"/>
-              </a:xfrm>
-              <a:prstGeom prst="straightConnector1">
-                <a:avLst/>
-              </a:prstGeom>
-              <a:ln>
-                <a:solidFill>
-                  <a:srgbClr val="FF0000"/>
-                </a:solidFill>
-                <a:headEnd type="triangle"/>
-                <a:tailEnd type="triangle"/>
-              </a:ln>
-            </p:spPr>
-            <p:style>
-              <a:lnRef idx="1">
-                <a:schemeClr val="accent1"/>
-              </a:lnRef>
-              <a:fillRef idx="0">
-                <a:schemeClr val="accent1"/>
-              </a:fillRef>
-              <a:effectRef idx="0">
-                <a:schemeClr val="accent1"/>
-              </a:effectRef>
-              <a:fontRef idx="minor">
-                <a:schemeClr val="tx1"/>
-              </a:fontRef>
-            </p:style>
-          </p:cxnSp>
-        </p:grpSp>
-        <p:sp>
-          <p:nvSpPr>
-            <p:cNvPr id="27" name="TextBox 26"/>
-            <p:cNvSpPr txBox="1"/>
-            <p:nvPr/>
-          </p:nvSpPr>
-          <p:spPr>
-            <a:xfrm>
-              <a:off x="628650" y="988423"/>
-              <a:ext cx="1524836" cy="313125"/>
-            </a:xfrm>
-            <a:prstGeom prst="rect">
-              <a:avLst/>
-            </a:prstGeom>
-            <a:noFill/>
-          </p:spPr>
-          <p:txBody>
-            <a:bodyPr wrap="none" rtlCol="0">
-              <a:spAutoFit/>
-            </a:bodyPr>
-            <a:lstStyle/>
-            <a:p>
-              <a:r>
-                <a:rPr lang="en-US" sz="1013" dirty="0"/>
-                <a:t>TIMETAL 685, 20</a:t>
-              </a:r>
-              <a:r>
-                <a:rPr lang="el-GR" sz="1013" dirty="0"/>
-                <a:t>°</a:t>
-              </a:r>
-              <a:r>
-                <a:rPr lang="en-US" sz="1013" dirty="0"/>
-                <a:t>C</a:t>
-              </a:r>
-            </a:p>
-          </p:txBody>
-        </p:sp>
-      </p:grpSp>
-      <p:grpSp>
-        <p:nvGrpSpPr>
           <p:cNvPr id="19" name="Group 18"/>
           <p:cNvGrpSpPr/>
           <p:nvPr/>
@@ -5593,7 +5686,7 @@
             <p:nvPr/>
           </p:nvPicPr>
           <p:blipFill rotWithShape="1">
-            <a:blip r:embed="rId8">
+            <a:blip r:embed="rId7">
               <a:extLst>
                 <a:ext uri="{28A0092B-C50C-407E-A947-70E740481C1C}">
                   <a14:useLocalDpi xmlns:a14="http://schemas.microsoft.com/office/drawing/2010/main" val="0"/>
@@ -5688,45 +5781,6 @@
           </p:txBody>
         </p:sp>
       </p:grpSp>
-      <p:sp>
-        <p:nvSpPr>
-          <p:cNvPr id="20" name="TextBox 19"/>
-          <p:cNvSpPr txBox="1"/>
-          <p:nvPr/>
-        </p:nvSpPr>
-        <p:spPr>
-          <a:xfrm>
-            <a:off x="1357064" y="4071381"/>
-            <a:ext cx="1828978" cy="515023"/>
-          </a:xfrm>
-          <a:prstGeom prst="rect">
-            <a:avLst/>
-          </a:prstGeom>
-          <a:noFill/>
-        </p:spPr>
-        <p:txBody>
-          <a:bodyPr wrap="none" rtlCol="0">
-            <a:spAutoFit/>
-          </a:bodyPr>
-          <a:lstStyle/>
-          <a:p>
-            <a:r>
-              <a:rPr lang="en-US" sz="1013" dirty="0"/>
-              <a:t>Fig: DFD in two Ti alloys</a:t>
-            </a:r>
-          </a:p>
-          <a:p>
-            <a:r>
-              <a:rPr lang="en-US" sz="1013" i="1" dirty="0" err="1"/>
-              <a:t>W.J.Evans</a:t>
-            </a:r>
-            <a:r>
-              <a:rPr lang="en-US" sz="1013" i="1" dirty="0"/>
-              <a:t>, 1998</a:t>
-            </a:r>
-          </a:p>
-        </p:txBody>
-      </p:sp>
       <p:sp>
         <p:nvSpPr>
           <p:cNvPr id="22" name="TextBox 21"/>

--- a/Thesis/Comprehensive Exam/References/yazar.pptx
+++ b/Thesis/Comprehensive Exam/References/yazar.pptx
@@ -5214,7 +5214,7 @@
           <a:graphicData uri="http://schemas.openxmlformats.org/presentationml/2006/ole">
             <mc:AlternateContent xmlns:mc="http://schemas.openxmlformats.org/markup-compatibility/2006">
               <mc:Choice xmlns:v="urn:schemas-microsoft-com:vml" Requires="v">
-                <p:oleObj spid="_x0000_s1051" name="Equation" r:id="rId4" imgW="114120" imgH="215640" progId="Equation.3">
+                <p:oleObj spid="_x0000_s1052" name="Equation" r:id="rId4" imgW="114120" imgH="215640" progId="Equation.3">
                   <p:embed/>
                 </p:oleObj>
               </mc:Choice>
@@ -5671,7 +5671,7 @@
         </p:nvGrpSpPr>
         <p:grpSpPr>
           <a:xfrm>
-            <a:off x="4416761" y="786642"/>
+            <a:off x="265023" y="658296"/>
             <a:ext cx="4210404" cy="3401618"/>
             <a:chOff x="3308414" y="857251"/>
             <a:chExt cx="3368051" cy="2492715"/>
@@ -5789,7 +5789,7 @@
         </p:nvSpPr>
         <p:spPr>
           <a:xfrm>
-            <a:off x="6025050" y="4076133"/>
+            <a:off x="2390703" y="3931404"/>
             <a:ext cx="1828978" cy="515023"/>
           </a:xfrm>
           <a:prstGeom prst="rect">
@@ -5890,6 +5890,82 @@
           </a:p>
         </p:txBody>
       </p:sp>
+      <p:sp>
+        <p:nvSpPr>
+          <p:cNvPr id="31" name="TextBox 30">
+            <a:extLst>
+              <a:ext uri="{FF2B5EF4-FFF2-40B4-BE49-F238E27FC236}">
+                <a16:creationId xmlns:a16="http://schemas.microsoft.com/office/drawing/2014/main" id="{6F4EE3DF-EB7F-4B7B-BF76-D0DE0F114E93}"/>
+              </a:ext>
+            </a:extLst>
+          </p:cNvPr>
+          <p:cNvSpPr txBox="1"/>
+          <p:nvPr/>
+        </p:nvSpPr>
+        <p:spPr>
+          <a:xfrm>
+            <a:off x="5462567" y="3743721"/>
+            <a:ext cx="3528426" cy="584775"/>
+          </a:xfrm>
+          <a:prstGeom prst="rect">
+            <a:avLst/>
+          </a:prstGeom>
+          <a:noFill/>
+        </p:spPr>
+        <p:txBody>
+          <a:bodyPr wrap="square" rtlCol="0">
+            <a:spAutoFit/>
+          </a:bodyPr>
+          <a:lstStyle/>
+          <a:p>
+            <a:r>
+              <a:rPr lang="en-US" sz="1600" dirty="0"/>
+              <a:t>Fig: Perspectives on Titanium Science and Technology, D.</a:t>
+            </a:r>
+            <a:r>
+              <a:rPr lang="en-US" sz="1600" i="1" dirty="0"/>
+              <a:t> Banerjee, et.al., 2014</a:t>
+            </a:r>
+            <a:endParaRPr lang="en-US" sz="1600" dirty="0"/>
+          </a:p>
+        </p:txBody>
+      </p:sp>
+      <p:pic>
+        <p:nvPicPr>
+          <p:cNvPr id="32" name="Picture 31">
+            <a:extLst>
+              <a:ext uri="{FF2B5EF4-FFF2-40B4-BE49-F238E27FC236}">
+                <a16:creationId xmlns:a16="http://schemas.microsoft.com/office/drawing/2014/main" id="{A432714C-B773-4DA1-B500-DA66AF27F4FA}"/>
+              </a:ext>
+            </a:extLst>
+          </p:cNvPr>
+          <p:cNvPicPr>
+            <a:picLocks noChangeAspect="1"/>
+          </p:cNvPicPr>
+          <p:nvPr/>
+        </p:nvPicPr>
+        <p:blipFill>
+          <a:blip r:embed="rId8">
+            <a:extLst>
+              <a:ext uri="{28A0092B-C50C-407E-A947-70E740481C1C}">
+                <a14:useLocalDpi xmlns:a14="http://schemas.microsoft.com/office/drawing/2010/main" val="0"/>
+              </a:ext>
+            </a:extLst>
+          </a:blip>
+          <a:stretch>
+            <a:fillRect/>
+          </a:stretch>
+        </p:blipFill>
+        <p:spPr>
+          <a:xfrm>
+            <a:off x="4739787" y="774050"/>
+            <a:ext cx="4251206" cy="2899184"/>
+          </a:xfrm>
+          <a:prstGeom prst="rect">
+            <a:avLst/>
+          </a:prstGeom>
+        </p:spPr>
+      </p:pic>
     </p:spTree>
     <p:extLst>
       <p:ext uri="{BB962C8B-B14F-4D97-AF65-F5344CB8AC3E}">
@@ -5920,70 +5996,6 @@
           <a:chExt cx="0" cy="0"/>
         </a:xfrm>
       </p:grpSpPr>
-      <p:sp>
-        <p:nvSpPr>
-          <p:cNvPr id="4" name="TextBox 3"/>
-          <p:cNvSpPr txBox="1"/>
-          <p:nvPr/>
-        </p:nvSpPr>
-        <p:spPr>
-          <a:xfrm>
-            <a:off x="4729387" y="3136612"/>
-            <a:ext cx="3528426" cy="584775"/>
-          </a:xfrm>
-          <a:prstGeom prst="rect">
-            <a:avLst/>
-          </a:prstGeom>
-          <a:noFill/>
-        </p:spPr>
-        <p:txBody>
-          <a:bodyPr wrap="square" rtlCol="0">
-            <a:spAutoFit/>
-          </a:bodyPr>
-          <a:lstStyle/>
-          <a:p>
-            <a:r>
-              <a:rPr lang="en-US" sz="1600" dirty="0"/>
-              <a:t>Fig: Perspectives on Titanium Science and Technology, D.</a:t>
-            </a:r>
-            <a:r>
-              <a:rPr lang="en-US" sz="1600" i="1" dirty="0"/>
-              <a:t> Banerjee, et.al., 2014</a:t>
-            </a:r>
-            <a:endParaRPr lang="en-US" sz="1600" dirty="0"/>
-          </a:p>
-        </p:txBody>
-      </p:sp>
-      <p:pic>
-        <p:nvPicPr>
-          <p:cNvPr id="5" name="Picture 4"/>
-          <p:cNvPicPr>
-            <a:picLocks noChangeAspect="1"/>
-          </p:cNvPicPr>
-          <p:nvPr/>
-        </p:nvPicPr>
-        <p:blipFill>
-          <a:blip r:embed="rId2">
-            <a:extLst>
-              <a:ext uri="{28A0092B-C50C-407E-A947-70E740481C1C}">
-                <a14:useLocalDpi xmlns:a14="http://schemas.microsoft.com/office/drawing/2010/main" val="0"/>
-              </a:ext>
-            </a:extLst>
-          </a:blip>
-          <a:stretch>
-            <a:fillRect/>
-          </a:stretch>
-        </p:blipFill>
-        <p:spPr>
-          <a:xfrm>
-            <a:off x="4006607" y="166941"/>
-            <a:ext cx="4251206" cy="2899184"/>
-          </a:xfrm>
-          <a:prstGeom prst="rect">
-            <a:avLst/>
-          </a:prstGeom>
-        </p:spPr>
-      </p:pic>
     </p:spTree>
     <p:extLst>
       <p:ext uri="{BB962C8B-B14F-4D97-AF65-F5344CB8AC3E}">

--- a/Thesis/Comprehensive Exam/References/yazar.pptx
+++ b/Thesis/Comprehensive Exam/References/yazar.pptx
@@ -5214,7 +5214,7 @@
           <a:graphicData uri="http://schemas.openxmlformats.org/presentationml/2006/ole">
             <mc:AlternateContent xmlns:mc="http://schemas.openxmlformats.org/markup-compatibility/2006">
               <mc:Choice xmlns:v="urn:schemas-microsoft-com:vml" Requires="v">
-                <p:oleObj spid="_x0000_s1052" name="Equation" r:id="rId4" imgW="114120" imgH="215640" progId="Equation.3">
+                <p:oleObj spid="_x0000_s1053" name="Equation" r:id="rId4" imgW="114120" imgH="215640" progId="Equation.3">
                   <p:embed/>
                 </p:oleObj>
               </mc:Choice>
@@ -5996,6 +5996,41 @@
           <a:chExt cx="0" cy="0"/>
         </a:xfrm>
       </p:grpSpPr>
+      <p:sp>
+        <p:nvSpPr>
+          <p:cNvPr id="2" name="Rectangle 1">
+            <a:extLst>
+              <a:ext uri="{FF2B5EF4-FFF2-40B4-BE49-F238E27FC236}">
+                <a16:creationId xmlns:a16="http://schemas.microsoft.com/office/drawing/2014/main" id="{931D5CF8-B42D-4DC7-88A0-C6FE82EB0A97}"/>
+              </a:ext>
+            </a:extLst>
+          </p:cNvPr>
+          <p:cNvSpPr/>
+          <p:nvPr/>
+        </p:nvSpPr>
+        <p:spPr>
+          <a:xfrm>
+            <a:off x="3220708" y="302351"/>
+            <a:ext cx="2369623" cy="369332"/>
+          </a:xfrm>
+          <a:prstGeom prst="rect">
+            <a:avLst/>
+          </a:prstGeom>
+        </p:spPr>
+        <p:txBody>
+          <a:bodyPr wrap="none">
+            <a:spAutoFit/>
+          </a:bodyPr>
+          <a:lstStyle/>
+          <a:p>
+            <a:pPr algn="ctr"/>
+            <a:r>
+              <a:rPr lang="en-US" dirty="0"/>
+              <a:t>Fatigue in Ti-6242 Alloy</a:t>
+            </a:r>
+          </a:p>
+        </p:txBody>
+      </p:sp>
     </p:spTree>
     <p:extLst>
       <p:ext uri="{BB962C8B-B14F-4D97-AF65-F5344CB8AC3E}">

--- a/Thesis/Comprehensive Exam/References/yazar.pptx
+++ b/Thesis/Comprehensive Exam/References/yazar.pptx
@@ -5214,7 +5214,7 @@
           <a:graphicData uri="http://schemas.openxmlformats.org/presentationml/2006/ole">
             <mc:AlternateContent xmlns:mc="http://schemas.openxmlformats.org/markup-compatibility/2006">
               <mc:Choice xmlns:v="urn:schemas-microsoft-com:vml" Requires="v">
-                <p:oleObj spid="_x0000_s1053" name="Equation" r:id="rId4" imgW="114120" imgH="215640" progId="Equation.3">
+                <p:oleObj spid="_x0000_s1054" name="Equation" r:id="rId4" imgW="114120" imgH="215640" progId="Equation.3">
                   <p:embed/>
                 </p:oleObj>
               </mc:Choice>
@@ -6031,6 +6031,78 @@
           </a:p>
         </p:txBody>
       </p:sp>
+      <p:pic>
+        <p:nvPicPr>
+          <p:cNvPr id="8" name="Picture 7">
+            <a:extLst>
+              <a:ext uri="{FF2B5EF4-FFF2-40B4-BE49-F238E27FC236}">
+                <a16:creationId xmlns:a16="http://schemas.microsoft.com/office/drawing/2014/main" id="{D73F8E03-33DE-4485-8F67-5B80A9675A04}"/>
+              </a:ext>
+            </a:extLst>
+          </p:cNvPr>
+          <p:cNvPicPr>
+            <a:picLocks noChangeAspect="1"/>
+          </p:cNvPicPr>
+          <p:nvPr/>
+        </p:nvPicPr>
+        <p:blipFill>
+          <a:blip r:embed="rId2">
+            <a:extLst>
+              <a:ext uri="{28A0092B-C50C-407E-A947-70E740481C1C}">
+                <a14:useLocalDpi xmlns:a14="http://schemas.microsoft.com/office/drawing/2010/main" val="0"/>
+              </a:ext>
+            </a:extLst>
+          </a:blip>
+          <a:stretch>
+            <a:fillRect/>
+          </a:stretch>
+        </p:blipFill>
+        <p:spPr>
+          <a:xfrm>
+            <a:off x="447259" y="1130919"/>
+            <a:ext cx="3399184" cy="3085414"/>
+          </a:xfrm>
+          <a:prstGeom prst="rect">
+            <a:avLst/>
+          </a:prstGeom>
+        </p:spPr>
+      </p:pic>
+      <p:pic>
+        <p:nvPicPr>
+          <p:cNvPr id="10" name="Picture 9">
+            <a:extLst>
+              <a:ext uri="{FF2B5EF4-FFF2-40B4-BE49-F238E27FC236}">
+                <a16:creationId xmlns:a16="http://schemas.microsoft.com/office/drawing/2014/main" id="{3F719CBA-B162-43E3-A154-30BE522EAA97}"/>
+              </a:ext>
+            </a:extLst>
+          </p:cNvPr>
+          <p:cNvPicPr>
+            <a:picLocks noChangeAspect="1"/>
+          </p:cNvPicPr>
+          <p:nvPr/>
+        </p:nvPicPr>
+        <p:blipFill>
+          <a:blip r:embed="rId3">
+            <a:extLst>
+              <a:ext uri="{28A0092B-C50C-407E-A947-70E740481C1C}">
+                <a14:useLocalDpi xmlns:a14="http://schemas.microsoft.com/office/drawing/2010/main" val="0"/>
+              </a:ext>
+            </a:extLst>
+          </a:blip>
+          <a:stretch>
+            <a:fillRect/>
+          </a:stretch>
+        </p:blipFill>
+        <p:spPr>
+          <a:xfrm>
+            <a:off x="4721086" y="1130919"/>
+            <a:ext cx="3387701" cy="3085414"/>
+          </a:xfrm>
+          <a:prstGeom prst="rect">
+            <a:avLst/>
+          </a:prstGeom>
+        </p:spPr>
+      </p:pic>
     </p:spTree>
     <p:extLst>
       <p:ext uri="{BB962C8B-B14F-4D97-AF65-F5344CB8AC3E}">

--- a/Thesis/Comprehensive Exam/References/yazar.pptx
+++ b/Thesis/Comprehensive Exam/References/yazar.pptx
@@ -5214,7 +5214,7 @@
           <a:graphicData uri="http://schemas.openxmlformats.org/presentationml/2006/ole">
             <mc:AlternateContent xmlns:mc="http://schemas.openxmlformats.org/markup-compatibility/2006">
               <mc:Choice xmlns:v="urn:schemas-microsoft-com:vml" Requires="v">
-                <p:oleObj spid="_x0000_s1054" name="Equation" r:id="rId4" imgW="114120" imgH="215640" progId="Equation.3">
+                <p:oleObj spid="_x0000_s1055" name="Equation" r:id="rId4" imgW="114120" imgH="215640" progId="Equation.3">
                   <p:embed/>
                 </p:oleObj>
               </mc:Choice>
@@ -6097,6 +6097,36 @@
           <a:xfrm>
             <a:off x="4721086" y="1130919"/>
             <a:ext cx="3387701" cy="3085414"/>
+          </a:xfrm>
+          <a:prstGeom prst="rect">
+            <a:avLst/>
+          </a:prstGeom>
+        </p:spPr>
+      </p:pic>
+      <p:pic>
+        <p:nvPicPr>
+          <p:cNvPr id="12" name="Picture 11">
+            <a:extLst>
+              <a:ext uri="{FF2B5EF4-FFF2-40B4-BE49-F238E27FC236}">
+                <a16:creationId xmlns:a16="http://schemas.microsoft.com/office/drawing/2014/main" id="{112F435C-C736-4E5C-A57C-EB8BB8955DC7}"/>
+              </a:ext>
+            </a:extLst>
+          </p:cNvPr>
+          <p:cNvPicPr>
+            <a:picLocks noChangeAspect="1"/>
+          </p:cNvPicPr>
+          <p:nvPr/>
+        </p:nvPicPr>
+        <p:blipFill>
+          <a:blip r:embed="rId4"/>
+          <a:stretch>
+            <a:fillRect/>
+          </a:stretch>
+        </p:blipFill>
+        <p:spPr>
+          <a:xfrm>
+            <a:off x="1603513" y="4675569"/>
+            <a:ext cx="6102706" cy="1849746"/>
           </a:xfrm>
           <a:prstGeom prst="rect">
             <a:avLst/>

--- a/Thesis/Comprehensive Exam/References/yazar.pptx
+++ b/Thesis/Comprehensive Exam/References/yazar.pptx
@@ -5,7 +5,7 @@
     <p:sldMasterId id="2147483660" r:id="rId1"/>
   </p:sldMasterIdLst>
   <p:notesMasterIdLst>
-    <p:notesMasterId r:id="rId11"/>
+    <p:notesMasterId r:id="rId12"/>
   </p:notesMasterIdLst>
   <p:sldIdLst>
     <p:sldId id="259" r:id="rId2"/>
@@ -16,7 +16,8 @@
     <p:sldId id="261" r:id="rId7"/>
     <p:sldId id="262" r:id="rId8"/>
     <p:sldId id="258" r:id="rId9"/>
-    <p:sldId id="264" r:id="rId10"/>
+    <p:sldId id="267" r:id="rId10"/>
+    <p:sldId id="264" r:id="rId11"/>
   </p:sldIdLst>
   <p:sldSz cx="9144000" cy="6858000" type="screen4x3"/>
   <p:notesSz cx="6858000" cy="9144000"/>
@@ -3754,2399 +3755,7 @@
 </p:sld>
 </file>
 
-<file path=ppt/slides/slide2.xml><?xml version="1.0" encoding="utf-8"?>
-<p:sld xmlns:a="http://schemas.openxmlformats.org/drawingml/2006/main" xmlns:r="http://schemas.openxmlformats.org/officeDocument/2006/relationships" xmlns:p="http://schemas.openxmlformats.org/presentationml/2006/main">
-  <p:cSld>
-    <p:spTree>
-      <p:nvGrpSpPr>
-        <p:cNvPr id="1" name=""/>
-        <p:cNvGrpSpPr/>
-        <p:nvPr/>
-      </p:nvGrpSpPr>
-      <p:grpSpPr>
-        <a:xfrm>
-          <a:off x="0" y="0"/>
-          <a:ext cx="0" cy="0"/>
-          <a:chOff x="0" y="0"/>
-          <a:chExt cx="0" cy="0"/>
-        </a:xfrm>
-      </p:grpSpPr>
-      <p:sp>
-        <p:nvSpPr>
-          <p:cNvPr id="2" name="Title 1"/>
-          <p:cNvSpPr>
-            <a:spLocks noGrp="1"/>
-          </p:cNvSpPr>
-          <p:nvPr>
-            <p:ph type="title"/>
-          </p:nvPr>
-        </p:nvSpPr>
-        <p:spPr>
-          <a:xfrm>
-            <a:off x="1577929" y="877722"/>
-            <a:ext cx="5951585" cy="543450"/>
-          </a:xfrm>
-        </p:spPr>
-        <p:txBody>
-          <a:bodyPr>
-            <a:normAutofit/>
-          </a:bodyPr>
-          <a:lstStyle/>
-          <a:p>
-            <a:pPr algn="ctr"/>
-            <a:r>
-              <a:rPr lang="en-US" sz="3000" b="1" dirty="0"/>
-              <a:t>Outline</a:t>
-            </a:r>
-          </a:p>
-        </p:txBody>
-      </p:sp>
-      <p:sp>
-        <p:nvSpPr>
-          <p:cNvPr id="3" name="Content Placeholder 2"/>
-          <p:cNvSpPr>
-            <a:spLocks noGrp="1"/>
-          </p:cNvSpPr>
-          <p:nvPr>
-            <p:ph idx="1"/>
-          </p:nvPr>
-        </p:nvSpPr>
-        <p:spPr>
-          <a:xfrm>
-            <a:off x="1324536" y="1419446"/>
-            <a:ext cx="6676464" cy="4478914"/>
-          </a:xfrm>
-        </p:spPr>
-        <p:txBody>
-          <a:bodyPr>
-            <a:normAutofit fontScale="92500" lnSpcReduction="20000"/>
-          </a:bodyPr>
-          <a:lstStyle/>
-          <a:p>
-            <a:pPr marL="385763" indent="-385763" algn="just">
-              <a:lnSpc>
-                <a:spcPct val="150000"/>
-              </a:lnSpc>
-              <a:buFont typeface="+mj-lt"/>
-              <a:buAutoNum type="arabicPeriod"/>
-            </a:pPr>
-            <a:r>
-              <a:rPr lang="en-US" sz="2400" dirty="0"/>
-              <a:t>Literature review</a:t>
-            </a:r>
-          </a:p>
-          <a:p>
-            <a:pPr lvl="3" algn="just">
-              <a:lnSpc>
-                <a:spcPct val="150000"/>
-              </a:lnSpc>
-              <a:buFont typeface="Wingdings" panose="05000000000000000000" pitchFamily="2" charset="2"/>
-              <a:buChar char="v"/>
-            </a:pPr>
-            <a:r>
-              <a:rPr lang="en-US" sz="2100" dirty="0"/>
-              <a:t>Introduction to titanium alloys</a:t>
-            </a:r>
-          </a:p>
-          <a:p>
-            <a:pPr lvl="3" algn="just">
-              <a:lnSpc>
-                <a:spcPct val="150000"/>
-              </a:lnSpc>
-              <a:buFont typeface="Wingdings" panose="05000000000000000000" pitchFamily="2" charset="2"/>
-              <a:buChar char="v"/>
-            </a:pPr>
-            <a:r>
-              <a:rPr lang="en-US" sz="2100" dirty="0"/>
-              <a:t>Introduction to Dwell Fatigue</a:t>
-            </a:r>
-          </a:p>
-          <a:p>
-            <a:pPr lvl="3" algn="just">
-              <a:lnSpc>
-                <a:spcPct val="150000"/>
-              </a:lnSpc>
-              <a:buFont typeface="Wingdings" panose="05000000000000000000" pitchFamily="2" charset="2"/>
-              <a:buChar char="v"/>
-            </a:pPr>
-            <a:r>
-              <a:rPr lang="en-US" sz="2100" dirty="0"/>
-              <a:t>Phenomenological aspects of Dwell Fatigue </a:t>
-            </a:r>
-          </a:p>
-          <a:p>
-            <a:pPr marL="385763" indent="-385763" algn="just">
-              <a:lnSpc>
-                <a:spcPct val="150000"/>
-              </a:lnSpc>
-              <a:buFont typeface="+mj-lt"/>
-              <a:buAutoNum type="arabicPeriod"/>
-            </a:pPr>
-            <a:r>
-              <a:rPr lang="en-US" sz="2400" dirty="0"/>
-              <a:t>Motivation and objective </a:t>
-            </a:r>
-          </a:p>
-          <a:p>
-            <a:pPr marL="385763" indent="-385763" algn="just">
-              <a:lnSpc>
-                <a:spcPct val="150000"/>
-              </a:lnSpc>
-              <a:buFont typeface="+mj-lt"/>
-              <a:buAutoNum type="arabicPeriod"/>
-            </a:pPr>
-            <a:r>
-              <a:rPr lang="en-US" sz="2400" dirty="0"/>
-              <a:t>Current work</a:t>
-            </a:r>
-          </a:p>
-          <a:p>
-            <a:pPr lvl="3" algn="just">
-              <a:lnSpc>
-                <a:spcPct val="150000"/>
-              </a:lnSpc>
-              <a:buFont typeface="Wingdings" panose="05000000000000000000" pitchFamily="2" charset="2"/>
-              <a:buChar char="v"/>
-            </a:pPr>
-            <a:r>
-              <a:rPr lang="en-US" sz="2100" dirty="0"/>
-              <a:t>Modelling </a:t>
-            </a:r>
-          </a:p>
-          <a:p>
-            <a:pPr lvl="3" algn="just">
-              <a:lnSpc>
-                <a:spcPct val="150000"/>
-              </a:lnSpc>
-              <a:buFont typeface="Wingdings" panose="05000000000000000000" pitchFamily="2" charset="2"/>
-              <a:buChar char="v"/>
-            </a:pPr>
-            <a:r>
-              <a:rPr lang="en-US" sz="2100" dirty="0"/>
-              <a:t>Experiments </a:t>
-            </a:r>
-          </a:p>
-          <a:p>
-            <a:pPr marL="385763" indent="-385763" algn="just">
-              <a:lnSpc>
-                <a:spcPct val="150000"/>
-              </a:lnSpc>
-              <a:buFont typeface="+mj-lt"/>
-              <a:buAutoNum type="arabicPeriod"/>
-            </a:pPr>
-            <a:r>
-              <a:rPr lang="en-US" sz="2400" dirty="0"/>
-              <a:t>Summary and future work </a:t>
-            </a:r>
-          </a:p>
-          <a:p>
-            <a:pPr>
-              <a:buFont typeface="Wingdings" panose="05000000000000000000" pitchFamily="2" charset="2"/>
-              <a:buChar char="Ø"/>
-            </a:pPr>
-            <a:endParaRPr lang="en-US" dirty="0"/>
-          </a:p>
-        </p:txBody>
-      </p:sp>
-      <p:sp>
-        <p:nvSpPr>
-          <p:cNvPr id="5" name="Slide Number Placeholder 4"/>
-          <p:cNvSpPr>
-            <a:spLocks noGrp="1"/>
-          </p:cNvSpPr>
-          <p:nvPr>
-            <p:ph type="sldNum" sz="quarter" idx="12"/>
-          </p:nvPr>
-        </p:nvSpPr>
-        <p:spPr/>
-        <p:txBody>
-          <a:bodyPr/>
-          <a:lstStyle/>
-          <a:p>
-            <a:fld id="{0B0F4DA3-A20A-4F1E-9416-A0F769FF6BF0}" type="slidenum">
-              <a:rPr lang="en-US" smtClean="0"/>
-              <a:t>2</a:t>
-            </a:fld>
-            <a:endParaRPr lang="en-US"/>
-          </a:p>
-        </p:txBody>
-      </p:sp>
-    </p:spTree>
-    <p:extLst>
-      <p:ext uri="{BB962C8B-B14F-4D97-AF65-F5344CB8AC3E}">
-        <p14:creationId xmlns:p14="http://schemas.microsoft.com/office/powerpoint/2010/main" val="453106734"/>
-      </p:ext>
-    </p:extLst>
-  </p:cSld>
-  <p:clrMapOvr>
-    <a:masterClrMapping/>
-  </p:clrMapOvr>
-</p:sld>
-</file>
-
-<file path=ppt/slides/slide3.xml><?xml version="1.0" encoding="utf-8"?>
-<p:sld xmlns:a="http://schemas.openxmlformats.org/drawingml/2006/main" xmlns:r="http://schemas.openxmlformats.org/officeDocument/2006/relationships" xmlns:p="http://schemas.openxmlformats.org/presentationml/2006/main">
-  <p:cSld>
-    <p:spTree>
-      <p:nvGrpSpPr>
-        <p:cNvPr id="1" name=""/>
-        <p:cNvGrpSpPr/>
-        <p:nvPr/>
-      </p:nvGrpSpPr>
-      <p:grpSpPr>
-        <a:xfrm>
-          <a:off x="0" y="0"/>
-          <a:ext cx="0" cy="0"/>
-          <a:chOff x="0" y="0"/>
-          <a:chExt cx="0" cy="0"/>
-        </a:xfrm>
-      </p:grpSpPr>
-      <p:sp>
-        <p:nvSpPr>
-          <p:cNvPr id="2" name="Title 1"/>
-          <p:cNvSpPr>
-            <a:spLocks noGrp="1"/>
-          </p:cNvSpPr>
-          <p:nvPr>
-            <p:ph type="title"/>
-          </p:nvPr>
-        </p:nvSpPr>
-        <p:spPr>
-          <a:xfrm>
-            <a:off x="480732" y="96185"/>
-            <a:ext cx="7886700" cy="818215"/>
-          </a:xfrm>
-        </p:spPr>
-        <p:txBody>
-          <a:bodyPr/>
-          <a:lstStyle/>
-          <a:p>
-            <a:r>
-              <a:rPr lang="en-US" dirty="0"/>
-              <a:t>Introduction to Titanium Alloys</a:t>
-            </a:r>
-          </a:p>
-        </p:txBody>
-      </p:sp>
-      <p:pic>
-        <p:nvPicPr>
-          <p:cNvPr id="9" name="Content Placeholder 8">
-            <a:extLst>
-              <a:ext uri="{FF2B5EF4-FFF2-40B4-BE49-F238E27FC236}">
-                <a16:creationId xmlns:a16="http://schemas.microsoft.com/office/drawing/2014/main" id="{3995B8A9-81ED-4E8F-86C0-A8111346DD1E}"/>
-              </a:ext>
-            </a:extLst>
-          </p:cNvPr>
-          <p:cNvPicPr>
-            <a:picLocks noGrp="1" noChangeAspect="1"/>
-          </p:cNvPicPr>
-          <p:nvPr>
-            <p:ph idx="1"/>
-          </p:nvPr>
-        </p:nvPicPr>
-        <p:blipFill>
-          <a:blip r:embed="rId2">
-            <a:extLst>
-              <a:ext uri="{28A0092B-C50C-407E-A947-70E740481C1C}">
-                <a14:useLocalDpi xmlns:a14="http://schemas.microsoft.com/office/drawing/2010/main" val="0"/>
-              </a:ext>
-            </a:extLst>
-          </a:blip>
-          <a:stretch>
-            <a:fillRect/>
-          </a:stretch>
-        </p:blipFill>
-        <p:spPr>
-          <a:xfrm>
-            <a:off x="0" y="1086679"/>
-            <a:ext cx="4836831" cy="3764000"/>
-          </a:xfrm>
-        </p:spPr>
-      </p:pic>
-      <p:pic>
-        <p:nvPicPr>
-          <p:cNvPr id="11" name="Picture 10">
-            <a:extLst>
-              <a:ext uri="{FF2B5EF4-FFF2-40B4-BE49-F238E27FC236}">
-                <a16:creationId xmlns:a16="http://schemas.microsoft.com/office/drawing/2014/main" id="{02C7037F-7849-465C-9B02-0CC5737E4032}"/>
-              </a:ext>
-            </a:extLst>
-          </p:cNvPr>
-          <p:cNvPicPr>
-            <a:picLocks noChangeAspect="1"/>
-          </p:cNvPicPr>
-          <p:nvPr/>
-        </p:nvPicPr>
-        <p:blipFill>
-          <a:blip r:embed="rId3">
-            <a:extLst>
-              <a:ext uri="{28A0092B-C50C-407E-A947-70E740481C1C}">
-                <a14:useLocalDpi xmlns:a14="http://schemas.microsoft.com/office/drawing/2010/main" val="0"/>
-              </a:ext>
-            </a:extLst>
-          </a:blip>
-          <a:stretch>
-            <a:fillRect/>
-          </a:stretch>
-        </p:blipFill>
-        <p:spPr>
-          <a:xfrm>
-            <a:off x="4981305" y="1086679"/>
-            <a:ext cx="3952172" cy="2123372"/>
-          </a:xfrm>
-          <a:prstGeom prst="rect">
-            <a:avLst/>
-          </a:prstGeom>
-        </p:spPr>
-      </p:pic>
-      <p:graphicFrame>
-        <p:nvGraphicFramePr>
-          <p:cNvPr id="12" name="Table 11">
-            <a:extLst>
-              <a:ext uri="{FF2B5EF4-FFF2-40B4-BE49-F238E27FC236}">
-                <a16:creationId xmlns:a16="http://schemas.microsoft.com/office/drawing/2014/main" id="{6A56C074-7139-4571-A1CC-F6C987782397}"/>
-              </a:ext>
-            </a:extLst>
-          </p:cNvPr>
-          <p:cNvGraphicFramePr>
-            <a:graphicFrameLocks noGrp="1"/>
-          </p:cNvGraphicFramePr>
-          <p:nvPr>
-            <p:extLst>
-              <p:ext uri="{D42A27DB-BD31-4B8C-83A1-F6EECF244321}">
-                <p14:modId xmlns:p14="http://schemas.microsoft.com/office/powerpoint/2010/main" val="471294062"/>
-              </p:ext>
-            </p:extLst>
-          </p:nvPr>
-        </p:nvGraphicFramePr>
-        <p:xfrm>
-          <a:off x="1376082" y="5346147"/>
-          <a:ext cx="6096000" cy="741680"/>
-        </p:xfrm>
-        <a:graphic>
-          <a:graphicData uri="http://schemas.openxmlformats.org/drawingml/2006/table">
-            <a:tbl>
-              <a:tblPr firstRow="1" bandRow="1">
-                <a:tableStyleId>{5C22544A-7EE6-4342-B048-85BDC9FD1C3A}</a:tableStyleId>
-              </a:tblPr>
-              <a:tblGrid>
-                <a:gridCol w="2032000">
-                  <a:extLst>
-                    <a:ext uri="{9D8B030D-6E8A-4147-A177-3AD203B41FA5}">
-                      <a16:colId xmlns:a16="http://schemas.microsoft.com/office/drawing/2014/main" val="2536449731"/>
-                    </a:ext>
-                  </a:extLst>
-                </a:gridCol>
-                <a:gridCol w="2032000">
-                  <a:extLst>
-                    <a:ext uri="{9D8B030D-6E8A-4147-A177-3AD203B41FA5}">
-                      <a16:colId xmlns:a16="http://schemas.microsoft.com/office/drawing/2014/main" val="358163649"/>
-                    </a:ext>
-                  </a:extLst>
-                </a:gridCol>
-                <a:gridCol w="2032000">
-                  <a:extLst>
-                    <a:ext uri="{9D8B030D-6E8A-4147-A177-3AD203B41FA5}">
-                      <a16:colId xmlns:a16="http://schemas.microsoft.com/office/drawing/2014/main" val="396041638"/>
-                    </a:ext>
-                  </a:extLst>
-                </a:gridCol>
-              </a:tblGrid>
-              <a:tr h="370840">
-                <a:tc>
-                  <a:txBody>
-                    <a:bodyPr/>
-                    <a:lstStyle/>
-                    <a:p>
-                      <a:r>
-                        <a:rPr lang="en-US" dirty="0"/>
-                        <a:t>Alpha</a:t>
-                      </a:r>
-                    </a:p>
-                  </a:txBody>
-                  <a:tcPr/>
-                </a:tc>
-                <a:tc>
-                  <a:txBody>
-                    <a:bodyPr/>
-                    <a:lstStyle/>
-                    <a:p>
-                      <a:r>
-                        <a:rPr lang="en-US" dirty="0"/>
-                        <a:t>Alpha + Beta</a:t>
-                      </a:r>
-                    </a:p>
-                  </a:txBody>
-                  <a:tcPr/>
-                </a:tc>
-                <a:tc>
-                  <a:txBody>
-                    <a:bodyPr/>
-                    <a:lstStyle/>
-                    <a:p>
-                      <a:r>
-                        <a:rPr lang="en-US" dirty="0"/>
-                        <a:t>Beta</a:t>
-                      </a:r>
-                    </a:p>
-                  </a:txBody>
-                  <a:tcPr/>
-                </a:tc>
-                <a:extLst>
-                  <a:ext uri="{0D108BD9-81ED-4DB2-BD59-A6C34878D82A}">
-                    <a16:rowId xmlns:a16="http://schemas.microsoft.com/office/drawing/2014/main" val="1327558435"/>
-                  </a:ext>
-                </a:extLst>
-              </a:tr>
-              <a:tr h="370840">
-                <a:tc>
-                  <a:txBody>
-                    <a:bodyPr/>
-                    <a:lstStyle/>
-                    <a:p>
-                      <a:endParaRPr lang="en-US"/>
-                    </a:p>
-                  </a:txBody>
-                  <a:tcPr/>
-                </a:tc>
-                <a:tc>
-                  <a:txBody>
-                    <a:bodyPr/>
-                    <a:lstStyle/>
-                    <a:p>
-                      <a:endParaRPr lang="en-US"/>
-                    </a:p>
-                  </a:txBody>
-                  <a:tcPr/>
-                </a:tc>
-                <a:tc>
-                  <a:txBody>
-                    <a:bodyPr/>
-                    <a:lstStyle/>
-                    <a:p>
-                      <a:endParaRPr lang="en-US" dirty="0"/>
-                    </a:p>
-                  </a:txBody>
-                  <a:tcPr/>
-                </a:tc>
-                <a:extLst>
-                  <a:ext uri="{0D108BD9-81ED-4DB2-BD59-A6C34878D82A}">
-                    <a16:rowId xmlns:a16="http://schemas.microsoft.com/office/drawing/2014/main" val="3209264707"/>
-                  </a:ext>
-                </a:extLst>
-              </a:tr>
-            </a:tbl>
-          </a:graphicData>
-        </a:graphic>
-      </p:graphicFrame>
-    </p:spTree>
-    <p:extLst>
-      <p:ext uri="{BB962C8B-B14F-4D97-AF65-F5344CB8AC3E}">
-        <p14:creationId xmlns:p14="http://schemas.microsoft.com/office/powerpoint/2010/main" val="3046053169"/>
-      </p:ext>
-    </p:extLst>
-  </p:cSld>
-  <p:clrMapOvr>
-    <a:masterClrMapping/>
-  </p:clrMapOvr>
-</p:sld>
-</file>
-
-<file path=ppt/slides/slide4.xml><?xml version="1.0" encoding="utf-8"?>
-<p:sld xmlns:a="http://schemas.openxmlformats.org/drawingml/2006/main" xmlns:r="http://schemas.openxmlformats.org/officeDocument/2006/relationships" xmlns:p="http://schemas.openxmlformats.org/presentationml/2006/main">
-  <p:cSld>
-    <p:spTree>
-      <p:nvGrpSpPr>
-        <p:cNvPr id="1" name=""/>
-        <p:cNvGrpSpPr/>
-        <p:nvPr/>
-      </p:nvGrpSpPr>
-      <p:grpSpPr>
-        <a:xfrm>
-          <a:off x="0" y="0"/>
-          <a:ext cx="0" cy="0"/>
-          <a:chOff x="0" y="0"/>
-          <a:chExt cx="0" cy="0"/>
-        </a:xfrm>
-      </p:grpSpPr>
-      <p:sp>
-        <p:nvSpPr>
-          <p:cNvPr id="2" name="Title 1">
-            <a:extLst>
-              <a:ext uri="{FF2B5EF4-FFF2-40B4-BE49-F238E27FC236}">
-                <a16:creationId xmlns:a16="http://schemas.microsoft.com/office/drawing/2014/main" id="{45BA3FC4-044B-43E3-BC82-A1F613EF7858}"/>
-              </a:ext>
-            </a:extLst>
-          </p:cNvPr>
-          <p:cNvSpPr>
-            <a:spLocks noGrp="1"/>
-          </p:cNvSpPr>
-          <p:nvPr>
-            <p:ph type="title" idx="4294967295"/>
-          </p:nvPr>
-        </p:nvSpPr>
-        <p:spPr>
-          <a:xfrm>
-            <a:off x="0" y="176564"/>
-            <a:ext cx="8746435" cy="1156829"/>
-          </a:xfrm>
-        </p:spPr>
-        <p:txBody>
-          <a:bodyPr/>
-          <a:lstStyle/>
-          <a:p>
-            <a:r>
-              <a:rPr lang="en-US" dirty="0"/>
-              <a:t>Microstructures in alpha beta </a:t>
-            </a:r>
-            <a:r>
-              <a:rPr lang="en-US" dirty="0" err="1"/>
-              <a:t>Ti</a:t>
-            </a:r>
-            <a:r>
-              <a:rPr lang="en-US" dirty="0"/>
-              <a:t> Alloys</a:t>
-            </a:r>
-          </a:p>
-        </p:txBody>
-      </p:sp>
-      <p:pic>
-        <p:nvPicPr>
-          <p:cNvPr id="4" name="Picture 3">
-            <a:extLst>
-              <a:ext uri="{FF2B5EF4-FFF2-40B4-BE49-F238E27FC236}">
-                <a16:creationId xmlns:a16="http://schemas.microsoft.com/office/drawing/2014/main" id="{4C7D1F1C-1384-446A-AF27-DCC51B040CDA}"/>
-              </a:ext>
-            </a:extLst>
-          </p:cNvPr>
-          <p:cNvPicPr>
-            <a:picLocks noChangeAspect="1"/>
-          </p:cNvPicPr>
-          <p:nvPr/>
-        </p:nvPicPr>
-        <p:blipFill>
-          <a:blip r:embed="rId2"/>
-          <a:stretch>
-            <a:fillRect/>
-          </a:stretch>
-        </p:blipFill>
-        <p:spPr>
-          <a:xfrm>
-            <a:off x="5827008" y="4088362"/>
-            <a:ext cx="3082401" cy="2255250"/>
-          </a:xfrm>
-          <a:prstGeom prst="rect">
-            <a:avLst/>
-          </a:prstGeom>
-        </p:spPr>
-      </p:pic>
-      <p:pic>
-        <p:nvPicPr>
-          <p:cNvPr id="5" name="Picture 4">
-            <a:extLst>
-              <a:ext uri="{FF2B5EF4-FFF2-40B4-BE49-F238E27FC236}">
-                <a16:creationId xmlns:a16="http://schemas.microsoft.com/office/drawing/2014/main" id="{453F248D-EC35-4862-A810-A9E20B87CD11}"/>
-              </a:ext>
-            </a:extLst>
-          </p:cNvPr>
-          <p:cNvPicPr>
-            <a:picLocks noChangeAspect="1"/>
-          </p:cNvPicPr>
-          <p:nvPr/>
-        </p:nvPicPr>
-        <p:blipFill rotWithShape="1">
-          <a:blip r:embed="rId3"/>
-          <a:srcRect l="49160"/>
-          <a:stretch/>
-        </p:blipFill>
-        <p:spPr>
-          <a:xfrm>
-            <a:off x="2436101" y="4088362"/>
-            <a:ext cx="3014497" cy="2546528"/>
-          </a:xfrm>
-          <a:prstGeom prst="rect">
-            <a:avLst/>
-          </a:prstGeom>
-        </p:spPr>
-      </p:pic>
-      <p:pic>
-        <p:nvPicPr>
-          <p:cNvPr id="6" name="Picture 5">
-            <a:extLst>
-              <a:ext uri="{FF2B5EF4-FFF2-40B4-BE49-F238E27FC236}">
-                <a16:creationId xmlns:a16="http://schemas.microsoft.com/office/drawing/2014/main" id="{95784A6A-7073-4738-B3B5-A2B543197D3C}"/>
-              </a:ext>
-            </a:extLst>
-          </p:cNvPr>
-          <p:cNvPicPr>
-            <a:picLocks noChangeAspect="1"/>
-          </p:cNvPicPr>
-          <p:nvPr/>
-        </p:nvPicPr>
-        <p:blipFill rotWithShape="1">
-          <a:blip r:embed="rId4"/>
-          <a:srcRect l="67110"/>
-          <a:stretch/>
-        </p:blipFill>
-        <p:spPr>
-          <a:xfrm>
-            <a:off x="184525" y="4088362"/>
-            <a:ext cx="2063371" cy="2518969"/>
-          </a:xfrm>
-          <a:prstGeom prst="rect">
-            <a:avLst/>
-          </a:prstGeom>
-        </p:spPr>
-      </p:pic>
-      <p:pic>
-        <p:nvPicPr>
-          <p:cNvPr id="8" name="Picture 7">
-            <a:extLst>
-              <a:ext uri="{FF2B5EF4-FFF2-40B4-BE49-F238E27FC236}">
-                <a16:creationId xmlns:a16="http://schemas.microsoft.com/office/drawing/2014/main" id="{FEBBE360-61C9-4F0A-8FCD-9722B60D02C8}"/>
-              </a:ext>
-            </a:extLst>
-          </p:cNvPr>
-          <p:cNvPicPr>
-            <a:picLocks noChangeAspect="1"/>
-          </p:cNvPicPr>
-          <p:nvPr/>
-        </p:nvPicPr>
-        <p:blipFill>
-          <a:blip r:embed="rId5">
-            <a:extLst>
-              <a:ext uri="{28A0092B-C50C-407E-A947-70E740481C1C}">
-                <a14:useLocalDpi xmlns:a14="http://schemas.microsoft.com/office/drawing/2010/main" val="0"/>
-              </a:ext>
-            </a:extLst>
-          </a:blip>
-          <a:stretch>
-            <a:fillRect/>
-          </a:stretch>
-        </p:blipFill>
-        <p:spPr>
-          <a:xfrm>
-            <a:off x="1398141" y="1521954"/>
-            <a:ext cx="5784537" cy="2189286"/>
-          </a:xfrm>
-          <a:prstGeom prst="rect">
-            <a:avLst/>
-          </a:prstGeom>
-        </p:spPr>
-      </p:pic>
-    </p:spTree>
-    <p:extLst>
-      <p:ext uri="{BB962C8B-B14F-4D97-AF65-F5344CB8AC3E}">
-        <p14:creationId xmlns:p14="http://schemas.microsoft.com/office/powerpoint/2010/main" val="3596082289"/>
-      </p:ext>
-    </p:extLst>
-  </p:cSld>
-  <p:clrMapOvr>
-    <a:masterClrMapping/>
-  </p:clrMapOvr>
-</p:sld>
-</file>
-
-<file path=ppt/slides/slide5.xml><?xml version="1.0" encoding="utf-8"?>
-<p:sld xmlns:a="http://schemas.openxmlformats.org/drawingml/2006/main" xmlns:r="http://schemas.openxmlformats.org/officeDocument/2006/relationships" xmlns:p="http://schemas.openxmlformats.org/presentationml/2006/main">
-  <p:cSld>
-    <p:spTree>
-      <p:nvGrpSpPr>
-        <p:cNvPr id="1" name=""/>
-        <p:cNvGrpSpPr/>
-        <p:nvPr/>
-      </p:nvGrpSpPr>
-      <p:grpSpPr>
-        <a:xfrm>
-          <a:off x="0" y="0"/>
-          <a:ext cx="0" cy="0"/>
-          <a:chOff x="0" y="0"/>
-          <a:chExt cx="0" cy="0"/>
-        </a:xfrm>
-      </p:grpSpPr>
-      <p:sp>
-        <p:nvSpPr>
-          <p:cNvPr id="2" name="Rectangle 1">
-            <a:extLst>
-              <a:ext uri="{FF2B5EF4-FFF2-40B4-BE49-F238E27FC236}">
-                <a16:creationId xmlns:a16="http://schemas.microsoft.com/office/drawing/2014/main" id="{33A5CB03-E8A7-4928-B9A4-4F93EE1A2779}"/>
-              </a:ext>
-            </a:extLst>
-          </p:cNvPr>
-          <p:cNvSpPr/>
-          <p:nvPr/>
-        </p:nvSpPr>
-        <p:spPr>
-          <a:xfrm>
-            <a:off x="144838" y="381864"/>
-            <a:ext cx="8747371" cy="369332"/>
-          </a:xfrm>
-          <a:prstGeom prst="rect">
-            <a:avLst/>
-          </a:prstGeom>
-        </p:spPr>
-        <p:txBody>
-          <a:bodyPr wrap="square">
-            <a:spAutoFit/>
-          </a:bodyPr>
-          <a:lstStyle/>
-          <a:p>
-            <a:r>
-              <a:rPr lang="en-US" dirty="0"/>
-              <a:t>Applications of Ti-6242 and Ti-6246</a:t>
-            </a:r>
-          </a:p>
-        </p:txBody>
-      </p:sp>
-      <p:pic>
-        <p:nvPicPr>
-          <p:cNvPr id="4" name="Picture 3">
-            <a:extLst>
-              <a:ext uri="{FF2B5EF4-FFF2-40B4-BE49-F238E27FC236}">
-                <a16:creationId xmlns:a16="http://schemas.microsoft.com/office/drawing/2014/main" id="{F6F43FAA-F83F-4021-B702-7D2593C3D56B}"/>
-              </a:ext>
-            </a:extLst>
-          </p:cNvPr>
-          <p:cNvPicPr>
-            <a:picLocks noChangeAspect="1"/>
-          </p:cNvPicPr>
-          <p:nvPr/>
-        </p:nvPicPr>
-        <p:blipFill>
-          <a:blip r:embed="rId2">
-            <a:extLst>
-              <a:ext uri="{28A0092B-C50C-407E-A947-70E740481C1C}">
-                <a14:useLocalDpi xmlns:a14="http://schemas.microsoft.com/office/drawing/2010/main" val="0"/>
-              </a:ext>
-            </a:extLst>
-          </a:blip>
-          <a:stretch>
-            <a:fillRect/>
-          </a:stretch>
-        </p:blipFill>
-        <p:spPr>
-          <a:xfrm>
-            <a:off x="144838" y="1420500"/>
-            <a:ext cx="5223165" cy="4291187"/>
-          </a:xfrm>
-          <a:prstGeom prst="rect">
-            <a:avLst/>
-          </a:prstGeom>
-        </p:spPr>
-      </p:pic>
-      <p:pic>
-        <p:nvPicPr>
-          <p:cNvPr id="6" name="Picture 5">
-            <a:extLst>
-              <a:ext uri="{FF2B5EF4-FFF2-40B4-BE49-F238E27FC236}">
-                <a16:creationId xmlns:a16="http://schemas.microsoft.com/office/drawing/2014/main" id="{75F41927-8958-4175-8610-25D055906CC8}"/>
-              </a:ext>
-            </a:extLst>
-          </p:cNvPr>
-          <p:cNvPicPr>
-            <a:picLocks noChangeAspect="1"/>
-          </p:cNvPicPr>
-          <p:nvPr/>
-        </p:nvPicPr>
-        <p:blipFill>
-          <a:blip r:embed="rId3">
-            <a:extLst>
-              <a:ext uri="{28A0092B-C50C-407E-A947-70E740481C1C}">
-                <a14:useLocalDpi xmlns:a14="http://schemas.microsoft.com/office/drawing/2010/main" val="0"/>
-              </a:ext>
-            </a:extLst>
-          </a:blip>
-          <a:stretch>
-            <a:fillRect/>
-          </a:stretch>
-        </p:blipFill>
-        <p:spPr>
-          <a:xfrm>
-            <a:off x="5580710" y="2507179"/>
-            <a:ext cx="2961447" cy="2475637"/>
-          </a:xfrm>
-          <a:prstGeom prst="rect">
-            <a:avLst/>
-          </a:prstGeom>
-        </p:spPr>
-      </p:pic>
-    </p:spTree>
-    <p:extLst>
-      <p:ext uri="{BB962C8B-B14F-4D97-AF65-F5344CB8AC3E}">
-        <p14:creationId xmlns:p14="http://schemas.microsoft.com/office/powerpoint/2010/main" val="2396685036"/>
-      </p:ext>
-    </p:extLst>
-  </p:cSld>
-  <p:clrMapOvr>
-    <a:masterClrMapping/>
-  </p:clrMapOvr>
-</p:sld>
-</file>
-
-<file path=ppt/slides/slide6.xml><?xml version="1.0" encoding="utf-8"?>
-<p:sld xmlns:a="http://schemas.openxmlformats.org/drawingml/2006/main" xmlns:r="http://schemas.openxmlformats.org/officeDocument/2006/relationships" xmlns:p="http://schemas.openxmlformats.org/presentationml/2006/main">
-  <p:cSld>
-    <p:spTree>
-      <p:nvGrpSpPr>
-        <p:cNvPr id="1" name=""/>
-        <p:cNvGrpSpPr/>
-        <p:nvPr/>
-      </p:nvGrpSpPr>
-      <p:grpSpPr>
-        <a:xfrm>
-          <a:off x="0" y="0"/>
-          <a:ext cx="0" cy="0"/>
-          <a:chOff x="0" y="0"/>
-          <a:chExt cx="0" cy="0"/>
-        </a:xfrm>
-      </p:grpSpPr>
-      <p:sp>
-        <p:nvSpPr>
-          <p:cNvPr id="2" name="Title 1"/>
-          <p:cNvSpPr>
-            <a:spLocks noGrp="1"/>
-          </p:cNvSpPr>
-          <p:nvPr>
-            <p:ph type="title"/>
-          </p:nvPr>
-        </p:nvSpPr>
-        <p:spPr>
-          <a:xfrm>
-            <a:off x="267017" y="302046"/>
-            <a:ext cx="6796391" cy="452125"/>
-          </a:xfrm>
-        </p:spPr>
-        <p:txBody>
-          <a:bodyPr>
-            <a:normAutofit fontScale="90000"/>
-          </a:bodyPr>
-          <a:lstStyle/>
-          <a:p>
-            <a:r>
-              <a:rPr lang="en-US" b="1" dirty="0"/>
-              <a:t>What is Dwell Fatigue ?</a:t>
-            </a:r>
-          </a:p>
-        </p:txBody>
-      </p:sp>
-      <p:sp>
-        <p:nvSpPr>
-          <p:cNvPr id="3" name="Slide Number Placeholder 2"/>
-          <p:cNvSpPr>
-            <a:spLocks noGrp="1"/>
-          </p:cNvSpPr>
-          <p:nvPr>
-            <p:ph type="sldNum" sz="quarter" idx="12"/>
-          </p:nvPr>
-        </p:nvSpPr>
-        <p:spPr/>
-        <p:txBody>
-          <a:bodyPr/>
-          <a:lstStyle/>
-          <a:p>
-            <a:fld id="{0B0F4DA3-A20A-4F1E-9416-A0F769FF6BF0}" type="slidenum">
-              <a:rPr lang="en-US" smtClean="0"/>
-              <a:t>6</a:t>
-            </a:fld>
-            <a:endParaRPr lang="en-US" dirty="0"/>
-          </a:p>
-        </p:txBody>
-      </p:sp>
-      <p:grpSp>
-        <p:nvGrpSpPr>
-          <p:cNvPr id="4" name="Group 3"/>
-          <p:cNvGrpSpPr/>
-          <p:nvPr/>
-        </p:nvGrpSpPr>
-        <p:grpSpPr>
-          <a:xfrm>
-            <a:off x="267017" y="1273724"/>
-            <a:ext cx="3010239" cy="1749517"/>
-            <a:chOff x="128043" y="578230"/>
-            <a:chExt cx="4013652" cy="2332689"/>
-          </a:xfrm>
-        </p:grpSpPr>
-        <p:pic>
-          <p:nvPicPr>
-            <p:cNvPr id="19" name="Content Placeholder 6"/>
-            <p:cNvPicPr>
-              <a:picLocks noChangeAspect="1"/>
-            </p:cNvPicPr>
-            <p:nvPr/>
-          </p:nvPicPr>
-          <p:blipFill>
-            <a:blip r:embed="rId3"/>
-            <a:stretch>
-              <a:fillRect/>
-            </a:stretch>
-          </p:blipFill>
-          <p:spPr>
-            <a:xfrm>
-              <a:off x="128043" y="578230"/>
-              <a:ext cx="4013652" cy="2332689"/>
-            </a:xfrm>
-            <a:prstGeom prst="rect">
-              <a:avLst/>
-            </a:prstGeom>
-          </p:spPr>
-        </p:pic>
-        <p:sp>
-          <p:nvSpPr>
-            <p:cNvPr id="7" name="Oval 6"/>
-            <p:cNvSpPr/>
-            <p:nvPr/>
-          </p:nvSpPr>
-          <p:spPr>
-            <a:xfrm>
-              <a:off x="985235" y="1018504"/>
-              <a:ext cx="1167976" cy="618565"/>
-            </a:xfrm>
-            <a:prstGeom prst="ellipse">
-              <a:avLst/>
-            </a:prstGeom>
-            <a:noFill/>
-            <a:ln w="28575">
-              <a:solidFill>
-                <a:srgbClr val="FF0000"/>
-              </a:solidFill>
-            </a:ln>
-          </p:spPr>
-          <p:style>
-            <a:lnRef idx="2">
-              <a:schemeClr val="accent1">
-                <a:shade val="50000"/>
-              </a:schemeClr>
-            </a:lnRef>
-            <a:fillRef idx="1">
-              <a:schemeClr val="accent1"/>
-            </a:fillRef>
-            <a:effectRef idx="0">
-              <a:schemeClr val="accent1"/>
-            </a:effectRef>
-            <a:fontRef idx="minor">
-              <a:schemeClr val="lt1"/>
-            </a:fontRef>
-          </p:style>
-          <p:txBody>
-            <a:bodyPr rot="0" spcFirstLastPara="0" vertOverflow="overflow" horzOverflow="overflow" vert="horz" wrap="square" lIns="68580" tIns="34290" rIns="68580" bIns="34290" numCol="1" spcCol="0" rtlCol="0" fromWordArt="0" anchor="ctr" anchorCtr="0" forceAA="0" compatLnSpc="1">
-              <a:prstTxWarp prst="textNoShape">
-                <a:avLst/>
-              </a:prstTxWarp>
-              <a:noAutofit/>
-            </a:bodyPr>
-            <a:lstStyle/>
-            <a:p>
-              <a:pPr algn="ctr"/>
-              <a:endParaRPr lang="en-US" sz="1350"/>
-            </a:p>
-          </p:txBody>
-        </p:sp>
-      </p:grpSp>
-      <p:pic>
-        <p:nvPicPr>
-          <p:cNvPr id="29" name="Content Placeholder 3"/>
-          <p:cNvPicPr>
-            <a:picLocks noChangeAspect="1"/>
-          </p:cNvPicPr>
-          <p:nvPr/>
-        </p:nvPicPr>
-        <p:blipFill rotWithShape="1">
-          <a:blip r:embed="rId4"/>
-          <a:srcRect l="-10" t="-173" r="50538" b="9156"/>
-          <a:stretch/>
-        </p:blipFill>
-        <p:spPr>
-          <a:xfrm>
-            <a:off x="4774936" y="778883"/>
-            <a:ext cx="3514245" cy="2365735"/>
-          </a:xfrm>
-          <a:prstGeom prst="rect">
-            <a:avLst/>
-          </a:prstGeom>
-        </p:spPr>
-      </p:pic>
-      <p:sp>
-        <p:nvSpPr>
-          <p:cNvPr id="37" name="TextBox 36"/>
-          <p:cNvSpPr txBox="1"/>
-          <p:nvPr/>
-        </p:nvSpPr>
-        <p:spPr>
-          <a:xfrm>
-            <a:off x="864051" y="6159539"/>
-            <a:ext cx="3068848" cy="698461"/>
-          </a:xfrm>
-          <a:prstGeom prst="rect">
-            <a:avLst/>
-          </a:prstGeom>
-          <a:noFill/>
-        </p:spPr>
-        <p:txBody>
-          <a:bodyPr wrap="square" rtlCol="0">
-            <a:spAutoFit/>
-          </a:bodyPr>
-          <a:lstStyle/>
-          <a:p>
-            <a:r>
-              <a:rPr lang="en-US" sz="900" dirty="0"/>
-              <a:t>Fig 1. Schematic of a typical flight cycle</a:t>
-            </a:r>
-          </a:p>
-          <a:p>
-            <a:r>
-              <a:rPr lang="en-US" sz="900" dirty="0"/>
-              <a:t>M.R. Bache,</a:t>
-            </a:r>
-            <a:r>
-              <a:rPr lang="en-US" sz="900" i="1" dirty="0"/>
-              <a:t> International Journal of Fatigue, </a:t>
-            </a:r>
-            <a:r>
-              <a:rPr lang="en-US" sz="900" dirty="0"/>
-              <a:t>2003 </a:t>
-            </a:r>
-            <a:r>
-              <a:rPr lang="en-US" sz="1013" dirty="0"/>
-              <a:t>	</a:t>
-            </a:r>
-          </a:p>
-          <a:p>
-            <a:r>
-              <a:rPr lang="en-US" sz="1013" dirty="0"/>
-              <a:t> 	</a:t>
-            </a:r>
-          </a:p>
-          <a:p>
-            <a:endParaRPr lang="en-US" sz="1013" dirty="0"/>
-          </a:p>
-        </p:txBody>
-      </p:sp>
-      <p:sp>
-        <p:nvSpPr>
-          <p:cNvPr id="10" name="TextBox 9"/>
-          <p:cNvSpPr txBox="1"/>
-          <p:nvPr/>
-        </p:nvSpPr>
-        <p:spPr>
-          <a:xfrm>
-            <a:off x="1181977" y="3183674"/>
-            <a:ext cx="973343" cy="253916"/>
-          </a:xfrm>
-          <a:prstGeom prst="rect">
-            <a:avLst/>
-          </a:prstGeom>
-          <a:noFill/>
-        </p:spPr>
-        <p:txBody>
-          <a:bodyPr wrap="none" rtlCol="0">
-            <a:spAutoFit/>
-          </a:bodyPr>
-          <a:lstStyle/>
-          <a:p>
-            <a:r>
-              <a:rPr lang="en-US" sz="1050" i="1" dirty="0"/>
-              <a:t>Ref: Wikipedia</a:t>
-            </a:r>
-          </a:p>
-        </p:txBody>
-      </p:sp>
-      <p:sp>
-        <p:nvSpPr>
-          <p:cNvPr id="17" name="TextBox 16"/>
-          <p:cNvSpPr txBox="1"/>
-          <p:nvPr/>
-        </p:nvSpPr>
-        <p:spPr>
-          <a:xfrm>
-            <a:off x="6233119" y="3183674"/>
-            <a:ext cx="1034257" cy="253916"/>
-          </a:xfrm>
-          <a:prstGeom prst="rect">
-            <a:avLst/>
-          </a:prstGeom>
-          <a:noFill/>
-        </p:spPr>
-        <p:txBody>
-          <a:bodyPr wrap="none" rtlCol="0">
-            <a:spAutoFit/>
-          </a:bodyPr>
-          <a:lstStyle/>
-          <a:p>
-            <a:r>
-              <a:rPr lang="en-US" sz="1050" i="1" dirty="0"/>
-              <a:t>Ref: Wikipedia  </a:t>
-            </a:r>
-          </a:p>
-        </p:txBody>
-      </p:sp>
-      <p:grpSp>
-        <p:nvGrpSpPr>
-          <p:cNvPr id="20" name="Group 19">
-            <a:extLst>
-              <a:ext uri="{FF2B5EF4-FFF2-40B4-BE49-F238E27FC236}">
-                <a16:creationId xmlns:a16="http://schemas.microsoft.com/office/drawing/2014/main" id="{2006D102-97BC-49E7-959F-0FD2F919686F}"/>
-              </a:ext>
-            </a:extLst>
-          </p:cNvPr>
-          <p:cNvGrpSpPr/>
-          <p:nvPr/>
-        </p:nvGrpSpPr>
-        <p:grpSpPr>
-          <a:xfrm>
-            <a:off x="4567185" y="3436907"/>
-            <a:ext cx="3781530" cy="2964662"/>
-            <a:chOff x="94567" y="857251"/>
-            <a:chExt cx="3104726" cy="2370044"/>
-          </a:xfrm>
-        </p:grpSpPr>
-        <p:grpSp>
-          <p:nvGrpSpPr>
-            <p:cNvPr id="21" name="Group 20">
-              <a:extLst>
-                <a:ext uri="{FF2B5EF4-FFF2-40B4-BE49-F238E27FC236}">
-                  <a16:creationId xmlns:a16="http://schemas.microsoft.com/office/drawing/2014/main" id="{8AFA11D8-EA18-4210-93EE-030601600EB5}"/>
-                </a:ext>
-              </a:extLst>
-            </p:cNvPr>
-            <p:cNvGrpSpPr/>
-            <p:nvPr/>
-          </p:nvGrpSpPr>
-          <p:grpSpPr>
-            <a:xfrm>
-              <a:off x="94567" y="857251"/>
-              <a:ext cx="3104726" cy="2370044"/>
-              <a:chOff x="94567" y="857251"/>
-              <a:chExt cx="3104726" cy="2370044"/>
-            </a:xfrm>
-          </p:grpSpPr>
-          <p:pic>
-            <p:nvPicPr>
-              <p:cNvPr id="23" name="Picture 22">
-                <a:extLst>
-                  <a:ext uri="{FF2B5EF4-FFF2-40B4-BE49-F238E27FC236}">
-                    <a16:creationId xmlns:a16="http://schemas.microsoft.com/office/drawing/2014/main" id="{FB0A37EE-407E-435F-B38C-A45040604A11}"/>
-                  </a:ext>
-                </a:extLst>
-              </p:cNvPr>
-              <p:cNvPicPr>
-                <a:picLocks noChangeAspect="1"/>
-              </p:cNvPicPr>
-              <p:nvPr/>
-            </p:nvPicPr>
-            <p:blipFill rotWithShape="1">
-              <a:blip r:embed="rId5">
-                <a:extLst>
-                  <a:ext uri="{28A0092B-C50C-407E-A947-70E740481C1C}">
-                    <a14:useLocalDpi xmlns:a14="http://schemas.microsoft.com/office/drawing/2010/main" val="0"/>
-                  </a:ext>
-                </a:extLst>
-              </a:blip>
-              <a:srcRect b="11104"/>
-              <a:stretch/>
-            </p:blipFill>
-            <p:spPr>
-              <a:xfrm>
-                <a:off x="94567" y="857251"/>
-                <a:ext cx="3104726" cy="2370044"/>
-              </a:xfrm>
-              <a:prstGeom prst="rect">
-                <a:avLst/>
-              </a:prstGeom>
-            </p:spPr>
-          </p:pic>
-          <p:cxnSp>
-            <p:nvCxnSpPr>
-              <p:cNvPr id="24" name="Straight Arrow Connector 23">
-                <a:extLst>
-                  <a:ext uri="{FF2B5EF4-FFF2-40B4-BE49-F238E27FC236}">
-                    <a16:creationId xmlns:a16="http://schemas.microsoft.com/office/drawing/2014/main" id="{F34EF4DB-48A8-49B9-98E2-C0BD41ECA5C6}"/>
-                  </a:ext>
-                </a:extLst>
-              </p:cNvPr>
-              <p:cNvCxnSpPr/>
-              <p:nvPr/>
-            </p:nvCxnSpPr>
-            <p:spPr>
-              <a:xfrm>
-                <a:off x="1243852" y="1855694"/>
-                <a:ext cx="927848" cy="0"/>
-              </a:xfrm>
-              <a:prstGeom prst="straightConnector1">
-                <a:avLst/>
-              </a:prstGeom>
-              <a:ln>
-                <a:solidFill>
-                  <a:srgbClr val="FF0000"/>
-                </a:solidFill>
-                <a:headEnd type="triangle"/>
-                <a:tailEnd type="triangle"/>
-              </a:ln>
-            </p:spPr>
-            <p:style>
-              <a:lnRef idx="1">
-                <a:schemeClr val="accent1"/>
-              </a:lnRef>
-              <a:fillRef idx="0">
-                <a:schemeClr val="accent1"/>
-              </a:fillRef>
-              <a:effectRef idx="0">
-                <a:schemeClr val="accent1"/>
-              </a:effectRef>
-              <a:fontRef idx="minor">
-                <a:schemeClr val="tx1"/>
-              </a:fontRef>
-            </p:style>
-          </p:cxnSp>
-          <p:cxnSp>
-            <p:nvCxnSpPr>
-              <p:cNvPr id="26" name="Straight Arrow Connector 25">
-                <a:extLst>
-                  <a:ext uri="{FF2B5EF4-FFF2-40B4-BE49-F238E27FC236}">
-                    <a16:creationId xmlns:a16="http://schemas.microsoft.com/office/drawing/2014/main" id="{789EB8B2-DFBB-4BF6-B84B-789E1636521B}"/>
-                  </a:ext>
-                </a:extLst>
-              </p:cNvPr>
-              <p:cNvCxnSpPr/>
-              <p:nvPr/>
-            </p:nvCxnSpPr>
-            <p:spPr>
-              <a:xfrm flipV="1">
-                <a:off x="806094" y="1550474"/>
-                <a:ext cx="1277234" cy="6723"/>
-              </a:xfrm>
-              <a:prstGeom prst="straightConnector1">
-                <a:avLst/>
-              </a:prstGeom>
-              <a:ln>
-                <a:solidFill>
-                  <a:srgbClr val="FF0000"/>
-                </a:solidFill>
-                <a:headEnd type="triangle"/>
-                <a:tailEnd type="triangle"/>
-              </a:ln>
-            </p:spPr>
-            <p:style>
-              <a:lnRef idx="1">
-                <a:schemeClr val="accent1"/>
-              </a:lnRef>
-              <a:fillRef idx="0">
-                <a:schemeClr val="accent1"/>
-              </a:fillRef>
-              <a:effectRef idx="0">
-                <a:schemeClr val="accent1"/>
-              </a:effectRef>
-              <a:fontRef idx="minor">
-                <a:schemeClr val="tx1"/>
-              </a:fontRef>
-            </p:style>
-          </p:cxnSp>
-        </p:grpSp>
-        <p:sp>
-          <p:nvSpPr>
-            <p:cNvPr id="22" name="TextBox 21">
-              <a:extLst>
-                <a:ext uri="{FF2B5EF4-FFF2-40B4-BE49-F238E27FC236}">
-                  <a16:creationId xmlns:a16="http://schemas.microsoft.com/office/drawing/2014/main" id="{B4034C69-EEE2-409D-9D12-7D52534809E4}"/>
-                </a:ext>
-              </a:extLst>
-            </p:cNvPr>
-            <p:cNvSpPr txBox="1"/>
-            <p:nvPr/>
-          </p:nvSpPr>
-          <p:spPr>
-            <a:xfrm>
-              <a:off x="628650" y="988423"/>
-              <a:ext cx="1524836" cy="313125"/>
-            </a:xfrm>
-            <a:prstGeom prst="rect">
-              <a:avLst/>
-            </a:prstGeom>
-            <a:noFill/>
-          </p:spPr>
-          <p:txBody>
-            <a:bodyPr wrap="none" rtlCol="0">
-              <a:spAutoFit/>
-            </a:bodyPr>
-            <a:lstStyle/>
-            <a:p>
-              <a:r>
-                <a:rPr lang="en-US" sz="1013" dirty="0"/>
-                <a:t>TIMETAL 685, 20</a:t>
-              </a:r>
-              <a:r>
-                <a:rPr lang="el-GR" sz="1013" dirty="0"/>
-                <a:t>°</a:t>
-              </a:r>
-              <a:r>
-                <a:rPr lang="en-US" sz="1013" dirty="0"/>
-                <a:t>C</a:t>
-              </a:r>
-            </a:p>
-          </p:txBody>
-        </p:sp>
-      </p:grpSp>
-      <p:sp>
-        <p:nvSpPr>
-          <p:cNvPr id="27" name="TextBox 26">
-            <a:extLst>
-              <a:ext uri="{FF2B5EF4-FFF2-40B4-BE49-F238E27FC236}">
-                <a16:creationId xmlns:a16="http://schemas.microsoft.com/office/drawing/2014/main" id="{551D60E6-6B1B-49CA-BEBA-6EA3D660F252}"/>
-              </a:ext>
-            </a:extLst>
-          </p:cNvPr>
-          <p:cNvSpPr txBox="1"/>
-          <p:nvPr/>
-        </p:nvSpPr>
-        <p:spPr>
-          <a:xfrm>
-            <a:off x="5835758" y="6396412"/>
-            <a:ext cx="1828978" cy="515023"/>
-          </a:xfrm>
-          <a:prstGeom prst="rect">
-            <a:avLst/>
-          </a:prstGeom>
-          <a:noFill/>
-        </p:spPr>
-        <p:txBody>
-          <a:bodyPr wrap="none" rtlCol="0">
-            <a:spAutoFit/>
-          </a:bodyPr>
-          <a:lstStyle/>
-          <a:p>
-            <a:r>
-              <a:rPr lang="en-US" sz="1013" dirty="0"/>
-              <a:t>Fig: DFD in two Ti alloys</a:t>
-            </a:r>
-          </a:p>
-          <a:p>
-            <a:r>
-              <a:rPr lang="en-US" sz="1013" i="1" dirty="0" err="1"/>
-              <a:t>W.J.Evans</a:t>
-            </a:r>
-            <a:r>
-              <a:rPr lang="en-US" sz="1013" i="1" dirty="0"/>
-              <a:t>, 1998</a:t>
-            </a:r>
-          </a:p>
-        </p:txBody>
-      </p:sp>
-      <p:pic>
-        <p:nvPicPr>
-          <p:cNvPr id="8" name="Picture 7">
-            <a:extLst>
-              <a:ext uri="{FF2B5EF4-FFF2-40B4-BE49-F238E27FC236}">
-                <a16:creationId xmlns:a16="http://schemas.microsoft.com/office/drawing/2014/main" id="{38109D59-6DF7-4A6D-8A3F-C613BC600004}"/>
-              </a:ext>
-            </a:extLst>
-          </p:cNvPr>
-          <p:cNvPicPr>
-            <a:picLocks noChangeAspect="1"/>
-          </p:cNvPicPr>
-          <p:nvPr/>
-        </p:nvPicPr>
-        <p:blipFill>
-          <a:blip r:embed="rId6" cstate="print">
-            <a:extLst>
-              <a:ext uri="{28A0092B-C50C-407E-A947-70E740481C1C}">
-                <a14:useLocalDpi xmlns:a14="http://schemas.microsoft.com/office/drawing/2010/main" val="0"/>
-              </a:ext>
-            </a:extLst>
-          </a:blip>
-          <a:stretch>
-            <a:fillRect/>
-          </a:stretch>
-        </p:blipFill>
-        <p:spPr>
-          <a:xfrm>
-            <a:off x="406010" y="4028828"/>
-            <a:ext cx="3668573" cy="1938528"/>
-          </a:xfrm>
-          <a:prstGeom prst="rect">
-            <a:avLst/>
-          </a:prstGeom>
-        </p:spPr>
-      </p:pic>
-    </p:spTree>
-    <p:extLst>
-      <p:ext uri="{BB962C8B-B14F-4D97-AF65-F5344CB8AC3E}">
-        <p14:creationId xmlns:p14="http://schemas.microsoft.com/office/powerpoint/2010/main" val="400235404"/>
-      </p:ext>
-    </p:extLst>
-  </p:cSld>
-  <p:clrMapOvr>
-    <a:masterClrMapping/>
-  </p:clrMapOvr>
-</p:sld>
-</file>
-
-<file path=ppt/slides/slide7.xml><?xml version="1.0" encoding="utf-8"?>
-<p:sld xmlns:a="http://schemas.openxmlformats.org/drawingml/2006/main" xmlns:r="http://schemas.openxmlformats.org/officeDocument/2006/relationships" xmlns:p="http://schemas.openxmlformats.org/presentationml/2006/main">
-  <p:cSld>
-    <p:spTree>
-      <p:nvGrpSpPr>
-        <p:cNvPr id="1" name=""/>
-        <p:cNvGrpSpPr/>
-        <p:nvPr/>
-      </p:nvGrpSpPr>
-      <p:grpSpPr>
-        <a:xfrm>
-          <a:off x="0" y="0"/>
-          <a:ext cx="0" cy="0"/>
-          <a:chOff x="0" y="0"/>
-          <a:chExt cx="0" cy="0"/>
-        </a:xfrm>
-      </p:grpSpPr>
-      <p:graphicFrame>
-        <p:nvGraphicFramePr>
-          <p:cNvPr id="7" name="Object 6"/>
-          <p:cNvGraphicFramePr>
-            <a:graphicFrameLocks noChangeAspect="1"/>
-          </p:cNvGraphicFramePr>
-          <p:nvPr>
-            <p:extLst/>
-          </p:nvPr>
-        </p:nvGraphicFramePr>
-        <p:xfrm>
-          <a:off x="4562548" y="3972506"/>
-          <a:ext cx="64294" cy="121444"/>
-        </p:xfrm>
-        <a:graphic>
-          <a:graphicData uri="http://schemas.openxmlformats.org/presentationml/2006/ole">
-            <mc:AlternateContent xmlns:mc="http://schemas.openxmlformats.org/markup-compatibility/2006">
-              <mc:Choice xmlns:v="urn:schemas-microsoft-com:vml" Requires="v">
-                <p:oleObj spid="_x0000_s1055" name="Equation" r:id="rId4" imgW="114120" imgH="215640" progId="Equation.3">
-                  <p:embed/>
-                </p:oleObj>
-              </mc:Choice>
-              <mc:Fallback>
-                <p:oleObj name="Equation" r:id="rId4" imgW="114120" imgH="215640" progId="Equation.3">
-                  <p:embed/>
-                  <p:pic>
-                    <p:nvPicPr>
-                      <p:cNvPr id="0" name=""/>
-                      <p:cNvPicPr/>
-                      <p:nvPr/>
-                    </p:nvPicPr>
-                    <p:blipFill>
-                      <a:blip r:embed="rId5"/>
-                      <a:stretch>
-                        <a:fillRect/>
-                      </a:stretch>
-                    </p:blipFill>
-                    <p:spPr>
-                      <a:xfrm>
-                        <a:off x="4562548" y="3972506"/>
-                        <a:ext cx="64294" cy="121444"/>
-                      </a:xfrm>
-                      <a:prstGeom prst="rect">
-                        <a:avLst/>
-                      </a:prstGeom>
-                    </p:spPr>
-                  </p:pic>
-                </p:oleObj>
-              </mc:Fallback>
-            </mc:AlternateContent>
-          </a:graphicData>
-        </a:graphic>
-      </p:graphicFrame>
-      <mc:AlternateContent xmlns:mc="http://schemas.openxmlformats.org/markup-compatibility/2006">
-        <mc:Choice xmlns:a14="http://schemas.microsoft.com/office/drawing/2010/main" Requires="a14">
-          <p:sp>
-            <p:nvSpPr>
-              <p:cNvPr id="11" name="TextBox 10"/>
-              <p:cNvSpPr txBox="1"/>
-              <p:nvPr/>
-            </p:nvSpPr>
-            <p:spPr>
-              <a:xfrm>
-                <a:off x="179632" y="5117321"/>
-                <a:ext cx="6685758" cy="737766"/>
-              </a:xfrm>
-              <a:prstGeom prst="rect">
-                <a:avLst/>
-              </a:prstGeom>
-              <a:noFill/>
-            </p:spPr>
-            <p:txBody>
-              <a:bodyPr wrap="square" rtlCol="0">
-                <a:spAutoFit/>
-              </a:bodyPr>
-              <a:lstStyle/>
-              <a:p>
-                <a:r>
-                  <a:rPr lang="en-US" sz="2400" dirty="0"/>
-                  <a:t>DFD = </a:t>
-                </a:r>
-                <a14:m>
-                  <m:oMath xmlns:m="http://schemas.openxmlformats.org/officeDocument/2006/math">
-                    <m:f>
-                      <m:fPr>
-                        <m:ctrlPr>
-                          <a:rPr lang="en-US" sz="2400" i="1">
-                            <a:latin typeface="Cambria Math" panose="02040503050406030204" pitchFamily="18" charset="0"/>
-                          </a:rPr>
-                        </m:ctrlPr>
-                      </m:fPr>
-                      <m:num>
-                        <m:r>
-                          <m:rPr>
-                            <m:nor/>
-                          </m:rPr>
-                          <a:rPr lang="en-US" sz="2400" dirty="0"/>
-                          <m:t>No</m:t>
-                        </m:r>
-                        <m:r>
-                          <m:rPr>
-                            <m:nor/>
-                          </m:rPr>
-                          <a:rPr lang="en-US" sz="2400" dirty="0"/>
-                          <m:t> </m:t>
-                        </m:r>
-                        <m:r>
-                          <m:rPr>
-                            <m:nor/>
-                          </m:rPr>
-                          <a:rPr lang="en-US" sz="2400" dirty="0"/>
-                          <m:t>of</m:t>
-                        </m:r>
-                        <m:r>
-                          <m:rPr>
-                            <m:nor/>
-                          </m:rPr>
-                          <a:rPr lang="en-US" sz="2400" dirty="0"/>
-                          <m:t> </m:t>
-                        </m:r>
-                        <m:r>
-                          <m:rPr>
-                            <m:nor/>
-                          </m:rPr>
-                          <a:rPr lang="en-US" sz="2400" dirty="0"/>
-                          <m:t>cycles</m:t>
-                        </m:r>
-                        <m:r>
-                          <m:rPr>
-                            <m:nor/>
-                          </m:rPr>
-                          <a:rPr lang="en-US" sz="2400" dirty="0"/>
-                          <m:t> </m:t>
-                        </m:r>
-                        <m:r>
-                          <m:rPr>
-                            <m:nor/>
-                          </m:rPr>
-                          <a:rPr lang="en-US" sz="2400" dirty="0"/>
-                          <m:t>to</m:t>
-                        </m:r>
-                        <m:r>
-                          <m:rPr>
-                            <m:nor/>
-                          </m:rPr>
-                          <a:rPr lang="en-US" sz="2400" dirty="0"/>
-                          <m:t> </m:t>
-                        </m:r>
-                        <m:r>
-                          <m:rPr>
-                            <m:nor/>
-                          </m:rPr>
-                          <a:rPr lang="en-US" sz="2400" dirty="0"/>
-                          <m:t>failure</m:t>
-                        </m:r>
-                        <m:r>
-                          <m:rPr>
-                            <m:nor/>
-                          </m:rPr>
-                          <a:rPr lang="en-US" sz="2400" dirty="0"/>
-                          <m:t> </m:t>
-                        </m:r>
-                        <m:r>
-                          <m:rPr>
-                            <m:nor/>
-                          </m:rPr>
-                          <a:rPr lang="en-US" sz="2400" dirty="0"/>
-                          <m:t>in</m:t>
-                        </m:r>
-                        <m:r>
-                          <m:rPr>
-                            <m:nor/>
-                          </m:rPr>
-                          <a:rPr lang="en-US" sz="2400" dirty="0"/>
-                          <m:t> </m:t>
-                        </m:r>
-                        <m:r>
-                          <m:rPr>
-                            <m:nor/>
-                          </m:rPr>
-                          <a:rPr lang="en-US" sz="2400" dirty="0"/>
-                          <m:t>continuous</m:t>
-                        </m:r>
-                        <m:r>
-                          <m:rPr>
-                            <m:nor/>
-                          </m:rPr>
-                          <a:rPr lang="en-US" sz="2400" dirty="0"/>
-                          <m:t> </m:t>
-                        </m:r>
-                        <m:r>
-                          <m:rPr>
-                            <m:nor/>
-                          </m:rPr>
-                          <a:rPr lang="en-US" sz="2400" dirty="0"/>
-                          <m:t>cycling</m:t>
-                        </m:r>
-                        <m:r>
-                          <m:rPr>
-                            <m:nor/>
-                          </m:rPr>
-                          <a:rPr lang="en-US" sz="2400" dirty="0"/>
-                          <m:t> </m:t>
-                        </m:r>
-                      </m:num>
-                      <m:den>
-                        <m:r>
-                          <m:rPr>
-                            <m:nor/>
-                          </m:rPr>
-                          <a:rPr lang="en-US" sz="2400" dirty="0"/>
-                          <m:t>No</m:t>
-                        </m:r>
-                        <m:r>
-                          <m:rPr>
-                            <m:nor/>
-                          </m:rPr>
-                          <a:rPr lang="en-US" sz="2400" dirty="0"/>
-                          <m:t> </m:t>
-                        </m:r>
-                        <m:r>
-                          <m:rPr>
-                            <m:nor/>
-                          </m:rPr>
-                          <a:rPr lang="en-US" sz="2400" dirty="0"/>
-                          <m:t>of</m:t>
-                        </m:r>
-                        <m:r>
-                          <m:rPr>
-                            <m:nor/>
-                          </m:rPr>
-                          <a:rPr lang="en-US" sz="2400" dirty="0"/>
-                          <m:t> </m:t>
-                        </m:r>
-                        <m:r>
-                          <m:rPr>
-                            <m:nor/>
-                          </m:rPr>
-                          <a:rPr lang="en-US" sz="2400" dirty="0"/>
-                          <m:t>cycles</m:t>
-                        </m:r>
-                        <m:r>
-                          <m:rPr>
-                            <m:nor/>
-                          </m:rPr>
-                          <a:rPr lang="en-US" sz="2400" dirty="0"/>
-                          <m:t> </m:t>
-                        </m:r>
-                        <m:r>
-                          <m:rPr>
-                            <m:nor/>
-                          </m:rPr>
-                          <a:rPr lang="en-US" sz="2400" dirty="0"/>
-                          <m:t>to</m:t>
-                        </m:r>
-                        <m:r>
-                          <m:rPr>
-                            <m:nor/>
-                          </m:rPr>
-                          <a:rPr lang="en-US" sz="2400" dirty="0"/>
-                          <m:t> </m:t>
-                        </m:r>
-                        <m:r>
-                          <m:rPr>
-                            <m:nor/>
-                          </m:rPr>
-                          <a:rPr lang="en-US" sz="2400" dirty="0"/>
-                          <m:t>failure</m:t>
-                        </m:r>
-                        <m:r>
-                          <m:rPr>
-                            <m:nor/>
-                          </m:rPr>
-                          <a:rPr lang="en-US" sz="2400" dirty="0"/>
-                          <m:t> </m:t>
-                        </m:r>
-                        <m:r>
-                          <m:rPr>
-                            <m:nor/>
-                          </m:rPr>
-                          <a:rPr lang="en-US" sz="2400" dirty="0"/>
-                          <m:t>in</m:t>
-                        </m:r>
-                        <m:r>
-                          <m:rPr>
-                            <m:nor/>
-                          </m:rPr>
-                          <a:rPr lang="en-US" sz="2400" dirty="0"/>
-                          <m:t> </m:t>
-                        </m:r>
-                        <m:r>
-                          <m:rPr>
-                            <m:nor/>
-                          </m:rPr>
-                          <a:rPr lang="en-US" sz="2400" dirty="0"/>
-                          <m:t>Dwell</m:t>
-                        </m:r>
-                        <m:r>
-                          <m:rPr>
-                            <m:nor/>
-                          </m:rPr>
-                          <a:rPr lang="en-US" sz="2400" dirty="0"/>
-                          <m:t> </m:t>
-                        </m:r>
-                        <m:r>
-                          <m:rPr>
-                            <m:nor/>
-                          </m:rPr>
-                          <a:rPr lang="en-US" sz="2400" dirty="0"/>
-                          <m:t>loading</m:t>
-                        </m:r>
-                      </m:den>
-                    </m:f>
-                  </m:oMath>
-                </a14:m>
-                <a:endParaRPr lang="en-US" sz="2400" dirty="0"/>
-              </a:p>
-            </p:txBody>
-          </p:sp>
-        </mc:Choice>
-        <mc:Fallback>
-          <p:sp>
-            <p:nvSpPr>
-              <p:cNvPr id="11" name="TextBox 10"/>
-              <p:cNvSpPr txBox="1">
-                <a:spLocks noRot="1" noChangeAspect="1" noMove="1" noResize="1" noEditPoints="1" noAdjustHandles="1" noChangeArrowheads="1" noChangeShapeType="1" noTextEdit="1"/>
-              </p:cNvSpPr>
-              <p:nvPr/>
-            </p:nvSpPr>
-            <p:spPr>
-              <a:xfrm>
-                <a:off x="179632" y="5117321"/>
-                <a:ext cx="6685758" cy="737766"/>
-              </a:xfrm>
-              <a:prstGeom prst="rect">
-                <a:avLst/>
-              </a:prstGeom>
-              <a:blipFill>
-                <a:blip r:embed="rId6"/>
-                <a:stretch>
-                  <a:fillRect l="-1367" b="-826"/>
-                </a:stretch>
-              </a:blipFill>
-            </p:spPr>
-            <p:txBody>
-              <a:bodyPr/>
-              <a:lstStyle/>
-              <a:p>
-                <a:r>
-                  <a:rPr lang="en-US">
-                    <a:noFill/>
-                  </a:rPr>
-                  <a:t> </a:t>
-                </a:r>
-              </a:p>
-            </p:txBody>
-          </p:sp>
-        </mc:Fallback>
-      </mc:AlternateContent>
-      <p:sp>
-        <p:nvSpPr>
-          <p:cNvPr id="12" name="TextBox 11"/>
-          <p:cNvSpPr txBox="1"/>
-          <p:nvPr/>
-        </p:nvSpPr>
-        <p:spPr>
-          <a:xfrm>
-            <a:off x="312152" y="6067810"/>
-            <a:ext cx="1332416" cy="577082"/>
-          </a:xfrm>
-          <a:prstGeom prst="rect">
-            <a:avLst/>
-          </a:prstGeom>
-          <a:noFill/>
-        </p:spPr>
-        <p:txBody>
-          <a:bodyPr wrap="none" rtlCol="0">
-            <a:spAutoFit/>
-          </a:bodyPr>
-          <a:lstStyle/>
-          <a:p>
-            <a:r>
-              <a:rPr lang="en-US" sz="1050" dirty="0"/>
-              <a:t>=1   Dwell Insensitive</a:t>
-            </a:r>
-          </a:p>
-          <a:p>
-            <a:endParaRPr lang="en-US" sz="1050" dirty="0"/>
-          </a:p>
-          <a:p>
-            <a:r>
-              <a:rPr lang="en-US" sz="1050" dirty="0"/>
-              <a:t>&gt;10 Highly Sensitive </a:t>
-            </a:r>
-          </a:p>
-        </p:txBody>
-      </p:sp>
-      <p:sp>
-        <p:nvSpPr>
-          <p:cNvPr id="2" name="Slide Number Placeholder 1"/>
-          <p:cNvSpPr>
-            <a:spLocks noGrp="1"/>
-          </p:cNvSpPr>
-          <p:nvPr>
-            <p:ph type="sldNum" sz="quarter" idx="12"/>
-          </p:nvPr>
-        </p:nvSpPr>
-        <p:spPr/>
-        <p:txBody>
-          <a:bodyPr/>
-          <a:lstStyle/>
-          <a:p>
-            <a:fld id="{0B0F4DA3-A20A-4F1E-9416-A0F769FF6BF0}" type="slidenum">
-              <a:rPr lang="en-US" smtClean="0"/>
-              <a:t>7</a:t>
-            </a:fld>
-            <a:endParaRPr lang="en-US"/>
-          </a:p>
-        </p:txBody>
-      </p:sp>
-      <p:sp>
-        <p:nvSpPr>
-          <p:cNvPr id="14" name="TextBox 13"/>
-          <p:cNvSpPr txBox="1"/>
-          <p:nvPr/>
-        </p:nvSpPr>
-        <p:spPr>
-          <a:xfrm>
-            <a:off x="-2666399" y="995653"/>
-            <a:ext cx="2596160" cy="923330"/>
-          </a:xfrm>
-          <a:prstGeom prst="rect">
-            <a:avLst/>
-          </a:prstGeom>
-          <a:noFill/>
-        </p:spPr>
-        <p:txBody>
-          <a:bodyPr wrap="none" rtlCol="0">
-            <a:spAutoFit/>
-          </a:bodyPr>
-          <a:lstStyle/>
-          <a:p>
-            <a:r>
-              <a:rPr lang="en-US" sz="1350" dirty="0"/>
-              <a:t>Accelerated tests are not possible</a:t>
-            </a:r>
-          </a:p>
-          <a:p>
-            <a:r>
-              <a:rPr lang="en-US" sz="1350" dirty="0"/>
-              <a:t>even though there is no corrosion </a:t>
-            </a:r>
-          </a:p>
-          <a:p>
-            <a:r>
-              <a:rPr lang="en-US" sz="1350" dirty="0"/>
-              <a:t>or heat generation issue. </a:t>
-            </a:r>
-          </a:p>
-          <a:p>
-            <a:r>
-              <a:rPr lang="en-US" sz="1350" dirty="0"/>
-              <a:t>But there is creep issue </a:t>
-            </a:r>
-          </a:p>
-        </p:txBody>
-      </p:sp>
-      <p:grpSp>
-        <p:nvGrpSpPr>
-          <p:cNvPr id="19" name="Group 18"/>
-          <p:cNvGrpSpPr/>
-          <p:nvPr/>
-        </p:nvGrpSpPr>
-        <p:grpSpPr>
-          <a:xfrm>
-            <a:off x="265023" y="658296"/>
-            <a:ext cx="4210404" cy="3401618"/>
-            <a:chOff x="3308414" y="857251"/>
-            <a:chExt cx="3368051" cy="2492715"/>
-          </a:xfrm>
-        </p:grpSpPr>
-        <p:pic>
-          <p:nvPicPr>
-            <p:cNvPr id="23" name="Picture 22"/>
-            <p:cNvPicPr>
-              <a:picLocks noChangeAspect="1"/>
-            </p:cNvPicPr>
-            <p:nvPr/>
-          </p:nvPicPr>
-          <p:blipFill rotWithShape="1">
-            <a:blip r:embed="rId7">
-              <a:extLst>
-                <a:ext uri="{28A0092B-C50C-407E-A947-70E740481C1C}">
-                  <a14:useLocalDpi xmlns:a14="http://schemas.microsoft.com/office/drawing/2010/main" val="0"/>
-                </a:ext>
-              </a:extLst>
-            </a:blip>
-            <a:srcRect b="7831"/>
-            <a:stretch/>
-          </p:blipFill>
-          <p:spPr>
-            <a:xfrm>
-              <a:off x="3308414" y="857251"/>
-              <a:ext cx="3368051" cy="2492715"/>
-            </a:xfrm>
-            <a:prstGeom prst="rect">
-              <a:avLst/>
-            </a:prstGeom>
-          </p:spPr>
-        </p:pic>
-        <p:cxnSp>
-          <p:nvCxnSpPr>
-            <p:cNvPr id="24" name="Straight Arrow Connector 23"/>
-            <p:cNvCxnSpPr/>
-            <p:nvPr/>
-          </p:nvCxnSpPr>
-          <p:spPr>
-            <a:xfrm>
-              <a:off x="3918446" y="1596838"/>
-              <a:ext cx="739914" cy="0"/>
-            </a:xfrm>
-            <a:prstGeom prst="straightConnector1">
-              <a:avLst/>
-            </a:prstGeom>
-            <a:ln>
-              <a:solidFill>
-                <a:srgbClr val="FF0000"/>
-              </a:solidFill>
-              <a:headEnd type="triangle"/>
-              <a:tailEnd type="triangle"/>
-            </a:ln>
-          </p:spPr>
-          <p:style>
-            <a:lnRef idx="1">
-              <a:schemeClr val="accent1"/>
-            </a:lnRef>
-            <a:fillRef idx="0">
-              <a:schemeClr val="accent1"/>
-            </a:fillRef>
-            <a:effectRef idx="0">
-              <a:schemeClr val="accent1"/>
-            </a:effectRef>
-            <a:fontRef idx="minor">
-              <a:schemeClr val="tx1"/>
-            </a:fontRef>
-          </p:style>
-        </p:cxnSp>
-        <p:sp>
-          <p:nvSpPr>
-            <p:cNvPr id="25" name="TextBox 24"/>
-            <p:cNvSpPr txBox="1"/>
-            <p:nvPr/>
-          </p:nvSpPr>
-          <p:spPr>
-            <a:xfrm>
-              <a:off x="3799274" y="2355804"/>
-              <a:ext cx="1577602" cy="304788"/>
-            </a:xfrm>
-            <a:prstGeom prst="rect">
-              <a:avLst/>
-            </a:prstGeom>
-            <a:noFill/>
-          </p:spPr>
-          <p:txBody>
-            <a:bodyPr wrap="none" rtlCol="0">
-              <a:spAutoFit/>
-            </a:bodyPr>
-            <a:lstStyle/>
-            <a:p>
-              <a:r>
-                <a:rPr lang="en-US" sz="1013" dirty="0"/>
-                <a:t>TIMETAL 834, 20</a:t>
-              </a:r>
-              <a:r>
-                <a:rPr lang="el-GR" sz="1013" dirty="0"/>
-                <a:t>°</a:t>
-              </a:r>
-              <a:r>
-                <a:rPr lang="en-US" sz="1013" dirty="0"/>
-                <a:t>C</a:t>
-              </a:r>
-            </a:p>
-          </p:txBody>
-        </p:sp>
-      </p:grpSp>
-      <p:sp>
-        <p:nvSpPr>
-          <p:cNvPr id="22" name="TextBox 21"/>
-          <p:cNvSpPr txBox="1"/>
-          <p:nvPr/>
-        </p:nvSpPr>
-        <p:spPr>
-          <a:xfrm>
-            <a:off x="2390703" y="3931404"/>
-            <a:ext cx="1828978" cy="515023"/>
-          </a:xfrm>
-          <a:prstGeom prst="rect">
-            <a:avLst/>
-          </a:prstGeom>
-          <a:noFill/>
-        </p:spPr>
-        <p:txBody>
-          <a:bodyPr wrap="none" rtlCol="0">
-            <a:spAutoFit/>
-          </a:bodyPr>
-          <a:lstStyle/>
-          <a:p>
-            <a:r>
-              <a:rPr lang="en-US" sz="1013" dirty="0"/>
-              <a:t>Fig: DFD in two Ti alloys</a:t>
-            </a:r>
-          </a:p>
-          <a:p>
-            <a:r>
-              <a:rPr lang="en-US" sz="1013" i="1" dirty="0" err="1"/>
-              <a:t>W.J.Evans</a:t>
-            </a:r>
-            <a:r>
-              <a:rPr lang="en-US" sz="1013" i="1" dirty="0"/>
-              <a:t>, 2001</a:t>
-            </a:r>
-          </a:p>
-        </p:txBody>
-      </p:sp>
-      <p:sp>
-        <p:nvSpPr>
-          <p:cNvPr id="4" name="TextBox 3"/>
-          <p:cNvSpPr txBox="1"/>
-          <p:nvPr/>
-        </p:nvSpPr>
-        <p:spPr>
-          <a:xfrm>
-            <a:off x="-2805800" y="2957438"/>
-            <a:ext cx="2768707" cy="300082"/>
-          </a:xfrm>
-          <a:prstGeom prst="rect">
-            <a:avLst/>
-          </a:prstGeom>
-          <a:noFill/>
-        </p:spPr>
-        <p:txBody>
-          <a:bodyPr wrap="none" rtlCol="0">
-            <a:spAutoFit/>
-          </a:bodyPr>
-          <a:lstStyle/>
-          <a:p>
-            <a:r>
-              <a:rPr lang="en-US" sz="1350" dirty="0"/>
-              <a:t>Why near alpha ?? In these </a:t>
-            </a:r>
-            <a:r>
-              <a:rPr lang="en-US" sz="1350" dirty="0" err="1"/>
-              <a:t>applctins</a:t>
-            </a:r>
-            <a:endParaRPr lang="en-US" sz="1350" dirty="0"/>
-          </a:p>
-        </p:txBody>
-      </p:sp>
-      <p:sp>
-        <p:nvSpPr>
-          <p:cNvPr id="5" name="Rectangle 4">
-            <a:extLst>
-              <a:ext uri="{FF2B5EF4-FFF2-40B4-BE49-F238E27FC236}">
-                <a16:creationId xmlns:a16="http://schemas.microsoft.com/office/drawing/2014/main" id="{1851F48A-647B-4279-8EF2-F723EC1594CE}"/>
-              </a:ext>
-            </a:extLst>
-          </p:cNvPr>
-          <p:cNvSpPr/>
-          <p:nvPr/>
-        </p:nvSpPr>
-        <p:spPr>
-          <a:xfrm>
-            <a:off x="-9452" y="119826"/>
-            <a:ext cx="9144000" cy="584775"/>
-          </a:xfrm>
-          <a:prstGeom prst="rect">
-            <a:avLst/>
-          </a:prstGeom>
-        </p:spPr>
-        <p:txBody>
-          <a:bodyPr wrap="square">
-            <a:spAutoFit/>
-          </a:bodyPr>
-          <a:lstStyle/>
-          <a:p>
-            <a:pPr algn="ctr"/>
-            <a:r>
-              <a:rPr lang="en-US" sz="3200" b="1" dirty="0"/>
-              <a:t>Dwell Fatigue Debit</a:t>
-            </a:r>
-            <a:endParaRPr lang="en-US" sz="3200" dirty="0"/>
-          </a:p>
-        </p:txBody>
-      </p:sp>
-      <p:sp>
-        <p:nvSpPr>
-          <p:cNvPr id="31" name="TextBox 30">
-            <a:extLst>
-              <a:ext uri="{FF2B5EF4-FFF2-40B4-BE49-F238E27FC236}">
-                <a16:creationId xmlns:a16="http://schemas.microsoft.com/office/drawing/2014/main" id="{6F4EE3DF-EB7F-4B7B-BF76-D0DE0F114E93}"/>
-              </a:ext>
-            </a:extLst>
-          </p:cNvPr>
-          <p:cNvSpPr txBox="1"/>
-          <p:nvPr/>
-        </p:nvSpPr>
-        <p:spPr>
-          <a:xfrm>
-            <a:off x="5462567" y="3743721"/>
-            <a:ext cx="3528426" cy="584775"/>
-          </a:xfrm>
-          <a:prstGeom prst="rect">
-            <a:avLst/>
-          </a:prstGeom>
-          <a:noFill/>
-        </p:spPr>
-        <p:txBody>
-          <a:bodyPr wrap="square" rtlCol="0">
-            <a:spAutoFit/>
-          </a:bodyPr>
-          <a:lstStyle/>
-          <a:p>
-            <a:r>
-              <a:rPr lang="en-US" sz="1600" dirty="0"/>
-              <a:t>Fig: Perspectives on Titanium Science and Technology, D.</a:t>
-            </a:r>
-            <a:r>
-              <a:rPr lang="en-US" sz="1600" i="1" dirty="0"/>
-              <a:t> Banerjee, et.al., 2014</a:t>
-            </a:r>
-            <a:endParaRPr lang="en-US" sz="1600" dirty="0"/>
-          </a:p>
-        </p:txBody>
-      </p:sp>
-      <p:pic>
-        <p:nvPicPr>
-          <p:cNvPr id="32" name="Picture 31">
-            <a:extLst>
-              <a:ext uri="{FF2B5EF4-FFF2-40B4-BE49-F238E27FC236}">
-                <a16:creationId xmlns:a16="http://schemas.microsoft.com/office/drawing/2014/main" id="{A432714C-B773-4DA1-B500-DA66AF27F4FA}"/>
-              </a:ext>
-            </a:extLst>
-          </p:cNvPr>
-          <p:cNvPicPr>
-            <a:picLocks noChangeAspect="1"/>
-          </p:cNvPicPr>
-          <p:nvPr/>
-        </p:nvPicPr>
-        <p:blipFill>
-          <a:blip r:embed="rId8">
-            <a:extLst>
-              <a:ext uri="{28A0092B-C50C-407E-A947-70E740481C1C}">
-                <a14:useLocalDpi xmlns:a14="http://schemas.microsoft.com/office/drawing/2010/main" val="0"/>
-              </a:ext>
-            </a:extLst>
-          </a:blip>
-          <a:stretch>
-            <a:fillRect/>
-          </a:stretch>
-        </p:blipFill>
-        <p:spPr>
-          <a:xfrm>
-            <a:off x="4739787" y="774050"/>
-            <a:ext cx="4251206" cy="2899184"/>
-          </a:xfrm>
-          <a:prstGeom prst="rect">
-            <a:avLst/>
-          </a:prstGeom>
-        </p:spPr>
-      </p:pic>
-    </p:spTree>
-    <p:extLst>
-      <p:ext uri="{BB962C8B-B14F-4D97-AF65-F5344CB8AC3E}">
-        <p14:creationId xmlns:p14="http://schemas.microsoft.com/office/powerpoint/2010/main" val="2187723641"/>
-      </p:ext>
-    </p:extLst>
-  </p:cSld>
-  <p:clrMapOvr>
-    <a:masterClrMapping/>
-  </p:clrMapOvr>
-</p:sld>
-</file>
-
-<file path=ppt/slides/slide8.xml><?xml version="1.0" encoding="utf-8"?>
-<p:sld xmlns:a="http://schemas.openxmlformats.org/drawingml/2006/main" xmlns:r="http://schemas.openxmlformats.org/officeDocument/2006/relationships" xmlns:p="http://schemas.openxmlformats.org/presentationml/2006/main">
-  <p:cSld>
-    <p:spTree>
-      <p:nvGrpSpPr>
-        <p:cNvPr id="1" name=""/>
-        <p:cNvGrpSpPr/>
-        <p:nvPr/>
-      </p:nvGrpSpPr>
-      <p:grpSpPr>
-        <a:xfrm>
-          <a:off x="0" y="0"/>
-          <a:ext cx="0" cy="0"/>
-          <a:chOff x="0" y="0"/>
-          <a:chExt cx="0" cy="0"/>
-        </a:xfrm>
-      </p:grpSpPr>
-      <p:sp>
-        <p:nvSpPr>
-          <p:cNvPr id="2" name="Rectangle 1">
-            <a:extLst>
-              <a:ext uri="{FF2B5EF4-FFF2-40B4-BE49-F238E27FC236}">
-                <a16:creationId xmlns:a16="http://schemas.microsoft.com/office/drawing/2014/main" id="{931D5CF8-B42D-4DC7-88A0-C6FE82EB0A97}"/>
-              </a:ext>
-            </a:extLst>
-          </p:cNvPr>
-          <p:cNvSpPr/>
-          <p:nvPr/>
-        </p:nvSpPr>
-        <p:spPr>
-          <a:xfrm>
-            <a:off x="3220708" y="302351"/>
-            <a:ext cx="2369623" cy="369332"/>
-          </a:xfrm>
-          <a:prstGeom prst="rect">
-            <a:avLst/>
-          </a:prstGeom>
-        </p:spPr>
-        <p:txBody>
-          <a:bodyPr wrap="none">
-            <a:spAutoFit/>
-          </a:bodyPr>
-          <a:lstStyle/>
-          <a:p>
-            <a:pPr algn="ctr"/>
-            <a:r>
-              <a:rPr lang="en-US" dirty="0"/>
-              <a:t>Fatigue in Ti-6242 Alloy</a:t>
-            </a:r>
-          </a:p>
-        </p:txBody>
-      </p:sp>
-      <p:pic>
-        <p:nvPicPr>
-          <p:cNvPr id="8" name="Picture 7">
-            <a:extLst>
-              <a:ext uri="{FF2B5EF4-FFF2-40B4-BE49-F238E27FC236}">
-                <a16:creationId xmlns:a16="http://schemas.microsoft.com/office/drawing/2014/main" id="{D73F8E03-33DE-4485-8F67-5B80A9675A04}"/>
-              </a:ext>
-            </a:extLst>
-          </p:cNvPr>
-          <p:cNvPicPr>
-            <a:picLocks noChangeAspect="1"/>
-          </p:cNvPicPr>
-          <p:nvPr/>
-        </p:nvPicPr>
-        <p:blipFill>
-          <a:blip r:embed="rId2">
-            <a:extLst>
-              <a:ext uri="{28A0092B-C50C-407E-A947-70E740481C1C}">
-                <a14:useLocalDpi xmlns:a14="http://schemas.microsoft.com/office/drawing/2010/main" val="0"/>
-              </a:ext>
-            </a:extLst>
-          </a:blip>
-          <a:stretch>
-            <a:fillRect/>
-          </a:stretch>
-        </p:blipFill>
-        <p:spPr>
-          <a:xfrm>
-            <a:off x="447259" y="1130919"/>
-            <a:ext cx="3399184" cy="3085414"/>
-          </a:xfrm>
-          <a:prstGeom prst="rect">
-            <a:avLst/>
-          </a:prstGeom>
-        </p:spPr>
-      </p:pic>
-      <p:pic>
-        <p:nvPicPr>
-          <p:cNvPr id="10" name="Picture 9">
-            <a:extLst>
-              <a:ext uri="{FF2B5EF4-FFF2-40B4-BE49-F238E27FC236}">
-                <a16:creationId xmlns:a16="http://schemas.microsoft.com/office/drawing/2014/main" id="{3F719CBA-B162-43E3-A154-30BE522EAA97}"/>
-              </a:ext>
-            </a:extLst>
-          </p:cNvPr>
-          <p:cNvPicPr>
-            <a:picLocks noChangeAspect="1"/>
-          </p:cNvPicPr>
-          <p:nvPr/>
-        </p:nvPicPr>
-        <p:blipFill>
-          <a:blip r:embed="rId3">
-            <a:extLst>
-              <a:ext uri="{28A0092B-C50C-407E-A947-70E740481C1C}">
-                <a14:useLocalDpi xmlns:a14="http://schemas.microsoft.com/office/drawing/2010/main" val="0"/>
-              </a:ext>
-            </a:extLst>
-          </a:blip>
-          <a:stretch>
-            <a:fillRect/>
-          </a:stretch>
-        </p:blipFill>
-        <p:spPr>
-          <a:xfrm>
-            <a:off x="4721086" y="1130919"/>
-            <a:ext cx="3387701" cy="3085414"/>
-          </a:xfrm>
-          <a:prstGeom prst="rect">
-            <a:avLst/>
-          </a:prstGeom>
-        </p:spPr>
-      </p:pic>
-      <p:pic>
-        <p:nvPicPr>
-          <p:cNvPr id="12" name="Picture 11">
-            <a:extLst>
-              <a:ext uri="{FF2B5EF4-FFF2-40B4-BE49-F238E27FC236}">
-                <a16:creationId xmlns:a16="http://schemas.microsoft.com/office/drawing/2014/main" id="{112F435C-C736-4E5C-A57C-EB8BB8955DC7}"/>
-              </a:ext>
-            </a:extLst>
-          </p:cNvPr>
-          <p:cNvPicPr>
-            <a:picLocks noChangeAspect="1"/>
-          </p:cNvPicPr>
-          <p:nvPr/>
-        </p:nvPicPr>
-        <p:blipFill>
-          <a:blip r:embed="rId4"/>
-          <a:stretch>
-            <a:fillRect/>
-          </a:stretch>
-        </p:blipFill>
-        <p:spPr>
-          <a:xfrm>
-            <a:off x="1603513" y="4675569"/>
-            <a:ext cx="6102706" cy="1849746"/>
-          </a:xfrm>
-          <a:prstGeom prst="rect">
-            <a:avLst/>
-          </a:prstGeom>
-        </p:spPr>
-      </p:pic>
-    </p:spTree>
-    <p:extLst>
-      <p:ext uri="{BB962C8B-B14F-4D97-AF65-F5344CB8AC3E}">
-        <p14:creationId xmlns:p14="http://schemas.microsoft.com/office/powerpoint/2010/main" val="2558216272"/>
-      </p:ext>
-    </p:extLst>
-  </p:cSld>
-  <p:clrMapOvr>
-    <a:masterClrMapping/>
-  </p:clrMapOvr>
-</p:sld>
-</file>
-
-<file path=ppt/slides/slide9.xml><?xml version="1.0" encoding="utf-8"?>
+<file path=ppt/slides/slide10.xml><?xml version="1.0" encoding="utf-8"?>
 <p:sld xmlns:a="http://schemas.openxmlformats.org/drawingml/2006/main" xmlns:r="http://schemas.openxmlformats.org/officeDocument/2006/relationships" xmlns:p="http://schemas.openxmlformats.org/presentationml/2006/main">
   <p:cSld>
     <p:spTree>
@@ -7558,7 +5167,7 @@
           <a:p>
             <a:fld id="{0B0F4DA3-A20A-4F1E-9416-A0F769FF6BF0}" type="slidenum">
               <a:rPr lang="en-US" smtClean="0"/>
-              <a:t>9</a:t>
+              <a:t>10</a:t>
             </a:fld>
             <a:endParaRPr lang="en-US"/>
           </a:p>
@@ -7568,6 +5177,2463 @@
     <p:extLst>
       <p:ext uri="{BB962C8B-B14F-4D97-AF65-F5344CB8AC3E}">
         <p14:creationId xmlns:p14="http://schemas.microsoft.com/office/powerpoint/2010/main" val="2915146893"/>
+      </p:ext>
+    </p:extLst>
+  </p:cSld>
+  <p:clrMapOvr>
+    <a:masterClrMapping/>
+  </p:clrMapOvr>
+</p:sld>
+</file>
+
+<file path=ppt/slides/slide2.xml><?xml version="1.0" encoding="utf-8"?>
+<p:sld xmlns:a="http://schemas.openxmlformats.org/drawingml/2006/main" xmlns:r="http://schemas.openxmlformats.org/officeDocument/2006/relationships" xmlns:p="http://schemas.openxmlformats.org/presentationml/2006/main">
+  <p:cSld>
+    <p:spTree>
+      <p:nvGrpSpPr>
+        <p:cNvPr id="1" name=""/>
+        <p:cNvGrpSpPr/>
+        <p:nvPr/>
+      </p:nvGrpSpPr>
+      <p:grpSpPr>
+        <a:xfrm>
+          <a:off x="0" y="0"/>
+          <a:ext cx="0" cy="0"/>
+          <a:chOff x="0" y="0"/>
+          <a:chExt cx="0" cy="0"/>
+        </a:xfrm>
+      </p:grpSpPr>
+      <p:sp>
+        <p:nvSpPr>
+          <p:cNvPr id="2" name="Title 1"/>
+          <p:cNvSpPr>
+            <a:spLocks noGrp="1"/>
+          </p:cNvSpPr>
+          <p:nvPr>
+            <p:ph type="title"/>
+          </p:nvPr>
+        </p:nvSpPr>
+        <p:spPr>
+          <a:xfrm>
+            <a:off x="1577929" y="877722"/>
+            <a:ext cx="5951585" cy="543450"/>
+          </a:xfrm>
+        </p:spPr>
+        <p:txBody>
+          <a:bodyPr>
+            <a:normAutofit/>
+          </a:bodyPr>
+          <a:lstStyle/>
+          <a:p>
+            <a:pPr algn="ctr"/>
+            <a:r>
+              <a:rPr lang="en-US" sz="3000" b="1" dirty="0"/>
+              <a:t>Outline</a:t>
+            </a:r>
+          </a:p>
+        </p:txBody>
+      </p:sp>
+      <p:sp>
+        <p:nvSpPr>
+          <p:cNvPr id="3" name="Content Placeholder 2"/>
+          <p:cNvSpPr>
+            <a:spLocks noGrp="1"/>
+          </p:cNvSpPr>
+          <p:nvPr>
+            <p:ph idx="1"/>
+          </p:nvPr>
+        </p:nvSpPr>
+        <p:spPr>
+          <a:xfrm>
+            <a:off x="1324536" y="1419446"/>
+            <a:ext cx="6676464" cy="4478914"/>
+          </a:xfrm>
+        </p:spPr>
+        <p:txBody>
+          <a:bodyPr>
+            <a:normAutofit fontScale="92500" lnSpcReduction="20000"/>
+          </a:bodyPr>
+          <a:lstStyle/>
+          <a:p>
+            <a:pPr marL="385763" indent="-385763" algn="just">
+              <a:lnSpc>
+                <a:spcPct val="150000"/>
+              </a:lnSpc>
+              <a:buFont typeface="+mj-lt"/>
+              <a:buAutoNum type="arabicPeriod"/>
+            </a:pPr>
+            <a:r>
+              <a:rPr lang="en-US" sz="2400" dirty="0"/>
+              <a:t>Literature review</a:t>
+            </a:r>
+          </a:p>
+          <a:p>
+            <a:pPr lvl="3" algn="just">
+              <a:lnSpc>
+                <a:spcPct val="150000"/>
+              </a:lnSpc>
+              <a:buFont typeface="Wingdings" panose="05000000000000000000" pitchFamily="2" charset="2"/>
+              <a:buChar char="v"/>
+            </a:pPr>
+            <a:r>
+              <a:rPr lang="en-US" sz="2100" dirty="0"/>
+              <a:t>Introduction to titanium alloys</a:t>
+            </a:r>
+          </a:p>
+          <a:p>
+            <a:pPr lvl="3" algn="just">
+              <a:lnSpc>
+                <a:spcPct val="150000"/>
+              </a:lnSpc>
+              <a:buFont typeface="Wingdings" panose="05000000000000000000" pitchFamily="2" charset="2"/>
+              <a:buChar char="v"/>
+            </a:pPr>
+            <a:r>
+              <a:rPr lang="en-US" sz="2100" dirty="0"/>
+              <a:t>Introduction to Dwell Fatigue</a:t>
+            </a:r>
+          </a:p>
+          <a:p>
+            <a:pPr lvl="3" algn="just">
+              <a:lnSpc>
+                <a:spcPct val="150000"/>
+              </a:lnSpc>
+              <a:buFont typeface="Wingdings" panose="05000000000000000000" pitchFamily="2" charset="2"/>
+              <a:buChar char="v"/>
+            </a:pPr>
+            <a:r>
+              <a:rPr lang="en-US" sz="2100" dirty="0"/>
+              <a:t>Phenomenological aspects of Dwell Fatigue </a:t>
+            </a:r>
+          </a:p>
+          <a:p>
+            <a:pPr marL="385763" indent="-385763" algn="just">
+              <a:lnSpc>
+                <a:spcPct val="150000"/>
+              </a:lnSpc>
+              <a:buFont typeface="+mj-lt"/>
+              <a:buAutoNum type="arabicPeriod"/>
+            </a:pPr>
+            <a:r>
+              <a:rPr lang="en-US" sz="2400" dirty="0"/>
+              <a:t>Motivation and objective </a:t>
+            </a:r>
+          </a:p>
+          <a:p>
+            <a:pPr marL="385763" indent="-385763" algn="just">
+              <a:lnSpc>
+                <a:spcPct val="150000"/>
+              </a:lnSpc>
+              <a:buFont typeface="+mj-lt"/>
+              <a:buAutoNum type="arabicPeriod"/>
+            </a:pPr>
+            <a:r>
+              <a:rPr lang="en-US" sz="2400" dirty="0"/>
+              <a:t>Current work</a:t>
+            </a:r>
+          </a:p>
+          <a:p>
+            <a:pPr lvl="3" algn="just">
+              <a:lnSpc>
+                <a:spcPct val="150000"/>
+              </a:lnSpc>
+              <a:buFont typeface="Wingdings" panose="05000000000000000000" pitchFamily="2" charset="2"/>
+              <a:buChar char="v"/>
+            </a:pPr>
+            <a:r>
+              <a:rPr lang="en-US" sz="2100" dirty="0"/>
+              <a:t>Modelling </a:t>
+            </a:r>
+          </a:p>
+          <a:p>
+            <a:pPr lvl="3" algn="just">
+              <a:lnSpc>
+                <a:spcPct val="150000"/>
+              </a:lnSpc>
+              <a:buFont typeface="Wingdings" panose="05000000000000000000" pitchFamily="2" charset="2"/>
+              <a:buChar char="v"/>
+            </a:pPr>
+            <a:r>
+              <a:rPr lang="en-US" sz="2100" dirty="0"/>
+              <a:t>Experiments </a:t>
+            </a:r>
+          </a:p>
+          <a:p>
+            <a:pPr marL="385763" indent="-385763" algn="just">
+              <a:lnSpc>
+                <a:spcPct val="150000"/>
+              </a:lnSpc>
+              <a:buFont typeface="+mj-lt"/>
+              <a:buAutoNum type="arabicPeriod"/>
+            </a:pPr>
+            <a:r>
+              <a:rPr lang="en-US" sz="2400" dirty="0"/>
+              <a:t>Summary and future work </a:t>
+            </a:r>
+          </a:p>
+          <a:p>
+            <a:pPr>
+              <a:buFont typeface="Wingdings" panose="05000000000000000000" pitchFamily="2" charset="2"/>
+              <a:buChar char="Ø"/>
+            </a:pPr>
+            <a:endParaRPr lang="en-US" dirty="0"/>
+          </a:p>
+        </p:txBody>
+      </p:sp>
+      <p:sp>
+        <p:nvSpPr>
+          <p:cNvPr id="5" name="Slide Number Placeholder 4"/>
+          <p:cNvSpPr>
+            <a:spLocks noGrp="1"/>
+          </p:cNvSpPr>
+          <p:nvPr>
+            <p:ph type="sldNum" sz="quarter" idx="12"/>
+          </p:nvPr>
+        </p:nvSpPr>
+        <p:spPr/>
+        <p:txBody>
+          <a:bodyPr/>
+          <a:lstStyle/>
+          <a:p>
+            <a:fld id="{0B0F4DA3-A20A-4F1E-9416-A0F769FF6BF0}" type="slidenum">
+              <a:rPr lang="en-US" smtClean="0"/>
+              <a:t>2</a:t>
+            </a:fld>
+            <a:endParaRPr lang="en-US"/>
+          </a:p>
+        </p:txBody>
+      </p:sp>
+    </p:spTree>
+    <p:extLst>
+      <p:ext uri="{BB962C8B-B14F-4D97-AF65-F5344CB8AC3E}">
+        <p14:creationId xmlns:p14="http://schemas.microsoft.com/office/powerpoint/2010/main" val="453106734"/>
+      </p:ext>
+    </p:extLst>
+  </p:cSld>
+  <p:clrMapOvr>
+    <a:masterClrMapping/>
+  </p:clrMapOvr>
+</p:sld>
+</file>
+
+<file path=ppt/slides/slide3.xml><?xml version="1.0" encoding="utf-8"?>
+<p:sld xmlns:a="http://schemas.openxmlformats.org/drawingml/2006/main" xmlns:r="http://schemas.openxmlformats.org/officeDocument/2006/relationships" xmlns:p="http://schemas.openxmlformats.org/presentationml/2006/main">
+  <p:cSld>
+    <p:spTree>
+      <p:nvGrpSpPr>
+        <p:cNvPr id="1" name=""/>
+        <p:cNvGrpSpPr/>
+        <p:nvPr/>
+      </p:nvGrpSpPr>
+      <p:grpSpPr>
+        <a:xfrm>
+          <a:off x="0" y="0"/>
+          <a:ext cx="0" cy="0"/>
+          <a:chOff x="0" y="0"/>
+          <a:chExt cx="0" cy="0"/>
+        </a:xfrm>
+      </p:grpSpPr>
+      <p:sp>
+        <p:nvSpPr>
+          <p:cNvPr id="2" name="Title 1"/>
+          <p:cNvSpPr>
+            <a:spLocks noGrp="1"/>
+          </p:cNvSpPr>
+          <p:nvPr>
+            <p:ph type="title"/>
+          </p:nvPr>
+        </p:nvSpPr>
+        <p:spPr>
+          <a:xfrm>
+            <a:off x="480732" y="96185"/>
+            <a:ext cx="7886700" cy="818215"/>
+          </a:xfrm>
+        </p:spPr>
+        <p:txBody>
+          <a:bodyPr/>
+          <a:lstStyle/>
+          <a:p>
+            <a:r>
+              <a:rPr lang="en-US" dirty="0"/>
+              <a:t>Introduction to Titanium Alloys</a:t>
+            </a:r>
+          </a:p>
+        </p:txBody>
+      </p:sp>
+      <p:pic>
+        <p:nvPicPr>
+          <p:cNvPr id="9" name="Content Placeholder 8">
+            <a:extLst>
+              <a:ext uri="{FF2B5EF4-FFF2-40B4-BE49-F238E27FC236}">
+                <a16:creationId xmlns:a16="http://schemas.microsoft.com/office/drawing/2014/main" id="{3995B8A9-81ED-4E8F-86C0-A8111346DD1E}"/>
+              </a:ext>
+            </a:extLst>
+          </p:cNvPr>
+          <p:cNvPicPr>
+            <a:picLocks noGrp="1" noChangeAspect="1"/>
+          </p:cNvPicPr>
+          <p:nvPr>
+            <p:ph idx="1"/>
+          </p:nvPr>
+        </p:nvPicPr>
+        <p:blipFill>
+          <a:blip r:embed="rId2">
+            <a:extLst>
+              <a:ext uri="{28A0092B-C50C-407E-A947-70E740481C1C}">
+                <a14:useLocalDpi xmlns:a14="http://schemas.microsoft.com/office/drawing/2010/main" val="0"/>
+              </a:ext>
+            </a:extLst>
+          </a:blip>
+          <a:stretch>
+            <a:fillRect/>
+          </a:stretch>
+        </p:blipFill>
+        <p:spPr>
+          <a:xfrm>
+            <a:off x="0" y="1086679"/>
+            <a:ext cx="4836831" cy="3764000"/>
+          </a:xfrm>
+        </p:spPr>
+      </p:pic>
+      <p:pic>
+        <p:nvPicPr>
+          <p:cNvPr id="11" name="Picture 10">
+            <a:extLst>
+              <a:ext uri="{FF2B5EF4-FFF2-40B4-BE49-F238E27FC236}">
+                <a16:creationId xmlns:a16="http://schemas.microsoft.com/office/drawing/2014/main" id="{02C7037F-7849-465C-9B02-0CC5737E4032}"/>
+              </a:ext>
+            </a:extLst>
+          </p:cNvPr>
+          <p:cNvPicPr>
+            <a:picLocks noChangeAspect="1"/>
+          </p:cNvPicPr>
+          <p:nvPr/>
+        </p:nvPicPr>
+        <p:blipFill>
+          <a:blip r:embed="rId3">
+            <a:extLst>
+              <a:ext uri="{28A0092B-C50C-407E-A947-70E740481C1C}">
+                <a14:useLocalDpi xmlns:a14="http://schemas.microsoft.com/office/drawing/2010/main" val="0"/>
+              </a:ext>
+            </a:extLst>
+          </a:blip>
+          <a:stretch>
+            <a:fillRect/>
+          </a:stretch>
+        </p:blipFill>
+        <p:spPr>
+          <a:xfrm>
+            <a:off x="4981305" y="1086679"/>
+            <a:ext cx="3952172" cy="2123372"/>
+          </a:xfrm>
+          <a:prstGeom prst="rect">
+            <a:avLst/>
+          </a:prstGeom>
+        </p:spPr>
+      </p:pic>
+      <p:graphicFrame>
+        <p:nvGraphicFramePr>
+          <p:cNvPr id="12" name="Table 11">
+            <a:extLst>
+              <a:ext uri="{FF2B5EF4-FFF2-40B4-BE49-F238E27FC236}">
+                <a16:creationId xmlns:a16="http://schemas.microsoft.com/office/drawing/2014/main" id="{6A56C074-7139-4571-A1CC-F6C987782397}"/>
+              </a:ext>
+            </a:extLst>
+          </p:cNvPr>
+          <p:cNvGraphicFramePr>
+            <a:graphicFrameLocks noGrp="1"/>
+          </p:cNvGraphicFramePr>
+          <p:nvPr>
+            <p:extLst>
+              <p:ext uri="{D42A27DB-BD31-4B8C-83A1-F6EECF244321}">
+                <p14:modId xmlns:p14="http://schemas.microsoft.com/office/powerpoint/2010/main" val="471294062"/>
+              </p:ext>
+            </p:extLst>
+          </p:nvPr>
+        </p:nvGraphicFramePr>
+        <p:xfrm>
+          <a:off x="1376082" y="5346147"/>
+          <a:ext cx="6096000" cy="741680"/>
+        </p:xfrm>
+        <a:graphic>
+          <a:graphicData uri="http://schemas.openxmlformats.org/drawingml/2006/table">
+            <a:tbl>
+              <a:tblPr firstRow="1" bandRow="1">
+                <a:tableStyleId>{5C22544A-7EE6-4342-B048-85BDC9FD1C3A}</a:tableStyleId>
+              </a:tblPr>
+              <a:tblGrid>
+                <a:gridCol w="2032000">
+                  <a:extLst>
+                    <a:ext uri="{9D8B030D-6E8A-4147-A177-3AD203B41FA5}">
+                      <a16:colId xmlns:a16="http://schemas.microsoft.com/office/drawing/2014/main" val="2536449731"/>
+                    </a:ext>
+                  </a:extLst>
+                </a:gridCol>
+                <a:gridCol w="2032000">
+                  <a:extLst>
+                    <a:ext uri="{9D8B030D-6E8A-4147-A177-3AD203B41FA5}">
+                      <a16:colId xmlns:a16="http://schemas.microsoft.com/office/drawing/2014/main" val="358163649"/>
+                    </a:ext>
+                  </a:extLst>
+                </a:gridCol>
+                <a:gridCol w="2032000">
+                  <a:extLst>
+                    <a:ext uri="{9D8B030D-6E8A-4147-A177-3AD203B41FA5}">
+                      <a16:colId xmlns:a16="http://schemas.microsoft.com/office/drawing/2014/main" val="396041638"/>
+                    </a:ext>
+                  </a:extLst>
+                </a:gridCol>
+              </a:tblGrid>
+              <a:tr h="370840">
+                <a:tc>
+                  <a:txBody>
+                    <a:bodyPr/>
+                    <a:lstStyle/>
+                    <a:p>
+                      <a:r>
+                        <a:rPr lang="en-US" dirty="0"/>
+                        <a:t>Alpha</a:t>
+                      </a:r>
+                    </a:p>
+                  </a:txBody>
+                  <a:tcPr/>
+                </a:tc>
+                <a:tc>
+                  <a:txBody>
+                    <a:bodyPr/>
+                    <a:lstStyle/>
+                    <a:p>
+                      <a:r>
+                        <a:rPr lang="en-US" dirty="0"/>
+                        <a:t>Alpha + Beta</a:t>
+                      </a:r>
+                    </a:p>
+                  </a:txBody>
+                  <a:tcPr/>
+                </a:tc>
+                <a:tc>
+                  <a:txBody>
+                    <a:bodyPr/>
+                    <a:lstStyle/>
+                    <a:p>
+                      <a:r>
+                        <a:rPr lang="en-US" dirty="0"/>
+                        <a:t>Beta</a:t>
+                      </a:r>
+                    </a:p>
+                  </a:txBody>
+                  <a:tcPr/>
+                </a:tc>
+                <a:extLst>
+                  <a:ext uri="{0D108BD9-81ED-4DB2-BD59-A6C34878D82A}">
+                    <a16:rowId xmlns:a16="http://schemas.microsoft.com/office/drawing/2014/main" val="1327558435"/>
+                  </a:ext>
+                </a:extLst>
+              </a:tr>
+              <a:tr h="370840">
+                <a:tc>
+                  <a:txBody>
+                    <a:bodyPr/>
+                    <a:lstStyle/>
+                    <a:p>
+                      <a:endParaRPr lang="en-US"/>
+                    </a:p>
+                  </a:txBody>
+                  <a:tcPr/>
+                </a:tc>
+                <a:tc>
+                  <a:txBody>
+                    <a:bodyPr/>
+                    <a:lstStyle/>
+                    <a:p>
+                      <a:endParaRPr lang="en-US"/>
+                    </a:p>
+                  </a:txBody>
+                  <a:tcPr/>
+                </a:tc>
+                <a:tc>
+                  <a:txBody>
+                    <a:bodyPr/>
+                    <a:lstStyle/>
+                    <a:p>
+                      <a:endParaRPr lang="en-US" dirty="0"/>
+                    </a:p>
+                  </a:txBody>
+                  <a:tcPr/>
+                </a:tc>
+                <a:extLst>
+                  <a:ext uri="{0D108BD9-81ED-4DB2-BD59-A6C34878D82A}">
+                    <a16:rowId xmlns:a16="http://schemas.microsoft.com/office/drawing/2014/main" val="3209264707"/>
+                  </a:ext>
+                </a:extLst>
+              </a:tr>
+            </a:tbl>
+          </a:graphicData>
+        </a:graphic>
+      </p:graphicFrame>
+    </p:spTree>
+    <p:extLst>
+      <p:ext uri="{BB962C8B-B14F-4D97-AF65-F5344CB8AC3E}">
+        <p14:creationId xmlns:p14="http://schemas.microsoft.com/office/powerpoint/2010/main" val="3046053169"/>
+      </p:ext>
+    </p:extLst>
+  </p:cSld>
+  <p:clrMapOvr>
+    <a:masterClrMapping/>
+  </p:clrMapOvr>
+</p:sld>
+</file>
+
+<file path=ppt/slides/slide4.xml><?xml version="1.0" encoding="utf-8"?>
+<p:sld xmlns:a="http://schemas.openxmlformats.org/drawingml/2006/main" xmlns:r="http://schemas.openxmlformats.org/officeDocument/2006/relationships" xmlns:p="http://schemas.openxmlformats.org/presentationml/2006/main">
+  <p:cSld>
+    <p:spTree>
+      <p:nvGrpSpPr>
+        <p:cNvPr id="1" name=""/>
+        <p:cNvGrpSpPr/>
+        <p:nvPr/>
+      </p:nvGrpSpPr>
+      <p:grpSpPr>
+        <a:xfrm>
+          <a:off x="0" y="0"/>
+          <a:ext cx="0" cy="0"/>
+          <a:chOff x="0" y="0"/>
+          <a:chExt cx="0" cy="0"/>
+        </a:xfrm>
+      </p:grpSpPr>
+      <p:sp>
+        <p:nvSpPr>
+          <p:cNvPr id="2" name="Title 1">
+            <a:extLst>
+              <a:ext uri="{FF2B5EF4-FFF2-40B4-BE49-F238E27FC236}">
+                <a16:creationId xmlns:a16="http://schemas.microsoft.com/office/drawing/2014/main" id="{45BA3FC4-044B-43E3-BC82-A1F613EF7858}"/>
+              </a:ext>
+            </a:extLst>
+          </p:cNvPr>
+          <p:cNvSpPr>
+            <a:spLocks noGrp="1"/>
+          </p:cNvSpPr>
+          <p:nvPr>
+            <p:ph type="title" idx="4294967295"/>
+          </p:nvPr>
+        </p:nvSpPr>
+        <p:spPr>
+          <a:xfrm>
+            <a:off x="0" y="176564"/>
+            <a:ext cx="8746435" cy="1156829"/>
+          </a:xfrm>
+        </p:spPr>
+        <p:txBody>
+          <a:bodyPr/>
+          <a:lstStyle/>
+          <a:p>
+            <a:r>
+              <a:rPr lang="en-US" dirty="0"/>
+              <a:t>Microstructures in alpha beta </a:t>
+            </a:r>
+            <a:r>
+              <a:rPr lang="en-US" dirty="0" err="1"/>
+              <a:t>Ti</a:t>
+            </a:r>
+            <a:r>
+              <a:rPr lang="en-US" dirty="0"/>
+              <a:t> Alloys</a:t>
+            </a:r>
+          </a:p>
+        </p:txBody>
+      </p:sp>
+      <p:pic>
+        <p:nvPicPr>
+          <p:cNvPr id="4" name="Picture 3">
+            <a:extLst>
+              <a:ext uri="{FF2B5EF4-FFF2-40B4-BE49-F238E27FC236}">
+                <a16:creationId xmlns:a16="http://schemas.microsoft.com/office/drawing/2014/main" id="{4C7D1F1C-1384-446A-AF27-DCC51B040CDA}"/>
+              </a:ext>
+            </a:extLst>
+          </p:cNvPr>
+          <p:cNvPicPr>
+            <a:picLocks noChangeAspect="1"/>
+          </p:cNvPicPr>
+          <p:nvPr/>
+        </p:nvPicPr>
+        <p:blipFill>
+          <a:blip r:embed="rId2"/>
+          <a:stretch>
+            <a:fillRect/>
+          </a:stretch>
+        </p:blipFill>
+        <p:spPr>
+          <a:xfrm>
+            <a:off x="5827008" y="4088362"/>
+            <a:ext cx="3082401" cy="2255250"/>
+          </a:xfrm>
+          <a:prstGeom prst="rect">
+            <a:avLst/>
+          </a:prstGeom>
+        </p:spPr>
+      </p:pic>
+      <p:pic>
+        <p:nvPicPr>
+          <p:cNvPr id="5" name="Picture 4">
+            <a:extLst>
+              <a:ext uri="{FF2B5EF4-FFF2-40B4-BE49-F238E27FC236}">
+                <a16:creationId xmlns:a16="http://schemas.microsoft.com/office/drawing/2014/main" id="{453F248D-EC35-4862-A810-A9E20B87CD11}"/>
+              </a:ext>
+            </a:extLst>
+          </p:cNvPr>
+          <p:cNvPicPr>
+            <a:picLocks noChangeAspect="1"/>
+          </p:cNvPicPr>
+          <p:nvPr/>
+        </p:nvPicPr>
+        <p:blipFill rotWithShape="1">
+          <a:blip r:embed="rId3"/>
+          <a:srcRect l="49160"/>
+          <a:stretch/>
+        </p:blipFill>
+        <p:spPr>
+          <a:xfrm>
+            <a:off x="2436101" y="4088362"/>
+            <a:ext cx="3014497" cy="2546528"/>
+          </a:xfrm>
+          <a:prstGeom prst="rect">
+            <a:avLst/>
+          </a:prstGeom>
+        </p:spPr>
+      </p:pic>
+      <p:pic>
+        <p:nvPicPr>
+          <p:cNvPr id="6" name="Picture 5">
+            <a:extLst>
+              <a:ext uri="{FF2B5EF4-FFF2-40B4-BE49-F238E27FC236}">
+                <a16:creationId xmlns:a16="http://schemas.microsoft.com/office/drawing/2014/main" id="{95784A6A-7073-4738-B3B5-A2B543197D3C}"/>
+              </a:ext>
+            </a:extLst>
+          </p:cNvPr>
+          <p:cNvPicPr>
+            <a:picLocks noChangeAspect="1"/>
+          </p:cNvPicPr>
+          <p:nvPr/>
+        </p:nvPicPr>
+        <p:blipFill rotWithShape="1">
+          <a:blip r:embed="rId4"/>
+          <a:srcRect l="67110"/>
+          <a:stretch/>
+        </p:blipFill>
+        <p:spPr>
+          <a:xfrm>
+            <a:off x="184525" y="4088362"/>
+            <a:ext cx="2063371" cy="2518969"/>
+          </a:xfrm>
+          <a:prstGeom prst="rect">
+            <a:avLst/>
+          </a:prstGeom>
+        </p:spPr>
+      </p:pic>
+      <p:pic>
+        <p:nvPicPr>
+          <p:cNvPr id="8" name="Picture 7">
+            <a:extLst>
+              <a:ext uri="{FF2B5EF4-FFF2-40B4-BE49-F238E27FC236}">
+                <a16:creationId xmlns:a16="http://schemas.microsoft.com/office/drawing/2014/main" id="{FEBBE360-61C9-4F0A-8FCD-9722B60D02C8}"/>
+              </a:ext>
+            </a:extLst>
+          </p:cNvPr>
+          <p:cNvPicPr>
+            <a:picLocks noChangeAspect="1"/>
+          </p:cNvPicPr>
+          <p:nvPr/>
+        </p:nvPicPr>
+        <p:blipFill>
+          <a:blip r:embed="rId5">
+            <a:extLst>
+              <a:ext uri="{28A0092B-C50C-407E-A947-70E740481C1C}">
+                <a14:useLocalDpi xmlns:a14="http://schemas.microsoft.com/office/drawing/2010/main" val="0"/>
+              </a:ext>
+            </a:extLst>
+          </a:blip>
+          <a:stretch>
+            <a:fillRect/>
+          </a:stretch>
+        </p:blipFill>
+        <p:spPr>
+          <a:xfrm>
+            <a:off x="1398141" y="1521954"/>
+            <a:ext cx="5784537" cy="2189286"/>
+          </a:xfrm>
+          <a:prstGeom prst="rect">
+            <a:avLst/>
+          </a:prstGeom>
+        </p:spPr>
+      </p:pic>
+    </p:spTree>
+    <p:extLst>
+      <p:ext uri="{BB962C8B-B14F-4D97-AF65-F5344CB8AC3E}">
+        <p14:creationId xmlns:p14="http://schemas.microsoft.com/office/powerpoint/2010/main" val="3596082289"/>
+      </p:ext>
+    </p:extLst>
+  </p:cSld>
+  <p:clrMapOvr>
+    <a:masterClrMapping/>
+  </p:clrMapOvr>
+</p:sld>
+</file>
+
+<file path=ppt/slides/slide5.xml><?xml version="1.0" encoding="utf-8"?>
+<p:sld xmlns:a="http://schemas.openxmlformats.org/drawingml/2006/main" xmlns:r="http://schemas.openxmlformats.org/officeDocument/2006/relationships" xmlns:p="http://schemas.openxmlformats.org/presentationml/2006/main">
+  <p:cSld>
+    <p:spTree>
+      <p:nvGrpSpPr>
+        <p:cNvPr id="1" name=""/>
+        <p:cNvGrpSpPr/>
+        <p:nvPr/>
+      </p:nvGrpSpPr>
+      <p:grpSpPr>
+        <a:xfrm>
+          <a:off x="0" y="0"/>
+          <a:ext cx="0" cy="0"/>
+          <a:chOff x="0" y="0"/>
+          <a:chExt cx="0" cy="0"/>
+        </a:xfrm>
+      </p:grpSpPr>
+      <p:sp>
+        <p:nvSpPr>
+          <p:cNvPr id="2" name="Rectangle 1">
+            <a:extLst>
+              <a:ext uri="{FF2B5EF4-FFF2-40B4-BE49-F238E27FC236}">
+                <a16:creationId xmlns:a16="http://schemas.microsoft.com/office/drawing/2014/main" id="{33A5CB03-E8A7-4928-B9A4-4F93EE1A2779}"/>
+              </a:ext>
+            </a:extLst>
+          </p:cNvPr>
+          <p:cNvSpPr/>
+          <p:nvPr/>
+        </p:nvSpPr>
+        <p:spPr>
+          <a:xfrm>
+            <a:off x="144838" y="381864"/>
+            <a:ext cx="8747371" cy="369332"/>
+          </a:xfrm>
+          <a:prstGeom prst="rect">
+            <a:avLst/>
+          </a:prstGeom>
+        </p:spPr>
+        <p:txBody>
+          <a:bodyPr wrap="square">
+            <a:spAutoFit/>
+          </a:bodyPr>
+          <a:lstStyle/>
+          <a:p>
+            <a:r>
+              <a:rPr lang="en-US" dirty="0"/>
+              <a:t>Applications of Ti-6242 and Ti-6246</a:t>
+            </a:r>
+          </a:p>
+        </p:txBody>
+      </p:sp>
+      <p:pic>
+        <p:nvPicPr>
+          <p:cNvPr id="4" name="Picture 3">
+            <a:extLst>
+              <a:ext uri="{FF2B5EF4-FFF2-40B4-BE49-F238E27FC236}">
+                <a16:creationId xmlns:a16="http://schemas.microsoft.com/office/drawing/2014/main" id="{F6F43FAA-F83F-4021-B702-7D2593C3D56B}"/>
+              </a:ext>
+            </a:extLst>
+          </p:cNvPr>
+          <p:cNvPicPr>
+            <a:picLocks noChangeAspect="1"/>
+          </p:cNvPicPr>
+          <p:nvPr/>
+        </p:nvPicPr>
+        <p:blipFill>
+          <a:blip r:embed="rId2">
+            <a:extLst>
+              <a:ext uri="{28A0092B-C50C-407E-A947-70E740481C1C}">
+                <a14:useLocalDpi xmlns:a14="http://schemas.microsoft.com/office/drawing/2010/main" val="0"/>
+              </a:ext>
+            </a:extLst>
+          </a:blip>
+          <a:stretch>
+            <a:fillRect/>
+          </a:stretch>
+        </p:blipFill>
+        <p:spPr>
+          <a:xfrm>
+            <a:off x="144838" y="1420500"/>
+            <a:ext cx="5223165" cy="4291187"/>
+          </a:xfrm>
+          <a:prstGeom prst="rect">
+            <a:avLst/>
+          </a:prstGeom>
+        </p:spPr>
+      </p:pic>
+      <p:pic>
+        <p:nvPicPr>
+          <p:cNvPr id="6" name="Picture 5">
+            <a:extLst>
+              <a:ext uri="{FF2B5EF4-FFF2-40B4-BE49-F238E27FC236}">
+                <a16:creationId xmlns:a16="http://schemas.microsoft.com/office/drawing/2014/main" id="{75F41927-8958-4175-8610-25D055906CC8}"/>
+              </a:ext>
+            </a:extLst>
+          </p:cNvPr>
+          <p:cNvPicPr>
+            <a:picLocks noChangeAspect="1"/>
+          </p:cNvPicPr>
+          <p:nvPr/>
+        </p:nvPicPr>
+        <p:blipFill>
+          <a:blip r:embed="rId3">
+            <a:extLst>
+              <a:ext uri="{28A0092B-C50C-407E-A947-70E740481C1C}">
+                <a14:useLocalDpi xmlns:a14="http://schemas.microsoft.com/office/drawing/2010/main" val="0"/>
+              </a:ext>
+            </a:extLst>
+          </a:blip>
+          <a:stretch>
+            <a:fillRect/>
+          </a:stretch>
+        </p:blipFill>
+        <p:spPr>
+          <a:xfrm>
+            <a:off x="5580710" y="2507179"/>
+            <a:ext cx="2961447" cy="2475637"/>
+          </a:xfrm>
+          <a:prstGeom prst="rect">
+            <a:avLst/>
+          </a:prstGeom>
+        </p:spPr>
+      </p:pic>
+    </p:spTree>
+    <p:extLst>
+      <p:ext uri="{BB962C8B-B14F-4D97-AF65-F5344CB8AC3E}">
+        <p14:creationId xmlns:p14="http://schemas.microsoft.com/office/powerpoint/2010/main" val="2396685036"/>
+      </p:ext>
+    </p:extLst>
+  </p:cSld>
+  <p:clrMapOvr>
+    <a:masterClrMapping/>
+  </p:clrMapOvr>
+</p:sld>
+</file>
+
+<file path=ppt/slides/slide6.xml><?xml version="1.0" encoding="utf-8"?>
+<p:sld xmlns:a="http://schemas.openxmlformats.org/drawingml/2006/main" xmlns:r="http://schemas.openxmlformats.org/officeDocument/2006/relationships" xmlns:p="http://schemas.openxmlformats.org/presentationml/2006/main">
+  <p:cSld>
+    <p:spTree>
+      <p:nvGrpSpPr>
+        <p:cNvPr id="1" name=""/>
+        <p:cNvGrpSpPr/>
+        <p:nvPr/>
+      </p:nvGrpSpPr>
+      <p:grpSpPr>
+        <a:xfrm>
+          <a:off x="0" y="0"/>
+          <a:ext cx="0" cy="0"/>
+          <a:chOff x="0" y="0"/>
+          <a:chExt cx="0" cy="0"/>
+        </a:xfrm>
+      </p:grpSpPr>
+      <p:sp>
+        <p:nvSpPr>
+          <p:cNvPr id="2" name="Title 1"/>
+          <p:cNvSpPr>
+            <a:spLocks noGrp="1"/>
+          </p:cNvSpPr>
+          <p:nvPr>
+            <p:ph type="title"/>
+          </p:nvPr>
+        </p:nvSpPr>
+        <p:spPr>
+          <a:xfrm>
+            <a:off x="267017" y="302046"/>
+            <a:ext cx="6796391" cy="452125"/>
+          </a:xfrm>
+        </p:spPr>
+        <p:txBody>
+          <a:bodyPr>
+            <a:normAutofit fontScale="90000"/>
+          </a:bodyPr>
+          <a:lstStyle/>
+          <a:p>
+            <a:r>
+              <a:rPr lang="en-US" b="1" dirty="0"/>
+              <a:t>What is Dwell Fatigue ?</a:t>
+            </a:r>
+          </a:p>
+        </p:txBody>
+      </p:sp>
+      <p:sp>
+        <p:nvSpPr>
+          <p:cNvPr id="3" name="Slide Number Placeholder 2"/>
+          <p:cNvSpPr>
+            <a:spLocks noGrp="1"/>
+          </p:cNvSpPr>
+          <p:nvPr>
+            <p:ph type="sldNum" sz="quarter" idx="12"/>
+          </p:nvPr>
+        </p:nvSpPr>
+        <p:spPr/>
+        <p:txBody>
+          <a:bodyPr/>
+          <a:lstStyle/>
+          <a:p>
+            <a:fld id="{0B0F4DA3-A20A-4F1E-9416-A0F769FF6BF0}" type="slidenum">
+              <a:rPr lang="en-US" smtClean="0"/>
+              <a:t>6</a:t>
+            </a:fld>
+            <a:endParaRPr lang="en-US" dirty="0"/>
+          </a:p>
+        </p:txBody>
+      </p:sp>
+      <p:grpSp>
+        <p:nvGrpSpPr>
+          <p:cNvPr id="4" name="Group 3"/>
+          <p:cNvGrpSpPr/>
+          <p:nvPr/>
+        </p:nvGrpSpPr>
+        <p:grpSpPr>
+          <a:xfrm>
+            <a:off x="267017" y="1273724"/>
+            <a:ext cx="3010239" cy="1749517"/>
+            <a:chOff x="128043" y="578230"/>
+            <a:chExt cx="4013652" cy="2332689"/>
+          </a:xfrm>
+        </p:grpSpPr>
+        <p:pic>
+          <p:nvPicPr>
+            <p:cNvPr id="19" name="Content Placeholder 6"/>
+            <p:cNvPicPr>
+              <a:picLocks noChangeAspect="1"/>
+            </p:cNvPicPr>
+            <p:nvPr/>
+          </p:nvPicPr>
+          <p:blipFill>
+            <a:blip r:embed="rId3"/>
+            <a:stretch>
+              <a:fillRect/>
+            </a:stretch>
+          </p:blipFill>
+          <p:spPr>
+            <a:xfrm>
+              <a:off x="128043" y="578230"/>
+              <a:ext cx="4013652" cy="2332689"/>
+            </a:xfrm>
+            <a:prstGeom prst="rect">
+              <a:avLst/>
+            </a:prstGeom>
+          </p:spPr>
+        </p:pic>
+        <p:sp>
+          <p:nvSpPr>
+            <p:cNvPr id="7" name="Oval 6"/>
+            <p:cNvSpPr/>
+            <p:nvPr/>
+          </p:nvSpPr>
+          <p:spPr>
+            <a:xfrm>
+              <a:off x="985235" y="1018504"/>
+              <a:ext cx="1167976" cy="618565"/>
+            </a:xfrm>
+            <a:prstGeom prst="ellipse">
+              <a:avLst/>
+            </a:prstGeom>
+            <a:noFill/>
+            <a:ln w="28575">
+              <a:solidFill>
+                <a:srgbClr val="FF0000"/>
+              </a:solidFill>
+            </a:ln>
+          </p:spPr>
+          <p:style>
+            <a:lnRef idx="2">
+              <a:schemeClr val="accent1">
+                <a:shade val="50000"/>
+              </a:schemeClr>
+            </a:lnRef>
+            <a:fillRef idx="1">
+              <a:schemeClr val="accent1"/>
+            </a:fillRef>
+            <a:effectRef idx="0">
+              <a:schemeClr val="accent1"/>
+            </a:effectRef>
+            <a:fontRef idx="minor">
+              <a:schemeClr val="lt1"/>
+            </a:fontRef>
+          </p:style>
+          <p:txBody>
+            <a:bodyPr rot="0" spcFirstLastPara="0" vertOverflow="overflow" horzOverflow="overflow" vert="horz" wrap="square" lIns="68580" tIns="34290" rIns="68580" bIns="34290" numCol="1" spcCol="0" rtlCol="0" fromWordArt="0" anchor="ctr" anchorCtr="0" forceAA="0" compatLnSpc="1">
+              <a:prstTxWarp prst="textNoShape">
+                <a:avLst/>
+              </a:prstTxWarp>
+              <a:noAutofit/>
+            </a:bodyPr>
+            <a:lstStyle/>
+            <a:p>
+              <a:pPr algn="ctr"/>
+              <a:endParaRPr lang="en-US" sz="1350"/>
+            </a:p>
+          </p:txBody>
+        </p:sp>
+      </p:grpSp>
+      <p:pic>
+        <p:nvPicPr>
+          <p:cNvPr id="29" name="Content Placeholder 3"/>
+          <p:cNvPicPr>
+            <a:picLocks noChangeAspect="1"/>
+          </p:cNvPicPr>
+          <p:nvPr/>
+        </p:nvPicPr>
+        <p:blipFill rotWithShape="1">
+          <a:blip r:embed="rId4"/>
+          <a:srcRect l="-10" t="-173" r="50538" b="9156"/>
+          <a:stretch/>
+        </p:blipFill>
+        <p:spPr>
+          <a:xfrm>
+            <a:off x="4774936" y="778883"/>
+            <a:ext cx="3514245" cy="2365735"/>
+          </a:xfrm>
+          <a:prstGeom prst="rect">
+            <a:avLst/>
+          </a:prstGeom>
+        </p:spPr>
+      </p:pic>
+      <p:sp>
+        <p:nvSpPr>
+          <p:cNvPr id="37" name="TextBox 36"/>
+          <p:cNvSpPr txBox="1"/>
+          <p:nvPr/>
+        </p:nvSpPr>
+        <p:spPr>
+          <a:xfrm>
+            <a:off x="864051" y="6159539"/>
+            <a:ext cx="3068848" cy="698461"/>
+          </a:xfrm>
+          <a:prstGeom prst="rect">
+            <a:avLst/>
+          </a:prstGeom>
+          <a:noFill/>
+        </p:spPr>
+        <p:txBody>
+          <a:bodyPr wrap="square" rtlCol="0">
+            <a:spAutoFit/>
+          </a:bodyPr>
+          <a:lstStyle/>
+          <a:p>
+            <a:r>
+              <a:rPr lang="en-US" sz="900" dirty="0"/>
+              <a:t>Fig 1. Schematic of a typical flight cycle</a:t>
+            </a:r>
+          </a:p>
+          <a:p>
+            <a:r>
+              <a:rPr lang="en-US" sz="900" dirty="0"/>
+              <a:t>M.R. Bache,</a:t>
+            </a:r>
+            <a:r>
+              <a:rPr lang="en-US" sz="900" i="1" dirty="0"/>
+              <a:t> International Journal of Fatigue, </a:t>
+            </a:r>
+            <a:r>
+              <a:rPr lang="en-US" sz="900" dirty="0"/>
+              <a:t>2003 </a:t>
+            </a:r>
+            <a:r>
+              <a:rPr lang="en-US" sz="1013" dirty="0"/>
+              <a:t>	</a:t>
+            </a:r>
+          </a:p>
+          <a:p>
+            <a:r>
+              <a:rPr lang="en-US" sz="1013" dirty="0"/>
+              <a:t> 	</a:t>
+            </a:r>
+          </a:p>
+          <a:p>
+            <a:endParaRPr lang="en-US" sz="1013" dirty="0"/>
+          </a:p>
+        </p:txBody>
+      </p:sp>
+      <p:sp>
+        <p:nvSpPr>
+          <p:cNvPr id="10" name="TextBox 9"/>
+          <p:cNvSpPr txBox="1"/>
+          <p:nvPr/>
+        </p:nvSpPr>
+        <p:spPr>
+          <a:xfrm>
+            <a:off x="1181977" y="3183674"/>
+            <a:ext cx="973343" cy="253916"/>
+          </a:xfrm>
+          <a:prstGeom prst="rect">
+            <a:avLst/>
+          </a:prstGeom>
+          <a:noFill/>
+        </p:spPr>
+        <p:txBody>
+          <a:bodyPr wrap="none" rtlCol="0">
+            <a:spAutoFit/>
+          </a:bodyPr>
+          <a:lstStyle/>
+          <a:p>
+            <a:r>
+              <a:rPr lang="en-US" sz="1050" i="1" dirty="0"/>
+              <a:t>Ref: Wikipedia</a:t>
+            </a:r>
+          </a:p>
+        </p:txBody>
+      </p:sp>
+      <p:sp>
+        <p:nvSpPr>
+          <p:cNvPr id="17" name="TextBox 16"/>
+          <p:cNvSpPr txBox="1"/>
+          <p:nvPr/>
+        </p:nvSpPr>
+        <p:spPr>
+          <a:xfrm>
+            <a:off x="6233119" y="3183674"/>
+            <a:ext cx="1034257" cy="253916"/>
+          </a:xfrm>
+          <a:prstGeom prst="rect">
+            <a:avLst/>
+          </a:prstGeom>
+          <a:noFill/>
+        </p:spPr>
+        <p:txBody>
+          <a:bodyPr wrap="none" rtlCol="0">
+            <a:spAutoFit/>
+          </a:bodyPr>
+          <a:lstStyle/>
+          <a:p>
+            <a:r>
+              <a:rPr lang="en-US" sz="1050" i="1" dirty="0"/>
+              <a:t>Ref: Wikipedia  </a:t>
+            </a:r>
+          </a:p>
+        </p:txBody>
+      </p:sp>
+      <p:grpSp>
+        <p:nvGrpSpPr>
+          <p:cNvPr id="20" name="Group 19">
+            <a:extLst>
+              <a:ext uri="{FF2B5EF4-FFF2-40B4-BE49-F238E27FC236}">
+                <a16:creationId xmlns:a16="http://schemas.microsoft.com/office/drawing/2014/main" id="{2006D102-97BC-49E7-959F-0FD2F919686F}"/>
+              </a:ext>
+            </a:extLst>
+          </p:cNvPr>
+          <p:cNvGrpSpPr/>
+          <p:nvPr/>
+        </p:nvGrpSpPr>
+        <p:grpSpPr>
+          <a:xfrm>
+            <a:off x="4567185" y="3436907"/>
+            <a:ext cx="3781530" cy="2964662"/>
+            <a:chOff x="94567" y="857251"/>
+            <a:chExt cx="3104726" cy="2370044"/>
+          </a:xfrm>
+        </p:grpSpPr>
+        <p:grpSp>
+          <p:nvGrpSpPr>
+            <p:cNvPr id="21" name="Group 20">
+              <a:extLst>
+                <a:ext uri="{FF2B5EF4-FFF2-40B4-BE49-F238E27FC236}">
+                  <a16:creationId xmlns:a16="http://schemas.microsoft.com/office/drawing/2014/main" id="{8AFA11D8-EA18-4210-93EE-030601600EB5}"/>
+                </a:ext>
+              </a:extLst>
+            </p:cNvPr>
+            <p:cNvGrpSpPr/>
+            <p:nvPr/>
+          </p:nvGrpSpPr>
+          <p:grpSpPr>
+            <a:xfrm>
+              <a:off x="94567" y="857251"/>
+              <a:ext cx="3104726" cy="2370044"/>
+              <a:chOff x="94567" y="857251"/>
+              <a:chExt cx="3104726" cy="2370044"/>
+            </a:xfrm>
+          </p:grpSpPr>
+          <p:pic>
+            <p:nvPicPr>
+              <p:cNvPr id="23" name="Picture 22">
+                <a:extLst>
+                  <a:ext uri="{FF2B5EF4-FFF2-40B4-BE49-F238E27FC236}">
+                    <a16:creationId xmlns:a16="http://schemas.microsoft.com/office/drawing/2014/main" id="{FB0A37EE-407E-435F-B38C-A45040604A11}"/>
+                  </a:ext>
+                </a:extLst>
+              </p:cNvPr>
+              <p:cNvPicPr>
+                <a:picLocks noChangeAspect="1"/>
+              </p:cNvPicPr>
+              <p:nvPr/>
+            </p:nvPicPr>
+            <p:blipFill rotWithShape="1">
+              <a:blip r:embed="rId5">
+                <a:extLst>
+                  <a:ext uri="{28A0092B-C50C-407E-A947-70E740481C1C}">
+                    <a14:useLocalDpi xmlns:a14="http://schemas.microsoft.com/office/drawing/2010/main" val="0"/>
+                  </a:ext>
+                </a:extLst>
+              </a:blip>
+              <a:srcRect b="11104"/>
+              <a:stretch/>
+            </p:blipFill>
+            <p:spPr>
+              <a:xfrm>
+                <a:off x="94567" y="857251"/>
+                <a:ext cx="3104726" cy="2370044"/>
+              </a:xfrm>
+              <a:prstGeom prst="rect">
+                <a:avLst/>
+              </a:prstGeom>
+            </p:spPr>
+          </p:pic>
+          <p:cxnSp>
+            <p:nvCxnSpPr>
+              <p:cNvPr id="24" name="Straight Arrow Connector 23">
+                <a:extLst>
+                  <a:ext uri="{FF2B5EF4-FFF2-40B4-BE49-F238E27FC236}">
+                    <a16:creationId xmlns:a16="http://schemas.microsoft.com/office/drawing/2014/main" id="{F34EF4DB-48A8-49B9-98E2-C0BD41ECA5C6}"/>
+                  </a:ext>
+                </a:extLst>
+              </p:cNvPr>
+              <p:cNvCxnSpPr/>
+              <p:nvPr/>
+            </p:nvCxnSpPr>
+            <p:spPr>
+              <a:xfrm>
+                <a:off x="1243852" y="1855694"/>
+                <a:ext cx="927848" cy="0"/>
+              </a:xfrm>
+              <a:prstGeom prst="straightConnector1">
+                <a:avLst/>
+              </a:prstGeom>
+              <a:ln>
+                <a:solidFill>
+                  <a:srgbClr val="FF0000"/>
+                </a:solidFill>
+                <a:headEnd type="triangle"/>
+                <a:tailEnd type="triangle"/>
+              </a:ln>
+            </p:spPr>
+            <p:style>
+              <a:lnRef idx="1">
+                <a:schemeClr val="accent1"/>
+              </a:lnRef>
+              <a:fillRef idx="0">
+                <a:schemeClr val="accent1"/>
+              </a:fillRef>
+              <a:effectRef idx="0">
+                <a:schemeClr val="accent1"/>
+              </a:effectRef>
+              <a:fontRef idx="minor">
+                <a:schemeClr val="tx1"/>
+              </a:fontRef>
+            </p:style>
+          </p:cxnSp>
+          <p:cxnSp>
+            <p:nvCxnSpPr>
+              <p:cNvPr id="26" name="Straight Arrow Connector 25">
+                <a:extLst>
+                  <a:ext uri="{FF2B5EF4-FFF2-40B4-BE49-F238E27FC236}">
+                    <a16:creationId xmlns:a16="http://schemas.microsoft.com/office/drawing/2014/main" id="{789EB8B2-DFBB-4BF6-B84B-789E1636521B}"/>
+                  </a:ext>
+                </a:extLst>
+              </p:cNvPr>
+              <p:cNvCxnSpPr/>
+              <p:nvPr/>
+            </p:nvCxnSpPr>
+            <p:spPr>
+              <a:xfrm flipV="1">
+                <a:off x="806094" y="1550474"/>
+                <a:ext cx="1277234" cy="6723"/>
+              </a:xfrm>
+              <a:prstGeom prst="straightConnector1">
+                <a:avLst/>
+              </a:prstGeom>
+              <a:ln>
+                <a:solidFill>
+                  <a:srgbClr val="FF0000"/>
+                </a:solidFill>
+                <a:headEnd type="triangle"/>
+                <a:tailEnd type="triangle"/>
+              </a:ln>
+            </p:spPr>
+            <p:style>
+              <a:lnRef idx="1">
+                <a:schemeClr val="accent1"/>
+              </a:lnRef>
+              <a:fillRef idx="0">
+                <a:schemeClr val="accent1"/>
+              </a:fillRef>
+              <a:effectRef idx="0">
+                <a:schemeClr val="accent1"/>
+              </a:effectRef>
+              <a:fontRef idx="minor">
+                <a:schemeClr val="tx1"/>
+              </a:fontRef>
+            </p:style>
+          </p:cxnSp>
+        </p:grpSp>
+        <p:sp>
+          <p:nvSpPr>
+            <p:cNvPr id="22" name="TextBox 21">
+              <a:extLst>
+                <a:ext uri="{FF2B5EF4-FFF2-40B4-BE49-F238E27FC236}">
+                  <a16:creationId xmlns:a16="http://schemas.microsoft.com/office/drawing/2014/main" id="{B4034C69-EEE2-409D-9D12-7D52534809E4}"/>
+                </a:ext>
+              </a:extLst>
+            </p:cNvPr>
+            <p:cNvSpPr txBox="1"/>
+            <p:nvPr/>
+          </p:nvSpPr>
+          <p:spPr>
+            <a:xfrm>
+              <a:off x="628650" y="988423"/>
+              <a:ext cx="1524836" cy="313125"/>
+            </a:xfrm>
+            <a:prstGeom prst="rect">
+              <a:avLst/>
+            </a:prstGeom>
+            <a:noFill/>
+          </p:spPr>
+          <p:txBody>
+            <a:bodyPr wrap="none" rtlCol="0">
+              <a:spAutoFit/>
+            </a:bodyPr>
+            <a:lstStyle/>
+            <a:p>
+              <a:r>
+                <a:rPr lang="en-US" sz="1013" dirty="0"/>
+                <a:t>TIMETAL 685, 20</a:t>
+              </a:r>
+              <a:r>
+                <a:rPr lang="el-GR" sz="1013" dirty="0"/>
+                <a:t>°</a:t>
+              </a:r>
+              <a:r>
+                <a:rPr lang="en-US" sz="1013" dirty="0"/>
+                <a:t>C</a:t>
+              </a:r>
+            </a:p>
+          </p:txBody>
+        </p:sp>
+      </p:grpSp>
+      <p:sp>
+        <p:nvSpPr>
+          <p:cNvPr id="27" name="TextBox 26">
+            <a:extLst>
+              <a:ext uri="{FF2B5EF4-FFF2-40B4-BE49-F238E27FC236}">
+                <a16:creationId xmlns:a16="http://schemas.microsoft.com/office/drawing/2014/main" id="{551D60E6-6B1B-49CA-BEBA-6EA3D660F252}"/>
+              </a:ext>
+            </a:extLst>
+          </p:cNvPr>
+          <p:cNvSpPr txBox="1"/>
+          <p:nvPr/>
+        </p:nvSpPr>
+        <p:spPr>
+          <a:xfrm>
+            <a:off x="5835758" y="6396412"/>
+            <a:ext cx="1828978" cy="515023"/>
+          </a:xfrm>
+          <a:prstGeom prst="rect">
+            <a:avLst/>
+          </a:prstGeom>
+          <a:noFill/>
+        </p:spPr>
+        <p:txBody>
+          <a:bodyPr wrap="none" rtlCol="0">
+            <a:spAutoFit/>
+          </a:bodyPr>
+          <a:lstStyle/>
+          <a:p>
+            <a:r>
+              <a:rPr lang="en-US" sz="1013" dirty="0"/>
+              <a:t>Fig: DFD in two Ti alloys</a:t>
+            </a:r>
+          </a:p>
+          <a:p>
+            <a:r>
+              <a:rPr lang="en-US" sz="1013" i="1" dirty="0" err="1"/>
+              <a:t>W.J.Evans</a:t>
+            </a:r>
+            <a:r>
+              <a:rPr lang="en-US" sz="1013" i="1" dirty="0"/>
+              <a:t>, 1998</a:t>
+            </a:r>
+          </a:p>
+        </p:txBody>
+      </p:sp>
+      <p:pic>
+        <p:nvPicPr>
+          <p:cNvPr id="8" name="Picture 7">
+            <a:extLst>
+              <a:ext uri="{FF2B5EF4-FFF2-40B4-BE49-F238E27FC236}">
+                <a16:creationId xmlns:a16="http://schemas.microsoft.com/office/drawing/2014/main" id="{38109D59-6DF7-4A6D-8A3F-C613BC600004}"/>
+              </a:ext>
+            </a:extLst>
+          </p:cNvPr>
+          <p:cNvPicPr>
+            <a:picLocks noChangeAspect="1"/>
+          </p:cNvPicPr>
+          <p:nvPr/>
+        </p:nvPicPr>
+        <p:blipFill>
+          <a:blip r:embed="rId6" cstate="print">
+            <a:extLst>
+              <a:ext uri="{28A0092B-C50C-407E-A947-70E740481C1C}">
+                <a14:useLocalDpi xmlns:a14="http://schemas.microsoft.com/office/drawing/2010/main" val="0"/>
+              </a:ext>
+            </a:extLst>
+          </a:blip>
+          <a:stretch>
+            <a:fillRect/>
+          </a:stretch>
+        </p:blipFill>
+        <p:spPr>
+          <a:xfrm>
+            <a:off x="406010" y="4028828"/>
+            <a:ext cx="3668573" cy="1938528"/>
+          </a:xfrm>
+          <a:prstGeom prst="rect">
+            <a:avLst/>
+          </a:prstGeom>
+        </p:spPr>
+      </p:pic>
+    </p:spTree>
+    <p:extLst>
+      <p:ext uri="{BB962C8B-B14F-4D97-AF65-F5344CB8AC3E}">
+        <p14:creationId xmlns:p14="http://schemas.microsoft.com/office/powerpoint/2010/main" val="400235404"/>
+      </p:ext>
+    </p:extLst>
+  </p:cSld>
+  <p:clrMapOvr>
+    <a:masterClrMapping/>
+  </p:clrMapOvr>
+</p:sld>
+</file>
+
+<file path=ppt/slides/slide7.xml><?xml version="1.0" encoding="utf-8"?>
+<p:sld xmlns:a="http://schemas.openxmlformats.org/drawingml/2006/main" xmlns:r="http://schemas.openxmlformats.org/officeDocument/2006/relationships" xmlns:p="http://schemas.openxmlformats.org/presentationml/2006/main">
+  <p:cSld>
+    <p:spTree>
+      <p:nvGrpSpPr>
+        <p:cNvPr id="1" name=""/>
+        <p:cNvGrpSpPr/>
+        <p:nvPr/>
+      </p:nvGrpSpPr>
+      <p:grpSpPr>
+        <a:xfrm>
+          <a:off x="0" y="0"/>
+          <a:ext cx="0" cy="0"/>
+          <a:chOff x="0" y="0"/>
+          <a:chExt cx="0" cy="0"/>
+        </a:xfrm>
+      </p:grpSpPr>
+      <p:graphicFrame>
+        <p:nvGraphicFramePr>
+          <p:cNvPr id="7" name="Object 6"/>
+          <p:cNvGraphicFramePr>
+            <a:graphicFrameLocks noChangeAspect="1"/>
+          </p:cNvGraphicFramePr>
+          <p:nvPr>
+            <p:extLst/>
+          </p:nvPr>
+        </p:nvGraphicFramePr>
+        <p:xfrm>
+          <a:off x="4562548" y="3972506"/>
+          <a:ext cx="64294" cy="121444"/>
+        </p:xfrm>
+        <a:graphic>
+          <a:graphicData uri="http://schemas.openxmlformats.org/presentationml/2006/ole">
+            <mc:AlternateContent xmlns:mc="http://schemas.openxmlformats.org/markup-compatibility/2006">
+              <mc:Choice xmlns:v="urn:schemas-microsoft-com:vml" Requires="v">
+                <p:oleObj spid="_x0000_s1056" name="Equation" r:id="rId4" imgW="114120" imgH="215640" progId="Equation.3">
+                  <p:embed/>
+                </p:oleObj>
+              </mc:Choice>
+              <mc:Fallback>
+                <p:oleObj name="Equation" r:id="rId4" imgW="114120" imgH="215640" progId="Equation.3">
+                  <p:embed/>
+                  <p:pic>
+                    <p:nvPicPr>
+                      <p:cNvPr id="0" name=""/>
+                      <p:cNvPicPr/>
+                      <p:nvPr/>
+                    </p:nvPicPr>
+                    <p:blipFill>
+                      <a:blip r:embed="rId5"/>
+                      <a:stretch>
+                        <a:fillRect/>
+                      </a:stretch>
+                    </p:blipFill>
+                    <p:spPr>
+                      <a:xfrm>
+                        <a:off x="4562548" y="3972506"/>
+                        <a:ext cx="64294" cy="121444"/>
+                      </a:xfrm>
+                      <a:prstGeom prst="rect">
+                        <a:avLst/>
+                      </a:prstGeom>
+                    </p:spPr>
+                  </p:pic>
+                </p:oleObj>
+              </mc:Fallback>
+            </mc:AlternateContent>
+          </a:graphicData>
+        </a:graphic>
+      </p:graphicFrame>
+      <mc:AlternateContent xmlns:mc="http://schemas.openxmlformats.org/markup-compatibility/2006">
+        <mc:Choice xmlns:a14="http://schemas.microsoft.com/office/drawing/2010/main" Requires="a14">
+          <p:sp>
+            <p:nvSpPr>
+              <p:cNvPr id="11" name="TextBox 10"/>
+              <p:cNvSpPr txBox="1"/>
+              <p:nvPr/>
+            </p:nvSpPr>
+            <p:spPr>
+              <a:xfrm>
+                <a:off x="179632" y="5117321"/>
+                <a:ext cx="6685758" cy="737766"/>
+              </a:xfrm>
+              <a:prstGeom prst="rect">
+                <a:avLst/>
+              </a:prstGeom>
+              <a:noFill/>
+            </p:spPr>
+            <p:txBody>
+              <a:bodyPr wrap="square" rtlCol="0">
+                <a:spAutoFit/>
+              </a:bodyPr>
+              <a:lstStyle/>
+              <a:p>
+                <a:r>
+                  <a:rPr lang="en-US" sz="2400" dirty="0"/>
+                  <a:t>DFD = </a:t>
+                </a:r>
+                <a14:m>
+                  <m:oMath xmlns:m="http://schemas.openxmlformats.org/officeDocument/2006/math">
+                    <m:f>
+                      <m:fPr>
+                        <m:ctrlPr>
+                          <a:rPr lang="en-US" sz="2400" i="1">
+                            <a:latin typeface="Cambria Math" panose="02040503050406030204" pitchFamily="18" charset="0"/>
+                          </a:rPr>
+                        </m:ctrlPr>
+                      </m:fPr>
+                      <m:num>
+                        <m:r>
+                          <m:rPr>
+                            <m:nor/>
+                          </m:rPr>
+                          <a:rPr lang="en-US" sz="2400" dirty="0"/>
+                          <m:t>No</m:t>
+                        </m:r>
+                        <m:r>
+                          <m:rPr>
+                            <m:nor/>
+                          </m:rPr>
+                          <a:rPr lang="en-US" sz="2400" dirty="0"/>
+                          <m:t> </m:t>
+                        </m:r>
+                        <m:r>
+                          <m:rPr>
+                            <m:nor/>
+                          </m:rPr>
+                          <a:rPr lang="en-US" sz="2400" dirty="0"/>
+                          <m:t>of</m:t>
+                        </m:r>
+                        <m:r>
+                          <m:rPr>
+                            <m:nor/>
+                          </m:rPr>
+                          <a:rPr lang="en-US" sz="2400" dirty="0"/>
+                          <m:t> </m:t>
+                        </m:r>
+                        <m:r>
+                          <m:rPr>
+                            <m:nor/>
+                          </m:rPr>
+                          <a:rPr lang="en-US" sz="2400" dirty="0"/>
+                          <m:t>cycles</m:t>
+                        </m:r>
+                        <m:r>
+                          <m:rPr>
+                            <m:nor/>
+                          </m:rPr>
+                          <a:rPr lang="en-US" sz="2400" dirty="0"/>
+                          <m:t> </m:t>
+                        </m:r>
+                        <m:r>
+                          <m:rPr>
+                            <m:nor/>
+                          </m:rPr>
+                          <a:rPr lang="en-US" sz="2400" dirty="0"/>
+                          <m:t>to</m:t>
+                        </m:r>
+                        <m:r>
+                          <m:rPr>
+                            <m:nor/>
+                          </m:rPr>
+                          <a:rPr lang="en-US" sz="2400" dirty="0"/>
+                          <m:t> </m:t>
+                        </m:r>
+                        <m:r>
+                          <m:rPr>
+                            <m:nor/>
+                          </m:rPr>
+                          <a:rPr lang="en-US" sz="2400" dirty="0"/>
+                          <m:t>failure</m:t>
+                        </m:r>
+                        <m:r>
+                          <m:rPr>
+                            <m:nor/>
+                          </m:rPr>
+                          <a:rPr lang="en-US" sz="2400" dirty="0"/>
+                          <m:t> </m:t>
+                        </m:r>
+                        <m:r>
+                          <m:rPr>
+                            <m:nor/>
+                          </m:rPr>
+                          <a:rPr lang="en-US" sz="2400" dirty="0"/>
+                          <m:t>in</m:t>
+                        </m:r>
+                        <m:r>
+                          <m:rPr>
+                            <m:nor/>
+                          </m:rPr>
+                          <a:rPr lang="en-US" sz="2400" dirty="0"/>
+                          <m:t> </m:t>
+                        </m:r>
+                        <m:r>
+                          <m:rPr>
+                            <m:nor/>
+                          </m:rPr>
+                          <a:rPr lang="en-US" sz="2400" dirty="0"/>
+                          <m:t>continuous</m:t>
+                        </m:r>
+                        <m:r>
+                          <m:rPr>
+                            <m:nor/>
+                          </m:rPr>
+                          <a:rPr lang="en-US" sz="2400" dirty="0"/>
+                          <m:t> </m:t>
+                        </m:r>
+                        <m:r>
+                          <m:rPr>
+                            <m:nor/>
+                          </m:rPr>
+                          <a:rPr lang="en-US" sz="2400" dirty="0"/>
+                          <m:t>cycling</m:t>
+                        </m:r>
+                        <m:r>
+                          <m:rPr>
+                            <m:nor/>
+                          </m:rPr>
+                          <a:rPr lang="en-US" sz="2400" dirty="0"/>
+                          <m:t> </m:t>
+                        </m:r>
+                      </m:num>
+                      <m:den>
+                        <m:r>
+                          <m:rPr>
+                            <m:nor/>
+                          </m:rPr>
+                          <a:rPr lang="en-US" sz="2400" dirty="0"/>
+                          <m:t>No</m:t>
+                        </m:r>
+                        <m:r>
+                          <m:rPr>
+                            <m:nor/>
+                          </m:rPr>
+                          <a:rPr lang="en-US" sz="2400" dirty="0"/>
+                          <m:t> </m:t>
+                        </m:r>
+                        <m:r>
+                          <m:rPr>
+                            <m:nor/>
+                          </m:rPr>
+                          <a:rPr lang="en-US" sz="2400" dirty="0"/>
+                          <m:t>of</m:t>
+                        </m:r>
+                        <m:r>
+                          <m:rPr>
+                            <m:nor/>
+                          </m:rPr>
+                          <a:rPr lang="en-US" sz="2400" dirty="0"/>
+                          <m:t> </m:t>
+                        </m:r>
+                        <m:r>
+                          <m:rPr>
+                            <m:nor/>
+                          </m:rPr>
+                          <a:rPr lang="en-US" sz="2400" dirty="0"/>
+                          <m:t>cycles</m:t>
+                        </m:r>
+                        <m:r>
+                          <m:rPr>
+                            <m:nor/>
+                          </m:rPr>
+                          <a:rPr lang="en-US" sz="2400" dirty="0"/>
+                          <m:t> </m:t>
+                        </m:r>
+                        <m:r>
+                          <m:rPr>
+                            <m:nor/>
+                          </m:rPr>
+                          <a:rPr lang="en-US" sz="2400" dirty="0"/>
+                          <m:t>to</m:t>
+                        </m:r>
+                        <m:r>
+                          <m:rPr>
+                            <m:nor/>
+                          </m:rPr>
+                          <a:rPr lang="en-US" sz="2400" dirty="0"/>
+                          <m:t> </m:t>
+                        </m:r>
+                        <m:r>
+                          <m:rPr>
+                            <m:nor/>
+                          </m:rPr>
+                          <a:rPr lang="en-US" sz="2400" dirty="0"/>
+                          <m:t>failure</m:t>
+                        </m:r>
+                        <m:r>
+                          <m:rPr>
+                            <m:nor/>
+                          </m:rPr>
+                          <a:rPr lang="en-US" sz="2400" dirty="0"/>
+                          <m:t> </m:t>
+                        </m:r>
+                        <m:r>
+                          <m:rPr>
+                            <m:nor/>
+                          </m:rPr>
+                          <a:rPr lang="en-US" sz="2400" dirty="0"/>
+                          <m:t>in</m:t>
+                        </m:r>
+                        <m:r>
+                          <m:rPr>
+                            <m:nor/>
+                          </m:rPr>
+                          <a:rPr lang="en-US" sz="2400" dirty="0"/>
+                          <m:t> </m:t>
+                        </m:r>
+                        <m:r>
+                          <m:rPr>
+                            <m:nor/>
+                          </m:rPr>
+                          <a:rPr lang="en-US" sz="2400" dirty="0"/>
+                          <m:t>Dwell</m:t>
+                        </m:r>
+                        <m:r>
+                          <m:rPr>
+                            <m:nor/>
+                          </m:rPr>
+                          <a:rPr lang="en-US" sz="2400" dirty="0"/>
+                          <m:t> </m:t>
+                        </m:r>
+                        <m:r>
+                          <m:rPr>
+                            <m:nor/>
+                          </m:rPr>
+                          <a:rPr lang="en-US" sz="2400" dirty="0"/>
+                          <m:t>loading</m:t>
+                        </m:r>
+                      </m:den>
+                    </m:f>
+                  </m:oMath>
+                </a14:m>
+                <a:endParaRPr lang="en-US" sz="2400" dirty="0"/>
+              </a:p>
+            </p:txBody>
+          </p:sp>
+        </mc:Choice>
+        <mc:Fallback>
+          <p:sp>
+            <p:nvSpPr>
+              <p:cNvPr id="11" name="TextBox 10"/>
+              <p:cNvSpPr txBox="1">
+                <a:spLocks noRot="1" noChangeAspect="1" noMove="1" noResize="1" noEditPoints="1" noAdjustHandles="1" noChangeArrowheads="1" noChangeShapeType="1" noTextEdit="1"/>
+              </p:cNvSpPr>
+              <p:nvPr/>
+            </p:nvSpPr>
+            <p:spPr>
+              <a:xfrm>
+                <a:off x="179632" y="5117321"/>
+                <a:ext cx="6685758" cy="737766"/>
+              </a:xfrm>
+              <a:prstGeom prst="rect">
+                <a:avLst/>
+              </a:prstGeom>
+              <a:blipFill>
+                <a:blip r:embed="rId6"/>
+                <a:stretch>
+                  <a:fillRect l="-1367" b="-826"/>
+                </a:stretch>
+              </a:blipFill>
+            </p:spPr>
+            <p:txBody>
+              <a:bodyPr/>
+              <a:lstStyle/>
+              <a:p>
+                <a:r>
+                  <a:rPr lang="en-US">
+                    <a:noFill/>
+                  </a:rPr>
+                  <a:t> </a:t>
+                </a:r>
+              </a:p>
+            </p:txBody>
+          </p:sp>
+        </mc:Fallback>
+      </mc:AlternateContent>
+      <p:sp>
+        <p:nvSpPr>
+          <p:cNvPr id="12" name="TextBox 11"/>
+          <p:cNvSpPr txBox="1"/>
+          <p:nvPr/>
+        </p:nvSpPr>
+        <p:spPr>
+          <a:xfrm>
+            <a:off x="312152" y="6067810"/>
+            <a:ext cx="1332416" cy="577082"/>
+          </a:xfrm>
+          <a:prstGeom prst="rect">
+            <a:avLst/>
+          </a:prstGeom>
+          <a:noFill/>
+        </p:spPr>
+        <p:txBody>
+          <a:bodyPr wrap="none" rtlCol="0">
+            <a:spAutoFit/>
+          </a:bodyPr>
+          <a:lstStyle/>
+          <a:p>
+            <a:r>
+              <a:rPr lang="en-US" sz="1050" dirty="0"/>
+              <a:t>=1   Dwell Insensitive</a:t>
+            </a:r>
+          </a:p>
+          <a:p>
+            <a:endParaRPr lang="en-US" sz="1050" dirty="0"/>
+          </a:p>
+          <a:p>
+            <a:r>
+              <a:rPr lang="en-US" sz="1050" dirty="0"/>
+              <a:t>&gt;10 Highly Sensitive </a:t>
+            </a:r>
+          </a:p>
+        </p:txBody>
+      </p:sp>
+      <p:sp>
+        <p:nvSpPr>
+          <p:cNvPr id="2" name="Slide Number Placeholder 1"/>
+          <p:cNvSpPr>
+            <a:spLocks noGrp="1"/>
+          </p:cNvSpPr>
+          <p:nvPr>
+            <p:ph type="sldNum" sz="quarter" idx="12"/>
+          </p:nvPr>
+        </p:nvSpPr>
+        <p:spPr/>
+        <p:txBody>
+          <a:bodyPr/>
+          <a:lstStyle/>
+          <a:p>
+            <a:fld id="{0B0F4DA3-A20A-4F1E-9416-A0F769FF6BF0}" type="slidenum">
+              <a:rPr lang="en-US" smtClean="0"/>
+              <a:t>7</a:t>
+            </a:fld>
+            <a:endParaRPr lang="en-US"/>
+          </a:p>
+        </p:txBody>
+      </p:sp>
+      <p:sp>
+        <p:nvSpPr>
+          <p:cNvPr id="14" name="TextBox 13"/>
+          <p:cNvSpPr txBox="1"/>
+          <p:nvPr/>
+        </p:nvSpPr>
+        <p:spPr>
+          <a:xfrm>
+            <a:off x="-2666399" y="995653"/>
+            <a:ext cx="2596160" cy="923330"/>
+          </a:xfrm>
+          <a:prstGeom prst="rect">
+            <a:avLst/>
+          </a:prstGeom>
+          <a:noFill/>
+        </p:spPr>
+        <p:txBody>
+          <a:bodyPr wrap="none" rtlCol="0">
+            <a:spAutoFit/>
+          </a:bodyPr>
+          <a:lstStyle/>
+          <a:p>
+            <a:r>
+              <a:rPr lang="en-US" sz="1350" dirty="0"/>
+              <a:t>Accelerated tests are not possible</a:t>
+            </a:r>
+          </a:p>
+          <a:p>
+            <a:r>
+              <a:rPr lang="en-US" sz="1350" dirty="0"/>
+              <a:t>even though there is no corrosion </a:t>
+            </a:r>
+          </a:p>
+          <a:p>
+            <a:r>
+              <a:rPr lang="en-US" sz="1350" dirty="0"/>
+              <a:t>or heat generation issue. </a:t>
+            </a:r>
+          </a:p>
+          <a:p>
+            <a:r>
+              <a:rPr lang="en-US" sz="1350" dirty="0"/>
+              <a:t>But there is creep issue </a:t>
+            </a:r>
+          </a:p>
+        </p:txBody>
+      </p:sp>
+      <p:grpSp>
+        <p:nvGrpSpPr>
+          <p:cNvPr id="19" name="Group 18"/>
+          <p:cNvGrpSpPr/>
+          <p:nvPr/>
+        </p:nvGrpSpPr>
+        <p:grpSpPr>
+          <a:xfrm>
+            <a:off x="265023" y="658296"/>
+            <a:ext cx="4210404" cy="3401618"/>
+            <a:chOff x="3308414" y="857251"/>
+            <a:chExt cx="3368051" cy="2492715"/>
+          </a:xfrm>
+        </p:grpSpPr>
+        <p:pic>
+          <p:nvPicPr>
+            <p:cNvPr id="23" name="Picture 22"/>
+            <p:cNvPicPr>
+              <a:picLocks noChangeAspect="1"/>
+            </p:cNvPicPr>
+            <p:nvPr/>
+          </p:nvPicPr>
+          <p:blipFill rotWithShape="1">
+            <a:blip r:embed="rId7">
+              <a:extLst>
+                <a:ext uri="{28A0092B-C50C-407E-A947-70E740481C1C}">
+                  <a14:useLocalDpi xmlns:a14="http://schemas.microsoft.com/office/drawing/2010/main" val="0"/>
+                </a:ext>
+              </a:extLst>
+            </a:blip>
+            <a:srcRect b="7831"/>
+            <a:stretch/>
+          </p:blipFill>
+          <p:spPr>
+            <a:xfrm>
+              <a:off x="3308414" y="857251"/>
+              <a:ext cx="3368051" cy="2492715"/>
+            </a:xfrm>
+            <a:prstGeom prst="rect">
+              <a:avLst/>
+            </a:prstGeom>
+          </p:spPr>
+        </p:pic>
+        <p:cxnSp>
+          <p:nvCxnSpPr>
+            <p:cNvPr id="24" name="Straight Arrow Connector 23"/>
+            <p:cNvCxnSpPr/>
+            <p:nvPr/>
+          </p:nvCxnSpPr>
+          <p:spPr>
+            <a:xfrm>
+              <a:off x="3918446" y="1596838"/>
+              <a:ext cx="739914" cy="0"/>
+            </a:xfrm>
+            <a:prstGeom prst="straightConnector1">
+              <a:avLst/>
+            </a:prstGeom>
+            <a:ln>
+              <a:solidFill>
+                <a:srgbClr val="FF0000"/>
+              </a:solidFill>
+              <a:headEnd type="triangle"/>
+              <a:tailEnd type="triangle"/>
+            </a:ln>
+          </p:spPr>
+          <p:style>
+            <a:lnRef idx="1">
+              <a:schemeClr val="accent1"/>
+            </a:lnRef>
+            <a:fillRef idx="0">
+              <a:schemeClr val="accent1"/>
+            </a:fillRef>
+            <a:effectRef idx="0">
+              <a:schemeClr val="accent1"/>
+            </a:effectRef>
+            <a:fontRef idx="minor">
+              <a:schemeClr val="tx1"/>
+            </a:fontRef>
+          </p:style>
+        </p:cxnSp>
+        <p:sp>
+          <p:nvSpPr>
+            <p:cNvPr id="25" name="TextBox 24"/>
+            <p:cNvSpPr txBox="1"/>
+            <p:nvPr/>
+          </p:nvSpPr>
+          <p:spPr>
+            <a:xfrm>
+              <a:off x="3799274" y="2355804"/>
+              <a:ext cx="1577602" cy="304788"/>
+            </a:xfrm>
+            <a:prstGeom prst="rect">
+              <a:avLst/>
+            </a:prstGeom>
+            <a:noFill/>
+          </p:spPr>
+          <p:txBody>
+            <a:bodyPr wrap="none" rtlCol="0">
+              <a:spAutoFit/>
+            </a:bodyPr>
+            <a:lstStyle/>
+            <a:p>
+              <a:r>
+                <a:rPr lang="en-US" sz="1013" dirty="0"/>
+                <a:t>TIMETAL 834, 20</a:t>
+              </a:r>
+              <a:r>
+                <a:rPr lang="el-GR" sz="1013" dirty="0"/>
+                <a:t>°</a:t>
+              </a:r>
+              <a:r>
+                <a:rPr lang="en-US" sz="1013" dirty="0"/>
+                <a:t>C</a:t>
+              </a:r>
+            </a:p>
+          </p:txBody>
+        </p:sp>
+      </p:grpSp>
+      <p:sp>
+        <p:nvSpPr>
+          <p:cNvPr id="22" name="TextBox 21"/>
+          <p:cNvSpPr txBox="1"/>
+          <p:nvPr/>
+        </p:nvSpPr>
+        <p:spPr>
+          <a:xfrm>
+            <a:off x="2390703" y="3931404"/>
+            <a:ext cx="1828978" cy="515023"/>
+          </a:xfrm>
+          <a:prstGeom prst="rect">
+            <a:avLst/>
+          </a:prstGeom>
+          <a:noFill/>
+        </p:spPr>
+        <p:txBody>
+          <a:bodyPr wrap="none" rtlCol="0">
+            <a:spAutoFit/>
+          </a:bodyPr>
+          <a:lstStyle/>
+          <a:p>
+            <a:r>
+              <a:rPr lang="en-US" sz="1013" dirty="0"/>
+              <a:t>Fig: DFD in two Ti alloys</a:t>
+            </a:r>
+          </a:p>
+          <a:p>
+            <a:r>
+              <a:rPr lang="en-US" sz="1013" i="1" dirty="0" err="1"/>
+              <a:t>W.J.Evans</a:t>
+            </a:r>
+            <a:r>
+              <a:rPr lang="en-US" sz="1013" i="1" dirty="0"/>
+              <a:t>, 2001</a:t>
+            </a:r>
+          </a:p>
+        </p:txBody>
+      </p:sp>
+      <p:sp>
+        <p:nvSpPr>
+          <p:cNvPr id="4" name="TextBox 3"/>
+          <p:cNvSpPr txBox="1"/>
+          <p:nvPr/>
+        </p:nvSpPr>
+        <p:spPr>
+          <a:xfrm>
+            <a:off x="-2805800" y="2957438"/>
+            <a:ext cx="2768707" cy="300082"/>
+          </a:xfrm>
+          <a:prstGeom prst="rect">
+            <a:avLst/>
+          </a:prstGeom>
+          <a:noFill/>
+        </p:spPr>
+        <p:txBody>
+          <a:bodyPr wrap="none" rtlCol="0">
+            <a:spAutoFit/>
+          </a:bodyPr>
+          <a:lstStyle/>
+          <a:p>
+            <a:r>
+              <a:rPr lang="en-US" sz="1350" dirty="0"/>
+              <a:t>Why near alpha ?? In these </a:t>
+            </a:r>
+            <a:r>
+              <a:rPr lang="en-US" sz="1350" dirty="0" err="1"/>
+              <a:t>applctins</a:t>
+            </a:r>
+            <a:endParaRPr lang="en-US" sz="1350" dirty="0"/>
+          </a:p>
+        </p:txBody>
+      </p:sp>
+      <p:sp>
+        <p:nvSpPr>
+          <p:cNvPr id="5" name="Rectangle 4">
+            <a:extLst>
+              <a:ext uri="{FF2B5EF4-FFF2-40B4-BE49-F238E27FC236}">
+                <a16:creationId xmlns:a16="http://schemas.microsoft.com/office/drawing/2014/main" id="{1851F48A-647B-4279-8EF2-F723EC1594CE}"/>
+              </a:ext>
+            </a:extLst>
+          </p:cNvPr>
+          <p:cNvSpPr/>
+          <p:nvPr/>
+        </p:nvSpPr>
+        <p:spPr>
+          <a:xfrm>
+            <a:off x="-9452" y="119826"/>
+            <a:ext cx="9144000" cy="584775"/>
+          </a:xfrm>
+          <a:prstGeom prst="rect">
+            <a:avLst/>
+          </a:prstGeom>
+        </p:spPr>
+        <p:txBody>
+          <a:bodyPr wrap="square">
+            <a:spAutoFit/>
+          </a:bodyPr>
+          <a:lstStyle/>
+          <a:p>
+            <a:pPr algn="ctr"/>
+            <a:r>
+              <a:rPr lang="en-US" sz="3200" b="1" dirty="0"/>
+              <a:t>Dwell Fatigue Debit</a:t>
+            </a:r>
+            <a:endParaRPr lang="en-US" sz="3200" dirty="0"/>
+          </a:p>
+        </p:txBody>
+      </p:sp>
+      <p:sp>
+        <p:nvSpPr>
+          <p:cNvPr id="31" name="TextBox 30">
+            <a:extLst>
+              <a:ext uri="{FF2B5EF4-FFF2-40B4-BE49-F238E27FC236}">
+                <a16:creationId xmlns:a16="http://schemas.microsoft.com/office/drawing/2014/main" id="{6F4EE3DF-EB7F-4B7B-BF76-D0DE0F114E93}"/>
+              </a:ext>
+            </a:extLst>
+          </p:cNvPr>
+          <p:cNvSpPr txBox="1"/>
+          <p:nvPr/>
+        </p:nvSpPr>
+        <p:spPr>
+          <a:xfrm>
+            <a:off x="5462567" y="3743721"/>
+            <a:ext cx="3528426" cy="584775"/>
+          </a:xfrm>
+          <a:prstGeom prst="rect">
+            <a:avLst/>
+          </a:prstGeom>
+          <a:noFill/>
+        </p:spPr>
+        <p:txBody>
+          <a:bodyPr wrap="square" rtlCol="0">
+            <a:spAutoFit/>
+          </a:bodyPr>
+          <a:lstStyle/>
+          <a:p>
+            <a:r>
+              <a:rPr lang="en-US" sz="1600" dirty="0"/>
+              <a:t>Fig: Perspectives on Titanium Science and Technology, D.</a:t>
+            </a:r>
+            <a:r>
+              <a:rPr lang="en-US" sz="1600" i="1" dirty="0"/>
+              <a:t> Banerjee, et.al., 2014</a:t>
+            </a:r>
+            <a:endParaRPr lang="en-US" sz="1600" dirty="0"/>
+          </a:p>
+        </p:txBody>
+      </p:sp>
+      <p:pic>
+        <p:nvPicPr>
+          <p:cNvPr id="32" name="Picture 31">
+            <a:extLst>
+              <a:ext uri="{FF2B5EF4-FFF2-40B4-BE49-F238E27FC236}">
+                <a16:creationId xmlns:a16="http://schemas.microsoft.com/office/drawing/2014/main" id="{A432714C-B773-4DA1-B500-DA66AF27F4FA}"/>
+              </a:ext>
+            </a:extLst>
+          </p:cNvPr>
+          <p:cNvPicPr>
+            <a:picLocks noChangeAspect="1"/>
+          </p:cNvPicPr>
+          <p:nvPr/>
+        </p:nvPicPr>
+        <p:blipFill>
+          <a:blip r:embed="rId8">
+            <a:extLst>
+              <a:ext uri="{28A0092B-C50C-407E-A947-70E740481C1C}">
+                <a14:useLocalDpi xmlns:a14="http://schemas.microsoft.com/office/drawing/2010/main" val="0"/>
+              </a:ext>
+            </a:extLst>
+          </a:blip>
+          <a:stretch>
+            <a:fillRect/>
+          </a:stretch>
+        </p:blipFill>
+        <p:spPr>
+          <a:xfrm>
+            <a:off x="4739787" y="774050"/>
+            <a:ext cx="4251206" cy="2899184"/>
+          </a:xfrm>
+          <a:prstGeom prst="rect">
+            <a:avLst/>
+          </a:prstGeom>
+        </p:spPr>
+      </p:pic>
+    </p:spTree>
+    <p:extLst>
+      <p:ext uri="{BB962C8B-B14F-4D97-AF65-F5344CB8AC3E}">
+        <p14:creationId xmlns:p14="http://schemas.microsoft.com/office/powerpoint/2010/main" val="2187723641"/>
+      </p:ext>
+    </p:extLst>
+  </p:cSld>
+  <p:clrMapOvr>
+    <a:masterClrMapping/>
+  </p:clrMapOvr>
+</p:sld>
+</file>
+
+<file path=ppt/slides/slide8.xml><?xml version="1.0" encoding="utf-8"?>
+<p:sld xmlns:a="http://schemas.openxmlformats.org/drawingml/2006/main" xmlns:r="http://schemas.openxmlformats.org/officeDocument/2006/relationships" xmlns:p="http://schemas.openxmlformats.org/presentationml/2006/main">
+  <p:cSld>
+    <p:spTree>
+      <p:nvGrpSpPr>
+        <p:cNvPr id="1" name=""/>
+        <p:cNvGrpSpPr/>
+        <p:nvPr/>
+      </p:nvGrpSpPr>
+      <p:grpSpPr>
+        <a:xfrm>
+          <a:off x="0" y="0"/>
+          <a:ext cx="0" cy="0"/>
+          <a:chOff x="0" y="0"/>
+          <a:chExt cx="0" cy="0"/>
+        </a:xfrm>
+      </p:grpSpPr>
+      <p:sp>
+        <p:nvSpPr>
+          <p:cNvPr id="2" name="Rectangle 1">
+            <a:extLst>
+              <a:ext uri="{FF2B5EF4-FFF2-40B4-BE49-F238E27FC236}">
+                <a16:creationId xmlns:a16="http://schemas.microsoft.com/office/drawing/2014/main" id="{931D5CF8-B42D-4DC7-88A0-C6FE82EB0A97}"/>
+              </a:ext>
+            </a:extLst>
+          </p:cNvPr>
+          <p:cNvSpPr/>
+          <p:nvPr/>
+        </p:nvSpPr>
+        <p:spPr>
+          <a:xfrm>
+            <a:off x="3220708" y="302351"/>
+            <a:ext cx="2369623" cy="369332"/>
+          </a:xfrm>
+          <a:prstGeom prst="rect">
+            <a:avLst/>
+          </a:prstGeom>
+        </p:spPr>
+        <p:txBody>
+          <a:bodyPr wrap="none">
+            <a:spAutoFit/>
+          </a:bodyPr>
+          <a:lstStyle/>
+          <a:p>
+            <a:pPr algn="ctr"/>
+            <a:r>
+              <a:rPr lang="en-US" dirty="0"/>
+              <a:t>Fatigue in Ti-6242 Alloy</a:t>
+            </a:r>
+          </a:p>
+        </p:txBody>
+      </p:sp>
+      <p:pic>
+        <p:nvPicPr>
+          <p:cNvPr id="8" name="Picture 7">
+            <a:extLst>
+              <a:ext uri="{FF2B5EF4-FFF2-40B4-BE49-F238E27FC236}">
+                <a16:creationId xmlns:a16="http://schemas.microsoft.com/office/drawing/2014/main" id="{D73F8E03-33DE-4485-8F67-5B80A9675A04}"/>
+              </a:ext>
+            </a:extLst>
+          </p:cNvPr>
+          <p:cNvPicPr>
+            <a:picLocks noChangeAspect="1"/>
+          </p:cNvPicPr>
+          <p:nvPr/>
+        </p:nvPicPr>
+        <p:blipFill>
+          <a:blip r:embed="rId2">
+            <a:extLst>
+              <a:ext uri="{28A0092B-C50C-407E-A947-70E740481C1C}">
+                <a14:useLocalDpi xmlns:a14="http://schemas.microsoft.com/office/drawing/2010/main" val="0"/>
+              </a:ext>
+            </a:extLst>
+          </a:blip>
+          <a:stretch>
+            <a:fillRect/>
+          </a:stretch>
+        </p:blipFill>
+        <p:spPr>
+          <a:xfrm>
+            <a:off x="447259" y="1130919"/>
+            <a:ext cx="3399184" cy="3085414"/>
+          </a:xfrm>
+          <a:prstGeom prst="rect">
+            <a:avLst/>
+          </a:prstGeom>
+        </p:spPr>
+      </p:pic>
+      <p:pic>
+        <p:nvPicPr>
+          <p:cNvPr id="10" name="Picture 9">
+            <a:extLst>
+              <a:ext uri="{FF2B5EF4-FFF2-40B4-BE49-F238E27FC236}">
+                <a16:creationId xmlns:a16="http://schemas.microsoft.com/office/drawing/2014/main" id="{3F719CBA-B162-43E3-A154-30BE522EAA97}"/>
+              </a:ext>
+            </a:extLst>
+          </p:cNvPr>
+          <p:cNvPicPr>
+            <a:picLocks noChangeAspect="1"/>
+          </p:cNvPicPr>
+          <p:nvPr/>
+        </p:nvPicPr>
+        <p:blipFill>
+          <a:blip r:embed="rId3">
+            <a:extLst>
+              <a:ext uri="{28A0092B-C50C-407E-A947-70E740481C1C}">
+                <a14:useLocalDpi xmlns:a14="http://schemas.microsoft.com/office/drawing/2010/main" val="0"/>
+              </a:ext>
+            </a:extLst>
+          </a:blip>
+          <a:stretch>
+            <a:fillRect/>
+          </a:stretch>
+        </p:blipFill>
+        <p:spPr>
+          <a:xfrm>
+            <a:off x="4721086" y="1130919"/>
+            <a:ext cx="3387701" cy="3085414"/>
+          </a:xfrm>
+          <a:prstGeom prst="rect">
+            <a:avLst/>
+          </a:prstGeom>
+        </p:spPr>
+      </p:pic>
+      <p:pic>
+        <p:nvPicPr>
+          <p:cNvPr id="12" name="Picture 11">
+            <a:extLst>
+              <a:ext uri="{FF2B5EF4-FFF2-40B4-BE49-F238E27FC236}">
+                <a16:creationId xmlns:a16="http://schemas.microsoft.com/office/drawing/2014/main" id="{112F435C-C736-4E5C-A57C-EB8BB8955DC7}"/>
+              </a:ext>
+            </a:extLst>
+          </p:cNvPr>
+          <p:cNvPicPr>
+            <a:picLocks noChangeAspect="1"/>
+          </p:cNvPicPr>
+          <p:nvPr/>
+        </p:nvPicPr>
+        <p:blipFill>
+          <a:blip r:embed="rId4"/>
+          <a:stretch>
+            <a:fillRect/>
+          </a:stretch>
+        </p:blipFill>
+        <p:spPr>
+          <a:xfrm>
+            <a:off x="1603513" y="4675569"/>
+            <a:ext cx="6102706" cy="1849746"/>
+          </a:xfrm>
+          <a:prstGeom prst="rect">
+            <a:avLst/>
+          </a:prstGeom>
+        </p:spPr>
+      </p:pic>
+    </p:spTree>
+    <p:extLst>
+      <p:ext uri="{BB962C8B-B14F-4D97-AF65-F5344CB8AC3E}">
+        <p14:creationId xmlns:p14="http://schemas.microsoft.com/office/powerpoint/2010/main" val="2558216272"/>
+      </p:ext>
+    </p:extLst>
+  </p:cSld>
+  <p:clrMapOvr>
+    <a:masterClrMapping/>
+  </p:clrMapOvr>
+</p:sld>
+</file>
+
+<file path=ppt/slides/slide9.xml><?xml version="1.0" encoding="utf-8"?>
+<p:sld xmlns:a="http://schemas.openxmlformats.org/drawingml/2006/main" xmlns:r="http://schemas.openxmlformats.org/officeDocument/2006/relationships" xmlns:p="http://schemas.openxmlformats.org/presentationml/2006/main">
+  <p:cSld>
+    <p:spTree>
+      <p:nvGrpSpPr>
+        <p:cNvPr id="1" name=""/>
+        <p:cNvGrpSpPr/>
+        <p:nvPr/>
+      </p:nvGrpSpPr>
+      <p:grpSpPr>
+        <a:xfrm>
+          <a:off x="0" y="0"/>
+          <a:ext cx="0" cy="0"/>
+          <a:chOff x="0" y="0"/>
+          <a:chExt cx="0" cy="0"/>
+        </a:xfrm>
+      </p:grpSpPr>
+      <p:sp>
+        <p:nvSpPr>
+          <p:cNvPr id="2" name="Rectangle 1">
+            <a:extLst>
+              <a:ext uri="{FF2B5EF4-FFF2-40B4-BE49-F238E27FC236}">
+                <a16:creationId xmlns:a16="http://schemas.microsoft.com/office/drawing/2014/main" id="{C6981FEE-7083-484B-9B52-C6B1FDC7BE5D}"/>
+              </a:ext>
+            </a:extLst>
+          </p:cNvPr>
+          <p:cNvSpPr/>
+          <p:nvPr/>
+        </p:nvSpPr>
+        <p:spPr>
+          <a:xfrm>
+            <a:off x="2703443" y="169830"/>
+            <a:ext cx="3400494" cy="369332"/>
+          </a:xfrm>
+          <a:prstGeom prst="rect">
+            <a:avLst/>
+          </a:prstGeom>
+        </p:spPr>
+        <p:txBody>
+          <a:bodyPr wrap="square">
+            <a:spAutoFit/>
+          </a:bodyPr>
+          <a:lstStyle/>
+          <a:p>
+            <a:pPr algn="ctr"/>
+            <a:r>
+              <a:rPr lang="en-US" dirty="0"/>
+              <a:t>Motivation and Objectives</a:t>
+            </a:r>
+          </a:p>
+        </p:txBody>
+      </p:sp>
+    </p:spTree>
+    <p:extLst>
+      <p:ext uri="{BB962C8B-B14F-4D97-AF65-F5344CB8AC3E}">
+        <p14:creationId xmlns:p14="http://schemas.microsoft.com/office/powerpoint/2010/main" val="1064444517"/>
       </p:ext>
     </p:extLst>
   </p:cSld>

--- a/Thesis/Comprehensive Exam/References/yazar.pptx
+++ b/Thesis/Comprehensive Exam/References/yazar.pptx
@@ -5,7 +5,7 @@
     <p:sldMasterId id="2147483660" r:id="rId1"/>
   </p:sldMasterIdLst>
   <p:notesMasterIdLst>
-    <p:notesMasterId r:id="rId12"/>
+    <p:notesMasterId r:id="rId13"/>
   </p:notesMasterIdLst>
   <p:sldIdLst>
     <p:sldId id="259" r:id="rId2"/>
@@ -17,7 +17,8 @@
     <p:sldId id="262" r:id="rId8"/>
     <p:sldId id="258" r:id="rId9"/>
     <p:sldId id="267" r:id="rId10"/>
-    <p:sldId id="264" r:id="rId11"/>
+    <p:sldId id="268" r:id="rId11"/>
+    <p:sldId id="264" r:id="rId12"/>
   </p:sldIdLst>
   <p:sldSz cx="9144000" cy="6858000" type="screen4x3"/>
   <p:notesSz cx="6858000" cy="9144000"/>
@@ -3756,6 +3757,36 @@
 </file>
 
 <file path=ppt/slides/slide10.xml><?xml version="1.0" encoding="utf-8"?>
+<p:sld xmlns:a="http://schemas.openxmlformats.org/drawingml/2006/main" xmlns:r="http://schemas.openxmlformats.org/officeDocument/2006/relationships" xmlns:p="http://schemas.openxmlformats.org/presentationml/2006/main">
+  <p:cSld>
+    <p:spTree>
+      <p:nvGrpSpPr>
+        <p:cNvPr id="1" name=""/>
+        <p:cNvGrpSpPr/>
+        <p:nvPr/>
+      </p:nvGrpSpPr>
+      <p:grpSpPr>
+        <a:xfrm>
+          <a:off x="0" y="0"/>
+          <a:ext cx="0" cy="0"/>
+          <a:chOff x="0" y="0"/>
+          <a:chExt cx="0" cy="0"/>
+        </a:xfrm>
+      </p:grpSpPr>
+    </p:spTree>
+    <p:extLst>
+      <p:ext uri="{BB962C8B-B14F-4D97-AF65-F5344CB8AC3E}">
+        <p14:creationId xmlns:p14="http://schemas.microsoft.com/office/powerpoint/2010/main" val="238525784"/>
+      </p:ext>
+    </p:extLst>
+  </p:cSld>
+  <p:clrMapOvr>
+    <a:masterClrMapping/>
+  </p:clrMapOvr>
+</p:sld>
+</file>
+
+<file path=ppt/slides/slide11.xml><?xml version="1.0" encoding="utf-8"?>
 <p:sld xmlns:a="http://schemas.openxmlformats.org/drawingml/2006/main" xmlns:r="http://schemas.openxmlformats.org/officeDocument/2006/relationships" xmlns:p="http://schemas.openxmlformats.org/presentationml/2006/main">
   <p:cSld>
     <p:spTree>
@@ -5167,7 +5198,7 @@
           <a:p>
             <a:fld id="{0B0F4DA3-A20A-4F1E-9416-A0F769FF6BF0}" type="slidenum">
               <a:rPr lang="en-US" smtClean="0"/>
-              <a:t>10</a:t>
+              <a:t>11</a:t>
             </a:fld>
             <a:endParaRPr lang="en-US"/>
           </a:p>
@@ -6646,7 +6677,7 @@
           <a:graphicData uri="http://schemas.openxmlformats.org/presentationml/2006/ole">
             <mc:AlternateContent xmlns:mc="http://schemas.openxmlformats.org/markup-compatibility/2006">
               <mc:Choice xmlns:v="urn:schemas-microsoft-com:vml" Requires="v">
-                <p:oleObj spid="_x0000_s1056" name="Equation" r:id="rId4" imgW="114120" imgH="215640" progId="Equation.3">
+                <p:oleObj spid="_x0000_s1057" name="Equation" r:id="rId4" imgW="114120" imgH="215640" progId="Equation.3">
                   <p:embed/>
                 </p:oleObj>
               </mc:Choice>
@@ -7623,9 +7654,105 @@
           <a:lstStyle/>
           <a:p>
             <a:pPr algn="ctr"/>
+            <a:endParaRPr lang="en-US" dirty="0"/>
+          </a:p>
+        </p:txBody>
+      </p:sp>
+      <p:sp>
+        <p:nvSpPr>
+          <p:cNvPr id="3" name="Title 2">
+            <a:extLst>
+              <a:ext uri="{FF2B5EF4-FFF2-40B4-BE49-F238E27FC236}">
+                <a16:creationId xmlns:a16="http://schemas.microsoft.com/office/drawing/2014/main" id="{16B66A8A-B520-4E21-990F-1269076A11F3}"/>
+              </a:ext>
+            </a:extLst>
+          </p:cNvPr>
+          <p:cNvSpPr>
+            <a:spLocks noGrp="1"/>
+          </p:cNvSpPr>
+          <p:nvPr>
+            <p:ph type="title"/>
+          </p:nvPr>
+        </p:nvSpPr>
+        <p:spPr/>
+        <p:txBody>
+          <a:bodyPr/>
+          <a:lstStyle/>
+          <a:p>
             <a:r>
               <a:rPr lang="en-US" dirty="0"/>
               <a:t>Motivation and Objectives</a:t>
+            </a:r>
+            <a:br>
+              <a:rPr lang="en-US" dirty="0"/>
+            </a:br>
+            <a:endParaRPr lang="en-US" dirty="0"/>
+          </a:p>
+        </p:txBody>
+      </p:sp>
+      <p:sp>
+        <p:nvSpPr>
+          <p:cNvPr id="4" name="Content Placeholder 3">
+            <a:extLst>
+              <a:ext uri="{FF2B5EF4-FFF2-40B4-BE49-F238E27FC236}">
+                <a16:creationId xmlns:a16="http://schemas.microsoft.com/office/drawing/2014/main" id="{AA8BD4F0-2E6A-409D-B138-61431C8383DA}"/>
+              </a:ext>
+            </a:extLst>
+          </p:cNvPr>
+          <p:cNvSpPr>
+            <a:spLocks noGrp="1"/>
+          </p:cNvSpPr>
+          <p:nvPr>
+            <p:ph idx="1"/>
+          </p:nvPr>
+        </p:nvSpPr>
+        <p:spPr/>
+        <p:txBody>
+          <a:bodyPr/>
+          <a:lstStyle/>
+          <a:p>
+            <a:r>
+              <a:rPr lang="en-US" dirty="0"/>
+              <a:t>The nature of acceptable </a:t>
+            </a:r>
+            <a:r>
+              <a:rPr lang="en-US" dirty="0" err="1"/>
+              <a:t>microstrucute</a:t>
+            </a:r>
+            <a:r>
+              <a:rPr lang="en-US" dirty="0"/>
+              <a:t> in I alloys to mitigate </a:t>
+            </a:r>
+            <a:r>
+              <a:rPr lang="en-US" dirty="0" err="1"/>
+              <a:t>thr</a:t>
+            </a:r>
+            <a:r>
+              <a:rPr lang="en-US" dirty="0"/>
+              <a:t> </a:t>
+            </a:r>
+            <a:r>
+              <a:rPr lang="en-US" dirty="0" err="1"/>
+              <a:t>df</a:t>
+            </a:r>
+            <a:r>
+              <a:rPr lang="en-US" dirty="0"/>
+              <a:t> problem I still unknown</a:t>
+            </a:r>
+          </a:p>
+          <a:p>
+            <a:endParaRPr lang="en-US"/>
+          </a:p>
+          <a:p>
+            <a:pPr marL="0" indent="0">
+              <a:buNone/>
+            </a:pPr>
+            <a:endParaRPr lang="en-US" dirty="0"/>
+          </a:p>
+          <a:p>
+            <a:r>
+              <a:rPr lang="en-US" dirty="0"/>
+              <a:t>Effect of crystallographic relationship of equiaxed, primary alpha with surrounding beta grains and the alpha/alpha grain contact on low cycle fatigue life.</a:t>
             </a:r>
           </a:p>
         </p:txBody>

--- a/Thesis/Comprehensive Exam/References/yazar.pptx
+++ b/Thesis/Comprehensive Exam/References/yazar.pptx
@@ -6677,7 +6677,7 @@
           <a:graphicData uri="http://schemas.openxmlformats.org/presentationml/2006/ole">
             <mc:AlternateContent xmlns:mc="http://schemas.openxmlformats.org/markup-compatibility/2006">
               <mc:Choice xmlns:v="urn:schemas-microsoft-com:vml" Requires="v">
-                <p:oleObj spid="_x0000_s1057" name="Equation" r:id="rId4" imgW="114120" imgH="215640" progId="Equation.3">
+                <p:oleObj spid="_x0000_s1059" name="Equation" r:id="rId4" imgW="114120" imgH="215640" progId="Equation.3">
                   <p:embed/>
                 </p:oleObj>
               </mc:Choice>
@@ -7713,15 +7713,15 @@
           <a:p>
             <a:r>
               <a:rPr lang="en-US" dirty="0"/>
-              <a:t>The nature of acceptable </a:t>
-            </a:r>
-            <a:r>
-              <a:rPr lang="en-US" dirty="0" err="1"/>
-              <a:t>microstrucute</a:t>
+              <a:t>The nature of acceptable microstructure in </a:t>
+            </a:r>
+            <a:r>
+              <a:rPr lang="en-US"/>
+              <a:t>Ti </a:t>
             </a:r>
             <a:r>
               <a:rPr lang="en-US" dirty="0"/>
-              <a:t> in I alloys to mitigate </a:t>
+              <a:t>alloys to mitigate </a:t>
             </a:r>
             <a:r>
               <a:rPr lang="en-US" dirty="0" err="1"/>
@@ -7741,13 +7741,16 @@
             </a:r>
           </a:p>
           <a:p>
-            <a:endParaRPr lang="en-US"/>
+            <a:endParaRPr lang="en-US" dirty="0"/>
           </a:p>
           <a:p>
             <a:pPr marL="0" indent="0">
               <a:buNone/>
             </a:pPr>
-            <a:endParaRPr lang="en-US" dirty="0"/>
+            <a:r>
+              <a:rPr lang="en-US" dirty="0"/>
+              <a:t>Objective</a:t>
+            </a:r>
           </a:p>
           <a:p>
             <a:r>

--- a/Thesis/Comprehensive Exam/References/yazar.pptx
+++ b/Thesis/Comprehensive Exam/References/yazar.pptx
@@ -6677,7 +6677,7 @@
           <a:graphicData uri="http://schemas.openxmlformats.org/presentationml/2006/ole">
             <mc:AlternateContent xmlns:mc="http://schemas.openxmlformats.org/markup-compatibility/2006">
               <mc:Choice xmlns:v="urn:schemas-microsoft-com:vml" Requires="v">
-                <p:oleObj spid="_x0000_s1059" name="Equation" r:id="rId4" imgW="114120" imgH="215640" progId="Equation.3">
+                <p:oleObj spid="_x0000_s1060" name="Equation" r:id="rId4" imgW="114120" imgH="215640" progId="Equation.3">
                   <p:embed/>
                 </p:oleObj>
               </mc:Choice>
@@ -7713,31 +7713,15 @@
           <a:p>
             <a:r>
               <a:rPr lang="en-US" dirty="0"/>
-              <a:t>The nature of acceptable microstructure in </a:t>
-            </a:r>
-            <a:r>
-              <a:rPr lang="en-US"/>
-              <a:t>Ti </a:t>
+              <a:t>The nature of microstructures in </a:t>
+            </a:r>
+            <a:r>
+              <a:rPr lang="en-US" dirty="0" err="1"/>
+              <a:t>Ti</a:t>
             </a:r>
             <a:r>
               <a:rPr lang="en-US" dirty="0"/>
-              <a:t>alloys to mitigate </a:t>
-            </a:r>
-            <a:r>
-              <a:rPr lang="en-US" dirty="0" err="1"/>
-              <a:t>thr</a:t>
-            </a:r>
-            <a:r>
-              <a:rPr lang="en-US" dirty="0"/>
-              <a:t> </a:t>
-            </a:r>
-            <a:r>
-              <a:rPr lang="en-US" dirty="0" err="1"/>
-              <a:t>df</a:t>
-            </a:r>
-            <a:r>
-              <a:rPr lang="en-US" dirty="0"/>
-              <a:t> problem I still unknown</a:t>
+              <a:t> alloys that can mitigate the DF problem is still unknown</a:t>
             </a:r>
           </a:p>
           <a:p>

--- a/Thesis/Comprehensive Exam/References/yazar.pptx
+++ b/Thesis/Comprehensive Exam/References/yazar.pptx
@@ -6677,7 +6677,7 @@
           <a:graphicData uri="http://schemas.openxmlformats.org/presentationml/2006/ole">
             <mc:AlternateContent xmlns:mc="http://schemas.openxmlformats.org/markup-compatibility/2006">
               <mc:Choice xmlns:v="urn:schemas-microsoft-com:vml" Requires="v">
-                <p:oleObj spid="_x0000_s1060" name="Equation" r:id="rId4" imgW="114120" imgH="215640" progId="Equation.3">
+                <p:oleObj spid="_x0000_s1062" name="Equation" r:id="rId4" imgW="114120" imgH="215640" progId="Equation.3">
                   <p:embed/>
                 </p:oleObj>
               </mc:Choice>
@@ -7626,38 +7626,6 @@
           <a:chExt cx="0" cy="0"/>
         </a:xfrm>
       </p:grpSpPr>
-      <p:sp>
-        <p:nvSpPr>
-          <p:cNvPr id="2" name="Rectangle 1">
-            <a:extLst>
-              <a:ext uri="{FF2B5EF4-FFF2-40B4-BE49-F238E27FC236}">
-                <a16:creationId xmlns:a16="http://schemas.microsoft.com/office/drawing/2014/main" id="{C6981FEE-7083-484B-9B52-C6B1FDC7BE5D}"/>
-              </a:ext>
-            </a:extLst>
-          </p:cNvPr>
-          <p:cNvSpPr/>
-          <p:nvPr/>
-        </p:nvSpPr>
-        <p:spPr>
-          <a:xfrm>
-            <a:off x="2703443" y="169830"/>
-            <a:ext cx="3400494" cy="369332"/>
-          </a:xfrm>
-          <a:prstGeom prst="rect">
-            <a:avLst/>
-          </a:prstGeom>
-        </p:spPr>
-        <p:txBody>
-          <a:bodyPr wrap="square">
-            <a:spAutoFit/>
-          </a:bodyPr>
-          <a:lstStyle/>
-          <a:p>
-            <a:pPr algn="ctr"/>
-            <a:endParaRPr lang="en-US" dirty="0"/>
-          </a:p>
-        </p:txBody>
-      </p:sp>
       <p:sp>
         <p:nvSpPr>
           <p:cNvPr id="3" name="Title 2">
